--- a/게임 기획서 남준구.pptx
+++ b/게임 기획서 남준구.pptx
@@ -24,12 +24,10 @@
     <p:sldId id="276" r:id="rId18"/>
     <p:sldId id="280" r:id="rId19"/>
     <p:sldId id="272" r:id="rId20"/>
-    <p:sldId id="278" r:id="rId21"/>
-    <p:sldId id="257" r:id="rId22"/>
-    <p:sldId id="258" r:id="rId23"/>
-    <p:sldId id="262" r:id="rId24"/>
-    <p:sldId id="260" r:id="rId25"/>
-    <p:sldId id="264" r:id="rId26"/>
+    <p:sldId id="282" r:id="rId21"/>
+    <p:sldId id="278" r:id="rId22"/>
+    <p:sldId id="283" r:id="rId23"/>
+    <p:sldId id="264" r:id="rId24"/>
   </p:sldIdLst>
   <p:sldSz cx="12192000" cy="6858000"/>
   <p:notesSz cx="6858000" cy="9144000"/>
@@ -136,3451 +134,6 @@
 </p:presentation>
 </file>
 
-<file path=ppt/charts/chart1.xml><?xml version="1.0" encoding="utf-8"?>
-<c:chartSpace xmlns:c="http://schemas.openxmlformats.org/drawingml/2006/chart" xmlns:a="http://schemas.openxmlformats.org/drawingml/2006/main" xmlns:r="http://schemas.openxmlformats.org/officeDocument/2006/relationships" xmlns:c16r2="http://schemas.microsoft.com/office/drawing/2015/06/chart">
-  <c:date1904 val="0"/>
-  <c:lang val="ko-KR"/>
-  <c:roundedCorners val="0"/>
-  <mc:AlternateContent xmlns:mc="http://schemas.openxmlformats.org/markup-compatibility/2006">
-    <mc:Choice xmlns:c14="http://schemas.microsoft.com/office/drawing/2007/8/2/chart" Requires="c14">
-      <c14:style val="108"/>
-    </mc:Choice>
-    <mc:Fallback>
-      <c:style val="8"/>
-    </mc:Fallback>
-  </mc:AlternateContent>
-  <c:chart>
-    <c:autoTitleDeleted val="1"/>
-    <c:plotArea>
-      <c:layout>
-        <c:manualLayout>
-          <c:layoutTarget val="inner"/>
-          <c:xMode val="edge"/>
-          <c:yMode val="edge"/>
-          <c:x val="6.6437434383433261E-2"/>
-          <c:y val="1.867891513560805E-2"/>
-          <c:w val="0.93033617461479357"/>
-          <c:h val="1"/>
-        </c:manualLayout>
-      </c:layout>
-      <c:doughnutChart>
-        <c:varyColors val="1"/>
-        <c:ser>
-          <c:idx val="0"/>
-          <c:order val="0"/>
-          <c:tx>
-            <c:strRef>
-              <c:f>Sheet1!$B$1</c:f>
-              <c:strCache>
-                <c:ptCount val="1"/>
-                <c:pt idx="0">
-                  <c:v>판매</c:v>
-                </c:pt>
-              </c:strCache>
-            </c:strRef>
-          </c:tx>
-          <c:dPt>
-            <c:idx val="0"/>
-            <c:bubble3D val="0"/>
-            <c:spPr>
-              <a:solidFill>
-                <a:schemeClr val="accent6">
-                  <a:tint val="58000"/>
-                </a:schemeClr>
-              </a:solidFill>
-              <a:ln w="19050">
-                <a:solidFill>
-                  <a:schemeClr val="lt1"/>
-                </a:solidFill>
-              </a:ln>
-              <a:effectLst/>
-            </c:spPr>
-            <c:extLst>
-              <c:ext xmlns:c16="http://schemas.microsoft.com/office/drawing/2014/chart" uri="{C3380CC4-5D6E-409C-BE32-E72D297353CC}">
-                <c16:uniqueId val="{00000001-924B-416C-8389-AFED5850658A}"/>
-              </c:ext>
-            </c:extLst>
-          </c:dPt>
-          <c:dPt>
-            <c:idx val="1"/>
-            <c:bubble3D val="0"/>
-            <c:spPr>
-              <a:solidFill>
-                <a:schemeClr val="accent6">
-                  <a:tint val="86000"/>
-                </a:schemeClr>
-              </a:solidFill>
-              <a:ln w="19050">
-                <a:solidFill>
-                  <a:schemeClr val="lt1"/>
-                </a:solidFill>
-              </a:ln>
-              <a:effectLst/>
-            </c:spPr>
-            <c:extLst>
-              <c:ext xmlns:c16="http://schemas.microsoft.com/office/drawing/2014/chart" uri="{C3380CC4-5D6E-409C-BE32-E72D297353CC}">
-                <c16:uniqueId val="{00000003-924B-416C-8389-AFED5850658A}"/>
-              </c:ext>
-            </c:extLst>
-          </c:dPt>
-          <c:dPt>
-            <c:idx val="2"/>
-            <c:bubble3D val="0"/>
-            <c:spPr>
-              <a:solidFill>
-                <a:schemeClr val="accent6">
-                  <a:shade val="86000"/>
-                </a:schemeClr>
-              </a:solidFill>
-              <a:ln w="19050">
-                <a:solidFill>
-                  <a:schemeClr val="lt1"/>
-                </a:solidFill>
-              </a:ln>
-              <a:effectLst/>
-            </c:spPr>
-            <c:extLst>
-              <c:ext xmlns:c16="http://schemas.microsoft.com/office/drawing/2014/chart" uri="{C3380CC4-5D6E-409C-BE32-E72D297353CC}">
-                <c16:uniqueId val="{00000005-924B-416C-8389-AFED5850658A}"/>
-              </c:ext>
-            </c:extLst>
-          </c:dPt>
-          <c:dPt>
-            <c:idx val="3"/>
-            <c:bubble3D val="0"/>
-            <c:spPr>
-              <a:solidFill>
-                <a:schemeClr val="accent6">
-                  <a:shade val="58000"/>
-                </a:schemeClr>
-              </a:solidFill>
-              <a:ln w="19050">
-                <a:solidFill>
-                  <a:schemeClr val="lt1"/>
-                </a:solidFill>
-              </a:ln>
-              <a:effectLst/>
-            </c:spPr>
-            <c:extLst>
-              <c:ext xmlns:c16="http://schemas.microsoft.com/office/drawing/2014/chart" uri="{C3380CC4-5D6E-409C-BE32-E72D297353CC}">
-                <c16:uniqueId val="{00000007-924B-416C-8389-AFED5850658A}"/>
-              </c:ext>
-            </c:extLst>
-          </c:dPt>
-          <c:cat>
-            <c:strRef>
-              <c:f>Sheet1!$A$2:$A$5</c:f>
-              <c:strCache>
-                <c:ptCount val="4"/>
-                <c:pt idx="0">
-                  <c:v>1분기</c:v>
-                </c:pt>
-                <c:pt idx="1">
-                  <c:v>2분기</c:v>
-                </c:pt>
-                <c:pt idx="2">
-                  <c:v>3분기</c:v>
-                </c:pt>
-                <c:pt idx="3">
-                  <c:v>4분기</c:v>
-                </c:pt>
-              </c:strCache>
-            </c:strRef>
-          </c:cat>
-          <c:val>
-            <c:numRef>
-              <c:f>Sheet1!$B$2:$B$5</c:f>
-              <c:numCache>
-                <c:formatCode>General</c:formatCode>
-                <c:ptCount val="4"/>
-                <c:pt idx="0">
-                  <c:v>8.1999999999999993</c:v>
-                </c:pt>
-                <c:pt idx="1">
-                  <c:v>3.2</c:v>
-                </c:pt>
-                <c:pt idx="2">
-                  <c:v>1.4</c:v>
-                </c:pt>
-                <c:pt idx="3">
-                  <c:v>1.2</c:v>
-                </c:pt>
-              </c:numCache>
-            </c:numRef>
-          </c:val>
-          <c:extLst>
-            <c:ext xmlns:c16="http://schemas.microsoft.com/office/drawing/2014/chart" uri="{C3380CC4-5D6E-409C-BE32-E72D297353CC}">
-              <c16:uniqueId val="{00000000-C828-4891-A29B-5289F6468C8C}"/>
-            </c:ext>
-          </c:extLst>
-        </c:ser>
-        <c:dLbls>
-          <c:showLegendKey val="0"/>
-          <c:showVal val="0"/>
-          <c:showCatName val="0"/>
-          <c:showSerName val="0"/>
-          <c:showPercent val="0"/>
-          <c:showBubbleSize val="0"/>
-          <c:showLeaderLines val="1"/>
-        </c:dLbls>
-        <c:firstSliceAng val="0"/>
-        <c:holeSize val="60"/>
-      </c:doughnutChart>
-      <c:spPr>
-        <a:noFill/>
-        <a:ln>
-          <a:noFill/>
-        </a:ln>
-        <a:effectLst/>
-      </c:spPr>
-    </c:plotArea>
-    <c:plotVisOnly val="1"/>
-    <c:dispBlanksAs val="gap"/>
-    <c:extLst>
-      <c:ext xmlns:c16r3="http://schemas.microsoft.com/office/drawing/2017/03/chart" uri="{56B9EC1D-385E-4148-901F-78D8002777C0}">
-        <c16r3:dataDisplayOptions16>
-          <c16r3:dispNaAsBlank val="1"/>
-        </c16r3:dataDisplayOptions16>
-      </c:ext>
-    </c:extLst>
-    <c:showDLblsOverMax val="0"/>
-  </c:chart>
-  <c:spPr>
-    <a:noFill/>
-    <a:ln>
-      <a:noFill/>
-    </a:ln>
-    <a:effectLst/>
-  </c:spPr>
-  <c:txPr>
-    <a:bodyPr/>
-    <a:lstStyle/>
-    <a:p>
-      <a:pPr>
-        <a:defRPr/>
-      </a:pPr>
-      <a:endParaRPr lang="ko-KR"/>
-    </a:p>
-  </c:txPr>
-  <c:externalData r:id="rId3">
-    <c:autoUpdate val="0"/>
-  </c:externalData>
-</c:chartSpace>
-</file>
-
-<file path=ppt/charts/chart2.xml><?xml version="1.0" encoding="utf-8"?>
-<c:chartSpace xmlns:c="http://schemas.openxmlformats.org/drawingml/2006/chart" xmlns:a="http://schemas.openxmlformats.org/drawingml/2006/main" xmlns:r="http://schemas.openxmlformats.org/officeDocument/2006/relationships" xmlns:c16r2="http://schemas.microsoft.com/office/drawing/2015/06/chart">
-  <c:date1904 val="0"/>
-  <c:lang val="ko-KR"/>
-  <c:roundedCorners val="0"/>
-  <mc:AlternateContent xmlns:mc="http://schemas.openxmlformats.org/markup-compatibility/2006">
-    <mc:Choice xmlns:c14="http://schemas.microsoft.com/office/drawing/2007/8/2/chart" Requires="c14">
-      <c14:style val="108"/>
-    </mc:Choice>
-    <mc:Fallback>
-      <c:style val="8"/>
-    </mc:Fallback>
-  </mc:AlternateContent>
-  <c:chart>
-    <c:autoTitleDeleted val="1"/>
-    <c:plotArea>
-      <c:layout>
-        <c:manualLayout>
-          <c:layoutTarget val="inner"/>
-          <c:xMode val="edge"/>
-          <c:yMode val="edge"/>
-          <c:x val="4.7451328042193576E-2"/>
-          <c:y val="1.8679192164190648E-2"/>
-          <c:w val="0.93033617461479357"/>
-          <c:h val="1"/>
-        </c:manualLayout>
-      </c:layout>
-      <c:doughnutChart>
-        <c:varyColors val="1"/>
-        <c:ser>
-          <c:idx val="0"/>
-          <c:order val="0"/>
-          <c:tx>
-            <c:strRef>
-              <c:f>Sheet1!$B$1</c:f>
-              <c:strCache>
-                <c:ptCount val="1"/>
-                <c:pt idx="0">
-                  <c:v>판매</c:v>
-                </c:pt>
-              </c:strCache>
-            </c:strRef>
-          </c:tx>
-          <c:dPt>
-            <c:idx val="0"/>
-            <c:bubble3D val="0"/>
-            <c:spPr>
-              <a:solidFill>
-                <a:schemeClr val="accent6">
-                  <a:tint val="58000"/>
-                </a:schemeClr>
-              </a:solidFill>
-              <a:ln w="19050">
-                <a:solidFill>
-                  <a:schemeClr val="lt1"/>
-                </a:solidFill>
-              </a:ln>
-              <a:effectLst/>
-            </c:spPr>
-            <c:extLst>
-              <c:ext xmlns:c16="http://schemas.microsoft.com/office/drawing/2014/chart" uri="{C3380CC4-5D6E-409C-BE32-E72D297353CC}">
-                <c16:uniqueId val="{00000001-2518-4851-8A75-EF74D88E6442}"/>
-              </c:ext>
-            </c:extLst>
-          </c:dPt>
-          <c:dPt>
-            <c:idx val="1"/>
-            <c:bubble3D val="0"/>
-            <c:spPr>
-              <a:solidFill>
-                <a:schemeClr val="accent6">
-                  <a:tint val="86000"/>
-                </a:schemeClr>
-              </a:solidFill>
-              <a:ln w="19050">
-                <a:solidFill>
-                  <a:schemeClr val="lt1"/>
-                </a:solidFill>
-              </a:ln>
-              <a:effectLst/>
-            </c:spPr>
-            <c:extLst>
-              <c:ext xmlns:c16="http://schemas.microsoft.com/office/drawing/2014/chart" uri="{C3380CC4-5D6E-409C-BE32-E72D297353CC}">
-                <c16:uniqueId val="{00000003-2518-4851-8A75-EF74D88E6442}"/>
-              </c:ext>
-            </c:extLst>
-          </c:dPt>
-          <c:dPt>
-            <c:idx val="2"/>
-            <c:bubble3D val="0"/>
-            <c:spPr>
-              <a:solidFill>
-                <a:schemeClr val="accent6">
-                  <a:shade val="86000"/>
-                </a:schemeClr>
-              </a:solidFill>
-              <a:ln w="19050">
-                <a:solidFill>
-                  <a:schemeClr val="lt1"/>
-                </a:solidFill>
-              </a:ln>
-              <a:effectLst/>
-            </c:spPr>
-            <c:extLst>
-              <c:ext xmlns:c16="http://schemas.microsoft.com/office/drawing/2014/chart" uri="{C3380CC4-5D6E-409C-BE32-E72D297353CC}">
-                <c16:uniqueId val="{00000005-2518-4851-8A75-EF74D88E6442}"/>
-              </c:ext>
-            </c:extLst>
-          </c:dPt>
-          <c:dPt>
-            <c:idx val="3"/>
-            <c:bubble3D val="0"/>
-            <c:spPr>
-              <a:solidFill>
-                <a:schemeClr val="accent6">
-                  <a:shade val="58000"/>
-                </a:schemeClr>
-              </a:solidFill>
-              <a:ln w="19050">
-                <a:solidFill>
-                  <a:schemeClr val="lt1"/>
-                </a:solidFill>
-              </a:ln>
-              <a:effectLst/>
-            </c:spPr>
-            <c:extLst>
-              <c:ext xmlns:c16="http://schemas.microsoft.com/office/drawing/2014/chart" uri="{C3380CC4-5D6E-409C-BE32-E72D297353CC}">
-                <c16:uniqueId val="{00000007-2518-4851-8A75-EF74D88E6442}"/>
-              </c:ext>
-            </c:extLst>
-          </c:dPt>
-          <c:cat>
-            <c:strRef>
-              <c:f>Sheet1!$A$2:$A$5</c:f>
-              <c:strCache>
-                <c:ptCount val="4"/>
-                <c:pt idx="0">
-                  <c:v>1분기</c:v>
-                </c:pt>
-                <c:pt idx="1">
-                  <c:v>2분기</c:v>
-                </c:pt>
-                <c:pt idx="2">
-                  <c:v>3분기</c:v>
-                </c:pt>
-                <c:pt idx="3">
-                  <c:v>4분기</c:v>
-                </c:pt>
-              </c:strCache>
-            </c:strRef>
-          </c:cat>
-          <c:val>
-            <c:numRef>
-              <c:f>Sheet1!$B$2:$B$5</c:f>
-              <c:numCache>
-                <c:formatCode>General</c:formatCode>
-                <c:ptCount val="4"/>
-                <c:pt idx="0">
-                  <c:v>6.2</c:v>
-                </c:pt>
-                <c:pt idx="1">
-                  <c:v>5</c:v>
-                </c:pt>
-                <c:pt idx="2">
-                  <c:v>2.6</c:v>
-                </c:pt>
-                <c:pt idx="3">
-                  <c:v>4</c:v>
-                </c:pt>
-              </c:numCache>
-            </c:numRef>
-          </c:val>
-          <c:extLst>
-            <c:ext xmlns:c16="http://schemas.microsoft.com/office/drawing/2014/chart" uri="{C3380CC4-5D6E-409C-BE32-E72D297353CC}">
-              <c16:uniqueId val="{00000008-2518-4851-8A75-EF74D88E6442}"/>
-            </c:ext>
-          </c:extLst>
-        </c:ser>
-        <c:dLbls>
-          <c:showLegendKey val="0"/>
-          <c:showVal val="0"/>
-          <c:showCatName val="0"/>
-          <c:showSerName val="0"/>
-          <c:showPercent val="0"/>
-          <c:showBubbleSize val="0"/>
-          <c:showLeaderLines val="1"/>
-        </c:dLbls>
-        <c:firstSliceAng val="0"/>
-        <c:holeSize val="60"/>
-      </c:doughnutChart>
-      <c:spPr>
-        <a:noFill/>
-        <a:ln>
-          <a:noFill/>
-        </a:ln>
-        <a:effectLst/>
-      </c:spPr>
-    </c:plotArea>
-    <c:plotVisOnly val="1"/>
-    <c:dispBlanksAs val="gap"/>
-    <c:extLst>
-      <c:ext xmlns:c16r3="http://schemas.microsoft.com/office/drawing/2017/03/chart" uri="{56B9EC1D-385E-4148-901F-78D8002777C0}">
-        <c16r3:dataDisplayOptions16>
-          <c16r3:dispNaAsBlank val="1"/>
-        </c16r3:dataDisplayOptions16>
-      </c:ext>
-    </c:extLst>
-    <c:showDLblsOverMax val="0"/>
-  </c:chart>
-  <c:spPr>
-    <a:noFill/>
-    <a:ln>
-      <a:noFill/>
-    </a:ln>
-    <a:effectLst/>
-  </c:spPr>
-  <c:txPr>
-    <a:bodyPr/>
-    <a:lstStyle/>
-    <a:p>
-      <a:pPr>
-        <a:defRPr/>
-      </a:pPr>
-      <a:endParaRPr lang="ko-KR"/>
-    </a:p>
-  </c:txPr>
-  <c:externalData r:id="rId3">
-    <c:autoUpdate val="0"/>
-  </c:externalData>
-</c:chartSpace>
-</file>
-
-<file path=ppt/charts/chart3.xml><?xml version="1.0" encoding="utf-8"?>
-<c:chartSpace xmlns:c="http://schemas.openxmlformats.org/drawingml/2006/chart" xmlns:a="http://schemas.openxmlformats.org/drawingml/2006/main" xmlns:r="http://schemas.openxmlformats.org/officeDocument/2006/relationships" xmlns:c16r2="http://schemas.microsoft.com/office/drawing/2015/06/chart">
-  <c:date1904 val="0"/>
-  <c:lang val="ko-KR"/>
-  <c:roundedCorners val="0"/>
-  <mc:AlternateContent xmlns:mc="http://schemas.openxmlformats.org/markup-compatibility/2006">
-    <mc:Choice xmlns:c14="http://schemas.microsoft.com/office/drawing/2007/8/2/chart" Requires="c14">
-      <c14:style val="108"/>
-    </mc:Choice>
-    <mc:Fallback>
-      <c:style val="8"/>
-    </mc:Fallback>
-  </mc:AlternateContent>
-  <c:chart>
-    <c:autoTitleDeleted val="1"/>
-    <c:plotArea>
-      <c:layout>
-        <c:manualLayout>
-          <c:layoutTarget val="inner"/>
-          <c:xMode val="edge"/>
-          <c:yMode val="edge"/>
-          <c:x val="4.7451328042193576E-2"/>
-          <c:y val="1.8679192164190648E-2"/>
-          <c:w val="0.93033617461479357"/>
-          <c:h val="1"/>
-        </c:manualLayout>
-      </c:layout>
-      <c:doughnutChart>
-        <c:varyColors val="1"/>
-        <c:ser>
-          <c:idx val="0"/>
-          <c:order val="0"/>
-          <c:tx>
-            <c:strRef>
-              <c:f>Sheet1!$B$1</c:f>
-              <c:strCache>
-                <c:ptCount val="1"/>
-                <c:pt idx="0">
-                  <c:v>판매</c:v>
-                </c:pt>
-              </c:strCache>
-            </c:strRef>
-          </c:tx>
-          <c:dPt>
-            <c:idx val="0"/>
-            <c:bubble3D val="0"/>
-            <c:spPr>
-              <a:solidFill>
-                <a:schemeClr val="accent6">
-                  <a:tint val="58000"/>
-                </a:schemeClr>
-              </a:solidFill>
-              <a:ln w="19050">
-                <a:solidFill>
-                  <a:schemeClr val="lt1"/>
-                </a:solidFill>
-              </a:ln>
-              <a:effectLst/>
-            </c:spPr>
-            <c:extLst>
-              <c:ext xmlns:c16="http://schemas.microsoft.com/office/drawing/2014/chart" uri="{C3380CC4-5D6E-409C-BE32-E72D297353CC}">
-                <c16:uniqueId val="{00000001-C816-477C-BF11-72331AE15086}"/>
-              </c:ext>
-            </c:extLst>
-          </c:dPt>
-          <c:dPt>
-            <c:idx val="1"/>
-            <c:bubble3D val="0"/>
-            <c:spPr>
-              <a:solidFill>
-                <a:schemeClr val="accent6">
-                  <a:tint val="86000"/>
-                </a:schemeClr>
-              </a:solidFill>
-              <a:ln w="19050">
-                <a:solidFill>
-                  <a:schemeClr val="lt1"/>
-                </a:solidFill>
-              </a:ln>
-              <a:effectLst/>
-            </c:spPr>
-            <c:extLst>
-              <c:ext xmlns:c16="http://schemas.microsoft.com/office/drawing/2014/chart" uri="{C3380CC4-5D6E-409C-BE32-E72D297353CC}">
-                <c16:uniqueId val="{00000003-C816-477C-BF11-72331AE15086}"/>
-              </c:ext>
-            </c:extLst>
-          </c:dPt>
-          <c:dPt>
-            <c:idx val="2"/>
-            <c:bubble3D val="0"/>
-            <c:spPr>
-              <a:solidFill>
-                <a:schemeClr val="accent6">
-                  <a:shade val="86000"/>
-                </a:schemeClr>
-              </a:solidFill>
-              <a:ln w="19050">
-                <a:solidFill>
-                  <a:schemeClr val="lt1"/>
-                </a:solidFill>
-              </a:ln>
-              <a:effectLst/>
-            </c:spPr>
-            <c:extLst>
-              <c:ext xmlns:c16="http://schemas.microsoft.com/office/drawing/2014/chart" uri="{C3380CC4-5D6E-409C-BE32-E72D297353CC}">
-                <c16:uniqueId val="{00000005-C816-477C-BF11-72331AE15086}"/>
-              </c:ext>
-            </c:extLst>
-          </c:dPt>
-          <c:dPt>
-            <c:idx val="3"/>
-            <c:bubble3D val="0"/>
-            <c:spPr>
-              <a:solidFill>
-                <a:schemeClr val="accent6">
-                  <a:shade val="58000"/>
-                </a:schemeClr>
-              </a:solidFill>
-              <a:ln w="19050">
-                <a:solidFill>
-                  <a:schemeClr val="lt1"/>
-                </a:solidFill>
-              </a:ln>
-              <a:effectLst/>
-            </c:spPr>
-            <c:extLst>
-              <c:ext xmlns:c16="http://schemas.microsoft.com/office/drawing/2014/chart" uri="{C3380CC4-5D6E-409C-BE32-E72D297353CC}">
-                <c16:uniqueId val="{00000007-C816-477C-BF11-72331AE15086}"/>
-              </c:ext>
-            </c:extLst>
-          </c:dPt>
-          <c:cat>
-            <c:strRef>
-              <c:f>Sheet1!$A$2:$A$5</c:f>
-              <c:strCache>
-                <c:ptCount val="4"/>
-                <c:pt idx="0">
-                  <c:v>1분기</c:v>
-                </c:pt>
-                <c:pt idx="1">
-                  <c:v>2분기</c:v>
-                </c:pt>
-                <c:pt idx="2">
-                  <c:v>3분기</c:v>
-                </c:pt>
-                <c:pt idx="3">
-                  <c:v>4분기</c:v>
-                </c:pt>
-              </c:strCache>
-            </c:strRef>
-          </c:cat>
-          <c:val>
-            <c:numRef>
-              <c:f>Sheet1!$B$2:$B$5</c:f>
-              <c:numCache>
-                <c:formatCode>General</c:formatCode>
-                <c:ptCount val="4"/>
-                <c:pt idx="0">
-                  <c:v>3</c:v>
-                </c:pt>
-                <c:pt idx="1">
-                  <c:v>3.2</c:v>
-                </c:pt>
-                <c:pt idx="2">
-                  <c:v>4</c:v>
-                </c:pt>
-                <c:pt idx="3">
-                  <c:v>5</c:v>
-                </c:pt>
-              </c:numCache>
-            </c:numRef>
-          </c:val>
-          <c:extLst>
-            <c:ext xmlns:c16="http://schemas.microsoft.com/office/drawing/2014/chart" uri="{C3380CC4-5D6E-409C-BE32-E72D297353CC}">
-              <c16:uniqueId val="{00000008-C816-477C-BF11-72331AE15086}"/>
-            </c:ext>
-          </c:extLst>
-        </c:ser>
-        <c:dLbls>
-          <c:showLegendKey val="0"/>
-          <c:showVal val="0"/>
-          <c:showCatName val="0"/>
-          <c:showSerName val="0"/>
-          <c:showPercent val="0"/>
-          <c:showBubbleSize val="0"/>
-          <c:showLeaderLines val="1"/>
-        </c:dLbls>
-        <c:firstSliceAng val="0"/>
-        <c:holeSize val="60"/>
-      </c:doughnutChart>
-      <c:spPr>
-        <a:noFill/>
-        <a:ln>
-          <a:noFill/>
-        </a:ln>
-        <a:effectLst/>
-      </c:spPr>
-    </c:plotArea>
-    <c:plotVisOnly val="1"/>
-    <c:dispBlanksAs val="gap"/>
-    <c:extLst>
-      <c:ext xmlns:c16r3="http://schemas.microsoft.com/office/drawing/2017/03/chart" uri="{56B9EC1D-385E-4148-901F-78D8002777C0}">
-        <c16r3:dataDisplayOptions16>
-          <c16r3:dispNaAsBlank val="1"/>
-        </c16r3:dataDisplayOptions16>
-      </c:ext>
-    </c:extLst>
-    <c:showDLblsOverMax val="0"/>
-  </c:chart>
-  <c:spPr>
-    <a:noFill/>
-    <a:ln>
-      <a:noFill/>
-    </a:ln>
-    <a:effectLst/>
-  </c:spPr>
-  <c:txPr>
-    <a:bodyPr/>
-    <a:lstStyle/>
-    <a:p>
-      <a:pPr>
-        <a:defRPr/>
-      </a:pPr>
-      <a:endParaRPr lang="ko-KR"/>
-    </a:p>
-  </c:txPr>
-  <c:externalData r:id="rId3">
-    <c:autoUpdate val="0"/>
-  </c:externalData>
-</c:chartSpace>
-</file>
-
-<file path=ppt/charts/chart4.xml><?xml version="1.0" encoding="utf-8"?>
-<c:chartSpace xmlns:c="http://schemas.openxmlformats.org/drawingml/2006/chart" xmlns:a="http://schemas.openxmlformats.org/drawingml/2006/main" xmlns:r="http://schemas.openxmlformats.org/officeDocument/2006/relationships" xmlns:c16r2="http://schemas.microsoft.com/office/drawing/2015/06/chart">
-  <c:date1904 val="0"/>
-  <c:lang val="ko-KR"/>
-  <c:roundedCorners val="0"/>
-  <mc:AlternateContent xmlns:mc="http://schemas.openxmlformats.org/markup-compatibility/2006">
-    <mc:Choice xmlns:c14="http://schemas.microsoft.com/office/drawing/2007/8/2/chart" Requires="c14">
-      <c14:style val="108"/>
-    </mc:Choice>
-    <mc:Fallback>
-      <c:style val="8"/>
-    </mc:Fallback>
-  </mc:AlternateContent>
-  <c:chart>
-    <c:autoTitleDeleted val="1"/>
-    <c:plotArea>
-      <c:layout/>
-      <c:lineChart>
-        <c:grouping val="standard"/>
-        <c:varyColors val="0"/>
-        <c:ser>
-          <c:idx val="0"/>
-          <c:order val="0"/>
-          <c:tx>
-            <c:strRef>
-              <c:f>Sheet1!$B$1</c:f>
-              <c:strCache>
-                <c:ptCount val="1"/>
-                <c:pt idx="0">
-                  <c:v>계열 1</c:v>
-                </c:pt>
-              </c:strCache>
-            </c:strRef>
-          </c:tx>
-          <c:spPr>
-            <a:ln w="28575" cap="rnd">
-              <a:solidFill>
-                <a:schemeClr val="accent6">
-                  <a:tint val="65000"/>
-                </a:schemeClr>
-              </a:solidFill>
-              <a:round/>
-            </a:ln>
-            <a:effectLst/>
-          </c:spPr>
-          <c:marker>
-            <c:symbol val="none"/>
-          </c:marker>
-          <c:cat>
-            <c:strRef>
-              <c:f>Sheet1!$A$2:$A$6</c:f>
-              <c:strCache>
-                <c:ptCount val="5"/>
-                <c:pt idx="0">
-                  <c:v>A</c:v>
-                </c:pt>
-                <c:pt idx="1">
-                  <c:v>B</c:v>
-                </c:pt>
-                <c:pt idx="2">
-                  <c:v>C</c:v>
-                </c:pt>
-                <c:pt idx="3">
-                  <c:v>D</c:v>
-                </c:pt>
-                <c:pt idx="4">
-                  <c:v>E</c:v>
-                </c:pt>
-              </c:strCache>
-            </c:strRef>
-          </c:cat>
-          <c:val>
-            <c:numRef>
-              <c:f>Sheet1!$B$2:$B$6</c:f>
-              <c:numCache>
-                <c:formatCode>General</c:formatCode>
-                <c:ptCount val="5"/>
-                <c:pt idx="0">
-                  <c:v>4.3</c:v>
-                </c:pt>
-                <c:pt idx="1">
-                  <c:v>2.5</c:v>
-                </c:pt>
-                <c:pt idx="2">
-                  <c:v>3.5</c:v>
-                </c:pt>
-                <c:pt idx="3">
-                  <c:v>4.5</c:v>
-                </c:pt>
-                <c:pt idx="4">
-                  <c:v>3.7</c:v>
-                </c:pt>
-              </c:numCache>
-            </c:numRef>
-          </c:val>
-          <c:smooth val="0"/>
-          <c:extLst>
-            <c:ext xmlns:c16="http://schemas.microsoft.com/office/drawing/2014/chart" uri="{C3380CC4-5D6E-409C-BE32-E72D297353CC}">
-              <c16:uniqueId val="{00000000-5A0F-400A-8A59-3E91FC5C2CF3}"/>
-            </c:ext>
-          </c:extLst>
-        </c:ser>
-        <c:ser>
-          <c:idx val="1"/>
-          <c:order val="1"/>
-          <c:tx>
-            <c:strRef>
-              <c:f>Sheet1!$C$1</c:f>
-              <c:strCache>
-                <c:ptCount val="1"/>
-                <c:pt idx="0">
-                  <c:v>계열 2</c:v>
-                </c:pt>
-              </c:strCache>
-            </c:strRef>
-          </c:tx>
-          <c:spPr>
-            <a:ln w="28575" cap="rnd">
-              <a:solidFill>
-                <a:schemeClr val="accent6"/>
-              </a:solidFill>
-              <a:round/>
-            </a:ln>
-            <a:effectLst/>
-          </c:spPr>
-          <c:marker>
-            <c:symbol val="none"/>
-          </c:marker>
-          <c:cat>
-            <c:strRef>
-              <c:f>Sheet1!$A$2:$A$6</c:f>
-              <c:strCache>
-                <c:ptCount val="5"/>
-                <c:pt idx="0">
-                  <c:v>A</c:v>
-                </c:pt>
-                <c:pt idx="1">
-                  <c:v>B</c:v>
-                </c:pt>
-                <c:pt idx="2">
-                  <c:v>C</c:v>
-                </c:pt>
-                <c:pt idx="3">
-                  <c:v>D</c:v>
-                </c:pt>
-                <c:pt idx="4">
-                  <c:v>E</c:v>
-                </c:pt>
-              </c:strCache>
-            </c:strRef>
-          </c:cat>
-          <c:val>
-            <c:numRef>
-              <c:f>Sheet1!$C$2:$C$6</c:f>
-              <c:numCache>
-                <c:formatCode>General</c:formatCode>
-                <c:ptCount val="5"/>
-                <c:pt idx="0">
-                  <c:v>2.4</c:v>
-                </c:pt>
-                <c:pt idx="1">
-                  <c:v>4.4000000000000004</c:v>
-                </c:pt>
-                <c:pt idx="2">
-                  <c:v>1.8</c:v>
-                </c:pt>
-                <c:pt idx="3">
-                  <c:v>2.8</c:v>
-                </c:pt>
-                <c:pt idx="4">
-                  <c:v>2</c:v>
-                </c:pt>
-              </c:numCache>
-            </c:numRef>
-          </c:val>
-          <c:smooth val="0"/>
-          <c:extLst>
-            <c:ext xmlns:c16="http://schemas.microsoft.com/office/drawing/2014/chart" uri="{C3380CC4-5D6E-409C-BE32-E72D297353CC}">
-              <c16:uniqueId val="{00000001-5A0F-400A-8A59-3E91FC5C2CF3}"/>
-            </c:ext>
-          </c:extLst>
-        </c:ser>
-        <c:ser>
-          <c:idx val="2"/>
-          <c:order val="2"/>
-          <c:tx>
-            <c:strRef>
-              <c:f>Sheet1!$D$1</c:f>
-              <c:strCache>
-                <c:ptCount val="1"/>
-                <c:pt idx="0">
-                  <c:v>계열 3</c:v>
-                </c:pt>
-              </c:strCache>
-            </c:strRef>
-          </c:tx>
-          <c:spPr>
-            <a:ln w="28575" cap="rnd">
-              <a:solidFill>
-                <a:schemeClr val="accent6">
-                  <a:shade val="65000"/>
-                </a:schemeClr>
-              </a:solidFill>
-              <a:round/>
-            </a:ln>
-            <a:effectLst/>
-          </c:spPr>
-          <c:marker>
-            <c:symbol val="none"/>
-          </c:marker>
-          <c:cat>
-            <c:strRef>
-              <c:f>Sheet1!$A$2:$A$6</c:f>
-              <c:strCache>
-                <c:ptCount val="5"/>
-                <c:pt idx="0">
-                  <c:v>A</c:v>
-                </c:pt>
-                <c:pt idx="1">
-                  <c:v>B</c:v>
-                </c:pt>
-                <c:pt idx="2">
-                  <c:v>C</c:v>
-                </c:pt>
-                <c:pt idx="3">
-                  <c:v>D</c:v>
-                </c:pt>
-                <c:pt idx="4">
-                  <c:v>E</c:v>
-                </c:pt>
-              </c:strCache>
-            </c:strRef>
-          </c:cat>
-          <c:val>
-            <c:numRef>
-              <c:f>Sheet1!$D$2:$D$6</c:f>
-              <c:numCache>
-                <c:formatCode>General</c:formatCode>
-                <c:ptCount val="5"/>
-                <c:pt idx="0">
-                  <c:v>2</c:v>
-                </c:pt>
-                <c:pt idx="1">
-                  <c:v>2</c:v>
-                </c:pt>
-                <c:pt idx="2">
-                  <c:v>3</c:v>
-                </c:pt>
-                <c:pt idx="3">
-                  <c:v>5</c:v>
-                </c:pt>
-                <c:pt idx="4">
-                  <c:v>3</c:v>
-                </c:pt>
-              </c:numCache>
-            </c:numRef>
-          </c:val>
-          <c:smooth val="0"/>
-          <c:extLst>
-            <c:ext xmlns:c16="http://schemas.microsoft.com/office/drawing/2014/chart" uri="{C3380CC4-5D6E-409C-BE32-E72D297353CC}">
-              <c16:uniqueId val="{00000002-5A0F-400A-8A59-3E91FC5C2CF3}"/>
-            </c:ext>
-          </c:extLst>
-        </c:ser>
-        <c:dLbls>
-          <c:showLegendKey val="0"/>
-          <c:showVal val="0"/>
-          <c:showCatName val="0"/>
-          <c:showSerName val="0"/>
-          <c:showPercent val="0"/>
-          <c:showBubbleSize val="0"/>
-        </c:dLbls>
-        <c:smooth val="0"/>
-        <c:axId val="427080224"/>
-        <c:axId val="427701328"/>
-      </c:lineChart>
-      <c:catAx>
-        <c:axId val="427080224"/>
-        <c:scaling>
-          <c:orientation val="minMax"/>
-        </c:scaling>
-        <c:delete val="1"/>
-        <c:axPos val="b"/>
-        <c:numFmt formatCode="General" sourceLinked="1"/>
-        <c:majorTickMark val="none"/>
-        <c:minorTickMark val="none"/>
-        <c:tickLblPos val="nextTo"/>
-        <c:crossAx val="427701328"/>
-        <c:crosses val="autoZero"/>
-        <c:auto val="1"/>
-        <c:lblAlgn val="ctr"/>
-        <c:lblOffset val="100"/>
-        <c:noMultiLvlLbl val="0"/>
-      </c:catAx>
-      <c:valAx>
-        <c:axId val="427701328"/>
-        <c:scaling>
-          <c:orientation val="minMax"/>
-        </c:scaling>
-        <c:delete val="1"/>
-        <c:axPos val="l"/>
-        <c:majorGridlines>
-          <c:spPr>
-            <a:ln w="9525" cap="flat" cmpd="sng" algn="ctr">
-              <a:noFill/>
-              <a:round/>
-            </a:ln>
-            <a:effectLst/>
-          </c:spPr>
-        </c:majorGridlines>
-        <c:numFmt formatCode="General" sourceLinked="1"/>
-        <c:majorTickMark val="none"/>
-        <c:minorTickMark val="none"/>
-        <c:tickLblPos val="nextTo"/>
-        <c:crossAx val="427080224"/>
-        <c:crosses val="autoZero"/>
-        <c:crossBetween val="between"/>
-      </c:valAx>
-      <c:spPr>
-        <a:noFill/>
-        <a:ln>
-          <a:noFill/>
-        </a:ln>
-        <a:effectLst/>
-      </c:spPr>
-    </c:plotArea>
-    <c:plotVisOnly val="1"/>
-    <c:dispBlanksAs val="gap"/>
-    <c:extLst>
-      <c:ext xmlns:c16r3="http://schemas.microsoft.com/office/drawing/2017/03/chart" uri="{56B9EC1D-385E-4148-901F-78D8002777C0}">
-        <c16r3:dataDisplayOptions16>
-          <c16r3:dispNaAsBlank val="1"/>
-        </c16r3:dataDisplayOptions16>
-      </c:ext>
-    </c:extLst>
-    <c:showDLblsOverMax val="0"/>
-  </c:chart>
-  <c:spPr>
-    <a:noFill/>
-    <a:ln>
-      <a:noFill/>
-    </a:ln>
-    <a:effectLst/>
-  </c:spPr>
-  <c:txPr>
-    <a:bodyPr/>
-    <a:lstStyle/>
-    <a:p>
-      <a:pPr>
-        <a:defRPr/>
-      </a:pPr>
-      <a:endParaRPr lang="ko-KR"/>
-    </a:p>
-  </c:txPr>
-  <c:externalData r:id="rId3">
-    <c:autoUpdate val="0"/>
-  </c:externalData>
-</c:chartSpace>
-</file>
-
-<file path=ppt/charts/chart5.xml><?xml version="1.0" encoding="utf-8"?>
-<c:chartSpace xmlns:c="http://schemas.openxmlformats.org/drawingml/2006/chart" xmlns:a="http://schemas.openxmlformats.org/drawingml/2006/main" xmlns:r="http://schemas.openxmlformats.org/officeDocument/2006/relationships" xmlns:c16r2="http://schemas.microsoft.com/office/drawing/2015/06/chart">
-  <c:date1904 val="0"/>
-  <c:lang val="ko-KR"/>
-  <c:roundedCorners val="0"/>
-  <mc:AlternateContent xmlns:mc="http://schemas.openxmlformats.org/markup-compatibility/2006">
-    <mc:Choice xmlns:c14="http://schemas.microsoft.com/office/drawing/2007/8/2/chart" Requires="c14">
-      <c14:style val="103"/>
-    </mc:Choice>
-    <mc:Fallback>
-      <c:style val="3"/>
-    </mc:Fallback>
-  </mc:AlternateContent>
-  <c:chart>
-    <c:autoTitleDeleted val="1"/>
-    <c:plotArea>
-      <c:layout/>
-      <c:barChart>
-        <c:barDir val="col"/>
-        <c:grouping val="clustered"/>
-        <c:varyColors val="0"/>
-        <c:ser>
-          <c:idx val="0"/>
-          <c:order val="0"/>
-          <c:tx>
-            <c:strRef>
-              <c:f>Sheet1!$B$1</c:f>
-              <c:strCache>
-                <c:ptCount val="1"/>
-                <c:pt idx="0">
-                  <c:v> E </c:v>
-                </c:pt>
-              </c:strCache>
-            </c:strRef>
-          </c:tx>
-          <c:spPr>
-            <a:solidFill>
-              <a:schemeClr val="bg1">
-                <a:lumMod val="75000"/>
-              </a:schemeClr>
-            </a:solidFill>
-            <a:ln w="28575" cap="rnd">
-              <a:noFill/>
-              <a:round/>
-            </a:ln>
-            <a:effectLst/>
-          </c:spPr>
-          <c:invertIfNegative val="0"/>
-          <c:dPt>
-            <c:idx val="0"/>
-            <c:invertIfNegative val="0"/>
-            <c:bubble3D val="0"/>
-            <c:extLst>
-              <c:ext xmlns:c16="http://schemas.microsoft.com/office/drawing/2014/chart" uri="{C3380CC4-5D6E-409C-BE32-E72D297353CC}">
-                <c16:uniqueId val="{00000000-599D-4E6C-BCA8-C52F3DAEDBA7}"/>
-              </c:ext>
-            </c:extLst>
-          </c:dPt>
-          <c:dPt>
-            <c:idx val="1"/>
-            <c:invertIfNegative val="0"/>
-            <c:bubble3D val="0"/>
-            <c:extLst>
-              <c:ext xmlns:c16="http://schemas.microsoft.com/office/drawing/2014/chart" uri="{C3380CC4-5D6E-409C-BE32-E72D297353CC}">
-                <c16:uniqueId val="{00000001-599D-4E6C-BCA8-C52F3DAEDBA7}"/>
-              </c:ext>
-            </c:extLst>
-          </c:dPt>
-          <c:dPt>
-            <c:idx val="2"/>
-            <c:invertIfNegative val="0"/>
-            <c:bubble3D val="0"/>
-            <c:extLst>
-              <c:ext xmlns:c16="http://schemas.microsoft.com/office/drawing/2014/chart" uri="{C3380CC4-5D6E-409C-BE32-E72D297353CC}">
-                <c16:uniqueId val="{00000002-599D-4E6C-BCA8-C52F3DAEDBA7}"/>
-              </c:ext>
-            </c:extLst>
-          </c:dPt>
-          <c:dPt>
-            <c:idx val="3"/>
-            <c:invertIfNegative val="0"/>
-            <c:bubble3D val="0"/>
-            <c:extLst>
-              <c:ext xmlns:c16="http://schemas.microsoft.com/office/drawing/2014/chart" uri="{C3380CC4-5D6E-409C-BE32-E72D297353CC}">
-                <c16:uniqueId val="{00000003-599D-4E6C-BCA8-C52F3DAEDBA7}"/>
-              </c:ext>
-            </c:extLst>
-          </c:dPt>
-          <c:dLbls>
-            <c:dLbl>
-              <c:idx val="1"/>
-              <c:tx>
-                <c:rich>
-                  <a:bodyPr/>
-                  <a:lstStyle/>
-                  <a:p>
-                    <a:fld id="{8D77E528-B3C6-4B73-BC5B-2D95A806DA16}" type="VALUE">
-                      <a:rPr lang="en-US" altLang="ko-KR" smtClean="0"/>
-                      <a:pPr/>
-                      <a:t>[값]</a:t>
-                    </a:fld>
-                    <a:endParaRPr lang="ko-KR" altLang="en-US"/>
-                  </a:p>
-                </c:rich>
-              </c:tx>
-              <c:dLblPos val="outEnd"/>
-              <c:showLegendKey val="0"/>
-              <c:showVal val="1"/>
-              <c:showCatName val="0"/>
-              <c:showSerName val="0"/>
-              <c:showPercent val="0"/>
-              <c:showBubbleSize val="0"/>
-              <c:separator> </c:separator>
-              <c:extLst>
-                <c:ext xmlns:c15="http://schemas.microsoft.com/office/drawing/2012/chart" uri="{CE6537A1-D6FC-4f65-9D91-7224C49458BB}">
-                  <c15:dlblFieldTable/>
-                  <c15:showDataLabelsRange val="0"/>
-                </c:ext>
-                <c:ext xmlns:c16="http://schemas.microsoft.com/office/drawing/2014/chart" uri="{C3380CC4-5D6E-409C-BE32-E72D297353CC}">
-                  <c16:uniqueId val="{00000001-599D-4E6C-BCA8-C52F3DAEDBA7}"/>
-                </c:ext>
-              </c:extLst>
-            </c:dLbl>
-            <c:spPr>
-              <a:noFill/>
-              <a:ln>
-                <a:noFill/>
-              </a:ln>
-              <a:effectLst/>
-            </c:spPr>
-            <c:txPr>
-              <a:bodyPr/>
-              <a:lstStyle/>
-              <a:p>
-                <a:pPr>
-                  <a:defRPr sz="1100" b="1">
-                    <a:solidFill>
-                      <a:schemeClr val="tx1">
-                        <a:lumMod val="65000"/>
-                        <a:lumOff val="35000"/>
-                      </a:schemeClr>
-                    </a:solidFill>
-                    <a:latin typeface="Noto Sans CJK KR Light" pitchFamily="34" charset="-127"/>
-                    <a:ea typeface="Noto Sans CJK KR Light" pitchFamily="34" charset="-127"/>
-                  </a:defRPr>
-                </a:pPr>
-                <a:endParaRPr lang="ko-KR"/>
-              </a:p>
-            </c:txPr>
-            <c:dLblPos val="outEnd"/>
-            <c:showLegendKey val="0"/>
-            <c:showVal val="1"/>
-            <c:showCatName val="0"/>
-            <c:showSerName val="0"/>
-            <c:showPercent val="0"/>
-            <c:showBubbleSize val="0"/>
-            <c:separator> </c:separator>
-            <c:showLeaderLines val="0"/>
-            <c:extLst>
-              <c:ext xmlns:c15="http://schemas.microsoft.com/office/drawing/2012/chart" uri="{CE6537A1-D6FC-4f65-9D91-7224C49458BB}">
-                <c15:showLeaderLines val="0"/>
-              </c:ext>
-            </c:extLst>
-          </c:dLbls>
-          <c:cat>
-            <c:strRef>
-              <c:f>Sheet1!$A$2:$A$5</c:f>
-              <c:strCache>
-                <c:ptCount val="4"/>
-                <c:pt idx="0">
-                  <c:v>A</c:v>
-                </c:pt>
-                <c:pt idx="1">
-                  <c:v>B</c:v>
-                </c:pt>
-                <c:pt idx="2">
-                  <c:v>C</c:v>
-                </c:pt>
-                <c:pt idx="3">
-                  <c:v>D</c:v>
-                </c:pt>
-              </c:strCache>
-            </c:strRef>
-          </c:cat>
-          <c:val>
-            <c:numRef>
-              <c:f>Sheet1!$B$2:$B$5</c:f>
-              <c:numCache>
-                <c:formatCode>_(* #,##0_);_(* \(#,##0\);_(* "-"_);_(@_)</c:formatCode>
-                <c:ptCount val="4"/>
-                <c:pt idx="0">
-                  <c:v>7000</c:v>
-                </c:pt>
-                <c:pt idx="1">
-                  <c:v>10000</c:v>
-                </c:pt>
-                <c:pt idx="2">
-                  <c:v>12500</c:v>
-                </c:pt>
-                <c:pt idx="3">
-                  <c:v>15000</c:v>
-                </c:pt>
-              </c:numCache>
-            </c:numRef>
-          </c:val>
-          <c:extLst>
-            <c:ext xmlns:c16="http://schemas.microsoft.com/office/drawing/2014/chart" uri="{C3380CC4-5D6E-409C-BE32-E72D297353CC}">
-              <c16:uniqueId val="{00000004-599D-4E6C-BCA8-C52F3DAEDBA7}"/>
-            </c:ext>
-          </c:extLst>
-        </c:ser>
-        <c:dLbls>
-          <c:showLegendKey val="0"/>
-          <c:showVal val="0"/>
-          <c:showCatName val="0"/>
-          <c:showSerName val="0"/>
-          <c:showPercent val="0"/>
-          <c:showBubbleSize val="0"/>
-        </c:dLbls>
-        <c:gapWidth val="266"/>
-        <c:overlap val="50"/>
-        <c:axId val="343810352"/>
-        <c:axId val="254060776"/>
-      </c:barChart>
-      <c:catAx>
-        <c:axId val="343810352"/>
-        <c:scaling>
-          <c:orientation val="minMax"/>
-        </c:scaling>
-        <c:delete val="1"/>
-        <c:axPos val="b"/>
-        <c:numFmt formatCode="General" sourceLinked="1"/>
-        <c:majorTickMark val="none"/>
-        <c:minorTickMark val="none"/>
-        <c:tickLblPos val="nextTo"/>
-        <c:crossAx val="254060776"/>
-        <c:crosses val="autoZero"/>
-        <c:auto val="1"/>
-        <c:lblAlgn val="ctr"/>
-        <c:lblOffset val="100"/>
-        <c:noMultiLvlLbl val="0"/>
-      </c:catAx>
-      <c:valAx>
-        <c:axId val="254060776"/>
-        <c:scaling>
-          <c:orientation val="minMax"/>
-        </c:scaling>
-        <c:delete val="1"/>
-        <c:axPos val="l"/>
-        <c:numFmt formatCode="_(* #,##0_);_(* \(#,##0\);_(* &quot;-&quot;_);_(@_)" sourceLinked="1"/>
-        <c:majorTickMark val="none"/>
-        <c:minorTickMark val="none"/>
-        <c:tickLblPos val="nextTo"/>
-        <c:crossAx val="343810352"/>
-        <c:crosses val="autoZero"/>
-        <c:crossBetween val="between"/>
-      </c:valAx>
-      <c:spPr>
-        <a:noFill/>
-        <a:ln>
-          <a:noFill/>
-        </a:ln>
-        <a:effectLst/>
-      </c:spPr>
-    </c:plotArea>
-    <c:plotVisOnly val="1"/>
-    <c:dispBlanksAs val="gap"/>
-    <c:showDLblsOverMax val="0"/>
-  </c:chart>
-  <c:spPr>
-    <a:noFill/>
-    <a:ln>
-      <a:noFill/>
-    </a:ln>
-    <a:effectLst/>
-  </c:spPr>
-  <c:txPr>
-    <a:bodyPr/>
-    <a:lstStyle/>
-    <a:p>
-      <a:pPr>
-        <a:defRPr/>
-      </a:pPr>
-      <a:endParaRPr lang="ko-KR"/>
-    </a:p>
-  </c:txPr>
-  <c:externalData r:id="rId1">
-    <c:autoUpdate val="0"/>
-  </c:externalData>
-</c:chartSpace>
-</file>
-
-<file path=ppt/charts/colors1.xml><?xml version="1.0" encoding="utf-8"?>
-<cs:colorStyle xmlns:cs="http://schemas.microsoft.com/office/drawing/2012/chartStyle" xmlns:a="http://schemas.openxmlformats.org/drawingml/2006/main" meth="withinLinearReversed" id="26">
-  <a:schemeClr val="accent6"/>
-</cs:colorStyle>
-</file>
-
-<file path=ppt/charts/colors2.xml><?xml version="1.0" encoding="utf-8"?>
-<cs:colorStyle xmlns:cs="http://schemas.microsoft.com/office/drawing/2012/chartStyle" xmlns:a="http://schemas.openxmlformats.org/drawingml/2006/main" meth="withinLinearReversed" id="26">
-  <a:schemeClr val="accent6"/>
-</cs:colorStyle>
-</file>
-
-<file path=ppt/charts/colors3.xml><?xml version="1.0" encoding="utf-8"?>
-<cs:colorStyle xmlns:cs="http://schemas.microsoft.com/office/drawing/2012/chartStyle" xmlns:a="http://schemas.openxmlformats.org/drawingml/2006/main" meth="withinLinearReversed" id="26">
-  <a:schemeClr val="accent6"/>
-</cs:colorStyle>
-</file>
-
-<file path=ppt/charts/colors4.xml><?xml version="1.0" encoding="utf-8"?>
-<cs:colorStyle xmlns:cs="http://schemas.microsoft.com/office/drawing/2012/chartStyle" xmlns:a="http://schemas.openxmlformats.org/drawingml/2006/main" meth="withinLinearReversed" id="26">
-  <a:schemeClr val="accent6"/>
-</cs:colorStyle>
-</file>
-
-<file path=ppt/charts/style1.xml><?xml version="1.0" encoding="utf-8"?>
-<cs:chartStyle xmlns:cs="http://schemas.microsoft.com/office/drawing/2012/chartStyle" xmlns:a="http://schemas.openxmlformats.org/drawingml/2006/main" id="251">
-  <cs:axisTitle>
-    <cs:lnRef idx="0"/>
-    <cs:fillRef idx="0"/>
-    <cs:effectRef idx="0"/>
-    <cs:fontRef idx="minor">
-      <a:schemeClr val="tx1">
-        <a:lumMod val="65000"/>
-        <a:lumOff val="35000"/>
-      </a:schemeClr>
-    </cs:fontRef>
-    <cs:defRPr sz="1330" kern="1200"/>
-  </cs:axisTitle>
-  <cs:categoryAxis>
-    <cs:lnRef idx="0"/>
-    <cs:fillRef idx="0"/>
-    <cs:effectRef idx="0"/>
-    <cs:fontRef idx="minor">
-      <a:schemeClr val="tx1">
-        <a:lumMod val="65000"/>
-        <a:lumOff val="35000"/>
-      </a:schemeClr>
-    </cs:fontRef>
-    <cs:spPr>
-      <a:ln w="9525" cap="flat" cmpd="sng" algn="ctr">
-        <a:solidFill>
-          <a:schemeClr val="tx1">
-            <a:lumMod val="15000"/>
-            <a:lumOff val="85000"/>
-          </a:schemeClr>
-        </a:solidFill>
-        <a:round/>
-      </a:ln>
-    </cs:spPr>
-    <cs:defRPr sz="1197" kern="1200"/>
-  </cs:categoryAxis>
-  <cs:chartArea mods="allowNoFillOverride allowNoLineOverride">
-    <cs:lnRef idx="0"/>
-    <cs:fillRef idx="0"/>
-    <cs:effectRef idx="0"/>
-    <cs:fontRef idx="minor">
-      <a:schemeClr val="tx1"/>
-    </cs:fontRef>
-    <cs:spPr>
-      <a:solidFill>
-        <a:schemeClr val="bg1"/>
-      </a:solidFill>
-      <a:ln w="9525" cap="flat" cmpd="sng" algn="ctr">
-        <a:solidFill>
-          <a:schemeClr val="tx1">
-            <a:lumMod val="15000"/>
-            <a:lumOff val="85000"/>
-          </a:schemeClr>
-        </a:solidFill>
-        <a:round/>
-      </a:ln>
-    </cs:spPr>
-    <cs:defRPr sz="1197" kern="1200"/>
-  </cs:chartArea>
-  <cs:dataLabel>
-    <cs:lnRef idx="0"/>
-    <cs:fillRef idx="0"/>
-    <cs:effectRef idx="0"/>
-    <cs:fontRef idx="minor">
-      <a:schemeClr val="tx1">
-        <a:lumMod val="75000"/>
-        <a:lumOff val="25000"/>
-      </a:schemeClr>
-    </cs:fontRef>
-    <cs:defRPr sz="1197" kern="1200"/>
-  </cs:dataLabel>
-  <cs:dataLabelCallout>
-    <cs:lnRef idx="0"/>
-    <cs:fillRef idx="0"/>
-    <cs:effectRef idx="0"/>
-    <cs:fontRef idx="minor">
-      <a:schemeClr val="dk1">
-        <a:lumMod val="65000"/>
-        <a:lumOff val="35000"/>
-      </a:schemeClr>
-    </cs:fontRef>
-    <cs:spPr>
-      <a:solidFill>
-        <a:schemeClr val="lt1"/>
-      </a:solidFill>
-      <a:ln>
-        <a:solidFill>
-          <a:schemeClr val="dk1">
-            <a:lumMod val="25000"/>
-            <a:lumOff val="75000"/>
-          </a:schemeClr>
-        </a:solidFill>
-      </a:ln>
-    </cs:spPr>
-    <cs:defRPr sz="1197" kern="1200"/>
-    <cs:bodyPr rot="0" spcFirstLastPara="1" vertOverflow="clip" horzOverflow="clip" vert="horz" wrap="square" lIns="36576" tIns="18288" rIns="36576" bIns="18288" anchor="ctr" anchorCtr="1">
-      <a:spAutoFit/>
-    </cs:bodyPr>
-  </cs:dataLabelCallout>
-  <cs:dataPoint>
-    <cs:lnRef idx="0"/>
-    <cs:fillRef idx="1">
-      <cs:styleClr val="auto"/>
-    </cs:fillRef>
-    <cs:effectRef idx="0"/>
-    <cs:fontRef idx="minor">
-      <a:schemeClr val="tx1"/>
-    </cs:fontRef>
-    <cs:spPr>
-      <a:ln w="19050">
-        <a:solidFill>
-          <a:schemeClr val="lt1"/>
-        </a:solidFill>
-      </a:ln>
-    </cs:spPr>
-  </cs:dataPoint>
-  <cs:dataPoint3D>
-    <cs:lnRef idx="0"/>
-    <cs:fillRef idx="1">
-      <cs:styleClr val="auto"/>
-    </cs:fillRef>
-    <cs:effectRef idx="0"/>
-    <cs:fontRef idx="minor">
-      <a:schemeClr val="tx1"/>
-    </cs:fontRef>
-    <cs:spPr>
-      <a:ln w="25400">
-        <a:solidFill>
-          <a:schemeClr val="lt1"/>
-        </a:solidFill>
-      </a:ln>
-    </cs:spPr>
-  </cs:dataPoint3D>
-  <cs:dataPointLine>
-    <cs:lnRef idx="0">
-      <cs:styleClr val="auto"/>
-    </cs:lnRef>
-    <cs:fillRef idx="0"/>
-    <cs:effectRef idx="0"/>
-    <cs:fontRef idx="minor">
-      <a:schemeClr val="tx1"/>
-    </cs:fontRef>
-    <cs:spPr>
-      <a:ln w="28575" cap="rnd">
-        <a:solidFill>
-          <a:schemeClr val="phClr"/>
-        </a:solidFill>
-        <a:round/>
-      </a:ln>
-    </cs:spPr>
-  </cs:dataPointLine>
-  <cs:dataPointMarker>
-    <cs:lnRef idx="0">
-      <cs:styleClr val="auto"/>
-    </cs:lnRef>
-    <cs:fillRef idx="1">
-      <cs:styleClr val="auto"/>
-    </cs:fillRef>
-    <cs:effectRef idx="0"/>
-    <cs:fontRef idx="minor">
-      <a:schemeClr val="tx1"/>
-    </cs:fontRef>
-    <cs:spPr>
-      <a:ln w="9525">
-        <a:solidFill>
-          <a:schemeClr val="phClr"/>
-        </a:solidFill>
-      </a:ln>
-    </cs:spPr>
-  </cs:dataPointMarker>
-  <cs:dataPointMarkerLayout symbol="circle" size="5"/>
-  <cs:dataPointWireframe>
-    <cs:lnRef idx="0">
-      <cs:styleClr val="auto"/>
-    </cs:lnRef>
-    <cs:fillRef idx="0"/>
-    <cs:effectRef idx="0"/>
-    <cs:fontRef idx="minor">
-      <a:schemeClr val="tx1"/>
-    </cs:fontRef>
-    <cs:spPr>
-      <a:ln w="9525" cap="rnd">
-        <a:solidFill>
-          <a:schemeClr val="phClr"/>
-        </a:solidFill>
-        <a:round/>
-      </a:ln>
-    </cs:spPr>
-  </cs:dataPointWireframe>
-  <cs:dataTable>
-    <cs:lnRef idx="0"/>
-    <cs:fillRef idx="0"/>
-    <cs:effectRef idx="0"/>
-    <cs:fontRef idx="minor">
-      <a:schemeClr val="tx1">
-        <a:lumMod val="65000"/>
-        <a:lumOff val="35000"/>
-      </a:schemeClr>
-    </cs:fontRef>
-    <cs:spPr>
-      <a:noFill/>
-      <a:ln w="9525" cap="flat" cmpd="sng" algn="ctr">
-        <a:solidFill>
-          <a:schemeClr val="tx1">
-            <a:lumMod val="15000"/>
-            <a:lumOff val="85000"/>
-          </a:schemeClr>
-        </a:solidFill>
-        <a:round/>
-      </a:ln>
-    </cs:spPr>
-    <cs:defRPr sz="1197" kern="1200"/>
-  </cs:dataTable>
-  <cs:downBar>
-    <cs:lnRef idx="0"/>
-    <cs:fillRef idx="0"/>
-    <cs:effectRef idx="0"/>
-    <cs:fontRef idx="minor">
-      <a:schemeClr val="tx1"/>
-    </cs:fontRef>
-    <cs:spPr>
-      <a:solidFill>
-        <a:schemeClr val="dk1">
-          <a:lumMod val="75000"/>
-          <a:lumOff val="25000"/>
-        </a:schemeClr>
-      </a:solidFill>
-      <a:ln w="9525" cap="flat" cmpd="sng" algn="ctr">
-        <a:solidFill>
-          <a:schemeClr val="tx1">
-            <a:lumMod val="65000"/>
-            <a:lumOff val="35000"/>
-          </a:schemeClr>
-        </a:solidFill>
-        <a:round/>
-      </a:ln>
-    </cs:spPr>
-  </cs:downBar>
-  <cs:dropLine>
-    <cs:lnRef idx="0"/>
-    <cs:fillRef idx="0"/>
-    <cs:effectRef idx="0"/>
-    <cs:fontRef idx="minor">
-      <a:schemeClr val="tx1"/>
-    </cs:fontRef>
-    <cs:spPr>
-      <a:ln w="9525" cap="flat" cmpd="sng" algn="ctr">
-        <a:solidFill>
-          <a:schemeClr val="tx1">
-            <a:lumMod val="35000"/>
-            <a:lumOff val="65000"/>
-          </a:schemeClr>
-        </a:solidFill>
-        <a:round/>
-      </a:ln>
-    </cs:spPr>
-  </cs:dropLine>
-  <cs:errorBar>
-    <cs:lnRef idx="0"/>
-    <cs:fillRef idx="0"/>
-    <cs:effectRef idx="0"/>
-    <cs:fontRef idx="minor">
-      <a:schemeClr val="tx1"/>
-    </cs:fontRef>
-    <cs:spPr>
-      <a:ln w="9525" cap="flat" cmpd="sng" algn="ctr">
-        <a:solidFill>
-          <a:schemeClr val="tx1">
-            <a:lumMod val="65000"/>
-            <a:lumOff val="35000"/>
-          </a:schemeClr>
-        </a:solidFill>
-        <a:round/>
-      </a:ln>
-    </cs:spPr>
-  </cs:errorBar>
-  <cs:floor>
-    <cs:lnRef idx="0"/>
-    <cs:fillRef idx="0"/>
-    <cs:effectRef idx="0"/>
-    <cs:fontRef idx="minor">
-      <a:schemeClr val="tx1"/>
-    </cs:fontRef>
-    <cs:spPr>
-      <a:noFill/>
-      <a:ln>
-        <a:noFill/>
-      </a:ln>
-    </cs:spPr>
-  </cs:floor>
-  <cs:gridlineMajor>
-    <cs:lnRef idx="0"/>
-    <cs:fillRef idx="0"/>
-    <cs:effectRef idx="0"/>
-    <cs:fontRef idx="minor">
-      <a:schemeClr val="tx1"/>
-    </cs:fontRef>
-    <cs:spPr>
-      <a:ln w="9525" cap="flat" cmpd="sng" algn="ctr">
-        <a:solidFill>
-          <a:schemeClr val="tx1">
-            <a:lumMod val="15000"/>
-            <a:lumOff val="85000"/>
-          </a:schemeClr>
-        </a:solidFill>
-        <a:round/>
-      </a:ln>
-    </cs:spPr>
-  </cs:gridlineMajor>
-  <cs:gridlineMinor>
-    <cs:lnRef idx="0"/>
-    <cs:fillRef idx="0"/>
-    <cs:effectRef idx="0"/>
-    <cs:fontRef idx="minor">
-      <a:schemeClr val="tx1"/>
-    </cs:fontRef>
-    <cs:spPr>
-      <a:ln w="9525" cap="flat" cmpd="sng" algn="ctr">
-        <a:solidFill>
-          <a:schemeClr val="tx1">
-            <a:lumMod val="5000"/>
-            <a:lumOff val="95000"/>
-          </a:schemeClr>
-        </a:solidFill>
-        <a:round/>
-      </a:ln>
-    </cs:spPr>
-  </cs:gridlineMinor>
-  <cs:hiLoLine>
-    <cs:lnRef idx="0"/>
-    <cs:fillRef idx="0"/>
-    <cs:effectRef idx="0"/>
-    <cs:fontRef idx="minor">
-      <a:schemeClr val="tx1"/>
-    </cs:fontRef>
-    <cs:spPr>
-      <a:ln w="9525" cap="flat" cmpd="sng" algn="ctr">
-        <a:solidFill>
-          <a:schemeClr val="tx1">
-            <a:lumMod val="50000"/>
-            <a:lumOff val="50000"/>
-          </a:schemeClr>
-        </a:solidFill>
-        <a:round/>
-      </a:ln>
-    </cs:spPr>
-  </cs:hiLoLine>
-  <cs:leaderLine>
-    <cs:lnRef idx="0"/>
-    <cs:fillRef idx="0"/>
-    <cs:effectRef idx="0"/>
-    <cs:fontRef idx="minor">
-      <a:schemeClr val="tx1"/>
-    </cs:fontRef>
-    <cs:spPr>
-      <a:ln w="9525" cap="flat" cmpd="sng" algn="ctr">
-        <a:solidFill>
-          <a:schemeClr val="tx1">
-            <a:lumMod val="35000"/>
-            <a:lumOff val="65000"/>
-          </a:schemeClr>
-        </a:solidFill>
-        <a:round/>
-      </a:ln>
-    </cs:spPr>
-  </cs:leaderLine>
-  <cs:legend>
-    <cs:lnRef idx="0"/>
-    <cs:fillRef idx="0"/>
-    <cs:effectRef idx="0"/>
-    <cs:fontRef idx="minor">
-      <a:schemeClr val="tx1">
-        <a:lumMod val="65000"/>
-        <a:lumOff val="35000"/>
-      </a:schemeClr>
-    </cs:fontRef>
-    <cs:defRPr sz="1197" kern="1200"/>
-  </cs:legend>
-  <cs:plotArea mods="allowNoFillOverride allowNoLineOverride">
-    <cs:lnRef idx="0"/>
-    <cs:fillRef idx="0"/>
-    <cs:effectRef idx="0"/>
-    <cs:fontRef idx="minor">
-      <a:schemeClr val="tx1"/>
-    </cs:fontRef>
-  </cs:plotArea>
-  <cs:plotArea3D mods="allowNoFillOverride allowNoLineOverride">
-    <cs:lnRef idx="0"/>
-    <cs:fillRef idx="0"/>
-    <cs:effectRef idx="0"/>
-    <cs:fontRef idx="minor">
-      <a:schemeClr val="tx1"/>
-    </cs:fontRef>
-  </cs:plotArea3D>
-  <cs:seriesAxis>
-    <cs:lnRef idx="0"/>
-    <cs:fillRef idx="0"/>
-    <cs:effectRef idx="0"/>
-    <cs:fontRef idx="minor">
-      <a:schemeClr val="tx1">
-        <a:lumMod val="65000"/>
-        <a:lumOff val="35000"/>
-      </a:schemeClr>
-    </cs:fontRef>
-    <cs:defRPr sz="1197" kern="1200"/>
-  </cs:seriesAxis>
-  <cs:seriesLine>
-    <cs:lnRef idx="0"/>
-    <cs:fillRef idx="0"/>
-    <cs:effectRef idx="0"/>
-    <cs:fontRef idx="minor">
-      <a:schemeClr val="tx1"/>
-    </cs:fontRef>
-    <cs:spPr>
-      <a:ln w="9525" cap="flat" cmpd="sng" algn="ctr">
-        <a:solidFill>
-          <a:schemeClr val="tx1">
-            <a:lumMod val="35000"/>
-            <a:lumOff val="65000"/>
-          </a:schemeClr>
-        </a:solidFill>
-        <a:round/>
-      </a:ln>
-    </cs:spPr>
-  </cs:seriesLine>
-  <cs:title>
-    <cs:lnRef idx="0"/>
-    <cs:fillRef idx="0"/>
-    <cs:effectRef idx="0"/>
-    <cs:fontRef idx="minor">
-      <a:schemeClr val="tx1">
-        <a:lumMod val="65000"/>
-        <a:lumOff val="35000"/>
-      </a:schemeClr>
-    </cs:fontRef>
-    <cs:defRPr sz="1862" b="0" kern="1200" spc="0" baseline="0"/>
-  </cs:title>
-  <cs:trendline>
-    <cs:lnRef idx="0">
-      <cs:styleClr val="auto"/>
-    </cs:lnRef>
-    <cs:fillRef idx="0"/>
-    <cs:effectRef idx="0"/>
-    <cs:fontRef idx="minor">
-      <a:schemeClr val="tx1"/>
-    </cs:fontRef>
-    <cs:spPr>
-      <a:ln w="19050" cap="rnd">
-        <a:solidFill>
-          <a:schemeClr val="phClr"/>
-        </a:solidFill>
-        <a:prstDash val="sysDot"/>
-      </a:ln>
-    </cs:spPr>
-  </cs:trendline>
-  <cs:trendlineLabel>
-    <cs:lnRef idx="0"/>
-    <cs:fillRef idx="0"/>
-    <cs:effectRef idx="0"/>
-    <cs:fontRef idx="minor">
-      <a:schemeClr val="tx1">
-        <a:lumMod val="65000"/>
-        <a:lumOff val="35000"/>
-      </a:schemeClr>
-    </cs:fontRef>
-    <cs:defRPr sz="1197" kern="1200"/>
-  </cs:trendlineLabel>
-  <cs:upBar>
-    <cs:lnRef idx="0"/>
-    <cs:fillRef idx="0"/>
-    <cs:effectRef idx="0"/>
-    <cs:fontRef idx="minor">
-      <a:schemeClr val="tx1"/>
-    </cs:fontRef>
-    <cs:spPr>
-      <a:solidFill>
-        <a:schemeClr val="lt1"/>
-      </a:solidFill>
-      <a:ln w="9525" cap="flat" cmpd="sng" algn="ctr">
-        <a:solidFill>
-          <a:schemeClr val="tx1">
-            <a:lumMod val="65000"/>
-            <a:lumOff val="35000"/>
-          </a:schemeClr>
-        </a:solidFill>
-        <a:round/>
-      </a:ln>
-    </cs:spPr>
-  </cs:upBar>
-  <cs:valueAxis>
-    <cs:lnRef idx="0"/>
-    <cs:fillRef idx="0"/>
-    <cs:effectRef idx="0"/>
-    <cs:fontRef idx="minor">
-      <a:schemeClr val="tx1">
-        <a:lumMod val="65000"/>
-        <a:lumOff val="35000"/>
-      </a:schemeClr>
-    </cs:fontRef>
-    <cs:defRPr sz="1197" kern="1200"/>
-  </cs:valueAxis>
-  <cs:wall>
-    <cs:lnRef idx="0"/>
-    <cs:fillRef idx="0"/>
-    <cs:effectRef idx="0"/>
-    <cs:fontRef idx="minor">
-      <a:schemeClr val="tx1"/>
-    </cs:fontRef>
-    <cs:spPr>
-      <a:noFill/>
-      <a:ln>
-        <a:noFill/>
-      </a:ln>
-    </cs:spPr>
-  </cs:wall>
-</cs:chartStyle>
-</file>
-
-<file path=ppt/charts/style2.xml><?xml version="1.0" encoding="utf-8"?>
-<cs:chartStyle xmlns:cs="http://schemas.microsoft.com/office/drawing/2012/chartStyle" xmlns:a="http://schemas.openxmlformats.org/drawingml/2006/main" id="251">
-  <cs:axisTitle>
-    <cs:lnRef idx="0"/>
-    <cs:fillRef idx="0"/>
-    <cs:effectRef idx="0"/>
-    <cs:fontRef idx="minor">
-      <a:schemeClr val="tx1">
-        <a:lumMod val="65000"/>
-        <a:lumOff val="35000"/>
-      </a:schemeClr>
-    </cs:fontRef>
-    <cs:defRPr sz="1330" kern="1200"/>
-  </cs:axisTitle>
-  <cs:categoryAxis>
-    <cs:lnRef idx="0"/>
-    <cs:fillRef idx="0"/>
-    <cs:effectRef idx="0"/>
-    <cs:fontRef idx="minor">
-      <a:schemeClr val="tx1">
-        <a:lumMod val="65000"/>
-        <a:lumOff val="35000"/>
-      </a:schemeClr>
-    </cs:fontRef>
-    <cs:spPr>
-      <a:ln w="9525" cap="flat" cmpd="sng" algn="ctr">
-        <a:solidFill>
-          <a:schemeClr val="tx1">
-            <a:lumMod val="15000"/>
-            <a:lumOff val="85000"/>
-          </a:schemeClr>
-        </a:solidFill>
-        <a:round/>
-      </a:ln>
-    </cs:spPr>
-    <cs:defRPr sz="1197" kern="1200"/>
-  </cs:categoryAxis>
-  <cs:chartArea mods="allowNoFillOverride allowNoLineOverride">
-    <cs:lnRef idx="0"/>
-    <cs:fillRef idx="0"/>
-    <cs:effectRef idx="0"/>
-    <cs:fontRef idx="minor">
-      <a:schemeClr val="tx1"/>
-    </cs:fontRef>
-    <cs:spPr>
-      <a:solidFill>
-        <a:schemeClr val="bg1"/>
-      </a:solidFill>
-      <a:ln w="9525" cap="flat" cmpd="sng" algn="ctr">
-        <a:solidFill>
-          <a:schemeClr val="tx1">
-            <a:lumMod val="15000"/>
-            <a:lumOff val="85000"/>
-          </a:schemeClr>
-        </a:solidFill>
-        <a:round/>
-      </a:ln>
-    </cs:spPr>
-    <cs:defRPr sz="1197" kern="1200"/>
-  </cs:chartArea>
-  <cs:dataLabel>
-    <cs:lnRef idx="0"/>
-    <cs:fillRef idx="0"/>
-    <cs:effectRef idx="0"/>
-    <cs:fontRef idx="minor">
-      <a:schemeClr val="tx1">
-        <a:lumMod val="75000"/>
-        <a:lumOff val="25000"/>
-      </a:schemeClr>
-    </cs:fontRef>
-    <cs:defRPr sz="1197" kern="1200"/>
-  </cs:dataLabel>
-  <cs:dataLabelCallout>
-    <cs:lnRef idx="0"/>
-    <cs:fillRef idx="0"/>
-    <cs:effectRef idx="0"/>
-    <cs:fontRef idx="minor">
-      <a:schemeClr val="dk1">
-        <a:lumMod val="65000"/>
-        <a:lumOff val="35000"/>
-      </a:schemeClr>
-    </cs:fontRef>
-    <cs:spPr>
-      <a:solidFill>
-        <a:schemeClr val="lt1"/>
-      </a:solidFill>
-      <a:ln>
-        <a:solidFill>
-          <a:schemeClr val="dk1">
-            <a:lumMod val="25000"/>
-            <a:lumOff val="75000"/>
-          </a:schemeClr>
-        </a:solidFill>
-      </a:ln>
-    </cs:spPr>
-    <cs:defRPr sz="1197" kern="1200"/>
-    <cs:bodyPr rot="0" spcFirstLastPara="1" vertOverflow="clip" horzOverflow="clip" vert="horz" wrap="square" lIns="36576" tIns="18288" rIns="36576" bIns="18288" anchor="ctr" anchorCtr="1">
-      <a:spAutoFit/>
-    </cs:bodyPr>
-  </cs:dataLabelCallout>
-  <cs:dataPoint>
-    <cs:lnRef idx="0"/>
-    <cs:fillRef idx="1">
-      <cs:styleClr val="auto"/>
-    </cs:fillRef>
-    <cs:effectRef idx="0"/>
-    <cs:fontRef idx="minor">
-      <a:schemeClr val="tx1"/>
-    </cs:fontRef>
-    <cs:spPr>
-      <a:ln w="19050">
-        <a:solidFill>
-          <a:schemeClr val="lt1"/>
-        </a:solidFill>
-      </a:ln>
-    </cs:spPr>
-  </cs:dataPoint>
-  <cs:dataPoint3D>
-    <cs:lnRef idx="0"/>
-    <cs:fillRef idx="1">
-      <cs:styleClr val="auto"/>
-    </cs:fillRef>
-    <cs:effectRef idx="0"/>
-    <cs:fontRef idx="minor">
-      <a:schemeClr val="tx1"/>
-    </cs:fontRef>
-    <cs:spPr>
-      <a:ln w="25400">
-        <a:solidFill>
-          <a:schemeClr val="lt1"/>
-        </a:solidFill>
-      </a:ln>
-    </cs:spPr>
-  </cs:dataPoint3D>
-  <cs:dataPointLine>
-    <cs:lnRef idx="0">
-      <cs:styleClr val="auto"/>
-    </cs:lnRef>
-    <cs:fillRef idx="0"/>
-    <cs:effectRef idx="0"/>
-    <cs:fontRef idx="minor">
-      <a:schemeClr val="tx1"/>
-    </cs:fontRef>
-    <cs:spPr>
-      <a:ln w="28575" cap="rnd">
-        <a:solidFill>
-          <a:schemeClr val="phClr"/>
-        </a:solidFill>
-        <a:round/>
-      </a:ln>
-    </cs:spPr>
-  </cs:dataPointLine>
-  <cs:dataPointMarker>
-    <cs:lnRef idx="0">
-      <cs:styleClr val="auto"/>
-    </cs:lnRef>
-    <cs:fillRef idx="1">
-      <cs:styleClr val="auto"/>
-    </cs:fillRef>
-    <cs:effectRef idx="0"/>
-    <cs:fontRef idx="minor">
-      <a:schemeClr val="tx1"/>
-    </cs:fontRef>
-    <cs:spPr>
-      <a:ln w="9525">
-        <a:solidFill>
-          <a:schemeClr val="phClr"/>
-        </a:solidFill>
-      </a:ln>
-    </cs:spPr>
-  </cs:dataPointMarker>
-  <cs:dataPointMarkerLayout symbol="circle" size="5"/>
-  <cs:dataPointWireframe>
-    <cs:lnRef idx="0">
-      <cs:styleClr val="auto"/>
-    </cs:lnRef>
-    <cs:fillRef idx="0"/>
-    <cs:effectRef idx="0"/>
-    <cs:fontRef idx="minor">
-      <a:schemeClr val="tx1"/>
-    </cs:fontRef>
-    <cs:spPr>
-      <a:ln w="9525" cap="rnd">
-        <a:solidFill>
-          <a:schemeClr val="phClr"/>
-        </a:solidFill>
-        <a:round/>
-      </a:ln>
-    </cs:spPr>
-  </cs:dataPointWireframe>
-  <cs:dataTable>
-    <cs:lnRef idx="0"/>
-    <cs:fillRef idx="0"/>
-    <cs:effectRef idx="0"/>
-    <cs:fontRef idx="minor">
-      <a:schemeClr val="tx1">
-        <a:lumMod val="65000"/>
-        <a:lumOff val="35000"/>
-      </a:schemeClr>
-    </cs:fontRef>
-    <cs:spPr>
-      <a:noFill/>
-      <a:ln w="9525" cap="flat" cmpd="sng" algn="ctr">
-        <a:solidFill>
-          <a:schemeClr val="tx1">
-            <a:lumMod val="15000"/>
-            <a:lumOff val="85000"/>
-          </a:schemeClr>
-        </a:solidFill>
-        <a:round/>
-      </a:ln>
-    </cs:spPr>
-    <cs:defRPr sz="1197" kern="1200"/>
-  </cs:dataTable>
-  <cs:downBar>
-    <cs:lnRef idx="0"/>
-    <cs:fillRef idx="0"/>
-    <cs:effectRef idx="0"/>
-    <cs:fontRef idx="minor">
-      <a:schemeClr val="tx1"/>
-    </cs:fontRef>
-    <cs:spPr>
-      <a:solidFill>
-        <a:schemeClr val="dk1">
-          <a:lumMod val="75000"/>
-          <a:lumOff val="25000"/>
-        </a:schemeClr>
-      </a:solidFill>
-      <a:ln w="9525" cap="flat" cmpd="sng" algn="ctr">
-        <a:solidFill>
-          <a:schemeClr val="tx1">
-            <a:lumMod val="65000"/>
-            <a:lumOff val="35000"/>
-          </a:schemeClr>
-        </a:solidFill>
-        <a:round/>
-      </a:ln>
-    </cs:spPr>
-  </cs:downBar>
-  <cs:dropLine>
-    <cs:lnRef idx="0"/>
-    <cs:fillRef idx="0"/>
-    <cs:effectRef idx="0"/>
-    <cs:fontRef idx="minor">
-      <a:schemeClr val="tx1"/>
-    </cs:fontRef>
-    <cs:spPr>
-      <a:ln w="9525" cap="flat" cmpd="sng" algn="ctr">
-        <a:solidFill>
-          <a:schemeClr val="tx1">
-            <a:lumMod val="35000"/>
-            <a:lumOff val="65000"/>
-          </a:schemeClr>
-        </a:solidFill>
-        <a:round/>
-      </a:ln>
-    </cs:spPr>
-  </cs:dropLine>
-  <cs:errorBar>
-    <cs:lnRef idx="0"/>
-    <cs:fillRef idx="0"/>
-    <cs:effectRef idx="0"/>
-    <cs:fontRef idx="minor">
-      <a:schemeClr val="tx1"/>
-    </cs:fontRef>
-    <cs:spPr>
-      <a:ln w="9525" cap="flat" cmpd="sng" algn="ctr">
-        <a:solidFill>
-          <a:schemeClr val="tx1">
-            <a:lumMod val="65000"/>
-            <a:lumOff val="35000"/>
-          </a:schemeClr>
-        </a:solidFill>
-        <a:round/>
-      </a:ln>
-    </cs:spPr>
-  </cs:errorBar>
-  <cs:floor>
-    <cs:lnRef idx="0"/>
-    <cs:fillRef idx="0"/>
-    <cs:effectRef idx="0"/>
-    <cs:fontRef idx="minor">
-      <a:schemeClr val="tx1"/>
-    </cs:fontRef>
-    <cs:spPr>
-      <a:noFill/>
-      <a:ln>
-        <a:noFill/>
-      </a:ln>
-    </cs:spPr>
-  </cs:floor>
-  <cs:gridlineMajor>
-    <cs:lnRef idx="0"/>
-    <cs:fillRef idx="0"/>
-    <cs:effectRef idx="0"/>
-    <cs:fontRef idx="minor">
-      <a:schemeClr val="tx1"/>
-    </cs:fontRef>
-    <cs:spPr>
-      <a:ln w="9525" cap="flat" cmpd="sng" algn="ctr">
-        <a:solidFill>
-          <a:schemeClr val="tx1">
-            <a:lumMod val="15000"/>
-            <a:lumOff val="85000"/>
-          </a:schemeClr>
-        </a:solidFill>
-        <a:round/>
-      </a:ln>
-    </cs:spPr>
-  </cs:gridlineMajor>
-  <cs:gridlineMinor>
-    <cs:lnRef idx="0"/>
-    <cs:fillRef idx="0"/>
-    <cs:effectRef idx="0"/>
-    <cs:fontRef idx="minor">
-      <a:schemeClr val="tx1"/>
-    </cs:fontRef>
-    <cs:spPr>
-      <a:ln w="9525" cap="flat" cmpd="sng" algn="ctr">
-        <a:solidFill>
-          <a:schemeClr val="tx1">
-            <a:lumMod val="5000"/>
-            <a:lumOff val="95000"/>
-          </a:schemeClr>
-        </a:solidFill>
-        <a:round/>
-      </a:ln>
-    </cs:spPr>
-  </cs:gridlineMinor>
-  <cs:hiLoLine>
-    <cs:lnRef idx="0"/>
-    <cs:fillRef idx="0"/>
-    <cs:effectRef idx="0"/>
-    <cs:fontRef idx="minor">
-      <a:schemeClr val="tx1"/>
-    </cs:fontRef>
-    <cs:spPr>
-      <a:ln w="9525" cap="flat" cmpd="sng" algn="ctr">
-        <a:solidFill>
-          <a:schemeClr val="tx1">
-            <a:lumMod val="50000"/>
-            <a:lumOff val="50000"/>
-          </a:schemeClr>
-        </a:solidFill>
-        <a:round/>
-      </a:ln>
-    </cs:spPr>
-  </cs:hiLoLine>
-  <cs:leaderLine>
-    <cs:lnRef idx="0"/>
-    <cs:fillRef idx="0"/>
-    <cs:effectRef idx="0"/>
-    <cs:fontRef idx="minor">
-      <a:schemeClr val="tx1"/>
-    </cs:fontRef>
-    <cs:spPr>
-      <a:ln w="9525" cap="flat" cmpd="sng" algn="ctr">
-        <a:solidFill>
-          <a:schemeClr val="tx1">
-            <a:lumMod val="35000"/>
-            <a:lumOff val="65000"/>
-          </a:schemeClr>
-        </a:solidFill>
-        <a:round/>
-      </a:ln>
-    </cs:spPr>
-  </cs:leaderLine>
-  <cs:legend>
-    <cs:lnRef idx="0"/>
-    <cs:fillRef idx="0"/>
-    <cs:effectRef idx="0"/>
-    <cs:fontRef idx="minor">
-      <a:schemeClr val="tx1">
-        <a:lumMod val="65000"/>
-        <a:lumOff val="35000"/>
-      </a:schemeClr>
-    </cs:fontRef>
-    <cs:defRPr sz="1197" kern="1200"/>
-  </cs:legend>
-  <cs:plotArea mods="allowNoFillOverride allowNoLineOverride">
-    <cs:lnRef idx="0"/>
-    <cs:fillRef idx="0"/>
-    <cs:effectRef idx="0"/>
-    <cs:fontRef idx="minor">
-      <a:schemeClr val="tx1"/>
-    </cs:fontRef>
-  </cs:plotArea>
-  <cs:plotArea3D mods="allowNoFillOverride allowNoLineOverride">
-    <cs:lnRef idx="0"/>
-    <cs:fillRef idx="0"/>
-    <cs:effectRef idx="0"/>
-    <cs:fontRef idx="minor">
-      <a:schemeClr val="tx1"/>
-    </cs:fontRef>
-  </cs:plotArea3D>
-  <cs:seriesAxis>
-    <cs:lnRef idx="0"/>
-    <cs:fillRef idx="0"/>
-    <cs:effectRef idx="0"/>
-    <cs:fontRef idx="minor">
-      <a:schemeClr val="tx1">
-        <a:lumMod val="65000"/>
-        <a:lumOff val="35000"/>
-      </a:schemeClr>
-    </cs:fontRef>
-    <cs:defRPr sz="1197" kern="1200"/>
-  </cs:seriesAxis>
-  <cs:seriesLine>
-    <cs:lnRef idx="0"/>
-    <cs:fillRef idx="0"/>
-    <cs:effectRef idx="0"/>
-    <cs:fontRef idx="minor">
-      <a:schemeClr val="tx1"/>
-    </cs:fontRef>
-    <cs:spPr>
-      <a:ln w="9525" cap="flat" cmpd="sng" algn="ctr">
-        <a:solidFill>
-          <a:schemeClr val="tx1">
-            <a:lumMod val="35000"/>
-            <a:lumOff val="65000"/>
-          </a:schemeClr>
-        </a:solidFill>
-        <a:round/>
-      </a:ln>
-    </cs:spPr>
-  </cs:seriesLine>
-  <cs:title>
-    <cs:lnRef idx="0"/>
-    <cs:fillRef idx="0"/>
-    <cs:effectRef idx="0"/>
-    <cs:fontRef idx="minor">
-      <a:schemeClr val="tx1">
-        <a:lumMod val="65000"/>
-        <a:lumOff val="35000"/>
-      </a:schemeClr>
-    </cs:fontRef>
-    <cs:defRPr sz="1862" b="0" kern="1200" spc="0" baseline="0"/>
-  </cs:title>
-  <cs:trendline>
-    <cs:lnRef idx="0">
-      <cs:styleClr val="auto"/>
-    </cs:lnRef>
-    <cs:fillRef idx="0"/>
-    <cs:effectRef idx="0"/>
-    <cs:fontRef idx="minor">
-      <a:schemeClr val="tx1"/>
-    </cs:fontRef>
-    <cs:spPr>
-      <a:ln w="19050" cap="rnd">
-        <a:solidFill>
-          <a:schemeClr val="phClr"/>
-        </a:solidFill>
-        <a:prstDash val="sysDot"/>
-      </a:ln>
-    </cs:spPr>
-  </cs:trendline>
-  <cs:trendlineLabel>
-    <cs:lnRef idx="0"/>
-    <cs:fillRef idx="0"/>
-    <cs:effectRef idx="0"/>
-    <cs:fontRef idx="minor">
-      <a:schemeClr val="tx1">
-        <a:lumMod val="65000"/>
-        <a:lumOff val="35000"/>
-      </a:schemeClr>
-    </cs:fontRef>
-    <cs:defRPr sz="1197" kern="1200"/>
-  </cs:trendlineLabel>
-  <cs:upBar>
-    <cs:lnRef idx="0"/>
-    <cs:fillRef idx="0"/>
-    <cs:effectRef idx="0"/>
-    <cs:fontRef idx="minor">
-      <a:schemeClr val="tx1"/>
-    </cs:fontRef>
-    <cs:spPr>
-      <a:solidFill>
-        <a:schemeClr val="lt1"/>
-      </a:solidFill>
-      <a:ln w="9525" cap="flat" cmpd="sng" algn="ctr">
-        <a:solidFill>
-          <a:schemeClr val="tx1">
-            <a:lumMod val="65000"/>
-            <a:lumOff val="35000"/>
-          </a:schemeClr>
-        </a:solidFill>
-        <a:round/>
-      </a:ln>
-    </cs:spPr>
-  </cs:upBar>
-  <cs:valueAxis>
-    <cs:lnRef idx="0"/>
-    <cs:fillRef idx="0"/>
-    <cs:effectRef idx="0"/>
-    <cs:fontRef idx="minor">
-      <a:schemeClr val="tx1">
-        <a:lumMod val="65000"/>
-        <a:lumOff val="35000"/>
-      </a:schemeClr>
-    </cs:fontRef>
-    <cs:defRPr sz="1197" kern="1200"/>
-  </cs:valueAxis>
-  <cs:wall>
-    <cs:lnRef idx="0"/>
-    <cs:fillRef idx="0"/>
-    <cs:effectRef idx="0"/>
-    <cs:fontRef idx="minor">
-      <a:schemeClr val="tx1"/>
-    </cs:fontRef>
-    <cs:spPr>
-      <a:noFill/>
-      <a:ln>
-        <a:noFill/>
-      </a:ln>
-    </cs:spPr>
-  </cs:wall>
-</cs:chartStyle>
-</file>
-
-<file path=ppt/charts/style3.xml><?xml version="1.0" encoding="utf-8"?>
-<cs:chartStyle xmlns:cs="http://schemas.microsoft.com/office/drawing/2012/chartStyle" xmlns:a="http://schemas.openxmlformats.org/drawingml/2006/main" id="251">
-  <cs:axisTitle>
-    <cs:lnRef idx="0"/>
-    <cs:fillRef idx="0"/>
-    <cs:effectRef idx="0"/>
-    <cs:fontRef idx="minor">
-      <a:schemeClr val="tx1">
-        <a:lumMod val="65000"/>
-        <a:lumOff val="35000"/>
-      </a:schemeClr>
-    </cs:fontRef>
-    <cs:defRPr sz="1330" kern="1200"/>
-  </cs:axisTitle>
-  <cs:categoryAxis>
-    <cs:lnRef idx="0"/>
-    <cs:fillRef idx="0"/>
-    <cs:effectRef idx="0"/>
-    <cs:fontRef idx="minor">
-      <a:schemeClr val="tx1">
-        <a:lumMod val="65000"/>
-        <a:lumOff val="35000"/>
-      </a:schemeClr>
-    </cs:fontRef>
-    <cs:spPr>
-      <a:ln w="9525" cap="flat" cmpd="sng" algn="ctr">
-        <a:solidFill>
-          <a:schemeClr val="tx1">
-            <a:lumMod val="15000"/>
-            <a:lumOff val="85000"/>
-          </a:schemeClr>
-        </a:solidFill>
-        <a:round/>
-      </a:ln>
-    </cs:spPr>
-    <cs:defRPr sz="1197" kern="1200"/>
-  </cs:categoryAxis>
-  <cs:chartArea mods="allowNoFillOverride allowNoLineOverride">
-    <cs:lnRef idx="0"/>
-    <cs:fillRef idx="0"/>
-    <cs:effectRef idx="0"/>
-    <cs:fontRef idx="minor">
-      <a:schemeClr val="tx1"/>
-    </cs:fontRef>
-    <cs:spPr>
-      <a:solidFill>
-        <a:schemeClr val="bg1"/>
-      </a:solidFill>
-      <a:ln w="9525" cap="flat" cmpd="sng" algn="ctr">
-        <a:solidFill>
-          <a:schemeClr val="tx1">
-            <a:lumMod val="15000"/>
-            <a:lumOff val="85000"/>
-          </a:schemeClr>
-        </a:solidFill>
-        <a:round/>
-      </a:ln>
-    </cs:spPr>
-    <cs:defRPr sz="1197" kern="1200"/>
-  </cs:chartArea>
-  <cs:dataLabel>
-    <cs:lnRef idx="0"/>
-    <cs:fillRef idx="0"/>
-    <cs:effectRef idx="0"/>
-    <cs:fontRef idx="minor">
-      <a:schemeClr val="tx1">
-        <a:lumMod val="75000"/>
-        <a:lumOff val="25000"/>
-      </a:schemeClr>
-    </cs:fontRef>
-    <cs:defRPr sz="1197" kern="1200"/>
-  </cs:dataLabel>
-  <cs:dataLabelCallout>
-    <cs:lnRef idx="0"/>
-    <cs:fillRef idx="0"/>
-    <cs:effectRef idx="0"/>
-    <cs:fontRef idx="minor">
-      <a:schemeClr val="dk1">
-        <a:lumMod val="65000"/>
-        <a:lumOff val="35000"/>
-      </a:schemeClr>
-    </cs:fontRef>
-    <cs:spPr>
-      <a:solidFill>
-        <a:schemeClr val="lt1"/>
-      </a:solidFill>
-      <a:ln>
-        <a:solidFill>
-          <a:schemeClr val="dk1">
-            <a:lumMod val="25000"/>
-            <a:lumOff val="75000"/>
-          </a:schemeClr>
-        </a:solidFill>
-      </a:ln>
-    </cs:spPr>
-    <cs:defRPr sz="1197" kern="1200"/>
-    <cs:bodyPr rot="0" spcFirstLastPara="1" vertOverflow="clip" horzOverflow="clip" vert="horz" wrap="square" lIns="36576" tIns="18288" rIns="36576" bIns="18288" anchor="ctr" anchorCtr="1">
-      <a:spAutoFit/>
-    </cs:bodyPr>
-  </cs:dataLabelCallout>
-  <cs:dataPoint>
-    <cs:lnRef idx="0"/>
-    <cs:fillRef idx="1">
-      <cs:styleClr val="auto"/>
-    </cs:fillRef>
-    <cs:effectRef idx="0"/>
-    <cs:fontRef idx="minor">
-      <a:schemeClr val="tx1"/>
-    </cs:fontRef>
-    <cs:spPr>
-      <a:ln w="19050">
-        <a:solidFill>
-          <a:schemeClr val="lt1"/>
-        </a:solidFill>
-      </a:ln>
-    </cs:spPr>
-  </cs:dataPoint>
-  <cs:dataPoint3D>
-    <cs:lnRef idx="0"/>
-    <cs:fillRef idx="1">
-      <cs:styleClr val="auto"/>
-    </cs:fillRef>
-    <cs:effectRef idx="0"/>
-    <cs:fontRef idx="minor">
-      <a:schemeClr val="tx1"/>
-    </cs:fontRef>
-    <cs:spPr>
-      <a:ln w="25400">
-        <a:solidFill>
-          <a:schemeClr val="lt1"/>
-        </a:solidFill>
-      </a:ln>
-    </cs:spPr>
-  </cs:dataPoint3D>
-  <cs:dataPointLine>
-    <cs:lnRef idx="0">
-      <cs:styleClr val="auto"/>
-    </cs:lnRef>
-    <cs:fillRef idx="0"/>
-    <cs:effectRef idx="0"/>
-    <cs:fontRef idx="minor">
-      <a:schemeClr val="tx1"/>
-    </cs:fontRef>
-    <cs:spPr>
-      <a:ln w="28575" cap="rnd">
-        <a:solidFill>
-          <a:schemeClr val="phClr"/>
-        </a:solidFill>
-        <a:round/>
-      </a:ln>
-    </cs:spPr>
-  </cs:dataPointLine>
-  <cs:dataPointMarker>
-    <cs:lnRef idx="0">
-      <cs:styleClr val="auto"/>
-    </cs:lnRef>
-    <cs:fillRef idx="1">
-      <cs:styleClr val="auto"/>
-    </cs:fillRef>
-    <cs:effectRef idx="0"/>
-    <cs:fontRef idx="minor">
-      <a:schemeClr val="tx1"/>
-    </cs:fontRef>
-    <cs:spPr>
-      <a:ln w="9525">
-        <a:solidFill>
-          <a:schemeClr val="phClr"/>
-        </a:solidFill>
-      </a:ln>
-    </cs:spPr>
-  </cs:dataPointMarker>
-  <cs:dataPointMarkerLayout symbol="circle" size="5"/>
-  <cs:dataPointWireframe>
-    <cs:lnRef idx="0">
-      <cs:styleClr val="auto"/>
-    </cs:lnRef>
-    <cs:fillRef idx="0"/>
-    <cs:effectRef idx="0"/>
-    <cs:fontRef idx="minor">
-      <a:schemeClr val="tx1"/>
-    </cs:fontRef>
-    <cs:spPr>
-      <a:ln w="9525" cap="rnd">
-        <a:solidFill>
-          <a:schemeClr val="phClr"/>
-        </a:solidFill>
-        <a:round/>
-      </a:ln>
-    </cs:spPr>
-  </cs:dataPointWireframe>
-  <cs:dataTable>
-    <cs:lnRef idx="0"/>
-    <cs:fillRef idx="0"/>
-    <cs:effectRef idx="0"/>
-    <cs:fontRef idx="minor">
-      <a:schemeClr val="tx1">
-        <a:lumMod val="65000"/>
-        <a:lumOff val="35000"/>
-      </a:schemeClr>
-    </cs:fontRef>
-    <cs:spPr>
-      <a:noFill/>
-      <a:ln w="9525" cap="flat" cmpd="sng" algn="ctr">
-        <a:solidFill>
-          <a:schemeClr val="tx1">
-            <a:lumMod val="15000"/>
-            <a:lumOff val="85000"/>
-          </a:schemeClr>
-        </a:solidFill>
-        <a:round/>
-      </a:ln>
-    </cs:spPr>
-    <cs:defRPr sz="1197" kern="1200"/>
-  </cs:dataTable>
-  <cs:downBar>
-    <cs:lnRef idx="0"/>
-    <cs:fillRef idx="0"/>
-    <cs:effectRef idx="0"/>
-    <cs:fontRef idx="minor">
-      <a:schemeClr val="tx1"/>
-    </cs:fontRef>
-    <cs:spPr>
-      <a:solidFill>
-        <a:schemeClr val="dk1">
-          <a:lumMod val="75000"/>
-          <a:lumOff val="25000"/>
-        </a:schemeClr>
-      </a:solidFill>
-      <a:ln w="9525" cap="flat" cmpd="sng" algn="ctr">
-        <a:solidFill>
-          <a:schemeClr val="tx1">
-            <a:lumMod val="65000"/>
-            <a:lumOff val="35000"/>
-          </a:schemeClr>
-        </a:solidFill>
-        <a:round/>
-      </a:ln>
-    </cs:spPr>
-  </cs:downBar>
-  <cs:dropLine>
-    <cs:lnRef idx="0"/>
-    <cs:fillRef idx="0"/>
-    <cs:effectRef idx="0"/>
-    <cs:fontRef idx="minor">
-      <a:schemeClr val="tx1"/>
-    </cs:fontRef>
-    <cs:spPr>
-      <a:ln w="9525" cap="flat" cmpd="sng" algn="ctr">
-        <a:solidFill>
-          <a:schemeClr val="tx1">
-            <a:lumMod val="35000"/>
-            <a:lumOff val="65000"/>
-          </a:schemeClr>
-        </a:solidFill>
-        <a:round/>
-      </a:ln>
-    </cs:spPr>
-  </cs:dropLine>
-  <cs:errorBar>
-    <cs:lnRef idx="0"/>
-    <cs:fillRef idx="0"/>
-    <cs:effectRef idx="0"/>
-    <cs:fontRef idx="minor">
-      <a:schemeClr val="tx1"/>
-    </cs:fontRef>
-    <cs:spPr>
-      <a:ln w="9525" cap="flat" cmpd="sng" algn="ctr">
-        <a:solidFill>
-          <a:schemeClr val="tx1">
-            <a:lumMod val="65000"/>
-            <a:lumOff val="35000"/>
-          </a:schemeClr>
-        </a:solidFill>
-        <a:round/>
-      </a:ln>
-    </cs:spPr>
-  </cs:errorBar>
-  <cs:floor>
-    <cs:lnRef idx="0"/>
-    <cs:fillRef idx="0"/>
-    <cs:effectRef idx="0"/>
-    <cs:fontRef idx="minor">
-      <a:schemeClr val="tx1"/>
-    </cs:fontRef>
-    <cs:spPr>
-      <a:noFill/>
-      <a:ln>
-        <a:noFill/>
-      </a:ln>
-    </cs:spPr>
-  </cs:floor>
-  <cs:gridlineMajor>
-    <cs:lnRef idx="0"/>
-    <cs:fillRef idx="0"/>
-    <cs:effectRef idx="0"/>
-    <cs:fontRef idx="minor">
-      <a:schemeClr val="tx1"/>
-    </cs:fontRef>
-    <cs:spPr>
-      <a:ln w="9525" cap="flat" cmpd="sng" algn="ctr">
-        <a:solidFill>
-          <a:schemeClr val="tx1">
-            <a:lumMod val="15000"/>
-            <a:lumOff val="85000"/>
-          </a:schemeClr>
-        </a:solidFill>
-        <a:round/>
-      </a:ln>
-    </cs:spPr>
-  </cs:gridlineMajor>
-  <cs:gridlineMinor>
-    <cs:lnRef idx="0"/>
-    <cs:fillRef idx="0"/>
-    <cs:effectRef idx="0"/>
-    <cs:fontRef idx="minor">
-      <a:schemeClr val="tx1"/>
-    </cs:fontRef>
-    <cs:spPr>
-      <a:ln w="9525" cap="flat" cmpd="sng" algn="ctr">
-        <a:solidFill>
-          <a:schemeClr val="tx1">
-            <a:lumMod val="5000"/>
-            <a:lumOff val="95000"/>
-          </a:schemeClr>
-        </a:solidFill>
-        <a:round/>
-      </a:ln>
-    </cs:spPr>
-  </cs:gridlineMinor>
-  <cs:hiLoLine>
-    <cs:lnRef idx="0"/>
-    <cs:fillRef idx="0"/>
-    <cs:effectRef idx="0"/>
-    <cs:fontRef idx="minor">
-      <a:schemeClr val="tx1"/>
-    </cs:fontRef>
-    <cs:spPr>
-      <a:ln w="9525" cap="flat" cmpd="sng" algn="ctr">
-        <a:solidFill>
-          <a:schemeClr val="tx1">
-            <a:lumMod val="50000"/>
-            <a:lumOff val="50000"/>
-          </a:schemeClr>
-        </a:solidFill>
-        <a:round/>
-      </a:ln>
-    </cs:spPr>
-  </cs:hiLoLine>
-  <cs:leaderLine>
-    <cs:lnRef idx="0"/>
-    <cs:fillRef idx="0"/>
-    <cs:effectRef idx="0"/>
-    <cs:fontRef idx="minor">
-      <a:schemeClr val="tx1"/>
-    </cs:fontRef>
-    <cs:spPr>
-      <a:ln w="9525" cap="flat" cmpd="sng" algn="ctr">
-        <a:solidFill>
-          <a:schemeClr val="tx1">
-            <a:lumMod val="35000"/>
-            <a:lumOff val="65000"/>
-          </a:schemeClr>
-        </a:solidFill>
-        <a:round/>
-      </a:ln>
-    </cs:spPr>
-  </cs:leaderLine>
-  <cs:legend>
-    <cs:lnRef idx="0"/>
-    <cs:fillRef idx="0"/>
-    <cs:effectRef idx="0"/>
-    <cs:fontRef idx="minor">
-      <a:schemeClr val="tx1">
-        <a:lumMod val="65000"/>
-        <a:lumOff val="35000"/>
-      </a:schemeClr>
-    </cs:fontRef>
-    <cs:defRPr sz="1197" kern="1200"/>
-  </cs:legend>
-  <cs:plotArea mods="allowNoFillOverride allowNoLineOverride">
-    <cs:lnRef idx="0"/>
-    <cs:fillRef idx="0"/>
-    <cs:effectRef idx="0"/>
-    <cs:fontRef idx="minor">
-      <a:schemeClr val="tx1"/>
-    </cs:fontRef>
-  </cs:plotArea>
-  <cs:plotArea3D mods="allowNoFillOverride allowNoLineOverride">
-    <cs:lnRef idx="0"/>
-    <cs:fillRef idx="0"/>
-    <cs:effectRef idx="0"/>
-    <cs:fontRef idx="minor">
-      <a:schemeClr val="tx1"/>
-    </cs:fontRef>
-  </cs:plotArea3D>
-  <cs:seriesAxis>
-    <cs:lnRef idx="0"/>
-    <cs:fillRef idx="0"/>
-    <cs:effectRef idx="0"/>
-    <cs:fontRef idx="minor">
-      <a:schemeClr val="tx1">
-        <a:lumMod val="65000"/>
-        <a:lumOff val="35000"/>
-      </a:schemeClr>
-    </cs:fontRef>
-    <cs:defRPr sz="1197" kern="1200"/>
-  </cs:seriesAxis>
-  <cs:seriesLine>
-    <cs:lnRef idx="0"/>
-    <cs:fillRef idx="0"/>
-    <cs:effectRef idx="0"/>
-    <cs:fontRef idx="minor">
-      <a:schemeClr val="tx1"/>
-    </cs:fontRef>
-    <cs:spPr>
-      <a:ln w="9525" cap="flat" cmpd="sng" algn="ctr">
-        <a:solidFill>
-          <a:schemeClr val="tx1">
-            <a:lumMod val="35000"/>
-            <a:lumOff val="65000"/>
-          </a:schemeClr>
-        </a:solidFill>
-        <a:round/>
-      </a:ln>
-    </cs:spPr>
-  </cs:seriesLine>
-  <cs:title>
-    <cs:lnRef idx="0"/>
-    <cs:fillRef idx="0"/>
-    <cs:effectRef idx="0"/>
-    <cs:fontRef idx="minor">
-      <a:schemeClr val="tx1">
-        <a:lumMod val="65000"/>
-        <a:lumOff val="35000"/>
-      </a:schemeClr>
-    </cs:fontRef>
-    <cs:defRPr sz="1862" b="0" kern="1200" spc="0" baseline="0"/>
-  </cs:title>
-  <cs:trendline>
-    <cs:lnRef idx="0">
-      <cs:styleClr val="auto"/>
-    </cs:lnRef>
-    <cs:fillRef idx="0"/>
-    <cs:effectRef idx="0"/>
-    <cs:fontRef idx="minor">
-      <a:schemeClr val="tx1"/>
-    </cs:fontRef>
-    <cs:spPr>
-      <a:ln w="19050" cap="rnd">
-        <a:solidFill>
-          <a:schemeClr val="phClr"/>
-        </a:solidFill>
-        <a:prstDash val="sysDot"/>
-      </a:ln>
-    </cs:spPr>
-  </cs:trendline>
-  <cs:trendlineLabel>
-    <cs:lnRef idx="0"/>
-    <cs:fillRef idx="0"/>
-    <cs:effectRef idx="0"/>
-    <cs:fontRef idx="minor">
-      <a:schemeClr val="tx1">
-        <a:lumMod val="65000"/>
-        <a:lumOff val="35000"/>
-      </a:schemeClr>
-    </cs:fontRef>
-    <cs:defRPr sz="1197" kern="1200"/>
-  </cs:trendlineLabel>
-  <cs:upBar>
-    <cs:lnRef idx="0"/>
-    <cs:fillRef idx="0"/>
-    <cs:effectRef idx="0"/>
-    <cs:fontRef idx="minor">
-      <a:schemeClr val="tx1"/>
-    </cs:fontRef>
-    <cs:spPr>
-      <a:solidFill>
-        <a:schemeClr val="lt1"/>
-      </a:solidFill>
-      <a:ln w="9525" cap="flat" cmpd="sng" algn="ctr">
-        <a:solidFill>
-          <a:schemeClr val="tx1">
-            <a:lumMod val="65000"/>
-            <a:lumOff val="35000"/>
-          </a:schemeClr>
-        </a:solidFill>
-        <a:round/>
-      </a:ln>
-    </cs:spPr>
-  </cs:upBar>
-  <cs:valueAxis>
-    <cs:lnRef idx="0"/>
-    <cs:fillRef idx="0"/>
-    <cs:effectRef idx="0"/>
-    <cs:fontRef idx="minor">
-      <a:schemeClr val="tx1">
-        <a:lumMod val="65000"/>
-        <a:lumOff val="35000"/>
-      </a:schemeClr>
-    </cs:fontRef>
-    <cs:defRPr sz="1197" kern="1200"/>
-  </cs:valueAxis>
-  <cs:wall>
-    <cs:lnRef idx="0"/>
-    <cs:fillRef idx="0"/>
-    <cs:effectRef idx="0"/>
-    <cs:fontRef idx="minor">
-      <a:schemeClr val="tx1"/>
-    </cs:fontRef>
-    <cs:spPr>
-      <a:noFill/>
-      <a:ln>
-        <a:noFill/>
-      </a:ln>
-    </cs:spPr>
-  </cs:wall>
-</cs:chartStyle>
-</file>
-
-<file path=ppt/charts/style4.xml><?xml version="1.0" encoding="utf-8"?>
-<cs:chartStyle xmlns:cs="http://schemas.microsoft.com/office/drawing/2012/chartStyle" xmlns:a="http://schemas.openxmlformats.org/drawingml/2006/main" id="227">
-  <cs:axisTitle>
-    <cs:lnRef idx="0"/>
-    <cs:fillRef idx="0"/>
-    <cs:effectRef idx="0"/>
-    <cs:fontRef idx="minor">
-      <a:schemeClr val="tx1">
-        <a:lumMod val="65000"/>
-        <a:lumOff val="35000"/>
-      </a:schemeClr>
-    </cs:fontRef>
-    <cs:defRPr sz="1330" kern="1200"/>
-  </cs:axisTitle>
-  <cs:categoryAxis>
-    <cs:lnRef idx="0"/>
-    <cs:fillRef idx="0"/>
-    <cs:effectRef idx="0"/>
-    <cs:fontRef idx="minor">
-      <a:schemeClr val="tx1">
-        <a:lumMod val="65000"/>
-        <a:lumOff val="35000"/>
-      </a:schemeClr>
-    </cs:fontRef>
-    <cs:spPr>
-      <a:ln w="9525" cap="flat" cmpd="sng" algn="ctr">
-        <a:solidFill>
-          <a:schemeClr val="tx1">
-            <a:lumMod val="15000"/>
-            <a:lumOff val="85000"/>
-          </a:schemeClr>
-        </a:solidFill>
-        <a:round/>
-      </a:ln>
-    </cs:spPr>
-    <cs:defRPr sz="1197" kern="1200"/>
-  </cs:categoryAxis>
-  <cs:chartArea mods="allowNoFillOverride allowNoLineOverride">
-    <cs:lnRef idx="0"/>
-    <cs:fillRef idx="0"/>
-    <cs:effectRef idx="0"/>
-    <cs:fontRef idx="minor">
-      <a:schemeClr val="tx1"/>
-    </cs:fontRef>
-    <cs:spPr>
-      <a:solidFill>
-        <a:schemeClr val="bg1"/>
-      </a:solidFill>
-      <a:ln w="9525" cap="flat" cmpd="sng" algn="ctr">
-        <a:solidFill>
-          <a:schemeClr val="tx1">
-            <a:lumMod val="15000"/>
-            <a:lumOff val="85000"/>
-          </a:schemeClr>
-        </a:solidFill>
-        <a:round/>
-      </a:ln>
-    </cs:spPr>
-    <cs:defRPr sz="1330" kern="1200"/>
-  </cs:chartArea>
-  <cs:dataLabel>
-    <cs:lnRef idx="0"/>
-    <cs:fillRef idx="0"/>
-    <cs:effectRef idx="0"/>
-    <cs:fontRef idx="minor">
-      <a:schemeClr val="tx1">
-        <a:lumMod val="75000"/>
-        <a:lumOff val="25000"/>
-      </a:schemeClr>
-    </cs:fontRef>
-    <cs:defRPr sz="1197" kern="1200"/>
-  </cs:dataLabel>
-  <cs:dataLabelCallout>
-    <cs:lnRef idx="0"/>
-    <cs:fillRef idx="0"/>
-    <cs:effectRef idx="0"/>
-    <cs:fontRef idx="minor">
-      <a:schemeClr val="dk1">
-        <a:lumMod val="65000"/>
-        <a:lumOff val="35000"/>
-      </a:schemeClr>
-    </cs:fontRef>
-    <cs:spPr>
-      <a:solidFill>
-        <a:schemeClr val="lt1"/>
-      </a:solidFill>
-      <a:ln>
-        <a:solidFill>
-          <a:schemeClr val="dk1">
-            <a:lumMod val="25000"/>
-            <a:lumOff val="75000"/>
-          </a:schemeClr>
-        </a:solidFill>
-      </a:ln>
-    </cs:spPr>
-    <cs:defRPr sz="1197" kern="1200"/>
-    <cs:bodyPr rot="0" spcFirstLastPara="1" vertOverflow="clip" horzOverflow="clip" vert="horz" wrap="square" lIns="36576" tIns="18288" rIns="36576" bIns="18288" anchor="ctr" anchorCtr="1">
-      <a:spAutoFit/>
-    </cs:bodyPr>
-  </cs:dataLabelCallout>
-  <cs:dataPoint>
-    <cs:lnRef idx="0"/>
-    <cs:fillRef idx="1">
-      <cs:styleClr val="auto"/>
-    </cs:fillRef>
-    <cs:effectRef idx="0"/>
-    <cs:fontRef idx="minor">
-      <a:schemeClr val="tx1"/>
-    </cs:fontRef>
-    <cs:spPr>
-      <a:solidFill>
-        <a:schemeClr val="phClr"/>
-      </a:solidFill>
-    </cs:spPr>
-  </cs:dataPoint>
-  <cs:dataPoint3D>
-    <cs:lnRef idx="0"/>
-    <cs:fillRef idx="1">
-      <cs:styleClr val="auto"/>
-    </cs:fillRef>
-    <cs:effectRef idx="0"/>
-    <cs:fontRef idx="minor">
-      <a:schemeClr val="tx1"/>
-    </cs:fontRef>
-    <cs:spPr>
-      <a:solidFill>
-        <a:schemeClr val="phClr"/>
-      </a:solidFill>
-    </cs:spPr>
-  </cs:dataPoint3D>
-  <cs:dataPointLine>
-    <cs:lnRef idx="0">
-      <cs:styleClr val="auto"/>
-    </cs:lnRef>
-    <cs:fillRef idx="1"/>
-    <cs:effectRef idx="0"/>
-    <cs:fontRef idx="minor">
-      <a:schemeClr val="tx1"/>
-    </cs:fontRef>
-    <cs:spPr>
-      <a:ln w="28575" cap="rnd">
-        <a:solidFill>
-          <a:schemeClr val="phClr"/>
-        </a:solidFill>
-        <a:round/>
-      </a:ln>
-    </cs:spPr>
-  </cs:dataPointLine>
-  <cs:dataPointMarker>
-    <cs:lnRef idx="0">
-      <cs:styleClr val="auto"/>
-    </cs:lnRef>
-    <cs:fillRef idx="1">
-      <cs:styleClr val="auto"/>
-    </cs:fillRef>
-    <cs:effectRef idx="0"/>
-    <cs:fontRef idx="minor">
-      <a:schemeClr val="tx1"/>
-    </cs:fontRef>
-    <cs:spPr>
-      <a:solidFill>
-        <a:schemeClr val="phClr"/>
-      </a:solidFill>
-      <a:ln w="9525">
-        <a:solidFill>
-          <a:schemeClr val="phClr"/>
-        </a:solidFill>
-      </a:ln>
-    </cs:spPr>
-  </cs:dataPointMarker>
-  <cs:dataPointMarkerLayout symbol="circle" size="5"/>
-  <cs:dataPointWireframe>
-    <cs:lnRef idx="0">
-      <cs:styleClr val="auto"/>
-    </cs:lnRef>
-    <cs:fillRef idx="1"/>
-    <cs:effectRef idx="0"/>
-    <cs:fontRef idx="minor">
-      <a:schemeClr val="tx1"/>
-    </cs:fontRef>
-    <cs:spPr>
-      <a:ln w="9525" cap="rnd">
-        <a:solidFill>
-          <a:schemeClr val="phClr"/>
-        </a:solidFill>
-        <a:round/>
-      </a:ln>
-    </cs:spPr>
-  </cs:dataPointWireframe>
-  <cs:dataTable>
-    <cs:lnRef idx="0"/>
-    <cs:fillRef idx="0"/>
-    <cs:effectRef idx="0"/>
-    <cs:fontRef idx="minor">
-      <a:schemeClr val="tx1">
-        <a:lumMod val="65000"/>
-        <a:lumOff val="35000"/>
-      </a:schemeClr>
-    </cs:fontRef>
-    <cs:spPr>
-      <a:noFill/>
-      <a:ln w="9525" cap="flat" cmpd="sng" algn="ctr">
-        <a:solidFill>
-          <a:schemeClr val="tx1">
-            <a:lumMod val="15000"/>
-            <a:lumOff val="85000"/>
-          </a:schemeClr>
-        </a:solidFill>
-        <a:round/>
-      </a:ln>
-    </cs:spPr>
-    <cs:defRPr sz="1197" kern="1200"/>
-  </cs:dataTable>
-  <cs:downBar>
-    <cs:lnRef idx="0"/>
-    <cs:fillRef idx="0"/>
-    <cs:effectRef idx="0"/>
-    <cs:fontRef idx="minor">
-      <a:schemeClr val="dk1"/>
-    </cs:fontRef>
-    <cs:spPr>
-      <a:solidFill>
-        <a:schemeClr val="dk1">
-          <a:lumMod val="65000"/>
-          <a:lumOff val="35000"/>
-        </a:schemeClr>
-      </a:solidFill>
-      <a:ln w="9525">
-        <a:solidFill>
-          <a:schemeClr val="tx1">
-            <a:lumMod val="65000"/>
-            <a:lumOff val="35000"/>
-          </a:schemeClr>
-        </a:solidFill>
-      </a:ln>
-    </cs:spPr>
-  </cs:downBar>
-  <cs:dropLine>
-    <cs:lnRef idx="0"/>
-    <cs:fillRef idx="0"/>
-    <cs:effectRef idx="0"/>
-    <cs:fontRef idx="minor">
-      <a:schemeClr val="tx1"/>
-    </cs:fontRef>
-    <cs:spPr>
-      <a:ln w="9525" cap="flat" cmpd="sng" algn="ctr">
-        <a:solidFill>
-          <a:schemeClr val="tx1">
-            <a:lumMod val="35000"/>
-            <a:lumOff val="65000"/>
-          </a:schemeClr>
-        </a:solidFill>
-        <a:round/>
-      </a:ln>
-    </cs:spPr>
-  </cs:dropLine>
-  <cs:errorBar>
-    <cs:lnRef idx="0"/>
-    <cs:fillRef idx="0"/>
-    <cs:effectRef idx="0"/>
-    <cs:fontRef idx="minor">
-      <a:schemeClr val="tx1"/>
-    </cs:fontRef>
-    <cs:spPr>
-      <a:ln w="9525" cap="flat" cmpd="sng" algn="ctr">
-        <a:solidFill>
-          <a:schemeClr val="tx1">
-            <a:lumMod val="65000"/>
-            <a:lumOff val="35000"/>
-          </a:schemeClr>
-        </a:solidFill>
-        <a:round/>
-      </a:ln>
-    </cs:spPr>
-  </cs:errorBar>
-  <cs:floor>
-    <cs:lnRef idx="0"/>
-    <cs:fillRef idx="0"/>
-    <cs:effectRef idx="0"/>
-    <cs:fontRef idx="minor">
-      <a:schemeClr val="tx1"/>
-    </cs:fontRef>
-    <cs:spPr>
-      <a:noFill/>
-      <a:ln>
-        <a:noFill/>
-      </a:ln>
-    </cs:spPr>
-  </cs:floor>
-  <cs:gridlineMajor>
-    <cs:lnRef idx="0"/>
-    <cs:fillRef idx="0"/>
-    <cs:effectRef idx="0"/>
-    <cs:fontRef idx="minor">
-      <a:schemeClr val="tx1"/>
-    </cs:fontRef>
-    <cs:spPr>
-      <a:ln w="9525" cap="flat" cmpd="sng" algn="ctr">
-        <a:solidFill>
-          <a:schemeClr val="tx1">
-            <a:lumMod val="15000"/>
-            <a:lumOff val="85000"/>
-          </a:schemeClr>
-        </a:solidFill>
-        <a:round/>
-      </a:ln>
-    </cs:spPr>
-  </cs:gridlineMajor>
-  <cs:gridlineMinor>
-    <cs:lnRef idx="0"/>
-    <cs:fillRef idx="0"/>
-    <cs:effectRef idx="0"/>
-    <cs:fontRef idx="minor">
-      <a:schemeClr val="tx1"/>
-    </cs:fontRef>
-    <cs:spPr>
-      <a:ln w="9525" cap="flat" cmpd="sng" algn="ctr">
-        <a:solidFill>
-          <a:schemeClr val="tx1">
-            <a:lumMod val="5000"/>
-            <a:lumOff val="95000"/>
-          </a:schemeClr>
-        </a:solidFill>
-        <a:round/>
-      </a:ln>
-    </cs:spPr>
-  </cs:gridlineMinor>
-  <cs:hiLoLine>
-    <cs:lnRef idx="0"/>
-    <cs:fillRef idx="0"/>
-    <cs:effectRef idx="0"/>
-    <cs:fontRef idx="minor">
-      <a:schemeClr val="tx1"/>
-    </cs:fontRef>
-    <cs:spPr>
-      <a:ln w="9525" cap="flat" cmpd="sng" algn="ctr">
-        <a:solidFill>
-          <a:schemeClr val="tx1">
-            <a:lumMod val="75000"/>
-            <a:lumOff val="25000"/>
-          </a:schemeClr>
-        </a:solidFill>
-        <a:round/>
-      </a:ln>
-    </cs:spPr>
-  </cs:hiLoLine>
-  <cs:leaderLine>
-    <cs:lnRef idx="0"/>
-    <cs:fillRef idx="0"/>
-    <cs:effectRef idx="0"/>
-    <cs:fontRef idx="minor">
-      <a:schemeClr val="tx1"/>
-    </cs:fontRef>
-    <cs:spPr>
-      <a:ln w="9525" cap="flat" cmpd="sng" algn="ctr">
-        <a:solidFill>
-          <a:schemeClr val="tx1">
-            <a:lumMod val="35000"/>
-            <a:lumOff val="65000"/>
-          </a:schemeClr>
-        </a:solidFill>
-        <a:round/>
-      </a:ln>
-    </cs:spPr>
-  </cs:leaderLine>
-  <cs:legend>
-    <cs:lnRef idx="0"/>
-    <cs:fillRef idx="0"/>
-    <cs:effectRef idx="0"/>
-    <cs:fontRef idx="minor">
-      <a:schemeClr val="tx1">
-        <a:lumMod val="65000"/>
-        <a:lumOff val="35000"/>
-      </a:schemeClr>
-    </cs:fontRef>
-    <cs:defRPr sz="1197" kern="1200"/>
-  </cs:legend>
-  <cs:plotArea mods="allowNoFillOverride allowNoLineOverride">
-    <cs:lnRef idx="0"/>
-    <cs:fillRef idx="0"/>
-    <cs:effectRef idx="0"/>
-    <cs:fontRef idx="minor">
-      <a:schemeClr val="tx1"/>
-    </cs:fontRef>
-  </cs:plotArea>
-  <cs:plotArea3D mods="allowNoFillOverride allowNoLineOverride">
-    <cs:lnRef idx="0"/>
-    <cs:fillRef idx="0"/>
-    <cs:effectRef idx="0"/>
-    <cs:fontRef idx="minor">
-      <a:schemeClr val="tx1"/>
-    </cs:fontRef>
-  </cs:plotArea3D>
-  <cs:seriesAxis>
-    <cs:lnRef idx="0"/>
-    <cs:fillRef idx="0"/>
-    <cs:effectRef idx="0"/>
-    <cs:fontRef idx="minor">
-      <a:schemeClr val="tx1">
-        <a:lumMod val="65000"/>
-        <a:lumOff val="35000"/>
-      </a:schemeClr>
-    </cs:fontRef>
-    <cs:defRPr sz="1197" kern="1200"/>
-  </cs:seriesAxis>
-  <cs:seriesLine>
-    <cs:lnRef idx="0"/>
-    <cs:fillRef idx="0"/>
-    <cs:effectRef idx="0"/>
-    <cs:fontRef idx="minor">
-      <a:schemeClr val="tx1"/>
-    </cs:fontRef>
-    <cs:spPr>
-      <a:ln w="9525" cap="flat" cmpd="sng" algn="ctr">
-        <a:solidFill>
-          <a:schemeClr val="tx1">
-            <a:lumMod val="35000"/>
-            <a:lumOff val="65000"/>
-          </a:schemeClr>
-        </a:solidFill>
-        <a:round/>
-      </a:ln>
-    </cs:spPr>
-  </cs:seriesLine>
-  <cs:title>
-    <cs:lnRef idx="0"/>
-    <cs:fillRef idx="0"/>
-    <cs:effectRef idx="0"/>
-    <cs:fontRef idx="minor">
-      <a:schemeClr val="tx1">
-        <a:lumMod val="65000"/>
-        <a:lumOff val="35000"/>
-      </a:schemeClr>
-    </cs:fontRef>
-    <cs:defRPr sz="1862" b="0" kern="1200" spc="0" baseline="0"/>
-  </cs:title>
-  <cs:trendline>
-    <cs:lnRef idx="0">
-      <cs:styleClr val="auto"/>
-    </cs:lnRef>
-    <cs:fillRef idx="0"/>
-    <cs:effectRef idx="0"/>
-    <cs:fontRef idx="minor">
-      <a:schemeClr val="tx1"/>
-    </cs:fontRef>
-    <cs:spPr>
-      <a:ln w="19050" cap="rnd">
-        <a:solidFill>
-          <a:schemeClr val="phClr"/>
-        </a:solidFill>
-        <a:prstDash val="sysDot"/>
-      </a:ln>
-    </cs:spPr>
-  </cs:trendline>
-  <cs:trendlineLabel>
-    <cs:lnRef idx="0"/>
-    <cs:fillRef idx="0"/>
-    <cs:effectRef idx="0"/>
-    <cs:fontRef idx="minor">
-      <a:schemeClr val="tx1">
-        <a:lumMod val="65000"/>
-        <a:lumOff val="35000"/>
-      </a:schemeClr>
-    </cs:fontRef>
-    <cs:defRPr sz="1197" kern="1200"/>
-  </cs:trendlineLabel>
-  <cs:upBar>
-    <cs:lnRef idx="0"/>
-    <cs:fillRef idx="0"/>
-    <cs:effectRef idx="0"/>
-    <cs:fontRef idx="minor">
-      <a:schemeClr val="dk1"/>
-    </cs:fontRef>
-    <cs:spPr>
-      <a:solidFill>
-        <a:schemeClr val="lt1"/>
-      </a:solidFill>
-      <a:ln w="9525">
-        <a:solidFill>
-          <a:schemeClr val="tx1">
-            <a:lumMod val="15000"/>
-            <a:lumOff val="85000"/>
-          </a:schemeClr>
-        </a:solidFill>
-      </a:ln>
-    </cs:spPr>
-  </cs:upBar>
-  <cs:valueAxis>
-    <cs:lnRef idx="0"/>
-    <cs:fillRef idx="0"/>
-    <cs:effectRef idx="0"/>
-    <cs:fontRef idx="minor">
-      <a:schemeClr val="tx1">
-        <a:lumMod val="65000"/>
-        <a:lumOff val="35000"/>
-      </a:schemeClr>
-    </cs:fontRef>
-    <cs:defRPr sz="1197" kern="1200"/>
-  </cs:valueAxis>
-  <cs:wall>
-    <cs:lnRef idx="0"/>
-    <cs:fillRef idx="0"/>
-    <cs:effectRef idx="0"/>
-    <cs:fontRef idx="minor">
-      <a:schemeClr val="tx1"/>
-    </cs:fontRef>
-    <cs:spPr>
-      <a:noFill/>
-      <a:ln>
-        <a:noFill/>
-      </a:ln>
-    </cs:spPr>
-  </cs:wall>
-</cs:chartStyle>
-</file>
-
 <file path=ppt/slideLayouts/slideLayout1.xml><?xml version="1.0" encoding="utf-8"?>
 <p:sldLayout xmlns:a="http://schemas.openxmlformats.org/drawingml/2006/main" xmlns:r="http://schemas.openxmlformats.org/officeDocument/2006/relationships" xmlns:p="http://schemas.openxmlformats.org/presentationml/2006/main" type="title" preserve="1">
   <p:cSld name="제목 슬라이드">
@@ -3734,7 +287,7 @@
           <a:p>
             <a:fld id="{96A636AB-8848-4A3E-B2A9-34E7697DBA9D}" type="datetimeFigureOut">
               <a:rPr lang="ko-KR" altLang="en-US" smtClean="0"/>
-              <a:t>2024-03-18</a:t>
+              <a:t>2024-03-19</a:t>
             </a:fld>
             <a:endParaRPr lang="ko-KR" altLang="en-US"/>
           </a:p>
@@ -3940,7 +493,7 @@
           <a:p>
             <a:fld id="{96A636AB-8848-4A3E-B2A9-34E7697DBA9D}" type="datetimeFigureOut">
               <a:rPr lang="ko-KR" altLang="en-US" smtClean="0"/>
-              <a:t>2024-03-18</a:t>
+              <a:t>2024-03-19</a:t>
             </a:fld>
             <a:endParaRPr lang="ko-KR" altLang="en-US"/>
           </a:p>
@@ -4156,7 +709,7 @@
           <a:p>
             <a:fld id="{96A636AB-8848-4A3E-B2A9-34E7697DBA9D}" type="datetimeFigureOut">
               <a:rPr lang="ko-KR" altLang="en-US" smtClean="0"/>
-              <a:t>2024-03-18</a:t>
+              <a:t>2024-03-19</a:t>
             </a:fld>
             <a:endParaRPr lang="ko-KR" altLang="en-US"/>
           </a:p>
@@ -4400,7 +953,7 @@
           <a:p>
             <a:fld id="{96A636AB-8848-4A3E-B2A9-34E7697DBA9D}" type="datetimeFigureOut">
               <a:rPr lang="ko-KR" altLang="en-US" smtClean="0"/>
-              <a:t>2024-03-18</a:t>
+              <a:t>2024-03-19</a:t>
             </a:fld>
             <a:endParaRPr lang="ko-KR" altLang="en-US"/>
           </a:p>
@@ -4683,7 +1236,7 @@
           <a:p>
             <a:fld id="{96A636AB-8848-4A3E-B2A9-34E7697DBA9D}" type="datetimeFigureOut">
               <a:rPr lang="ko-KR" altLang="en-US" smtClean="0"/>
-              <a:t>2024-03-18</a:t>
+              <a:t>2024-03-19</a:t>
             </a:fld>
             <a:endParaRPr lang="ko-KR" altLang="en-US"/>
           </a:p>
@@ -5025,7 +1578,7 @@
           <a:p>
             <a:fld id="{96A636AB-8848-4A3E-B2A9-34E7697DBA9D}" type="datetimeFigureOut">
               <a:rPr lang="ko-KR" altLang="en-US" smtClean="0"/>
-              <a:t>2024-03-18</a:t>
+              <a:t>2024-03-19</a:t>
             </a:fld>
             <a:endParaRPr lang="ko-KR" altLang="en-US"/>
           </a:p>
@@ -5520,7 +2073,7 @@
           <a:p>
             <a:fld id="{96A636AB-8848-4A3E-B2A9-34E7697DBA9D}" type="datetimeFigureOut">
               <a:rPr lang="ko-KR" altLang="en-US" smtClean="0"/>
-              <a:t>2024-03-18</a:t>
+              <a:t>2024-03-19</a:t>
             </a:fld>
             <a:endParaRPr lang="ko-KR" altLang="en-US"/>
           </a:p>
@@ -5676,7 +2229,7 @@
           <a:p>
             <a:fld id="{96A636AB-8848-4A3E-B2A9-34E7697DBA9D}" type="datetimeFigureOut">
               <a:rPr lang="ko-KR" altLang="en-US" smtClean="0"/>
-              <a:t>2024-03-18</a:t>
+              <a:t>2024-03-19</a:t>
             </a:fld>
             <a:endParaRPr lang="ko-KR" altLang="en-US"/>
           </a:p>
@@ -5797,7 +2350,7 @@
           <a:p>
             <a:fld id="{96A636AB-8848-4A3E-B2A9-34E7697DBA9D}" type="datetimeFigureOut">
               <a:rPr lang="ko-KR" altLang="en-US" smtClean="0"/>
-              <a:t>2024-03-18</a:t>
+              <a:t>2024-03-19</a:t>
             </a:fld>
             <a:endParaRPr lang="ko-KR" altLang="en-US"/>
           </a:p>
@@ -6116,7 +2669,7 @@
           <a:p>
             <a:fld id="{96A636AB-8848-4A3E-B2A9-34E7697DBA9D}" type="datetimeFigureOut">
               <a:rPr lang="ko-KR" altLang="en-US" smtClean="0"/>
-              <a:t>2024-03-18</a:t>
+              <a:t>2024-03-19</a:t>
             </a:fld>
             <a:endParaRPr lang="ko-KR" altLang="en-US"/>
           </a:p>
@@ -6412,7 +2965,7 @@
           <a:p>
             <a:fld id="{96A636AB-8848-4A3E-B2A9-34E7697DBA9D}" type="datetimeFigureOut">
               <a:rPr lang="ko-KR" altLang="en-US" smtClean="0"/>
-              <a:t>2024-03-18</a:t>
+              <a:t>2024-03-19</a:t>
             </a:fld>
             <a:endParaRPr lang="ko-KR" altLang="en-US"/>
           </a:p>
@@ -6664,7 +3217,7 @@
             <a:fld id="{96A636AB-8848-4A3E-B2A9-34E7697DBA9D}" type="datetimeFigureOut">
               <a:rPr lang="ko-KR" altLang="en-US" smtClean="0"/>
               <a:pPr/>
-              <a:t>2024-03-18</a:t>
+              <a:t>2024-03-19</a:t>
             </a:fld>
             <a:endParaRPr lang="ko-KR" altLang="en-US"/>
           </a:p>
@@ -7145,7 +3698,7 @@
         <p:spPr>
           <a:xfrm>
             <a:off x="4242487" y="2921169"/>
-            <a:ext cx="3707027" cy="600164"/>
+            <a:ext cx="3707027" cy="1338828"/>
           </a:xfrm>
           <a:prstGeom prst="rect">
             <a:avLst/>
@@ -7164,6 +3717,41 @@
               </a:lnSpc>
             </a:pPr>
             <a:r>
+              <a:rPr lang="ko-KR" altLang="en-US" sz="3200" dirty="0">
+                <a:latin typeface="여기어때 잘난체 고딕" panose="00000500000000000000" pitchFamily="50" charset="-127"/>
+                <a:ea typeface="여기어때 잘난체 고딕" panose="00000500000000000000" pitchFamily="50" charset="-127"/>
+              </a:rPr>
+              <a:t>구원자 </a:t>
+            </a:r>
+            <a:r>
+              <a:rPr lang="en-US" altLang="ko-KR" sz="3200" dirty="0">
+                <a:latin typeface="여기어때 잘난체 고딕" panose="00000500000000000000" pitchFamily="50" charset="-127"/>
+                <a:ea typeface="여기어때 잘난체 고딕" panose="00000500000000000000" pitchFamily="50" charset="-127"/>
+              </a:rPr>
+              <a:t>(</a:t>
+            </a:r>
+            <a:r>
+              <a:rPr lang="ko-KR" altLang="en-US" sz="3200" dirty="0">
+                <a:latin typeface="여기어때 잘난체 고딕" panose="00000500000000000000" pitchFamily="50" charset="-127"/>
+                <a:ea typeface="여기어때 잘난체 고딕" panose="00000500000000000000" pitchFamily="50" charset="-127"/>
+              </a:rPr>
+              <a:t>가제</a:t>
+            </a:r>
+            <a:r>
+              <a:rPr lang="en-US" altLang="ko-KR" sz="3200" dirty="0">
+                <a:latin typeface="여기어때 잘난체 고딕" panose="00000500000000000000" pitchFamily="50" charset="-127"/>
+                <a:ea typeface="여기어때 잘난체 고딕" panose="00000500000000000000" pitchFamily="50" charset="-127"/>
+              </a:rPr>
+              <a:t>)</a:t>
+            </a:r>
+          </a:p>
+          <a:p>
+            <a:pPr algn="ctr">
+              <a:lnSpc>
+                <a:spcPct val="150000"/>
+              </a:lnSpc>
+            </a:pPr>
+            <a:r>
               <a:rPr lang="ko-KR" altLang="en-US" sz="2400" dirty="0">
                 <a:latin typeface="여기어때 잘난체 고딕" panose="00000500000000000000" pitchFamily="50" charset="-127"/>
                 <a:ea typeface="여기어때 잘난체 고딕" panose="00000500000000000000" pitchFamily="50" charset="-127"/>
@@ -7189,7 +3777,7 @@
         </p:nvCxnSpPr>
         <p:spPr>
           <a:xfrm>
-            <a:off x="6096000" y="4422371"/>
+            <a:off x="6096000" y="4934100"/>
             <a:ext cx="0" cy="180000"/>
           </a:xfrm>
           <a:prstGeom prst="line">
@@ -7231,7 +3819,7 @@
         </p:nvSpPr>
         <p:spPr>
           <a:xfrm>
-            <a:off x="4992172" y="3919106"/>
+            <a:off x="4992172" y="4430835"/>
             <a:ext cx="2207656" cy="400110"/>
           </a:xfrm>
           <a:prstGeom prst="rect">
@@ -7247,28 +3835,42 @@
           <a:p>
             <a:pPr algn="r"/>
             <a:r>
-              <a:rPr lang="ko-KR" altLang="en-US" sz="1000">
+              <a:rPr lang="ko-KR" altLang="en-US" sz="1000" dirty="0">
                 <a:latin typeface="여기어때 잘난체 2" panose="00000500000000000000" pitchFamily="50" charset="-127"/>
                 <a:ea typeface="여기어때 잘난체 2" panose="00000500000000000000" pitchFamily="50" charset="-127"/>
               </a:rPr>
-              <a:t>한성대 유니티활용 </a:t>
-            </a:r>
-            <a:r>
-              <a:rPr lang="en-US" altLang="ko-KR" sz="1000">
+              <a:t>한성대 </a:t>
+            </a:r>
+            <a:r>
+              <a:rPr lang="ko-KR" altLang="en-US" sz="1000" dirty="0" err="1">
+                <a:latin typeface="여기어때 잘난체 2" panose="00000500000000000000" pitchFamily="50" charset="-127"/>
+                <a:ea typeface="여기어때 잘난체 2" panose="00000500000000000000" pitchFamily="50" charset="-127"/>
+              </a:rPr>
+              <a:t>유니티활용</a:t>
+            </a:r>
+            <a:r>
+              <a:rPr lang="ko-KR" altLang="en-US" sz="1000" dirty="0">
+                <a:latin typeface="여기어때 잘난체 2" panose="00000500000000000000" pitchFamily="50" charset="-127"/>
+                <a:ea typeface="여기어때 잘난체 2" panose="00000500000000000000" pitchFamily="50" charset="-127"/>
+              </a:rPr>
+              <a:t> </a:t>
+            </a:r>
+            <a:r>
+              <a:rPr lang="en-US" altLang="ko-KR" sz="1000" dirty="0">
                 <a:latin typeface="여기어때 잘난체 2" panose="00000500000000000000" pitchFamily="50" charset="-127"/>
                 <a:ea typeface="여기어때 잘난체 2" panose="00000500000000000000" pitchFamily="50" charset="-127"/>
               </a:rPr>
               <a:t>3D</a:t>
             </a:r>
             <a:r>
-              <a:rPr lang="ko-KR" altLang="en-US" sz="1000">
+              <a:rPr lang="ko-KR" altLang="en-US" sz="1000" dirty="0">
                 <a:latin typeface="여기어때 잘난체 2" panose="00000500000000000000" pitchFamily="50" charset="-127"/>
                 <a:ea typeface="여기어때 잘난체 2" panose="00000500000000000000" pitchFamily="50" charset="-127"/>
               </a:rPr>
               <a:t>게임 콘텐츠</a:t>
             </a:r>
             <a:r>
-              <a:rPr lang="en-US" altLang="ko-KR" sz="1000">
+              <a:rPr lang="en-US" altLang="ko-KR" sz="1000" dirty="0">
                 <a:latin typeface="여기어때 잘난체 2" panose="00000500000000000000" pitchFamily="50" charset="-127"/>
                 <a:ea typeface="여기어때 잘난체 2" panose="00000500000000000000" pitchFamily="50" charset="-127"/>
               </a:rPr>
@@ -7278,23 +3880,19 @@
           <a:p>
             <a:pPr algn="r"/>
             <a:r>
-              <a:rPr lang="en-US" altLang="ko-KR" sz="1000">
+              <a:rPr lang="en-US" altLang="ko-KR" sz="1000" dirty="0">
                 <a:latin typeface="여기어때 잘난체 2" panose="00000500000000000000" pitchFamily="50" charset="-127"/>
                 <a:ea typeface="여기어때 잘난체 2" panose="00000500000000000000" pitchFamily="50" charset="-127"/>
               </a:rPr>
               <a:t>VR </a:t>
             </a:r>
             <a:r>
-              <a:rPr lang="ko-KR" altLang="en-US" sz="1000">
+              <a:rPr lang="ko-KR" altLang="en-US" sz="1000" dirty="0">
                 <a:latin typeface="여기어때 잘난체 2" panose="00000500000000000000" pitchFamily="50" charset="-127"/>
                 <a:ea typeface="여기어때 잘난체 2" panose="00000500000000000000" pitchFamily="50" charset="-127"/>
               </a:rPr>
               <a:t>네트워크 메타버스 플랫폼 개발</a:t>
             </a:r>
-            <a:endParaRPr lang="ko-KR" altLang="en-US" sz="1000" dirty="0">
-              <a:latin typeface="여기어때 잘난체 2" panose="00000500000000000000" pitchFamily="50" charset="-127"/>
-              <a:ea typeface="여기어때 잘난체 2" panose="00000500000000000000" pitchFamily="50" charset="-127"/>
-            </a:endParaRPr>
           </a:p>
         </p:txBody>
       </p:sp>
@@ -7312,7 +3910,7 @@
         </p:nvSpPr>
         <p:spPr>
           <a:xfrm>
-            <a:off x="5657418" y="4705526"/>
+            <a:off x="5657418" y="5217255"/>
             <a:ext cx="877163" cy="369332"/>
           </a:xfrm>
           <a:prstGeom prst="rect">
@@ -11622,7 +8220,10 @@
           <a:p>
             <a:pPr algn="ctr"/>
             <a:r>
-              <a:rPr lang="ko-KR" altLang="en-US" dirty="0"/>
+              <a:rPr lang="ko-KR" altLang="en-US" dirty="0">
+                <a:latin typeface="여기어때 잘난체 2" panose="00000500000000000000" pitchFamily="50" charset="-127"/>
+                <a:ea typeface="여기어때 잘난체 2" panose="00000500000000000000" pitchFamily="50" charset="-127"/>
+              </a:rPr>
               <a:t>최대 체력 증가</a:t>
             </a:r>
           </a:p>
@@ -11671,18 +8272,30 @@
           <a:p>
             <a:pPr algn="ctr"/>
             <a:r>
-              <a:rPr lang="ko-KR" altLang="en-US" dirty="0"/>
+              <a:rPr lang="ko-KR" altLang="en-US" dirty="0">
+                <a:latin typeface="여기어때 잘난체 2" panose="00000500000000000000" pitchFamily="50" charset="-127"/>
+                <a:ea typeface="여기어때 잘난체 2" panose="00000500000000000000" pitchFamily="50" charset="-127"/>
+              </a:rPr>
               <a:t>내공 사용 가능 횟수</a:t>
             </a:r>
-            <a:endParaRPr lang="en-US" altLang="ko-KR" dirty="0"/>
+            <a:endParaRPr lang="en-US" altLang="ko-KR" dirty="0">
+              <a:latin typeface="여기어때 잘난체 2" panose="00000500000000000000" pitchFamily="50" charset="-127"/>
+              <a:ea typeface="여기어때 잘난체 2" panose="00000500000000000000" pitchFamily="50" charset="-127"/>
+            </a:endParaRPr>
           </a:p>
           <a:p>
             <a:pPr algn="ctr"/>
             <a:r>
-              <a:rPr lang="en-US" altLang="ko-KR" dirty="0"/>
+              <a:rPr lang="en-US" altLang="ko-KR" dirty="0">
+                <a:latin typeface="여기어때 잘난체 2" panose="00000500000000000000" pitchFamily="50" charset="-127"/>
+                <a:ea typeface="여기어때 잘난체 2" panose="00000500000000000000" pitchFamily="50" charset="-127"/>
+              </a:rPr>
               <a:t>+1</a:t>
             </a:r>
-            <a:endParaRPr lang="ko-KR" altLang="en-US" dirty="0"/>
+            <a:endParaRPr lang="ko-KR" altLang="en-US" dirty="0">
+              <a:latin typeface="여기어때 잘난체 2" panose="00000500000000000000" pitchFamily="50" charset="-127"/>
+              <a:ea typeface="여기어때 잘난체 2" panose="00000500000000000000" pitchFamily="50" charset="-127"/>
+            </a:endParaRPr>
           </a:p>
         </p:txBody>
       </p:sp>
@@ -11729,7 +8342,10 @@
           <a:p>
             <a:pPr algn="ctr"/>
             <a:r>
-              <a:rPr lang="ko-KR" altLang="en-US" dirty="0"/>
+              <a:rPr lang="ko-KR" altLang="en-US" dirty="0">
+                <a:latin typeface="여기어때 잘난체 2" panose="00000500000000000000" pitchFamily="50" charset="-127"/>
+                <a:ea typeface="여기어때 잘난체 2" panose="00000500000000000000" pitchFamily="50" charset="-127"/>
+              </a:rPr>
               <a:t>스테이지 클리어 보상 예시</a:t>
             </a:r>
           </a:p>
@@ -11778,7 +8394,10 @@
           <a:p>
             <a:pPr algn="ctr"/>
             <a:r>
-              <a:rPr lang="ko-KR" altLang="en-US" dirty="0"/>
+              <a:rPr lang="ko-KR" altLang="en-US" dirty="0">
+                <a:latin typeface="여기어때 잘난체 2" panose="00000500000000000000" pitchFamily="50" charset="-127"/>
+                <a:ea typeface="여기어때 잘난체 2" panose="00000500000000000000" pitchFamily="50" charset="-127"/>
+              </a:rPr>
               <a:t>일반 공격 강화</a:t>
             </a:r>
           </a:p>
@@ -15200,7 +11819,7 @@
                   <a:latin typeface="여기어때 잘난체 2" panose="00000500000000000000" pitchFamily="50" charset="-127"/>
                   <a:ea typeface="여기어때 잘난체 2" panose="00000500000000000000" pitchFamily="50" charset="-127"/>
                 </a:rPr>
-                <a:t>상점에서 특수 인물과 전투 진행</a:t>
+                <a:t>상점에서 특수 보스와 전투 진행</a:t>
               </a:r>
               <a:endParaRPr lang="en-US" altLang="ko-KR" dirty="0">
                 <a:solidFill>
@@ -15547,7 +12166,7 @@
           <a:lstStyle/>
           <a:p>
             <a:r>
-              <a:rPr lang="ko-KR" altLang="en-US" sz="1600" err="1">
+              <a:rPr lang="ko-KR" altLang="en-US" sz="1600" dirty="0" err="1">
                 <a:latin typeface="여기어때 잘난체 2" panose="00000500000000000000" pitchFamily="50" charset="-127"/>
                 <a:ea typeface="여기어때 잘난체 2" panose="00000500000000000000" pitchFamily="50" charset="-127"/>
               </a:rPr>
@@ -15870,6 +12489,164 @@
           </a:p>
         </p:txBody>
       </p:sp>
+      <p:sp>
+        <p:nvSpPr>
+          <p:cNvPr id="20" name="TextBox 19">
+            <a:extLst>
+              <a:ext uri="{FF2B5EF4-FFF2-40B4-BE49-F238E27FC236}">
+                <a16:creationId xmlns:a16="http://schemas.microsoft.com/office/drawing/2014/main" id="{C03A9F1B-2D52-42A0-B1C8-4002720D206E}"/>
+              </a:ext>
+            </a:extLst>
+          </p:cNvPr>
+          <p:cNvSpPr txBox="1"/>
+          <p:nvPr/>
+        </p:nvSpPr>
+        <p:spPr>
+          <a:xfrm>
+            <a:off x="9191628" y="2525622"/>
+            <a:ext cx="595035" cy="338554"/>
+          </a:xfrm>
+          <a:prstGeom prst="rect">
+            <a:avLst/>
+          </a:prstGeom>
+          <a:noFill/>
+        </p:spPr>
+        <p:txBody>
+          <a:bodyPr wrap="none" rtlCol="0">
+            <a:spAutoFit/>
+          </a:bodyPr>
+          <a:lstStyle/>
+          <a:p>
+            <a:r>
+              <a:rPr lang="ko-KR" altLang="en-US" sz="1600">
+                <a:latin typeface="여기어때 잘난체 2" panose="00000500000000000000" pitchFamily="50" charset="-127"/>
+                <a:ea typeface="여기어때 잘난체 2" panose="00000500000000000000" pitchFamily="50" charset="-127"/>
+              </a:rPr>
+              <a:t>제약</a:t>
+            </a:r>
+            <a:endParaRPr lang="ko-KR" altLang="en-US" sz="1600" dirty="0">
+              <a:latin typeface="여기어때 잘난체 2" panose="00000500000000000000" pitchFamily="50" charset="-127"/>
+              <a:ea typeface="여기어때 잘난체 2" panose="00000500000000000000" pitchFamily="50" charset="-127"/>
+            </a:endParaRPr>
+          </a:p>
+        </p:txBody>
+      </p:sp>
+      <p:sp>
+        <p:nvSpPr>
+          <p:cNvPr id="21" name="TextBox 20">
+            <a:extLst>
+              <a:ext uri="{FF2B5EF4-FFF2-40B4-BE49-F238E27FC236}">
+                <a16:creationId xmlns:a16="http://schemas.microsoft.com/office/drawing/2014/main" id="{4A47E2EB-6806-444E-86F8-5265BD1E6BFF}"/>
+              </a:ext>
+            </a:extLst>
+          </p:cNvPr>
+          <p:cNvSpPr txBox="1"/>
+          <p:nvPr/>
+        </p:nvSpPr>
+        <p:spPr>
+          <a:xfrm>
+            <a:off x="8957590" y="2974049"/>
+            <a:ext cx="1113941" cy="246221"/>
+          </a:xfrm>
+          <a:prstGeom prst="rect">
+            <a:avLst/>
+          </a:prstGeom>
+          <a:noFill/>
+        </p:spPr>
+        <p:txBody>
+          <a:bodyPr wrap="square" rtlCol="0">
+            <a:spAutoFit/>
+          </a:bodyPr>
+          <a:lstStyle/>
+          <a:p>
+            <a:pPr algn="ctr"/>
+            <a:r>
+              <a:rPr lang="ko-KR" altLang="en-US" sz="1000" dirty="0">
+                <a:latin typeface="여기어때 잘난체 2" panose="00000500000000000000" pitchFamily="50" charset="-127"/>
+                <a:ea typeface="여기어때 잘난체 2" panose="00000500000000000000" pitchFamily="50" charset="-127"/>
+              </a:rPr>
+              <a:t>업데이트 예정</a:t>
+            </a:r>
+          </a:p>
+        </p:txBody>
+      </p:sp>
+      <p:sp>
+        <p:nvSpPr>
+          <p:cNvPr id="22" name="직사각형 21">
+            <a:extLst>
+              <a:ext uri="{FF2B5EF4-FFF2-40B4-BE49-F238E27FC236}">
+                <a16:creationId xmlns:a16="http://schemas.microsoft.com/office/drawing/2014/main" id="{DC81089C-79C9-4592-8B07-894120272995}"/>
+              </a:ext>
+            </a:extLst>
+          </p:cNvPr>
+          <p:cNvSpPr/>
+          <p:nvPr/>
+        </p:nvSpPr>
+        <p:spPr>
+          <a:xfrm>
+            <a:off x="8232369" y="3979111"/>
+            <a:ext cx="2513552" cy="923330"/>
+          </a:xfrm>
+          <a:prstGeom prst="rect">
+            <a:avLst/>
+          </a:prstGeom>
+        </p:spPr>
+        <p:txBody>
+          <a:bodyPr wrap="square">
+            <a:spAutoFit/>
+          </a:bodyPr>
+          <a:lstStyle/>
+          <a:p>
+            <a:pPr algn="ctr"/>
+            <a:r>
+              <a:rPr lang="ko-KR" altLang="en-US" dirty="0" err="1">
+                <a:latin typeface="여기어때 잘난체 2" panose="00000500000000000000" pitchFamily="50" charset="-127"/>
+                <a:ea typeface="여기어때 잘난체 2" panose="00000500000000000000" pitchFamily="50" charset="-127"/>
+              </a:rPr>
+              <a:t>다회차</a:t>
+            </a:r>
+            <a:r>
+              <a:rPr lang="ko-KR" altLang="en-US" dirty="0">
+                <a:latin typeface="여기어때 잘난체 2" panose="00000500000000000000" pitchFamily="50" charset="-127"/>
+                <a:ea typeface="여기어때 잘난체 2" panose="00000500000000000000" pitchFamily="50" charset="-127"/>
+              </a:rPr>
+              <a:t> 플레이 및 </a:t>
+            </a:r>
+            <a:endParaRPr lang="en-US" altLang="ko-KR" dirty="0">
+              <a:latin typeface="여기어때 잘난체 2" panose="00000500000000000000" pitchFamily="50" charset="-127"/>
+              <a:ea typeface="여기어때 잘난체 2" panose="00000500000000000000" pitchFamily="50" charset="-127"/>
+            </a:endParaRPr>
+          </a:p>
+          <a:p>
+            <a:pPr algn="ctr"/>
+            <a:r>
+              <a:rPr lang="ko-KR" altLang="en-US" dirty="0">
+                <a:latin typeface="여기어때 잘난체 2" panose="00000500000000000000" pitchFamily="50" charset="-127"/>
+                <a:ea typeface="여기어때 잘난체 2" panose="00000500000000000000" pitchFamily="50" charset="-127"/>
+              </a:rPr>
+              <a:t>고난이도를 원하는</a:t>
+            </a:r>
+            <a:endParaRPr lang="en-US" altLang="ko-KR" dirty="0">
+              <a:latin typeface="여기어때 잘난체 2" panose="00000500000000000000" pitchFamily="50" charset="-127"/>
+              <a:ea typeface="여기어때 잘난체 2" panose="00000500000000000000" pitchFamily="50" charset="-127"/>
+            </a:endParaRPr>
+          </a:p>
+          <a:p>
+            <a:pPr algn="ctr"/>
+            <a:r>
+              <a:rPr lang="ko-KR" altLang="en-US" dirty="0">
+                <a:latin typeface="여기어때 잘난체 2" panose="00000500000000000000" pitchFamily="50" charset="-127"/>
+                <a:ea typeface="여기어때 잘난체 2" panose="00000500000000000000" pitchFamily="50" charset="-127"/>
+              </a:rPr>
+              <a:t>유저를 위한 시스템</a:t>
+            </a:r>
+            <a:endParaRPr lang="en-US" altLang="ko-KR" dirty="0">
+              <a:latin typeface="여기어때 잘난체 2" panose="00000500000000000000" pitchFamily="50" charset="-127"/>
+              <a:ea typeface="여기어때 잘난체 2" panose="00000500000000000000" pitchFamily="50" charset="-127"/>
+            </a:endParaRPr>
+          </a:p>
+        </p:txBody>
+      </p:sp>
     </p:spTree>
     <p:extLst>
       <p:ext uri="{BB962C8B-B14F-4D97-AF65-F5344CB8AC3E}">
@@ -15892,6 +12669,547 @@
 </file>
 
 <file path=ppt/slides/slide19.xml><?xml version="1.0" encoding="utf-8"?>
+<p:sld xmlns:a="http://schemas.openxmlformats.org/drawingml/2006/main" xmlns:r="http://schemas.openxmlformats.org/officeDocument/2006/relationships" xmlns:p="http://schemas.openxmlformats.org/presentationml/2006/main">
+  <p:cSld>
+    <p:spTree>
+      <p:nvGrpSpPr>
+        <p:cNvPr id="1" name=""/>
+        <p:cNvGrpSpPr/>
+        <p:nvPr/>
+      </p:nvGrpSpPr>
+      <p:grpSpPr>
+        <a:xfrm>
+          <a:off x="0" y="0"/>
+          <a:ext cx="0" cy="0"/>
+          <a:chOff x="0" y="0"/>
+          <a:chExt cx="0" cy="0"/>
+        </a:xfrm>
+      </p:grpSpPr>
+      <p:pic>
+        <p:nvPicPr>
+          <p:cNvPr id="7" name="그림 6">
+            <a:extLst>
+              <a:ext uri="{FF2B5EF4-FFF2-40B4-BE49-F238E27FC236}">
+                <a16:creationId xmlns:a16="http://schemas.microsoft.com/office/drawing/2014/main" id="{DB46D6BC-6483-48A9-97EC-E73B0B35BC37}"/>
+              </a:ext>
+            </a:extLst>
+          </p:cNvPr>
+          <p:cNvPicPr>
+            <a:picLocks noChangeAspect="1"/>
+          </p:cNvPicPr>
+          <p:nvPr/>
+        </p:nvPicPr>
+        <p:blipFill>
+          <a:blip r:embed="rId2">
+            <a:extLst>
+              <a:ext uri="{28A0092B-C50C-407E-A947-70E740481C1C}">
+                <a14:useLocalDpi xmlns:a14="http://schemas.microsoft.com/office/drawing/2010/main" val="0"/>
+              </a:ext>
+            </a:extLst>
+          </a:blip>
+          <a:stretch>
+            <a:fillRect/>
+          </a:stretch>
+        </p:blipFill>
+        <p:spPr>
+          <a:xfrm>
+            <a:off x="440256" y="371137"/>
+            <a:ext cx="540000" cy="540000"/>
+          </a:xfrm>
+          <a:prstGeom prst="rect">
+            <a:avLst/>
+          </a:prstGeom>
+        </p:spPr>
+      </p:pic>
+      <p:cxnSp>
+        <p:nvCxnSpPr>
+          <p:cNvPr id="3" name="직선 연결선 2">
+            <a:extLst>
+              <a:ext uri="{FF2B5EF4-FFF2-40B4-BE49-F238E27FC236}">
+                <a16:creationId xmlns:a16="http://schemas.microsoft.com/office/drawing/2014/main" id="{CF9ECE96-BB41-4E0A-9688-ED596D9B8D6A}"/>
+              </a:ext>
+            </a:extLst>
+          </p:cNvPr>
+          <p:cNvCxnSpPr>
+            <a:cxnSpLocks/>
+          </p:cNvCxnSpPr>
+          <p:nvPr/>
+        </p:nvCxnSpPr>
+        <p:spPr>
+          <a:xfrm>
+            <a:off x="3973483" y="646315"/>
+            <a:ext cx="0" cy="5565371"/>
+          </a:xfrm>
+          <a:prstGeom prst="line">
+            <a:avLst/>
+          </a:prstGeom>
+          <a:ln w="9525">
+            <a:solidFill>
+              <a:schemeClr val="bg2">
+                <a:lumMod val="90000"/>
+              </a:schemeClr>
+            </a:solidFill>
+            <a:prstDash val="dash"/>
+          </a:ln>
+        </p:spPr>
+        <p:style>
+          <a:lnRef idx="1">
+            <a:schemeClr val="accent1"/>
+          </a:lnRef>
+          <a:fillRef idx="0">
+            <a:schemeClr val="accent1"/>
+          </a:fillRef>
+          <a:effectRef idx="0">
+            <a:schemeClr val="accent1"/>
+          </a:effectRef>
+          <a:fontRef idx="minor">
+            <a:schemeClr val="tx1"/>
+          </a:fontRef>
+        </p:style>
+      </p:cxnSp>
+      <p:sp>
+        <p:nvSpPr>
+          <p:cNvPr id="11" name="TextBox 10">
+            <a:extLst>
+              <a:ext uri="{FF2B5EF4-FFF2-40B4-BE49-F238E27FC236}">
+                <a16:creationId xmlns:a16="http://schemas.microsoft.com/office/drawing/2014/main" id="{8BB57C26-A1E7-4324-AF89-C47F46B8062B}"/>
+              </a:ext>
+            </a:extLst>
+          </p:cNvPr>
+          <p:cNvSpPr txBox="1"/>
+          <p:nvPr/>
+        </p:nvSpPr>
+        <p:spPr>
+          <a:xfrm>
+            <a:off x="440256" y="2951946"/>
+            <a:ext cx="2888932" cy="954107"/>
+          </a:xfrm>
+          <a:prstGeom prst="rect">
+            <a:avLst/>
+          </a:prstGeom>
+          <a:noFill/>
+        </p:spPr>
+        <p:txBody>
+          <a:bodyPr wrap="none" rtlCol="0">
+            <a:spAutoFit/>
+          </a:bodyPr>
+          <a:lstStyle/>
+          <a:p>
+            <a:r>
+              <a:rPr lang="en-US" altLang="ko-KR" sz="2800" dirty="0">
+                <a:latin typeface="여기어때 잘난체 2" panose="00000500000000000000" pitchFamily="50" charset="-127"/>
+                <a:ea typeface="여기어때 잘난체 2" panose="00000500000000000000" pitchFamily="50" charset="-127"/>
+              </a:rPr>
+              <a:t>6. </a:t>
+            </a:r>
+            <a:r>
+              <a:rPr lang="ko-KR" altLang="en-US" sz="2800" dirty="0">
+                <a:latin typeface="여기어때 잘난체 2" panose="00000500000000000000" pitchFamily="50" charset="-127"/>
+                <a:ea typeface="여기어때 잘난체 2" panose="00000500000000000000" pitchFamily="50" charset="-127"/>
+              </a:rPr>
+              <a:t>타겟 플랫폼과</a:t>
+            </a:r>
+            <a:endParaRPr lang="en-US" altLang="ko-KR" sz="2800" dirty="0">
+              <a:latin typeface="여기어때 잘난체 2" panose="00000500000000000000" pitchFamily="50" charset="-127"/>
+              <a:ea typeface="여기어때 잘난체 2" panose="00000500000000000000" pitchFamily="50" charset="-127"/>
+            </a:endParaRPr>
+          </a:p>
+          <a:p>
+            <a:r>
+              <a:rPr lang="ko-KR" altLang="en-US" sz="2800" dirty="0">
+                <a:latin typeface="여기어때 잘난체 2" panose="00000500000000000000" pitchFamily="50" charset="-127"/>
+                <a:ea typeface="여기어때 잘난체 2" panose="00000500000000000000" pitchFamily="50" charset="-127"/>
+              </a:rPr>
+              <a:t>비즈니스 모델</a:t>
+            </a:r>
+            <a:endParaRPr lang="en-US" altLang="ko-KR" sz="2800" dirty="0">
+              <a:latin typeface="여기어때 잘난체 2" panose="00000500000000000000" pitchFamily="50" charset="-127"/>
+              <a:ea typeface="여기어때 잘난체 2" panose="00000500000000000000" pitchFamily="50" charset="-127"/>
+            </a:endParaRPr>
+          </a:p>
+        </p:txBody>
+      </p:sp>
+      <p:pic>
+        <p:nvPicPr>
+          <p:cNvPr id="5" name="그림 4">
+            <a:extLst>
+              <a:ext uri="{FF2B5EF4-FFF2-40B4-BE49-F238E27FC236}">
+                <a16:creationId xmlns:a16="http://schemas.microsoft.com/office/drawing/2014/main" id="{1A3EE6FA-9F07-449F-9BD2-CEA6F86E0B91}"/>
+              </a:ext>
+            </a:extLst>
+          </p:cNvPr>
+          <p:cNvPicPr>
+            <a:picLocks noChangeAspect="1"/>
+          </p:cNvPicPr>
+          <p:nvPr/>
+        </p:nvPicPr>
+        <p:blipFill>
+          <a:blip r:embed="rId3">
+            <a:extLst>
+              <a:ext uri="{28A0092B-C50C-407E-A947-70E740481C1C}">
+                <a14:useLocalDpi xmlns:a14="http://schemas.microsoft.com/office/drawing/2010/main" val="0"/>
+              </a:ext>
+            </a:extLst>
+          </a:blip>
+          <a:stretch>
+            <a:fillRect/>
+          </a:stretch>
+        </p:blipFill>
+        <p:spPr>
+          <a:xfrm>
+            <a:off x="5344006" y="646315"/>
+            <a:ext cx="4552536" cy="2144008"/>
+          </a:xfrm>
+          <a:prstGeom prst="rect">
+            <a:avLst/>
+          </a:prstGeom>
+        </p:spPr>
+      </p:pic>
+      <p:pic>
+        <p:nvPicPr>
+          <p:cNvPr id="14" name="그림 13">
+            <a:extLst>
+              <a:ext uri="{FF2B5EF4-FFF2-40B4-BE49-F238E27FC236}">
+                <a16:creationId xmlns:a16="http://schemas.microsoft.com/office/drawing/2014/main" id="{7463FC72-E241-4AC2-A818-6972734D46CF}"/>
+              </a:ext>
+            </a:extLst>
+          </p:cNvPr>
+          <p:cNvPicPr>
+            <a:picLocks noChangeAspect="1"/>
+          </p:cNvPicPr>
+          <p:nvPr/>
+        </p:nvPicPr>
+        <p:blipFill>
+          <a:blip r:embed="rId4">
+            <a:extLst>
+              <a:ext uri="{28A0092B-C50C-407E-A947-70E740481C1C}">
+                <a14:useLocalDpi xmlns:a14="http://schemas.microsoft.com/office/drawing/2010/main" val="0"/>
+              </a:ext>
+            </a:extLst>
+          </a:blip>
+          <a:stretch>
+            <a:fillRect/>
+          </a:stretch>
+        </p:blipFill>
+        <p:spPr>
+          <a:xfrm>
+            <a:off x="4181269" y="3428999"/>
+            <a:ext cx="6878010" cy="1810003"/>
+          </a:xfrm>
+          <a:prstGeom prst="rect">
+            <a:avLst/>
+          </a:prstGeom>
+        </p:spPr>
+      </p:pic>
+      <p:sp>
+        <p:nvSpPr>
+          <p:cNvPr id="17" name="TextBox 16">
+            <a:extLst>
+              <a:ext uri="{FF2B5EF4-FFF2-40B4-BE49-F238E27FC236}">
+                <a16:creationId xmlns:a16="http://schemas.microsoft.com/office/drawing/2014/main" id="{7C381F1E-3F1C-489D-8BAF-06658F4DBAA8}"/>
+              </a:ext>
+            </a:extLst>
+          </p:cNvPr>
+          <p:cNvSpPr txBox="1"/>
+          <p:nvPr/>
+        </p:nvSpPr>
+        <p:spPr>
+          <a:xfrm>
+            <a:off x="4181269" y="5693012"/>
+            <a:ext cx="3360215" cy="369332"/>
+          </a:xfrm>
+          <a:prstGeom prst="rect">
+            <a:avLst/>
+          </a:prstGeom>
+          <a:noFill/>
+        </p:spPr>
+        <p:txBody>
+          <a:bodyPr wrap="none" rtlCol="0">
+            <a:spAutoFit/>
+          </a:bodyPr>
+          <a:lstStyle/>
+          <a:p>
+            <a:r>
+              <a:rPr lang="en-US" altLang="ko-KR" dirty="0">
+                <a:latin typeface="여기어때 잘난체 2" panose="00000500000000000000" pitchFamily="50" charset="-127"/>
+                <a:ea typeface="여기어때 잘난체 2" panose="00000500000000000000" pitchFamily="50" charset="-127"/>
+              </a:rPr>
+              <a:t>2019</a:t>
+            </a:r>
+            <a:r>
+              <a:rPr lang="ko-KR" altLang="en-US" dirty="0">
+                <a:latin typeface="여기어때 잘난체 2" panose="00000500000000000000" pitchFamily="50" charset="-127"/>
+                <a:ea typeface="여기어때 잘난체 2" panose="00000500000000000000" pitchFamily="50" charset="-127"/>
+              </a:rPr>
+              <a:t>년 누적 가입자 </a:t>
+            </a:r>
+            <a:r>
+              <a:rPr lang="en-US" altLang="ko-KR" dirty="0">
+                <a:latin typeface="여기어때 잘난체 2" panose="00000500000000000000" pitchFamily="50" charset="-127"/>
+                <a:ea typeface="여기어때 잘난체 2" panose="00000500000000000000" pitchFamily="50" charset="-127"/>
+              </a:rPr>
+              <a:t>10</a:t>
+            </a:r>
+            <a:r>
+              <a:rPr lang="ko-KR" altLang="en-US" dirty="0">
+                <a:latin typeface="여기어때 잘난체 2" panose="00000500000000000000" pitchFamily="50" charset="-127"/>
+                <a:ea typeface="여기어때 잘난체 2" panose="00000500000000000000" pitchFamily="50" charset="-127"/>
+              </a:rPr>
+              <a:t>억 달성</a:t>
+            </a:r>
+          </a:p>
+        </p:txBody>
+      </p:sp>
+      <p:sp>
+        <p:nvSpPr>
+          <p:cNvPr id="18" name="TextBox 17">
+            <a:extLst>
+              <a:ext uri="{FF2B5EF4-FFF2-40B4-BE49-F238E27FC236}">
+                <a16:creationId xmlns:a16="http://schemas.microsoft.com/office/drawing/2014/main" id="{FDA2F718-485F-462D-849C-E02181D732F6}"/>
+              </a:ext>
+            </a:extLst>
+          </p:cNvPr>
+          <p:cNvSpPr txBox="1"/>
+          <p:nvPr/>
+        </p:nvSpPr>
+        <p:spPr>
+          <a:xfrm>
+            <a:off x="4097379" y="5239002"/>
+            <a:ext cx="3382657" cy="215444"/>
+          </a:xfrm>
+          <a:prstGeom prst="rect">
+            <a:avLst/>
+          </a:prstGeom>
+          <a:noFill/>
+        </p:spPr>
+        <p:txBody>
+          <a:bodyPr wrap="none" rtlCol="0">
+            <a:spAutoFit/>
+          </a:bodyPr>
+          <a:lstStyle/>
+          <a:p>
+            <a:r>
+              <a:rPr lang="ko-KR" altLang="en-US" sz="800" dirty="0">
+                <a:latin typeface="여기어때 잘난체 2" panose="00000500000000000000" pitchFamily="50" charset="-127"/>
+                <a:ea typeface="여기어때 잘난체 2" panose="00000500000000000000" pitchFamily="50" charset="-127"/>
+              </a:rPr>
+              <a:t>출처 </a:t>
+            </a:r>
+            <a:r>
+              <a:rPr lang="en-US" altLang="ko-KR" sz="800" dirty="0">
+                <a:latin typeface="여기어때 잘난체 2" panose="00000500000000000000" pitchFamily="50" charset="-127"/>
+                <a:ea typeface="여기어때 잘난체 2" panose="00000500000000000000" pitchFamily="50" charset="-127"/>
+              </a:rPr>
+              <a:t>: https://www.gamemeca.com/view.php?gid=1548182</a:t>
+            </a:r>
+            <a:endParaRPr lang="ko-KR" altLang="en-US" sz="800" dirty="0">
+              <a:latin typeface="여기어때 잘난체 2" panose="00000500000000000000" pitchFamily="50" charset="-127"/>
+              <a:ea typeface="여기어때 잘난체 2" panose="00000500000000000000" pitchFamily="50" charset="-127"/>
+            </a:endParaRPr>
+          </a:p>
+        </p:txBody>
+      </p:sp>
+    </p:spTree>
+    <p:extLst>
+      <p:ext uri="{BB962C8B-B14F-4D97-AF65-F5344CB8AC3E}">
+        <p14:creationId xmlns:p14="http://schemas.microsoft.com/office/powerpoint/2010/main" val="3376071239"/>
+      </p:ext>
+    </p:extLst>
+  </p:cSld>
+  <p:clrMapOvr>
+    <a:masterClrMapping/>
+  </p:clrMapOvr>
+  <mc:AlternateContent xmlns:mc="http://schemas.openxmlformats.org/markup-compatibility/2006" xmlns:p14="http://schemas.microsoft.com/office/powerpoint/2010/main">
+    <mc:Choice Requires="p14">
+      <p:transition p14:dur="10"/>
+    </mc:Choice>
+    <mc:Fallback xmlns="">
+      <p:transition/>
+    </mc:Fallback>
+  </mc:AlternateContent>
+</p:sld>
+</file>
+
+<file path=ppt/slides/slide2.xml><?xml version="1.0" encoding="utf-8"?>
+<p:sld xmlns:a="http://schemas.openxmlformats.org/drawingml/2006/main" xmlns:r="http://schemas.openxmlformats.org/officeDocument/2006/relationships" xmlns:p="http://schemas.openxmlformats.org/presentationml/2006/main">
+  <p:cSld>
+    <p:spTree>
+      <p:nvGrpSpPr>
+        <p:cNvPr id="1" name=""/>
+        <p:cNvGrpSpPr/>
+        <p:nvPr/>
+      </p:nvGrpSpPr>
+      <p:grpSpPr>
+        <a:xfrm>
+          <a:off x="0" y="0"/>
+          <a:ext cx="0" cy="0"/>
+          <a:chOff x="0" y="0"/>
+          <a:chExt cx="0" cy="0"/>
+        </a:xfrm>
+      </p:grpSpPr>
+      <p:sp>
+        <p:nvSpPr>
+          <p:cNvPr id="2" name="제목 1">
+            <a:extLst>
+              <a:ext uri="{FF2B5EF4-FFF2-40B4-BE49-F238E27FC236}">
+                <a16:creationId xmlns:a16="http://schemas.microsoft.com/office/drawing/2014/main" id="{60EE99DA-5594-43E2-AB1C-7384FB6585A9}"/>
+              </a:ext>
+            </a:extLst>
+          </p:cNvPr>
+          <p:cNvSpPr>
+            <a:spLocks noGrp="1"/>
+          </p:cNvSpPr>
+          <p:nvPr>
+            <p:ph type="title"/>
+          </p:nvPr>
+        </p:nvSpPr>
+        <p:spPr/>
+        <p:txBody>
+          <a:bodyPr/>
+          <a:lstStyle/>
+          <a:p>
+            <a:pPr algn="ctr"/>
+            <a:r>
+              <a:rPr lang="ko-KR" altLang="en-US" dirty="0"/>
+              <a:t>목차</a:t>
+            </a:r>
+          </a:p>
+        </p:txBody>
+      </p:sp>
+      <p:sp>
+        <p:nvSpPr>
+          <p:cNvPr id="3" name="내용 개체 틀 2">
+            <a:extLst>
+              <a:ext uri="{FF2B5EF4-FFF2-40B4-BE49-F238E27FC236}">
+                <a16:creationId xmlns:a16="http://schemas.microsoft.com/office/drawing/2014/main" id="{C4DC92FA-0BC7-4C84-BD4B-C1A4F945C8AA}"/>
+              </a:ext>
+            </a:extLst>
+          </p:cNvPr>
+          <p:cNvSpPr>
+            <a:spLocks noGrp="1"/>
+          </p:cNvSpPr>
+          <p:nvPr>
+            <p:ph idx="1"/>
+          </p:nvPr>
+        </p:nvSpPr>
+        <p:spPr/>
+        <p:txBody>
+          <a:bodyPr>
+            <a:normAutofit fontScale="77500" lnSpcReduction="20000"/>
+          </a:bodyPr>
+          <a:lstStyle/>
+          <a:p>
+            <a:pPr marL="457200" indent="-457200" algn="ctr">
+              <a:lnSpc>
+                <a:spcPct val="200000"/>
+              </a:lnSpc>
+              <a:buFont typeface="+mj-lt"/>
+              <a:buAutoNum type="arabicPeriod"/>
+            </a:pPr>
+            <a:r>
+              <a:rPr lang="ko-KR" altLang="en-US" dirty="0"/>
+              <a:t>기획 의도</a:t>
+            </a:r>
+            <a:endParaRPr lang="en-US" altLang="ko-KR" dirty="0"/>
+          </a:p>
+          <a:p>
+            <a:pPr marL="457200" indent="-457200" algn="ctr">
+              <a:lnSpc>
+                <a:spcPct val="200000"/>
+              </a:lnSpc>
+              <a:buFont typeface="+mj-lt"/>
+              <a:buAutoNum type="arabicPeriod"/>
+            </a:pPr>
+            <a:r>
+              <a:rPr lang="ko-KR" altLang="en-US" dirty="0"/>
+              <a:t>게임 컨셉</a:t>
+            </a:r>
+            <a:endParaRPr lang="en-US" altLang="ko-KR" dirty="0"/>
+          </a:p>
+          <a:p>
+            <a:pPr marL="457200" indent="-457200" algn="ctr">
+              <a:lnSpc>
+                <a:spcPct val="200000"/>
+              </a:lnSpc>
+              <a:buFont typeface="+mj-lt"/>
+              <a:buAutoNum type="arabicPeriod"/>
+            </a:pPr>
+            <a:r>
+              <a:rPr lang="ko-KR" altLang="en-US" dirty="0"/>
+              <a:t>장르</a:t>
+            </a:r>
+            <a:endParaRPr lang="en-US" altLang="ko-KR" dirty="0"/>
+          </a:p>
+          <a:p>
+            <a:pPr marL="457200" indent="-457200" algn="ctr">
+              <a:lnSpc>
+                <a:spcPct val="200000"/>
+              </a:lnSpc>
+              <a:buFont typeface="+mj-lt"/>
+              <a:buAutoNum type="arabicPeriod"/>
+            </a:pPr>
+            <a:r>
+              <a:rPr lang="ko-KR" altLang="en-US" dirty="0"/>
+              <a:t>주 소비층</a:t>
+            </a:r>
+            <a:endParaRPr lang="en-US" altLang="ko-KR" dirty="0"/>
+          </a:p>
+          <a:p>
+            <a:pPr marL="457200" indent="-457200" algn="ctr">
+              <a:lnSpc>
+                <a:spcPct val="200000"/>
+              </a:lnSpc>
+              <a:buFont typeface="+mj-lt"/>
+              <a:buAutoNum type="arabicPeriod"/>
+            </a:pPr>
+            <a:r>
+              <a:rPr lang="en-US" altLang="ko-KR" dirty="0"/>
+              <a:t> </a:t>
+            </a:r>
+            <a:r>
+              <a:rPr lang="ko-KR" altLang="en-US" dirty="0"/>
+              <a:t>게임 구성</a:t>
+            </a:r>
+            <a:endParaRPr lang="en-US" altLang="ko-KR" dirty="0"/>
+          </a:p>
+          <a:p>
+            <a:pPr marL="457200" indent="-457200" algn="ctr">
+              <a:lnSpc>
+                <a:spcPct val="200000"/>
+              </a:lnSpc>
+              <a:buFont typeface="+mj-lt"/>
+              <a:buAutoNum type="arabicPeriod"/>
+            </a:pPr>
+            <a:r>
+              <a:rPr lang="ko-KR" altLang="en-US" dirty="0"/>
+              <a:t>플랫폼과 비즈니스 모델</a:t>
+            </a:r>
+            <a:endParaRPr lang="en-US" altLang="ko-KR" dirty="0"/>
+          </a:p>
+        </p:txBody>
+      </p:sp>
+    </p:spTree>
+    <p:extLst>
+      <p:ext uri="{BB962C8B-B14F-4D97-AF65-F5344CB8AC3E}">
+        <p14:creationId xmlns:p14="http://schemas.microsoft.com/office/powerpoint/2010/main" val="1423716504"/>
+      </p:ext>
+    </p:extLst>
+  </p:cSld>
+  <p:clrMapOvr>
+    <a:masterClrMapping/>
+  </p:clrMapOvr>
+  <mc:AlternateContent xmlns:mc="http://schemas.openxmlformats.org/markup-compatibility/2006" xmlns:p14="http://schemas.microsoft.com/office/powerpoint/2010/main">
+    <mc:Choice Requires="p14">
+      <p:transition p14:dur="10"/>
+    </mc:Choice>
+    <mc:Fallback xmlns="">
+      <p:transition/>
+    </mc:Fallback>
+  </mc:AlternateContent>
+</p:sld>
+</file>
+
+<file path=ppt/slides/slide20.xml><?xml version="1.0" encoding="utf-8"?>
 <p:sld xmlns:a="http://schemas.openxmlformats.org/drawingml/2006/main" xmlns:r="http://schemas.openxmlformats.org/officeDocument/2006/relationships" xmlns:p="http://schemas.openxmlformats.org/presentationml/2006/main">
   <p:cSld>
     <p:spTree>
@@ -16332,7 +13650,7 @@
     </p:spTree>
     <p:extLst>
       <p:ext uri="{BB962C8B-B14F-4D97-AF65-F5344CB8AC3E}">
-        <p14:creationId xmlns:p14="http://schemas.microsoft.com/office/powerpoint/2010/main" val="3376071239"/>
+        <p14:creationId xmlns:p14="http://schemas.microsoft.com/office/powerpoint/2010/main" val="137559574"/>
       </p:ext>
     </p:extLst>
   </p:cSld>
@@ -16350,186 +13668,7 @@
 </p:sld>
 </file>
 
-<file path=ppt/slides/slide2.xml><?xml version="1.0" encoding="utf-8"?>
-<p:sld xmlns:a="http://schemas.openxmlformats.org/drawingml/2006/main" xmlns:r="http://schemas.openxmlformats.org/officeDocument/2006/relationships" xmlns:p="http://schemas.openxmlformats.org/presentationml/2006/main">
-  <p:cSld>
-    <p:spTree>
-      <p:nvGrpSpPr>
-        <p:cNvPr id="1" name=""/>
-        <p:cNvGrpSpPr/>
-        <p:nvPr/>
-      </p:nvGrpSpPr>
-      <p:grpSpPr>
-        <a:xfrm>
-          <a:off x="0" y="0"/>
-          <a:ext cx="0" cy="0"/>
-          <a:chOff x="0" y="0"/>
-          <a:chExt cx="0" cy="0"/>
-        </a:xfrm>
-      </p:grpSpPr>
-      <p:sp>
-        <p:nvSpPr>
-          <p:cNvPr id="2" name="제목 1">
-            <a:extLst>
-              <a:ext uri="{FF2B5EF4-FFF2-40B4-BE49-F238E27FC236}">
-                <a16:creationId xmlns:a16="http://schemas.microsoft.com/office/drawing/2014/main" id="{60EE99DA-5594-43E2-AB1C-7384FB6585A9}"/>
-              </a:ext>
-            </a:extLst>
-          </p:cNvPr>
-          <p:cNvSpPr>
-            <a:spLocks noGrp="1"/>
-          </p:cNvSpPr>
-          <p:nvPr>
-            <p:ph type="title"/>
-          </p:nvPr>
-        </p:nvSpPr>
-        <p:spPr/>
-        <p:txBody>
-          <a:bodyPr/>
-          <a:lstStyle/>
-          <a:p>
-            <a:pPr algn="ctr"/>
-            <a:r>
-              <a:rPr lang="ko-KR" altLang="en-US" dirty="0"/>
-              <a:t>목차</a:t>
-            </a:r>
-          </a:p>
-        </p:txBody>
-      </p:sp>
-      <p:sp>
-        <p:nvSpPr>
-          <p:cNvPr id="3" name="내용 개체 틀 2">
-            <a:extLst>
-              <a:ext uri="{FF2B5EF4-FFF2-40B4-BE49-F238E27FC236}">
-                <a16:creationId xmlns:a16="http://schemas.microsoft.com/office/drawing/2014/main" id="{C4DC92FA-0BC7-4C84-BD4B-C1A4F945C8AA}"/>
-              </a:ext>
-            </a:extLst>
-          </p:cNvPr>
-          <p:cNvSpPr>
-            <a:spLocks noGrp="1"/>
-          </p:cNvSpPr>
-          <p:nvPr>
-            <p:ph idx="1"/>
-          </p:nvPr>
-        </p:nvSpPr>
-        <p:spPr/>
-        <p:txBody>
-          <a:bodyPr>
-            <a:normAutofit fontScale="77500" lnSpcReduction="20000"/>
-          </a:bodyPr>
-          <a:lstStyle/>
-          <a:p>
-            <a:pPr marL="457200" indent="-457200" algn="ctr">
-              <a:lnSpc>
-                <a:spcPct val="200000"/>
-              </a:lnSpc>
-              <a:buFont typeface="+mj-lt"/>
-              <a:buAutoNum type="arabicPeriod"/>
-            </a:pPr>
-            <a:r>
-              <a:rPr lang="ko-KR" altLang="en-US" dirty="0"/>
-              <a:t>기획 의도</a:t>
-            </a:r>
-            <a:endParaRPr lang="en-US" altLang="ko-KR" dirty="0"/>
-          </a:p>
-          <a:p>
-            <a:pPr marL="457200" indent="-457200" algn="ctr">
-              <a:lnSpc>
-                <a:spcPct val="200000"/>
-              </a:lnSpc>
-              <a:buFont typeface="+mj-lt"/>
-              <a:buAutoNum type="arabicPeriod"/>
-            </a:pPr>
-            <a:r>
-              <a:rPr lang="ko-KR" altLang="en-US" dirty="0"/>
-              <a:t>게임 컨셉</a:t>
-            </a:r>
-            <a:endParaRPr lang="en-US" altLang="ko-KR" dirty="0"/>
-          </a:p>
-          <a:p>
-            <a:pPr marL="457200" indent="-457200" algn="ctr">
-              <a:lnSpc>
-                <a:spcPct val="200000"/>
-              </a:lnSpc>
-              <a:buFont typeface="+mj-lt"/>
-              <a:buAutoNum type="arabicPeriod"/>
-            </a:pPr>
-            <a:r>
-              <a:rPr lang="ko-KR" altLang="en-US" dirty="0"/>
-              <a:t>장르</a:t>
-            </a:r>
-            <a:endParaRPr lang="en-US" altLang="ko-KR" dirty="0"/>
-          </a:p>
-          <a:p>
-            <a:pPr marL="457200" indent="-457200" algn="ctr">
-              <a:lnSpc>
-                <a:spcPct val="200000"/>
-              </a:lnSpc>
-              <a:buFont typeface="+mj-lt"/>
-              <a:buAutoNum type="arabicPeriod"/>
-            </a:pPr>
-            <a:r>
-              <a:rPr lang="ko-KR" altLang="en-US" dirty="0"/>
-              <a:t>주 소비층</a:t>
-            </a:r>
-            <a:endParaRPr lang="en-US" altLang="ko-KR" dirty="0"/>
-          </a:p>
-          <a:p>
-            <a:pPr marL="457200" indent="-457200" algn="ctr">
-              <a:lnSpc>
-                <a:spcPct val="200000"/>
-              </a:lnSpc>
-              <a:buFont typeface="+mj-lt"/>
-              <a:buAutoNum type="arabicPeriod"/>
-            </a:pPr>
-            <a:r>
-              <a:rPr lang="en-US" altLang="ko-KR" dirty="0"/>
-              <a:t> </a:t>
-            </a:r>
-            <a:r>
-              <a:rPr lang="ko-KR" altLang="en-US" dirty="0"/>
-              <a:t>게임 구성</a:t>
-            </a:r>
-            <a:endParaRPr lang="en-US" altLang="ko-KR" dirty="0"/>
-          </a:p>
-          <a:p>
-            <a:pPr marL="457200" indent="-457200" algn="ctr">
-              <a:lnSpc>
-                <a:spcPct val="200000"/>
-              </a:lnSpc>
-              <a:buFont typeface="+mj-lt"/>
-              <a:buAutoNum type="arabicPeriod"/>
-            </a:pPr>
-            <a:r>
-              <a:rPr lang="ko-KR" altLang="en-US" dirty="0"/>
-              <a:t>플랫폼과 비즈니스 모델</a:t>
-            </a:r>
-            <a:endParaRPr lang="en-US" altLang="ko-KR" dirty="0"/>
-          </a:p>
-        </p:txBody>
-      </p:sp>
-    </p:spTree>
-    <p:extLst>
-      <p:ext uri="{BB962C8B-B14F-4D97-AF65-F5344CB8AC3E}">
-        <p14:creationId xmlns:p14="http://schemas.microsoft.com/office/powerpoint/2010/main" val="1423716504"/>
-      </p:ext>
-    </p:extLst>
-  </p:cSld>
-  <p:clrMapOvr>
-    <a:masterClrMapping/>
-  </p:clrMapOvr>
-  <mc:AlternateContent xmlns:mc="http://schemas.openxmlformats.org/markup-compatibility/2006" xmlns:p14="http://schemas.microsoft.com/office/powerpoint/2010/main">
-    <mc:Choice Requires="p14">
-      <p:transition p14:dur="10"/>
-    </mc:Choice>
-    <mc:Fallback xmlns="">
-      <p:transition/>
-    </mc:Fallback>
-  </mc:AlternateContent>
-</p:sld>
-</file>
-
-<file path=ppt/slides/slide20.xml><?xml version="1.0" encoding="utf-8"?>
+<file path=ppt/slides/slide21.xml><?xml version="1.0" encoding="utf-8"?>
 <p:sld xmlns:a="http://schemas.openxmlformats.org/drawingml/2006/main" xmlns:r="http://schemas.openxmlformats.org/officeDocument/2006/relationships" xmlns:p="http://schemas.openxmlformats.org/presentationml/2006/main">
   <p:cSld>
     <p:spTree>
@@ -16832,200 +13971,29 @@
           </p:txBody>
         </p:sp>
       </p:grpSp>
-    </p:spTree>
-    <p:extLst>
-      <p:ext uri="{BB962C8B-B14F-4D97-AF65-F5344CB8AC3E}">
-        <p14:creationId xmlns:p14="http://schemas.microsoft.com/office/powerpoint/2010/main" val="2754026745"/>
-      </p:ext>
-    </p:extLst>
-  </p:cSld>
-  <p:clrMapOvr>
-    <a:masterClrMapping/>
-  </p:clrMapOvr>
-  <mc:AlternateContent xmlns:mc="http://schemas.openxmlformats.org/markup-compatibility/2006" xmlns:p14="http://schemas.microsoft.com/office/powerpoint/2010/main">
-    <mc:Choice Requires="p14">
-      <p:transition p14:dur="10"/>
-    </mc:Choice>
-    <mc:Fallback xmlns="">
-      <p:transition/>
-    </mc:Fallback>
-  </mc:AlternateContent>
-</p:sld>
-</file>
-
-<file path=ppt/slides/slide21.xml><?xml version="1.0" encoding="utf-8"?>
-<p:sld xmlns:a="http://schemas.openxmlformats.org/drawingml/2006/main" xmlns:r="http://schemas.openxmlformats.org/officeDocument/2006/relationships" xmlns:p="http://schemas.openxmlformats.org/presentationml/2006/main">
-  <p:cSld>
-    <p:spTree>
-      <p:nvGrpSpPr>
-        <p:cNvPr id="1" name=""/>
-        <p:cNvGrpSpPr/>
-        <p:nvPr/>
-      </p:nvGrpSpPr>
-      <p:grpSpPr>
-        <a:xfrm>
-          <a:off x="0" y="0"/>
-          <a:ext cx="0" cy="0"/>
-          <a:chOff x="0" y="0"/>
-          <a:chExt cx="0" cy="0"/>
-        </a:xfrm>
-      </p:grpSpPr>
-      <p:pic>
-        <p:nvPicPr>
-          <p:cNvPr id="7" name="그림 6">
-            <a:extLst>
-              <a:ext uri="{FF2B5EF4-FFF2-40B4-BE49-F238E27FC236}">
-                <a16:creationId xmlns:a16="http://schemas.microsoft.com/office/drawing/2014/main" id="{DB46D6BC-6483-48A9-97EC-E73B0B35BC37}"/>
-              </a:ext>
-            </a:extLst>
-          </p:cNvPr>
-          <p:cNvPicPr>
-            <a:picLocks noChangeAspect="1"/>
-          </p:cNvPicPr>
-          <p:nvPr/>
-        </p:nvPicPr>
-        <p:blipFill>
-          <a:blip r:embed="rId2">
-            <a:extLst>
-              <a:ext uri="{28A0092B-C50C-407E-A947-70E740481C1C}">
-                <a14:useLocalDpi xmlns:a14="http://schemas.microsoft.com/office/drawing/2010/main" val="0"/>
-              </a:ext>
-            </a:extLst>
-          </a:blip>
-          <a:stretch>
-            <a:fillRect/>
-          </a:stretch>
-        </p:blipFill>
-        <p:spPr>
-          <a:xfrm>
-            <a:off x="440256" y="371137"/>
-            <a:ext cx="540000" cy="540000"/>
-          </a:xfrm>
-          <a:prstGeom prst="rect">
-            <a:avLst/>
-          </a:prstGeom>
-        </p:spPr>
-      </p:pic>
-      <p:sp>
-        <p:nvSpPr>
-          <p:cNvPr id="8" name="TextBox 7">
-            <a:extLst>
-              <a:ext uri="{FF2B5EF4-FFF2-40B4-BE49-F238E27FC236}">
-                <a16:creationId xmlns:a16="http://schemas.microsoft.com/office/drawing/2014/main" id="{B9249204-3A16-4822-9DF9-BA1FDB31E467}"/>
-              </a:ext>
-            </a:extLst>
-          </p:cNvPr>
-          <p:cNvSpPr txBox="1"/>
-          <p:nvPr/>
-        </p:nvSpPr>
-        <p:spPr>
-          <a:xfrm>
-            <a:off x="1221971" y="281527"/>
-            <a:ext cx="1238596" cy="977191"/>
-          </a:xfrm>
-          <a:prstGeom prst="rect">
-            <a:avLst/>
-          </a:prstGeom>
-          <a:noFill/>
-        </p:spPr>
-        <p:txBody>
-          <a:bodyPr wrap="square" rtlCol="0">
-            <a:spAutoFit/>
-          </a:bodyPr>
-          <a:lstStyle/>
-          <a:p>
-            <a:pPr algn="ctr">
-              <a:lnSpc>
-                <a:spcPct val="150000"/>
-              </a:lnSpc>
-            </a:pPr>
-            <a:r>
-              <a:rPr lang="en-US" altLang="ko-KR" sz="2000">
-                <a:latin typeface="여기어때 잘난체 2" panose="00000500000000000000" pitchFamily="50" charset="-127"/>
-                <a:ea typeface="여기어때 잘난체 2" panose="00000500000000000000" pitchFamily="50" charset="-127"/>
-              </a:rPr>
-              <a:t>PPT </a:t>
-            </a:r>
-            <a:r>
-              <a:rPr lang="ko-KR" altLang="en-US" sz="2000">
-                <a:latin typeface="여기어때 잘난체 2" panose="00000500000000000000" pitchFamily="50" charset="-127"/>
-                <a:ea typeface="여기어때 잘난체 2" panose="00000500000000000000" pitchFamily="50" charset="-127"/>
-              </a:rPr>
-              <a:t>제목</a:t>
-            </a:r>
-          </a:p>
-        </p:txBody>
-      </p:sp>
       <p:cxnSp>
         <p:nvCxnSpPr>
-          <p:cNvPr id="17" name="직선 연결선 16">
-            <a:extLst>
-              <a:ext uri="{FF2B5EF4-FFF2-40B4-BE49-F238E27FC236}">
-                <a16:creationId xmlns:a16="http://schemas.microsoft.com/office/drawing/2014/main" id="{93C5BFDE-B5BA-4208-8483-84B2E600E2A8}"/>
-              </a:ext>
-            </a:extLst>
-          </p:cNvPr>
-          <p:cNvCxnSpPr>
-            <a:cxnSpLocks/>
-          </p:cNvCxnSpPr>
+          <p:cNvPr id="4" name="직선 연결선 3">
+            <a:extLst>
+              <a:ext uri="{FF2B5EF4-FFF2-40B4-BE49-F238E27FC236}">
+                <a16:creationId xmlns:a16="http://schemas.microsoft.com/office/drawing/2014/main" id="{B5C23F19-6D9F-48C0-AF2A-6C35B69FCB50}"/>
+              </a:ext>
+            </a:extLst>
+          </p:cNvPr>
+          <p:cNvCxnSpPr/>
           <p:nvPr/>
         </p:nvCxnSpPr>
         <p:spPr>
-          <a:xfrm flipH="1">
-            <a:off x="1046889" y="860464"/>
-            <a:ext cx="175082" cy="0"/>
+          <a:xfrm>
+            <a:off x="4756558" y="6211686"/>
+            <a:ext cx="1652631" cy="0"/>
           </a:xfrm>
           <a:prstGeom prst="line">
             <a:avLst/>
           </a:prstGeom>
-          <a:ln w="19050">
+          <a:ln w="28575">
             <a:solidFill>
-              <a:srgbClr val="317F46"/>
-            </a:solidFill>
-            <a:prstDash val="sysDot"/>
-          </a:ln>
-        </p:spPr>
-        <p:style>
-          <a:lnRef idx="1">
-            <a:schemeClr val="accent1"/>
-          </a:lnRef>
-          <a:fillRef idx="0">
-            <a:schemeClr val="accent1"/>
-          </a:fillRef>
-          <a:effectRef idx="0">
-            <a:schemeClr val="accent1"/>
-          </a:effectRef>
-          <a:fontRef idx="minor">
-            <a:schemeClr val="tx1"/>
-          </a:fontRef>
-        </p:style>
-      </p:cxnSp>
-      <p:cxnSp>
-        <p:nvCxnSpPr>
-          <p:cNvPr id="18" name="직선 연결선 17">
-            <a:extLst>
-              <a:ext uri="{FF2B5EF4-FFF2-40B4-BE49-F238E27FC236}">
-                <a16:creationId xmlns:a16="http://schemas.microsoft.com/office/drawing/2014/main" id="{A750AB71-4136-4BF7-A52E-40523A53103E}"/>
-              </a:ext>
-            </a:extLst>
-          </p:cNvPr>
-          <p:cNvCxnSpPr/>
-          <p:nvPr/>
-        </p:nvCxnSpPr>
-        <p:spPr>
-          <a:xfrm>
-            <a:off x="1590502" y="3574473"/>
-            <a:ext cx="9010996" cy="0"/>
-          </a:xfrm>
-          <a:prstGeom prst="line">
-            <a:avLst/>
-          </a:prstGeom>
-          <a:ln w="76200">
-            <a:solidFill>
-              <a:schemeClr val="accent3">
-                <a:lumMod val="20000"/>
-                <a:lumOff val="80000"/>
-              </a:schemeClr>
+              <a:srgbClr val="FF0000"/>
             </a:solidFill>
           </a:ln>
         </p:spPr>
@@ -17044,939 +14012,10 @@
           </a:fontRef>
         </p:style>
       </p:cxnSp>
-      <p:sp>
-        <p:nvSpPr>
-          <p:cNvPr id="20" name="직사각형 19">
-            <a:extLst>
-              <a:ext uri="{FF2B5EF4-FFF2-40B4-BE49-F238E27FC236}">
-                <a16:creationId xmlns:a16="http://schemas.microsoft.com/office/drawing/2014/main" id="{CDE27877-69F4-4B03-8DF6-06F8C2DD7ECE}"/>
-              </a:ext>
-            </a:extLst>
-          </p:cNvPr>
-          <p:cNvSpPr/>
-          <p:nvPr/>
-        </p:nvSpPr>
-        <p:spPr>
-          <a:xfrm>
-            <a:off x="2942707" y="3528754"/>
-            <a:ext cx="91437" cy="91437"/>
-          </a:xfrm>
-          <a:prstGeom prst="rect">
-            <a:avLst/>
-          </a:prstGeom>
-          <a:solidFill>
-            <a:srgbClr val="79AB03"/>
-          </a:solidFill>
-          <a:ln w="28575">
-            <a:solidFill>
-              <a:srgbClr val="79AB03"/>
-            </a:solidFill>
-          </a:ln>
-        </p:spPr>
-        <p:style>
-          <a:lnRef idx="2">
-            <a:schemeClr val="accent1">
-              <a:shade val="50000"/>
-            </a:schemeClr>
-          </a:lnRef>
-          <a:fillRef idx="1">
-            <a:schemeClr val="accent1"/>
-          </a:fillRef>
-          <a:effectRef idx="0">
-            <a:schemeClr val="accent1"/>
-          </a:effectRef>
-          <a:fontRef idx="minor">
-            <a:schemeClr val="lt1"/>
-          </a:fontRef>
-        </p:style>
-        <p:txBody>
-          <a:bodyPr rtlCol="0" anchor="ctr"/>
-          <a:lstStyle/>
-          <a:p>
-            <a:pPr algn="ctr"/>
-            <a:endParaRPr lang="ko-KR" altLang="en-US">
-              <a:latin typeface="여기어때 잘난체 2" panose="00000500000000000000" pitchFamily="50" charset="-127"/>
-              <a:ea typeface="여기어때 잘난체 2" panose="00000500000000000000" pitchFamily="50" charset="-127"/>
-            </a:endParaRPr>
-          </a:p>
-        </p:txBody>
-      </p:sp>
-      <p:sp>
-        <p:nvSpPr>
-          <p:cNvPr id="21" name="직사각형 20">
-            <a:extLst>
-              <a:ext uri="{FF2B5EF4-FFF2-40B4-BE49-F238E27FC236}">
-                <a16:creationId xmlns:a16="http://schemas.microsoft.com/office/drawing/2014/main" id="{38CE8241-33B3-4281-BF08-DFB7B0202249}"/>
-              </a:ext>
-            </a:extLst>
-          </p:cNvPr>
-          <p:cNvSpPr/>
-          <p:nvPr/>
-        </p:nvSpPr>
-        <p:spPr>
-          <a:xfrm>
-            <a:off x="4995951" y="3528753"/>
-            <a:ext cx="91437" cy="91437"/>
-          </a:xfrm>
-          <a:prstGeom prst="rect">
-            <a:avLst/>
-          </a:prstGeom>
-          <a:solidFill>
-            <a:srgbClr val="79AB03"/>
-          </a:solidFill>
-          <a:ln w="28575">
-            <a:solidFill>
-              <a:srgbClr val="79AB03"/>
-            </a:solidFill>
-          </a:ln>
-        </p:spPr>
-        <p:style>
-          <a:lnRef idx="2">
-            <a:schemeClr val="accent1">
-              <a:shade val="50000"/>
-            </a:schemeClr>
-          </a:lnRef>
-          <a:fillRef idx="1">
-            <a:schemeClr val="accent1"/>
-          </a:fillRef>
-          <a:effectRef idx="0">
-            <a:schemeClr val="accent1"/>
-          </a:effectRef>
-          <a:fontRef idx="minor">
-            <a:schemeClr val="lt1"/>
-          </a:fontRef>
-        </p:style>
-        <p:txBody>
-          <a:bodyPr rtlCol="0" anchor="ctr"/>
-          <a:lstStyle/>
-          <a:p>
-            <a:pPr algn="ctr"/>
-            <a:endParaRPr lang="ko-KR" altLang="en-US">
-              <a:latin typeface="여기어때 잘난체 2" panose="00000500000000000000" pitchFamily="50" charset="-127"/>
-              <a:ea typeface="여기어때 잘난체 2" panose="00000500000000000000" pitchFamily="50" charset="-127"/>
-            </a:endParaRPr>
-          </a:p>
-        </p:txBody>
-      </p:sp>
-      <p:sp>
-        <p:nvSpPr>
-          <p:cNvPr id="22" name="직사각형 21">
-            <a:extLst>
-              <a:ext uri="{FF2B5EF4-FFF2-40B4-BE49-F238E27FC236}">
-                <a16:creationId xmlns:a16="http://schemas.microsoft.com/office/drawing/2014/main" id="{15F35998-BADA-4656-B2EF-B35ACE5CED16}"/>
-              </a:ext>
-            </a:extLst>
-          </p:cNvPr>
-          <p:cNvSpPr/>
-          <p:nvPr/>
-        </p:nvSpPr>
-        <p:spPr>
-          <a:xfrm>
-            <a:off x="7058895" y="3528752"/>
-            <a:ext cx="91437" cy="91437"/>
-          </a:xfrm>
-          <a:prstGeom prst="rect">
-            <a:avLst/>
-          </a:prstGeom>
-          <a:solidFill>
-            <a:srgbClr val="79AB03"/>
-          </a:solidFill>
-          <a:ln w="28575">
-            <a:solidFill>
-              <a:srgbClr val="79AB03"/>
-            </a:solidFill>
-          </a:ln>
-        </p:spPr>
-        <p:style>
-          <a:lnRef idx="2">
-            <a:schemeClr val="accent1">
-              <a:shade val="50000"/>
-            </a:schemeClr>
-          </a:lnRef>
-          <a:fillRef idx="1">
-            <a:schemeClr val="accent1"/>
-          </a:fillRef>
-          <a:effectRef idx="0">
-            <a:schemeClr val="accent1"/>
-          </a:effectRef>
-          <a:fontRef idx="minor">
-            <a:schemeClr val="lt1"/>
-          </a:fontRef>
-        </p:style>
-        <p:txBody>
-          <a:bodyPr rtlCol="0" anchor="ctr"/>
-          <a:lstStyle/>
-          <a:p>
-            <a:pPr algn="ctr"/>
-            <a:endParaRPr lang="ko-KR" altLang="en-US">
-              <a:latin typeface="여기어때 잘난체 2" panose="00000500000000000000" pitchFamily="50" charset="-127"/>
-              <a:ea typeface="여기어때 잘난체 2" panose="00000500000000000000" pitchFamily="50" charset="-127"/>
-            </a:endParaRPr>
-          </a:p>
-        </p:txBody>
-      </p:sp>
-      <p:sp>
-        <p:nvSpPr>
-          <p:cNvPr id="23" name="직사각형 22">
-            <a:extLst>
-              <a:ext uri="{FF2B5EF4-FFF2-40B4-BE49-F238E27FC236}">
-                <a16:creationId xmlns:a16="http://schemas.microsoft.com/office/drawing/2014/main" id="{E19587B6-2758-429A-A596-D66D0B57DCF9}"/>
-              </a:ext>
-            </a:extLst>
-          </p:cNvPr>
-          <p:cNvSpPr/>
-          <p:nvPr/>
-        </p:nvSpPr>
-        <p:spPr>
-          <a:xfrm>
-            <a:off x="9102439" y="3528752"/>
-            <a:ext cx="91437" cy="91437"/>
-          </a:xfrm>
-          <a:prstGeom prst="rect">
-            <a:avLst/>
-          </a:prstGeom>
-          <a:solidFill>
-            <a:srgbClr val="79AB03"/>
-          </a:solidFill>
-          <a:ln w="28575">
-            <a:solidFill>
-              <a:srgbClr val="79AB03"/>
-            </a:solidFill>
-          </a:ln>
-        </p:spPr>
-        <p:style>
-          <a:lnRef idx="2">
-            <a:schemeClr val="accent1">
-              <a:shade val="50000"/>
-            </a:schemeClr>
-          </a:lnRef>
-          <a:fillRef idx="1">
-            <a:schemeClr val="accent1"/>
-          </a:fillRef>
-          <a:effectRef idx="0">
-            <a:schemeClr val="accent1"/>
-          </a:effectRef>
-          <a:fontRef idx="minor">
-            <a:schemeClr val="lt1"/>
-          </a:fontRef>
-        </p:style>
-        <p:txBody>
-          <a:bodyPr rtlCol="0" anchor="ctr"/>
-          <a:lstStyle/>
-          <a:p>
-            <a:pPr algn="ctr"/>
-            <a:endParaRPr lang="ko-KR" altLang="en-US">
-              <a:latin typeface="여기어때 잘난체 2" panose="00000500000000000000" pitchFamily="50" charset="-127"/>
-              <a:ea typeface="여기어때 잘난체 2" panose="00000500000000000000" pitchFamily="50" charset="-127"/>
-            </a:endParaRPr>
-          </a:p>
-        </p:txBody>
-      </p:sp>
-      <p:sp>
-        <p:nvSpPr>
-          <p:cNvPr id="24" name="TextBox 23">
-            <a:extLst>
-              <a:ext uri="{FF2B5EF4-FFF2-40B4-BE49-F238E27FC236}">
-                <a16:creationId xmlns:a16="http://schemas.microsoft.com/office/drawing/2014/main" id="{1CD79BCB-F678-40A9-8B76-2CE2C2B7FCF0}"/>
-              </a:ext>
-            </a:extLst>
-          </p:cNvPr>
-          <p:cNvSpPr txBox="1"/>
-          <p:nvPr/>
-        </p:nvSpPr>
-        <p:spPr>
-          <a:xfrm>
-            <a:off x="2428816" y="2884890"/>
-            <a:ext cx="1353256" cy="261610"/>
-          </a:xfrm>
-          <a:prstGeom prst="rect">
-            <a:avLst/>
-          </a:prstGeom>
-          <a:noFill/>
-        </p:spPr>
-        <p:txBody>
-          <a:bodyPr wrap="none" rtlCol="0">
-            <a:spAutoFit/>
-          </a:bodyPr>
-          <a:lstStyle/>
-          <a:p>
-            <a:r>
-              <a:rPr lang="ko-KR" altLang="en-US" sz="1100">
-                <a:latin typeface="여기어때 잘난체 2" panose="00000500000000000000" pitchFamily="50" charset="-127"/>
-                <a:ea typeface="여기어때 잘난체 2" panose="00000500000000000000" pitchFamily="50" charset="-127"/>
-              </a:rPr>
-              <a:t>내용을 입력하세요</a:t>
-            </a:r>
-            <a:endParaRPr lang="en-US" altLang="ko-KR" sz="1100">
-              <a:latin typeface="여기어때 잘난체 2" panose="00000500000000000000" pitchFamily="50" charset="-127"/>
-              <a:ea typeface="여기어때 잘난체 2" panose="00000500000000000000" pitchFamily="50" charset="-127"/>
-            </a:endParaRPr>
-          </a:p>
-        </p:txBody>
-      </p:sp>
-      <p:grpSp>
-        <p:nvGrpSpPr>
-          <p:cNvPr id="43" name="그룹 42">
-            <a:extLst>
-              <a:ext uri="{FF2B5EF4-FFF2-40B4-BE49-F238E27FC236}">
-                <a16:creationId xmlns:a16="http://schemas.microsoft.com/office/drawing/2014/main" id="{CCBC6FEE-DE98-4169-AC8D-59030A578FC4}"/>
-              </a:ext>
-            </a:extLst>
-          </p:cNvPr>
-          <p:cNvGrpSpPr/>
-          <p:nvPr/>
-        </p:nvGrpSpPr>
-        <p:grpSpPr>
-          <a:xfrm>
-            <a:off x="1829550" y="2733681"/>
-            <a:ext cx="548640" cy="548640"/>
-            <a:chOff x="1829550" y="2733681"/>
-            <a:chExt cx="548640" cy="548640"/>
-          </a:xfrm>
-        </p:grpSpPr>
-        <p:sp>
-          <p:nvSpPr>
-            <p:cNvPr id="25" name="타원 24">
-              <a:extLst>
-                <a:ext uri="{FF2B5EF4-FFF2-40B4-BE49-F238E27FC236}">
-                  <a16:creationId xmlns:a16="http://schemas.microsoft.com/office/drawing/2014/main" id="{B8A6FA80-9255-4DFD-A1BB-43033A276617}"/>
-                </a:ext>
-              </a:extLst>
-            </p:cNvPr>
-            <p:cNvSpPr/>
-            <p:nvPr/>
-          </p:nvSpPr>
-          <p:spPr>
-            <a:xfrm>
-              <a:off x="1829550" y="2733681"/>
-              <a:ext cx="548640" cy="548640"/>
-            </a:xfrm>
-            <a:prstGeom prst="ellipse">
-              <a:avLst/>
-            </a:prstGeom>
-            <a:noFill/>
-            <a:ln>
-              <a:solidFill>
-                <a:srgbClr val="79AB03"/>
-              </a:solidFill>
-            </a:ln>
-          </p:spPr>
-          <p:style>
-            <a:lnRef idx="2">
-              <a:schemeClr val="accent1">
-                <a:shade val="50000"/>
-              </a:schemeClr>
-            </a:lnRef>
-            <a:fillRef idx="1">
-              <a:schemeClr val="accent1"/>
-            </a:fillRef>
-            <a:effectRef idx="0">
-              <a:schemeClr val="accent1"/>
-            </a:effectRef>
-            <a:fontRef idx="minor">
-              <a:schemeClr val="lt1"/>
-            </a:fontRef>
-          </p:style>
-          <p:txBody>
-            <a:bodyPr rtlCol="0" anchor="ctr"/>
-            <a:lstStyle/>
-            <a:p>
-              <a:pPr algn="ctr"/>
-              <a:endParaRPr lang="ko-KR" altLang="en-US">
-                <a:latin typeface="여기어때 잘난체 2" panose="00000500000000000000" pitchFamily="50" charset="-127"/>
-                <a:ea typeface="여기어때 잘난체 2" panose="00000500000000000000" pitchFamily="50" charset="-127"/>
-              </a:endParaRPr>
-            </a:p>
-          </p:txBody>
-        </p:sp>
-        <p:pic>
-          <p:nvPicPr>
-            <p:cNvPr id="27" name="그림 26">
-              <a:extLst>
-                <a:ext uri="{FF2B5EF4-FFF2-40B4-BE49-F238E27FC236}">
-                  <a16:creationId xmlns:a16="http://schemas.microsoft.com/office/drawing/2014/main" id="{85DEEE53-4764-41D2-B494-3D9974D373B1}"/>
-                </a:ext>
-              </a:extLst>
-            </p:cNvPr>
-            <p:cNvPicPr>
-              <a:picLocks noChangeAspect="1"/>
-            </p:cNvPicPr>
-            <p:nvPr/>
-          </p:nvPicPr>
-          <p:blipFill>
-            <a:blip r:embed="rId3">
-              <a:extLst>
-                <a:ext uri="{28A0092B-C50C-407E-A947-70E740481C1C}">
-                  <a14:useLocalDpi xmlns:a14="http://schemas.microsoft.com/office/drawing/2010/main" val="0"/>
-                </a:ext>
-              </a:extLst>
-            </a:blip>
-            <a:stretch>
-              <a:fillRect/>
-            </a:stretch>
-          </p:blipFill>
-          <p:spPr>
-            <a:xfrm>
-              <a:off x="1941870" y="2846001"/>
-              <a:ext cx="324000" cy="324000"/>
-            </a:xfrm>
-            <a:prstGeom prst="rect">
-              <a:avLst/>
-            </a:prstGeom>
-          </p:spPr>
-        </p:pic>
-      </p:grpSp>
-      <p:sp>
-        <p:nvSpPr>
-          <p:cNvPr id="28" name="TextBox 27">
-            <a:extLst>
-              <a:ext uri="{FF2B5EF4-FFF2-40B4-BE49-F238E27FC236}">
-                <a16:creationId xmlns:a16="http://schemas.microsoft.com/office/drawing/2014/main" id="{1B2230D2-0461-41E4-8EEB-F88D21A4C62C}"/>
-              </a:ext>
-            </a:extLst>
-          </p:cNvPr>
-          <p:cNvSpPr txBox="1"/>
-          <p:nvPr/>
-        </p:nvSpPr>
-        <p:spPr>
-          <a:xfrm>
-            <a:off x="4635844" y="2884890"/>
-            <a:ext cx="1353256" cy="261610"/>
-          </a:xfrm>
-          <a:prstGeom prst="rect">
-            <a:avLst/>
-          </a:prstGeom>
-          <a:noFill/>
-        </p:spPr>
-        <p:txBody>
-          <a:bodyPr wrap="none" rtlCol="0">
-            <a:spAutoFit/>
-          </a:bodyPr>
-          <a:lstStyle/>
-          <a:p>
-            <a:r>
-              <a:rPr lang="ko-KR" altLang="en-US" sz="1100">
-                <a:latin typeface="여기어때 잘난체 2" panose="00000500000000000000" pitchFamily="50" charset="-127"/>
-                <a:ea typeface="여기어때 잘난체 2" panose="00000500000000000000" pitchFamily="50" charset="-127"/>
-              </a:rPr>
-              <a:t>내용을 입력하세요</a:t>
-            </a:r>
-            <a:endParaRPr lang="en-US" altLang="ko-KR" sz="1100">
-              <a:latin typeface="여기어때 잘난체 2" panose="00000500000000000000" pitchFamily="50" charset="-127"/>
-              <a:ea typeface="여기어때 잘난체 2" panose="00000500000000000000" pitchFamily="50" charset="-127"/>
-            </a:endParaRPr>
-          </a:p>
-        </p:txBody>
-      </p:sp>
-      <p:grpSp>
-        <p:nvGrpSpPr>
-          <p:cNvPr id="44" name="그룹 43">
-            <a:extLst>
-              <a:ext uri="{FF2B5EF4-FFF2-40B4-BE49-F238E27FC236}">
-                <a16:creationId xmlns:a16="http://schemas.microsoft.com/office/drawing/2014/main" id="{4ED4624D-1E69-4BDE-88AC-797601D9A7EB}"/>
-              </a:ext>
-            </a:extLst>
-          </p:cNvPr>
-          <p:cNvGrpSpPr/>
-          <p:nvPr/>
-        </p:nvGrpSpPr>
-        <p:grpSpPr>
-          <a:xfrm>
-            <a:off x="4036578" y="2733681"/>
-            <a:ext cx="548640" cy="548640"/>
-            <a:chOff x="4036578" y="2733681"/>
-            <a:chExt cx="548640" cy="548640"/>
-          </a:xfrm>
-        </p:grpSpPr>
-        <p:sp>
-          <p:nvSpPr>
-            <p:cNvPr id="29" name="타원 28">
-              <a:extLst>
-                <a:ext uri="{FF2B5EF4-FFF2-40B4-BE49-F238E27FC236}">
-                  <a16:creationId xmlns:a16="http://schemas.microsoft.com/office/drawing/2014/main" id="{18EB77A9-FC5A-4D0D-A5C9-E325A2278403}"/>
-                </a:ext>
-              </a:extLst>
-            </p:cNvPr>
-            <p:cNvSpPr/>
-            <p:nvPr/>
-          </p:nvSpPr>
-          <p:spPr>
-            <a:xfrm>
-              <a:off x="4036578" y="2733681"/>
-              <a:ext cx="548640" cy="548640"/>
-            </a:xfrm>
-            <a:prstGeom prst="ellipse">
-              <a:avLst/>
-            </a:prstGeom>
-            <a:noFill/>
-            <a:ln>
-              <a:solidFill>
-                <a:srgbClr val="79AB03"/>
-              </a:solidFill>
-            </a:ln>
-          </p:spPr>
-          <p:style>
-            <a:lnRef idx="2">
-              <a:schemeClr val="accent1">
-                <a:shade val="50000"/>
-              </a:schemeClr>
-            </a:lnRef>
-            <a:fillRef idx="1">
-              <a:schemeClr val="accent1"/>
-            </a:fillRef>
-            <a:effectRef idx="0">
-              <a:schemeClr val="accent1"/>
-            </a:effectRef>
-            <a:fontRef idx="minor">
-              <a:schemeClr val="lt1"/>
-            </a:fontRef>
-          </p:style>
-          <p:txBody>
-            <a:bodyPr rtlCol="0" anchor="ctr"/>
-            <a:lstStyle/>
-            <a:p>
-              <a:pPr algn="ctr"/>
-              <a:endParaRPr lang="ko-KR" altLang="en-US">
-                <a:latin typeface="여기어때 잘난체 2" panose="00000500000000000000" pitchFamily="50" charset="-127"/>
-                <a:ea typeface="여기어때 잘난체 2" panose="00000500000000000000" pitchFamily="50" charset="-127"/>
-              </a:endParaRPr>
-            </a:p>
-          </p:txBody>
-        </p:sp>
-        <p:pic>
-          <p:nvPicPr>
-            <p:cNvPr id="32" name="그림 31">
-              <a:extLst>
-                <a:ext uri="{FF2B5EF4-FFF2-40B4-BE49-F238E27FC236}">
-                  <a16:creationId xmlns:a16="http://schemas.microsoft.com/office/drawing/2014/main" id="{0A85F161-947A-42F5-9D9B-6D2D2A8774AE}"/>
-                </a:ext>
-              </a:extLst>
-            </p:cNvPr>
-            <p:cNvPicPr>
-              <a:picLocks noChangeAspect="1"/>
-            </p:cNvPicPr>
-            <p:nvPr/>
-          </p:nvPicPr>
-          <p:blipFill>
-            <a:blip r:embed="rId4">
-              <a:extLst>
-                <a:ext uri="{28A0092B-C50C-407E-A947-70E740481C1C}">
-                  <a14:useLocalDpi xmlns:a14="http://schemas.microsoft.com/office/drawing/2010/main" val="0"/>
-                </a:ext>
-              </a:extLst>
-            </a:blip>
-            <a:stretch>
-              <a:fillRect/>
-            </a:stretch>
-          </p:blipFill>
-          <p:spPr>
-            <a:xfrm>
-              <a:off x="4165524" y="2854314"/>
-              <a:ext cx="324000" cy="324000"/>
-            </a:xfrm>
-            <a:prstGeom prst="rect">
-              <a:avLst/>
-            </a:prstGeom>
-          </p:spPr>
-        </p:pic>
-      </p:grpSp>
-      <p:sp>
-        <p:nvSpPr>
-          <p:cNvPr id="33" name="TextBox 32">
-            <a:extLst>
-              <a:ext uri="{FF2B5EF4-FFF2-40B4-BE49-F238E27FC236}">
-                <a16:creationId xmlns:a16="http://schemas.microsoft.com/office/drawing/2014/main" id="{DAA0A056-6134-44BB-B369-A50D1C908A61}"/>
-              </a:ext>
-            </a:extLst>
-          </p:cNvPr>
-          <p:cNvSpPr txBox="1"/>
-          <p:nvPr/>
-        </p:nvSpPr>
-        <p:spPr>
-          <a:xfrm>
-            <a:off x="6412635" y="4062180"/>
-            <a:ext cx="1353256" cy="261610"/>
-          </a:xfrm>
-          <a:prstGeom prst="rect">
-            <a:avLst/>
-          </a:prstGeom>
-          <a:noFill/>
-        </p:spPr>
-        <p:txBody>
-          <a:bodyPr wrap="none" rtlCol="0">
-            <a:spAutoFit/>
-          </a:bodyPr>
-          <a:lstStyle/>
-          <a:p>
-            <a:r>
-              <a:rPr lang="ko-KR" altLang="en-US" sz="1100">
-                <a:latin typeface="여기어때 잘난체 2" panose="00000500000000000000" pitchFamily="50" charset="-127"/>
-                <a:ea typeface="여기어때 잘난체 2" panose="00000500000000000000" pitchFamily="50" charset="-127"/>
-              </a:rPr>
-              <a:t>내용을 입력하세요</a:t>
-            </a:r>
-            <a:endParaRPr lang="en-US" altLang="ko-KR" sz="1100">
-              <a:latin typeface="여기어때 잘난체 2" panose="00000500000000000000" pitchFamily="50" charset="-127"/>
-              <a:ea typeface="여기어때 잘난체 2" panose="00000500000000000000" pitchFamily="50" charset="-127"/>
-            </a:endParaRPr>
-          </a:p>
-        </p:txBody>
-      </p:sp>
-      <p:grpSp>
-        <p:nvGrpSpPr>
-          <p:cNvPr id="45" name="그룹 44">
-            <a:extLst>
-              <a:ext uri="{FF2B5EF4-FFF2-40B4-BE49-F238E27FC236}">
-                <a16:creationId xmlns:a16="http://schemas.microsoft.com/office/drawing/2014/main" id="{6DD93E5E-3AA7-4EFD-BC3E-10C7E2ECCEA7}"/>
-              </a:ext>
-            </a:extLst>
-          </p:cNvPr>
-          <p:cNvGrpSpPr/>
-          <p:nvPr/>
-        </p:nvGrpSpPr>
-        <p:grpSpPr>
-          <a:xfrm>
-            <a:off x="7698105" y="3910971"/>
-            <a:ext cx="548640" cy="548640"/>
-            <a:chOff x="7698105" y="3910971"/>
-            <a:chExt cx="548640" cy="548640"/>
-          </a:xfrm>
-        </p:grpSpPr>
-        <p:sp>
-          <p:nvSpPr>
-            <p:cNvPr id="34" name="타원 33">
-              <a:extLst>
-                <a:ext uri="{FF2B5EF4-FFF2-40B4-BE49-F238E27FC236}">
-                  <a16:creationId xmlns:a16="http://schemas.microsoft.com/office/drawing/2014/main" id="{0EF08C25-832B-4057-9A4A-B9B84FE52D04}"/>
-                </a:ext>
-              </a:extLst>
-            </p:cNvPr>
-            <p:cNvSpPr/>
-            <p:nvPr/>
-          </p:nvSpPr>
-          <p:spPr>
-            <a:xfrm>
-              <a:off x="7698105" y="3910971"/>
-              <a:ext cx="548640" cy="548640"/>
-            </a:xfrm>
-            <a:prstGeom prst="ellipse">
-              <a:avLst/>
-            </a:prstGeom>
-            <a:noFill/>
-            <a:ln>
-              <a:solidFill>
-                <a:srgbClr val="79AB03"/>
-              </a:solidFill>
-            </a:ln>
-          </p:spPr>
-          <p:style>
-            <a:lnRef idx="2">
-              <a:schemeClr val="accent1">
-                <a:shade val="50000"/>
-              </a:schemeClr>
-            </a:lnRef>
-            <a:fillRef idx="1">
-              <a:schemeClr val="accent1"/>
-            </a:fillRef>
-            <a:effectRef idx="0">
-              <a:schemeClr val="accent1"/>
-            </a:effectRef>
-            <a:fontRef idx="minor">
-              <a:schemeClr val="lt1"/>
-            </a:fontRef>
-          </p:style>
-          <p:txBody>
-            <a:bodyPr rtlCol="0" anchor="ctr"/>
-            <a:lstStyle/>
-            <a:p>
-              <a:pPr algn="ctr"/>
-              <a:endParaRPr lang="ko-KR" altLang="en-US">
-                <a:latin typeface="여기어때 잘난체 2" panose="00000500000000000000" pitchFamily="50" charset="-127"/>
-                <a:ea typeface="여기어때 잘난체 2" panose="00000500000000000000" pitchFamily="50" charset="-127"/>
-              </a:endParaRPr>
-            </a:p>
-          </p:txBody>
-        </p:sp>
-        <p:pic>
-          <p:nvPicPr>
-            <p:cNvPr id="37" name="그림 36" descr="클립아트이(가) 표시된 사진&#10;&#10;매우 높은 신뢰도로 생성된 설명">
-              <a:extLst>
-                <a:ext uri="{FF2B5EF4-FFF2-40B4-BE49-F238E27FC236}">
-                  <a16:creationId xmlns:a16="http://schemas.microsoft.com/office/drawing/2014/main" id="{CFC45082-6B2C-43C9-A9A6-2867DFCDBFA7}"/>
-                </a:ext>
-              </a:extLst>
-            </p:cNvPr>
-            <p:cNvPicPr>
-              <a:picLocks noChangeAspect="1"/>
-            </p:cNvPicPr>
-            <p:nvPr/>
-          </p:nvPicPr>
-          <p:blipFill>
-            <a:blip r:embed="rId5">
-              <a:extLst>
-                <a:ext uri="{28A0092B-C50C-407E-A947-70E740481C1C}">
-                  <a14:useLocalDpi xmlns:a14="http://schemas.microsoft.com/office/drawing/2010/main" val="0"/>
-                </a:ext>
-              </a:extLst>
-            </a:blip>
-            <a:stretch>
-              <a:fillRect/>
-            </a:stretch>
-          </p:blipFill>
-          <p:spPr>
-            <a:xfrm>
-              <a:off x="7810425" y="4023290"/>
-              <a:ext cx="324000" cy="324000"/>
-            </a:xfrm>
-            <a:prstGeom prst="rect">
-              <a:avLst/>
-            </a:prstGeom>
-          </p:spPr>
-        </p:pic>
-      </p:grpSp>
-      <p:sp>
-        <p:nvSpPr>
-          <p:cNvPr id="38" name="TextBox 37">
-            <a:extLst>
-              <a:ext uri="{FF2B5EF4-FFF2-40B4-BE49-F238E27FC236}">
-                <a16:creationId xmlns:a16="http://schemas.microsoft.com/office/drawing/2014/main" id="{A5E60E93-D8B2-479F-9455-E0F2D26D4A84}"/>
-              </a:ext>
-            </a:extLst>
-          </p:cNvPr>
-          <p:cNvSpPr txBox="1"/>
-          <p:nvPr/>
-        </p:nvSpPr>
-        <p:spPr>
-          <a:xfrm>
-            <a:off x="8609963" y="4056726"/>
-            <a:ext cx="1353256" cy="261610"/>
-          </a:xfrm>
-          <a:prstGeom prst="rect">
-            <a:avLst/>
-          </a:prstGeom>
-          <a:noFill/>
-        </p:spPr>
-        <p:txBody>
-          <a:bodyPr wrap="none" rtlCol="0">
-            <a:spAutoFit/>
-          </a:bodyPr>
-          <a:lstStyle/>
-          <a:p>
-            <a:r>
-              <a:rPr lang="ko-KR" altLang="en-US" sz="1100">
-                <a:latin typeface="여기어때 잘난체 2" panose="00000500000000000000" pitchFamily="50" charset="-127"/>
-                <a:ea typeface="여기어때 잘난체 2" panose="00000500000000000000" pitchFamily="50" charset="-127"/>
-              </a:rPr>
-              <a:t>내용을 입력하세요</a:t>
-            </a:r>
-            <a:endParaRPr lang="en-US" altLang="ko-KR" sz="1100">
-              <a:latin typeface="여기어때 잘난체 2" panose="00000500000000000000" pitchFamily="50" charset="-127"/>
-              <a:ea typeface="여기어때 잘난체 2" panose="00000500000000000000" pitchFamily="50" charset="-127"/>
-            </a:endParaRPr>
-          </a:p>
-        </p:txBody>
-      </p:sp>
-      <p:grpSp>
-        <p:nvGrpSpPr>
-          <p:cNvPr id="46" name="그룹 45">
-            <a:extLst>
-              <a:ext uri="{FF2B5EF4-FFF2-40B4-BE49-F238E27FC236}">
-                <a16:creationId xmlns:a16="http://schemas.microsoft.com/office/drawing/2014/main" id="{5B27B7CC-7E48-418A-ACF6-A6A46817925F}"/>
-              </a:ext>
-            </a:extLst>
-          </p:cNvPr>
-          <p:cNvGrpSpPr/>
-          <p:nvPr/>
-        </p:nvGrpSpPr>
-        <p:grpSpPr>
-          <a:xfrm>
-            <a:off x="9878810" y="3905517"/>
-            <a:ext cx="548640" cy="548640"/>
-            <a:chOff x="9878810" y="3905517"/>
-            <a:chExt cx="548640" cy="548640"/>
-          </a:xfrm>
-        </p:grpSpPr>
-        <p:sp>
-          <p:nvSpPr>
-            <p:cNvPr id="39" name="타원 38">
-              <a:extLst>
-                <a:ext uri="{FF2B5EF4-FFF2-40B4-BE49-F238E27FC236}">
-                  <a16:creationId xmlns:a16="http://schemas.microsoft.com/office/drawing/2014/main" id="{50066BA6-4C8F-4C64-8D0F-21584C388A4B}"/>
-                </a:ext>
-              </a:extLst>
-            </p:cNvPr>
-            <p:cNvSpPr/>
-            <p:nvPr/>
-          </p:nvSpPr>
-          <p:spPr>
-            <a:xfrm>
-              <a:off x="9878810" y="3905517"/>
-              <a:ext cx="548640" cy="548640"/>
-            </a:xfrm>
-            <a:prstGeom prst="ellipse">
-              <a:avLst/>
-            </a:prstGeom>
-            <a:noFill/>
-            <a:ln>
-              <a:solidFill>
-                <a:srgbClr val="79AB03"/>
-              </a:solidFill>
-            </a:ln>
-          </p:spPr>
-          <p:style>
-            <a:lnRef idx="2">
-              <a:schemeClr val="accent1">
-                <a:shade val="50000"/>
-              </a:schemeClr>
-            </a:lnRef>
-            <a:fillRef idx="1">
-              <a:schemeClr val="accent1"/>
-            </a:fillRef>
-            <a:effectRef idx="0">
-              <a:schemeClr val="accent1"/>
-            </a:effectRef>
-            <a:fontRef idx="minor">
-              <a:schemeClr val="lt1"/>
-            </a:fontRef>
-          </p:style>
-          <p:txBody>
-            <a:bodyPr rtlCol="0" anchor="ctr"/>
-            <a:lstStyle/>
-            <a:p>
-              <a:pPr algn="ctr"/>
-              <a:endParaRPr lang="ko-KR" altLang="en-US">
-                <a:latin typeface="여기어때 잘난체 2" panose="00000500000000000000" pitchFamily="50" charset="-127"/>
-                <a:ea typeface="여기어때 잘난체 2" panose="00000500000000000000" pitchFamily="50" charset="-127"/>
-              </a:endParaRPr>
-            </a:p>
-          </p:txBody>
-        </p:sp>
-        <p:pic>
-          <p:nvPicPr>
-            <p:cNvPr id="42" name="그림 41">
-              <a:extLst>
-                <a:ext uri="{FF2B5EF4-FFF2-40B4-BE49-F238E27FC236}">
-                  <a16:creationId xmlns:a16="http://schemas.microsoft.com/office/drawing/2014/main" id="{8FFC6AE8-AF6F-4470-9A6C-B866312B279E}"/>
-                </a:ext>
-              </a:extLst>
-            </p:cNvPr>
-            <p:cNvPicPr>
-              <a:picLocks noChangeAspect="1"/>
-            </p:cNvPicPr>
-            <p:nvPr/>
-          </p:nvPicPr>
-          <p:blipFill>
-            <a:blip r:embed="rId6">
-              <a:extLst>
-                <a:ext uri="{28A0092B-C50C-407E-A947-70E740481C1C}">
-                  <a14:useLocalDpi xmlns:a14="http://schemas.microsoft.com/office/drawing/2010/main" val="0"/>
-                </a:ext>
-              </a:extLst>
-            </a:blip>
-            <a:stretch>
-              <a:fillRect/>
-            </a:stretch>
-          </p:blipFill>
-          <p:spPr>
-            <a:xfrm>
-              <a:off x="9991130" y="4017837"/>
-              <a:ext cx="324000" cy="324000"/>
-            </a:xfrm>
-            <a:prstGeom prst="rect">
-              <a:avLst/>
-            </a:prstGeom>
-          </p:spPr>
-        </p:pic>
-      </p:grpSp>
-      <p:sp>
-        <p:nvSpPr>
-          <p:cNvPr id="47" name="TextBox 46">
-            <a:extLst>
-              <a:ext uri="{FF2B5EF4-FFF2-40B4-BE49-F238E27FC236}">
-                <a16:creationId xmlns:a16="http://schemas.microsoft.com/office/drawing/2014/main" id="{9651FB6D-5AC3-49BE-99B5-FD69DE771E0E}"/>
-              </a:ext>
-            </a:extLst>
-          </p:cNvPr>
-          <p:cNvSpPr txBox="1"/>
-          <p:nvPr/>
-        </p:nvSpPr>
-        <p:spPr>
-          <a:xfrm>
-            <a:off x="1263536" y="687343"/>
-            <a:ext cx="1608133" cy="253916"/>
-          </a:xfrm>
-          <a:prstGeom prst="rect">
-            <a:avLst/>
-          </a:prstGeom>
-          <a:noFill/>
-        </p:spPr>
-        <p:txBody>
-          <a:bodyPr wrap="none" rtlCol="0">
-            <a:spAutoFit/>
-          </a:bodyPr>
-          <a:lstStyle/>
-          <a:p>
-            <a:r>
-              <a:rPr lang="ko-KR" altLang="en-US" sz="1050" dirty="0">
-                <a:latin typeface="여기어때 잘난체 2" panose="00000500000000000000" pitchFamily="50" charset="-127"/>
-                <a:ea typeface="여기어때 잘난체 2" panose="00000500000000000000" pitchFamily="50" charset="-127"/>
-              </a:rPr>
-              <a:t>해당 목차를 입력하세요</a:t>
-            </a:r>
-          </a:p>
-        </p:txBody>
-      </p:sp>
-      <p:sp>
-        <p:nvSpPr>
-          <p:cNvPr id="2" name="직사각형 1">
-            <a:extLst>
-              <a:ext uri="{FF2B5EF4-FFF2-40B4-BE49-F238E27FC236}">
-                <a16:creationId xmlns:a16="http://schemas.microsoft.com/office/drawing/2014/main" id="{307130FB-3D46-4806-B23C-6079610960D5}"/>
-              </a:ext>
-            </a:extLst>
-          </p:cNvPr>
-          <p:cNvSpPr/>
-          <p:nvPr/>
-        </p:nvSpPr>
-        <p:spPr>
-          <a:xfrm>
-            <a:off x="5054690" y="6519548"/>
-            <a:ext cx="2082621" cy="200055"/>
-          </a:xfrm>
-          <a:prstGeom prst="rect">
-            <a:avLst/>
-          </a:prstGeom>
-        </p:spPr>
-        <p:txBody>
-          <a:bodyPr wrap="none">
-            <a:spAutoFit/>
-          </a:bodyPr>
-          <a:lstStyle/>
-          <a:p>
-            <a:r>
-              <a:rPr lang="en-US" altLang="ko-KR" sz="700">
-                <a:solidFill>
-                  <a:schemeClr val="bg2">
-                    <a:lumMod val="90000"/>
-                  </a:schemeClr>
-                </a:solidFill>
-              </a:rPr>
-              <a:t>Copyright 2020. hyeo_ongz All rights reserved</a:t>
-            </a:r>
-            <a:endParaRPr lang="ko-KR" altLang="en-US" sz="700">
-              <a:solidFill>
-                <a:schemeClr val="bg2">
-                  <a:lumMod val="90000"/>
-                </a:schemeClr>
-              </a:solidFill>
-            </a:endParaRPr>
-          </a:p>
-        </p:txBody>
-      </p:sp>
     </p:spTree>
     <p:extLst>
       <p:ext uri="{BB962C8B-B14F-4D97-AF65-F5344CB8AC3E}">
-        <p14:creationId xmlns:p14="http://schemas.microsoft.com/office/powerpoint/2010/main" val="2076177965"/>
+        <p14:creationId xmlns:p14="http://schemas.microsoft.com/office/powerpoint/2010/main" val="2754026745"/>
       </p:ext>
     </p:extLst>
   </p:cSld>
@@ -18049,50 +14088,6 @@
       </p:pic>
       <p:cxnSp>
         <p:nvCxnSpPr>
-          <p:cNvPr id="17" name="직선 연결선 16">
-            <a:extLst>
-              <a:ext uri="{FF2B5EF4-FFF2-40B4-BE49-F238E27FC236}">
-                <a16:creationId xmlns:a16="http://schemas.microsoft.com/office/drawing/2014/main" id="{93C5BFDE-B5BA-4208-8483-84B2E600E2A8}"/>
-              </a:ext>
-            </a:extLst>
-          </p:cNvPr>
-          <p:cNvCxnSpPr>
-            <a:cxnSpLocks/>
-          </p:cNvCxnSpPr>
-          <p:nvPr/>
-        </p:nvCxnSpPr>
-        <p:spPr>
-          <a:xfrm flipH="1">
-            <a:off x="1046889" y="860464"/>
-            <a:ext cx="175082" cy="0"/>
-          </a:xfrm>
-          <a:prstGeom prst="line">
-            <a:avLst/>
-          </a:prstGeom>
-          <a:ln w="19050">
-            <a:solidFill>
-              <a:srgbClr val="317F46"/>
-            </a:solidFill>
-            <a:prstDash val="sysDot"/>
-          </a:ln>
-        </p:spPr>
-        <p:style>
-          <a:lnRef idx="1">
-            <a:schemeClr val="accent1"/>
-          </a:lnRef>
-          <a:fillRef idx="0">
-            <a:schemeClr val="accent1"/>
-          </a:fillRef>
-          <a:effectRef idx="0">
-            <a:schemeClr val="accent1"/>
-          </a:effectRef>
-          <a:fontRef idx="minor">
-            <a:schemeClr val="tx1"/>
-          </a:fontRef>
-        </p:style>
-      </p:cxnSp>
-      <p:cxnSp>
-        <p:nvCxnSpPr>
           <p:cNvPr id="3" name="직선 연결선 2">
             <a:extLst>
               <a:ext uri="{FF2B5EF4-FFF2-40B4-BE49-F238E27FC236}">
@@ -18151,8 +14146,8 @@
         </p:nvSpPr>
         <p:spPr>
           <a:xfrm>
-            <a:off x="1213265" y="1687483"/>
-            <a:ext cx="1883849" cy="338554"/>
+            <a:off x="440256" y="2951946"/>
+            <a:ext cx="2888932" cy="954107"/>
           </a:xfrm>
           <a:prstGeom prst="rect">
             <a:avLst/>
@@ -18166,64 +14161,174 @@
           <a:lstStyle/>
           <a:p>
             <a:r>
-              <a:rPr lang="ko-KR" altLang="en-US" sz="1600">
+              <a:rPr lang="en-US" altLang="ko-KR" sz="2800" dirty="0">
                 <a:latin typeface="여기어때 잘난체 2" panose="00000500000000000000" pitchFamily="50" charset="-127"/>
                 <a:ea typeface="여기어때 잘난체 2" panose="00000500000000000000" pitchFamily="50" charset="-127"/>
               </a:rPr>
-              <a:t>내용을 입력하세요</a:t>
-            </a:r>
+              <a:t>6. </a:t>
+            </a:r>
+            <a:r>
+              <a:rPr lang="ko-KR" altLang="en-US" sz="2800" dirty="0">
+                <a:latin typeface="여기어때 잘난체 2" panose="00000500000000000000" pitchFamily="50" charset="-127"/>
+                <a:ea typeface="여기어때 잘난체 2" panose="00000500000000000000" pitchFamily="50" charset="-127"/>
+              </a:rPr>
+              <a:t>타겟 플랫폼과</a:t>
+            </a:r>
+            <a:endParaRPr lang="en-US" altLang="ko-KR" sz="2800" dirty="0">
+              <a:latin typeface="여기어때 잘난체 2" panose="00000500000000000000" pitchFamily="50" charset="-127"/>
+              <a:ea typeface="여기어때 잘난체 2" panose="00000500000000000000" pitchFamily="50" charset="-127"/>
+            </a:endParaRPr>
+          </a:p>
+          <a:p>
+            <a:r>
+              <a:rPr lang="ko-KR" altLang="en-US" sz="2800" dirty="0">
+                <a:latin typeface="여기어때 잘난체 2" panose="00000500000000000000" pitchFamily="50" charset="-127"/>
+                <a:ea typeface="여기어때 잘난체 2" panose="00000500000000000000" pitchFamily="50" charset="-127"/>
+              </a:rPr>
+              <a:t>비즈니스 모델</a:t>
+            </a:r>
+            <a:endParaRPr lang="en-US" altLang="ko-KR" sz="2800" dirty="0">
+              <a:latin typeface="여기어때 잘난체 2" panose="00000500000000000000" pitchFamily="50" charset="-127"/>
+              <a:ea typeface="여기어때 잘난체 2" panose="00000500000000000000" pitchFamily="50" charset="-127"/>
+            </a:endParaRPr>
           </a:p>
         </p:txBody>
       </p:sp>
-      <p:sp>
-        <p:nvSpPr>
-          <p:cNvPr id="12" name="TextBox 11">
-            <a:extLst>
-              <a:ext uri="{FF2B5EF4-FFF2-40B4-BE49-F238E27FC236}">
-                <a16:creationId xmlns:a16="http://schemas.microsoft.com/office/drawing/2014/main" id="{F598D1C7-8CA1-4332-824A-77A28ED800F3}"/>
-              </a:ext>
-            </a:extLst>
-          </p:cNvPr>
-          <p:cNvSpPr txBox="1"/>
-          <p:nvPr/>
-        </p:nvSpPr>
-        <p:spPr>
-          <a:xfrm>
-            <a:off x="1213265" y="2026037"/>
-            <a:ext cx="2079415" cy="307777"/>
-          </a:xfrm>
-          <a:prstGeom prst="rect">
-            <a:avLst/>
-          </a:prstGeom>
-          <a:noFill/>
-        </p:spPr>
-        <p:txBody>
-          <a:bodyPr wrap="none" rtlCol="0">
-            <a:spAutoFit/>
-          </a:bodyPr>
-          <a:lstStyle/>
-          <a:p>
-            <a:r>
-              <a:rPr lang="ko-KR" altLang="en-US" sz="1400">
-                <a:solidFill>
-                  <a:schemeClr val="bg1">
-                    <a:lumMod val="75000"/>
-                  </a:schemeClr>
-                </a:solidFill>
-                <a:latin typeface="여기어때 잘난체 2" panose="00000500000000000000" pitchFamily="50" charset="-127"/>
-                <a:ea typeface="여기어때 잘난체 2" panose="00000500000000000000" pitchFamily="50" charset="-127"/>
-              </a:rPr>
-              <a:t>보충 내용을 입력하세요</a:t>
-            </a:r>
-          </a:p>
-        </p:txBody>
-      </p:sp>
+      <p:grpSp>
+        <p:nvGrpSpPr>
+          <p:cNvPr id="12" name="그룹 11">
+            <a:extLst>
+              <a:ext uri="{FF2B5EF4-FFF2-40B4-BE49-F238E27FC236}">
+                <a16:creationId xmlns:a16="http://schemas.microsoft.com/office/drawing/2014/main" id="{78FB5791-18C7-418B-B832-D33F7532B50A}"/>
+              </a:ext>
+            </a:extLst>
+          </p:cNvPr>
+          <p:cNvGrpSpPr/>
+          <p:nvPr/>
+        </p:nvGrpSpPr>
+        <p:grpSpPr>
+          <a:xfrm>
+            <a:off x="4330931" y="1353415"/>
+            <a:ext cx="7420813" cy="4151170"/>
+            <a:chOff x="4287744" y="1503010"/>
+            <a:chExt cx="7420813" cy="4151170"/>
+          </a:xfrm>
+        </p:grpSpPr>
+        <p:pic>
+          <p:nvPicPr>
+            <p:cNvPr id="4" name="그림 3">
+              <a:extLst>
+                <a:ext uri="{FF2B5EF4-FFF2-40B4-BE49-F238E27FC236}">
+                  <a16:creationId xmlns:a16="http://schemas.microsoft.com/office/drawing/2014/main" id="{C5A59513-EE97-4E19-A100-4A4B9819C9A2}"/>
+                </a:ext>
+              </a:extLst>
+            </p:cNvPr>
+            <p:cNvPicPr>
+              <a:picLocks noChangeAspect="1"/>
+            </p:cNvPicPr>
+            <p:nvPr/>
+          </p:nvPicPr>
+          <p:blipFill>
+            <a:blip r:embed="rId3">
+              <a:extLst>
+                <a:ext uri="{28A0092B-C50C-407E-A947-70E740481C1C}">
+                  <a14:useLocalDpi xmlns:a14="http://schemas.microsoft.com/office/drawing/2010/main" val="0"/>
+                </a:ext>
+              </a:extLst>
+            </a:blip>
+            <a:stretch>
+              <a:fillRect/>
+            </a:stretch>
+          </p:blipFill>
+          <p:spPr>
+            <a:xfrm>
+              <a:off x="4287744" y="1503010"/>
+              <a:ext cx="3502793" cy="1970321"/>
+            </a:xfrm>
+            <a:prstGeom prst="rect">
+              <a:avLst/>
+            </a:prstGeom>
+          </p:spPr>
+        </p:pic>
+        <p:pic>
+          <p:nvPicPr>
+            <p:cNvPr id="8" name="그림 7">
+              <a:extLst>
+                <a:ext uri="{FF2B5EF4-FFF2-40B4-BE49-F238E27FC236}">
+                  <a16:creationId xmlns:a16="http://schemas.microsoft.com/office/drawing/2014/main" id="{421FE241-5AC6-4124-8936-FF4632AF5E97}"/>
+                </a:ext>
+              </a:extLst>
+            </p:cNvPr>
+            <p:cNvPicPr>
+              <a:picLocks noChangeAspect="1"/>
+            </p:cNvPicPr>
+            <p:nvPr/>
+          </p:nvPicPr>
+          <p:blipFill>
+            <a:blip r:embed="rId4">
+              <a:extLst>
+                <a:ext uri="{28A0092B-C50C-407E-A947-70E740481C1C}">
+                  <a14:useLocalDpi xmlns:a14="http://schemas.microsoft.com/office/drawing/2010/main" val="0"/>
+                </a:ext>
+              </a:extLst>
+            </a:blip>
+            <a:stretch>
+              <a:fillRect/>
+            </a:stretch>
+          </p:blipFill>
+          <p:spPr>
+            <a:xfrm>
+              <a:off x="8208875" y="1503010"/>
+              <a:ext cx="3499682" cy="1970321"/>
+            </a:xfrm>
+            <a:prstGeom prst="rect">
+              <a:avLst/>
+            </a:prstGeom>
+          </p:spPr>
+        </p:pic>
+        <p:pic>
+          <p:nvPicPr>
+            <p:cNvPr id="10" name="그림 9">
+              <a:extLst>
+                <a:ext uri="{FF2B5EF4-FFF2-40B4-BE49-F238E27FC236}">
+                  <a16:creationId xmlns:a16="http://schemas.microsoft.com/office/drawing/2014/main" id="{9AFE510B-822E-42EC-AC61-A9E207D60C0E}"/>
+                </a:ext>
+              </a:extLst>
+            </p:cNvPr>
+            <p:cNvPicPr>
+              <a:picLocks noChangeAspect="1"/>
+            </p:cNvPicPr>
+            <p:nvPr/>
+          </p:nvPicPr>
+          <p:blipFill>
+            <a:blip r:embed="rId5">
+              <a:extLst>
+                <a:ext uri="{28A0092B-C50C-407E-A947-70E740481C1C}">
+                  <a14:useLocalDpi xmlns:a14="http://schemas.microsoft.com/office/drawing/2010/main" val="0"/>
+                </a:ext>
+              </a:extLst>
+            </a:blip>
+            <a:stretch>
+              <a:fillRect/>
+            </a:stretch>
+          </p:blipFill>
+          <p:spPr>
+            <a:xfrm>
+              <a:off x="4287744" y="3823282"/>
+              <a:ext cx="3498531" cy="1830898"/>
+            </a:xfrm>
+            <a:prstGeom prst="rect">
+              <a:avLst/>
+            </a:prstGeom>
+          </p:spPr>
+        </p:pic>
+      </p:grpSp>
       <p:sp>
         <p:nvSpPr>
           <p:cNvPr id="13" name="TextBox 12">
             <a:extLst>
               <a:ext uri="{FF2B5EF4-FFF2-40B4-BE49-F238E27FC236}">
-                <a16:creationId xmlns:a16="http://schemas.microsoft.com/office/drawing/2014/main" id="{9AB736CC-A9E0-46FC-91BA-0E3F992E2E0C}"/>
+                <a16:creationId xmlns:a16="http://schemas.microsoft.com/office/drawing/2014/main" id="{28AFD42A-F1A3-4F95-BD95-A6CECF7D82DC}"/>
               </a:ext>
             </a:extLst>
           </p:cNvPr>
@@ -18232,8 +14337,8 @@
         </p:nvSpPr>
         <p:spPr>
           <a:xfrm>
-            <a:off x="4405746" y="714118"/>
-            <a:ext cx="2169621" cy="307777"/>
+            <a:off x="8252062" y="3775046"/>
+            <a:ext cx="3498531" cy="1719702"/>
           </a:xfrm>
           <a:prstGeom prst="rect">
             <a:avLst/>
@@ -18246,504 +14351,85 @@
           </a:bodyPr>
           <a:lstStyle/>
           <a:p>
-            <a:r>
-              <a:rPr lang="ko-KR" altLang="en-US" sz="1400">
-                <a:latin typeface="여기어때 잘난체 2" panose="00000500000000000000" pitchFamily="50" charset="-127"/>
-                <a:ea typeface="여기어때 잘난체 2" panose="00000500000000000000" pitchFamily="50" charset="-127"/>
-              </a:rPr>
-              <a:t>내용을 입력하세요</a:t>
-            </a:r>
-          </a:p>
-        </p:txBody>
-      </p:sp>
-      <p:graphicFrame>
-        <p:nvGraphicFramePr>
-          <p:cNvPr id="19" name="차트 18">
-            <a:extLst>
-              <a:ext uri="{FF2B5EF4-FFF2-40B4-BE49-F238E27FC236}">
-                <a16:creationId xmlns:a16="http://schemas.microsoft.com/office/drawing/2014/main" id="{7E6B3E6A-0B2E-49CE-8852-9A9CD6B5D6FE}"/>
-              </a:ext>
-            </a:extLst>
-          </p:cNvPr>
-          <p:cNvGraphicFramePr/>
-          <p:nvPr>
-            <p:extLst>
-              <p:ext uri="{D42A27DB-BD31-4B8C-83A1-F6EECF244321}">
-                <p14:modId xmlns:p14="http://schemas.microsoft.com/office/powerpoint/2010/main" val="4007366213"/>
-              </p:ext>
-            </p:extLst>
-          </p:nvPr>
-        </p:nvGraphicFramePr>
-        <p:xfrm>
-          <a:off x="4788646" y="1533457"/>
-          <a:ext cx="1337834" cy="1292936"/>
-        </p:xfrm>
-        <a:graphic>
-          <a:graphicData uri="http://schemas.openxmlformats.org/drawingml/2006/chart">
-            <c:chart xmlns:c="http://schemas.openxmlformats.org/drawingml/2006/chart" xmlns:r="http://schemas.openxmlformats.org/officeDocument/2006/relationships" r:id="rId3"/>
-          </a:graphicData>
-        </a:graphic>
-      </p:graphicFrame>
-      <p:graphicFrame>
-        <p:nvGraphicFramePr>
-          <p:cNvPr id="50" name="차트 49">
-            <a:extLst>
-              <a:ext uri="{FF2B5EF4-FFF2-40B4-BE49-F238E27FC236}">
-                <a16:creationId xmlns:a16="http://schemas.microsoft.com/office/drawing/2014/main" id="{200D942B-5F17-496F-900E-4D1C2B49461E}"/>
-              </a:ext>
-            </a:extLst>
-          </p:cNvPr>
-          <p:cNvGraphicFramePr/>
-          <p:nvPr>
-            <p:extLst>
-              <p:ext uri="{D42A27DB-BD31-4B8C-83A1-F6EECF244321}">
-                <p14:modId xmlns:p14="http://schemas.microsoft.com/office/powerpoint/2010/main" val="499695997"/>
-              </p:ext>
-            </p:extLst>
-          </p:nvPr>
-        </p:nvGraphicFramePr>
-        <p:xfrm>
-          <a:off x="7142535" y="1533457"/>
-          <a:ext cx="1337834" cy="1292936"/>
-        </p:xfrm>
-        <a:graphic>
-          <a:graphicData uri="http://schemas.openxmlformats.org/drawingml/2006/chart">
-            <c:chart xmlns:c="http://schemas.openxmlformats.org/drawingml/2006/chart" xmlns:r="http://schemas.openxmlformats.org/officeDocument/2006/relationships" r:id="rId4"/>
-          </a:graphicData>
-        </a:graphic>
-      </p:graphicFrame>
-      <p:graphicFrame>
-        <p:nvGraphicFramePr>
-          <p:cNvPr id="51" name="차트 50">
-            <a:extLst>
-              <a:ext uri="{FF2B5EF4-FFF2-40B4-BE49-F238E27FC236}">
-                <a16:creationId xmlns:a16="http://schemas.microsoft.com/office/drawing/2014/main" id="{86E9EDCF-7670-4375-BF6F-574157E24B62}"/>
-              </a:ext>
-            </a:extLst>
-          </p:cNvPr>
-          <p:cNvGraphicFramePr/>
-          <p:nvPr>
-            <p:extLst>
-              <p:ext uri="{D42A27DB-BD31-4B8C-83A1-F6EECF244321}">
-                <p14:modId xmlns:p14="http://schemas.microsoft.com/office/powerpoint/2010/main" val="823435233"/>
-              </p:ext>
-            </p:extLst>
-          </p:nvPr>
-        </p:nvGraphicFramePr>
-        <p:xfrm>
-          <a:off x="9496424" y="1533457"/>
-          <a:ext cx="1337834" cy="1292936"/>
-        </p:xfrm>
-        <a:graphic>
-          <a:graphicData uri="http://schemas.openxmlformats.org/drawingml/2006/chart">
-            <c:chart xmlns:c="http://schemas.openxmlformats.org/drawingml/2006/chart" xmlns:r="http://schemas.openxmlformats.org/officeDocument/2006/relationships" r:id="rId5"/>
-          </a:graphicData>
-        </a:graphic>
-      </p:graphicFrame>
-      <p:sp>
-        <p:nvSpPr>
-          <p:cNvPr id="52" name="TextBox 51">
-            <a:extLst>
-              <a:ext uri="{FF2B5EF4-FFF2-40B4-BE49-F238E27FC236}">
-                <a16:creationId xmlns:a16="http://schemas.microsoft.com/office/drawing/2014/main" id="{CE74B9C1-FDCA-4E28-9467-8FA27C2B5C53}"/>
-              </a:ext>
-            </a:extLst>
-          </p:cNvPr>
-          <p:cNvSpPr txBox="1"/>
-          <p:nvPr/>
-        </p:nvSpPr>
-        <p:spPr>
-          <a:xfrm>
-            <a:off x="4405746" y="3483904"/>
-            <a:ext cx="2169621" cy="307777"/>
-          </a:xfrm>
-          <a:prstGeom prst="rect">
-            <a:avLst/>
-          </a:prstGeom>
-          <a:noFill/>
-        </p:spPr>
-        <p:txBody>
-          <a:bodyPr wrap="square" rtlCol="0">
-            <a:spAutoFit/>
-          </a:bodyPr>
-          <a:lstStyle/>
-          <a:p>
-            <a:r>
-              <a:rPr lang="ko-KR" altLang="en-US" sz="1400">
-                <a:latin typeface="여기어때 잘난체 2" panose="00000500000000000000" pitchFamily="50" charset="-127"/>
-                <a:ea typeface="여기어때 잘난체 2" panose="00000500000000000000" pitchFamily="50" charset="-127"/>
-              </a:rPr>
-              <a:t>내용을 입력하세요</a:t>
-            </a:r>
-          </a:p>
-        </p:txBody>
-      </p:sp>
-      <p:sp>
-        <p:nvSpPr>
-          <p:cNvPr id="56" name="TextBox 55">
-            <a:extLst>
-              <a:ext uri="{FF2B5EF4-FFF2-40B4-BE49-F238E27FC236}">
-                <a16:creationId xmlns:a16="http://schemas.microsoft.com/office/drawing/2014/main" id="{F8CD88CD-3C46-416B-B38E-DA58E384E803}"/>
-              </a:ext>
-            </a:extLst>
-          </p:cNvPr>
-          <p:cNvSpPr txBox="1"/>
-          <p:nvPr/>
-        </p:nvSpPr>
-        <p:spPr>
-          <a:xfrm>
-            <a:off x="1213265" y="3453127"/>
-            <a:ext cx="1883849" cy="338554"/>
-          </a:xfrm>
-          <a:prstGeom prst="rect">
-            <a:avLst/>
-          </a:prstGeom>
-          <a:noFill/>
-        </p:spPr>
-        <p:txBody>
-          <a:bodyPr wrap="none" rtlCol="0">
-            <a:spAutoFit/>
-          </a:bodyPr>
-          <a:lstStyle/>
-          <a:p>
-            <a:r>
-              <a:rPr lang="ko-KR" altLang="en-US" sz="1600">
-                <a:latin typeface="여기어때 잘난체 2" panose="00000500000000000000" pitchFamily="50" charset="-127"/>
-                <a:ea typeface="여기어때 잘난체 2" panose="00000500000000000000" pitchFamily="50" charset="-127"/>
-              </a:rPr>
-              <a:t>내용을 입력하세요</a:t>
-            </a:r>
-          </a:p>
-        </p:txBody>
-      </p:sp>
-      <p:sp>
-        <p:nvSpPr>
-          <p:cNvPr id="57" name="TextBox 56">
-            <a:extLst>
-              <a:ext uri="{FF2B5EF4-FFF2-40B4-BE49-F238E27FC236}">
-                <a16:creationId xmlns:a16="http://schemas.microsoft.com/office/drawing/2014/main" id="{B6944F04-0F76-48BF-A6C0-2AE6C14C7AFE}"/>
-              </a:ext>
-            </a:extLst>
-          </p:cNvPr>
-          <p:cNvSpPr txBox="1"/>
-          <p:nvPr/>
-        </p:nvSpPr>
-        <p:spPr>
-          <a:xfrm>
-            <a:off x="1213265" y="3791681"/>
-            <a:ext cx="2079415" cy="307777"/>
-          </a:xfrm>
-          <a:prstGeom prst="rect">
-            <a:avLst/>
-          </a:prstGeom>
-          <a:noFill/>
-        </p:spPr>
-        <p:txBody>
-          <a:bodyPr wrap="none" rtlCol="0">
-            <a:spAutoFit/>
-          </a:bodyPr>
-          <a:lstStyle/>
-          <a:p>
-            <a:r>
-              <a:rPr lang="ko-KR" altLang="en-US" sz="1400">
-                <a:solidFill>
-                  <a:schemeClr val="bg1">
-                    <a:lumMod val="75000"/>
-                  </a:schemeClr>
-                </a:solidFill>
-                <a:latin typeface="여기어때 잘난체 2" panose="00000500000000000000" pitchFamily="50" charset="-127"/>
-                <a:ea typeface="여기어때 잘난체 2" panose="00000500000000000000" pitchFamily="50" charset="-127"/>
-              </a:rPr>
-              <a:t>보충 내용을 입력하세요</a:t>
-            </a:r>
-          </a:p>
-        </p:txBody>
-      </p:sp>
-      <p:graphicFrame>
-        <p:nvGraphicFramePr>
-          <p:cNvPr id="61" name="차트 60">
-            <a:extLst>
-              <a:ext uri="{FF2B5EF4-FFF2-40B4-BE49-F238E27FC236}">
-                <a16:creationId xmlns:a16="http://schemas.microsoft.com/office/drawing/2014/main" id="{6D508E00-805F-4651-81BF-D3310D6EDED8}"/>
-              </a:ext>
-            </a:extLst>
-          </p:cNvPr>
-          <p:cNvGraphicFramePr/>
-          <p:nvPr>
-            <p:extLst>
-              <p:ext uri="{D42A27DB-BD31-4B8C-83A1-F6EECF244321}">
-                <p14:modId xmlns:p14="http://schemas.microsoft.com/office/powerpoint/2010/main" val="682832069"/>
-              </p:ext>
-            </p:extLst>
-          </p:nvPr>
-        </p:nvGraphicFramePr>
-        <p:xfrm>
-          <a:off x="4957548" y="3867571"/>
-          <a:ext cx="5707808" cy="2617432"/>
-        </p:xfrm>
-        <a:graphic>
-          <a:graphicData uri="http://schemas.openxmlformats.org/drawingml/2006/chart">
-            <c:chart xmlns:c="http://schemas.openxmlformats.org/drawingml/2006/chart" xmlns:r="http://schemas.openxmlformats.org/officeDocument/2006/relationships" r:id="rId6"/>
-          </a:graphicData>
-        </a:graphic>
-      </p:graphicFrame>
-      <p:sp>
-        <p:nvSpPr>
-          <p:cNvPr id="64" name="TextBox 63">
-            <a:extLst>
-              <a:ext uri="{FF2B5EF4-FFF2-40B4-BE49-F238E27FC236}">
-                <a16:creationId xmlns:a16="http://schemas.microsoft.com/office/drawing/2014/main" id="{BAA7688C-66D0-46D8-910E-2AE3D2F86BED}"/>
-              </a:ext>
-            </a:extLst>
-          </p:cNvPr>
-          <p:cNvSpPr txBox="1"/>
-          <p:nvPr/>
-        </p:nvSpPr>
-        <p:spPr>
-          <a:xfrm>
-            <a:off x="1221971" y="281527"/>
-            <a:ext cx="1238596" cy="977191"/>
-          </a:xfrm>
-          <a:prstGeom prst="rect">
-            <a:avLst/>
-          </a:prstGeom>
-          <a:noFill/>
-        </p:spPr>
-        <p:txBody>
-          <a:bodyPr wrap="square" rtlCol="0">
-            <a:spAutoFit/>
-          </a:bodyPr>
-          <a:lstStyle/>
-          <a:p>
-            <a:pPr algn="ctr">
+            <a:pPr>
               <a:lnSpc>
                 <a:spcPct val="150000"/>
               </a:lnSpc>
             </a:pPr>
             <a:r>
-              <a:rPr lang="en-US" altLang="ko-KR" sz="2000">
+              <a:rPr lang="ko-KR" altLang="en-US" dirty="0">
                 <a:latin typeface="여기어때 잘난체 2" panose="00000500000000000000" pitchFamily="50" charset="-127"/>
                 <a:ea typeface="여기어때 잘난체 2" panose="00000500000000000000" pitchFamily="50" charset="-127"/>
               </a:rPr>
-              <a:t>PPT </a:t>
-            </a:r>
-            <a:r>
-              <a:rPr lang="ko-KR" altLang="en-US" sz="2000">
-                <a:latin typeface="여기어때 잘난체 2" panose="00000500000000000000" pitchFamily="50" charset="-127"/>
-                <a:ea typeface="여기어때 잘난체 2" panose="00000500000000000000" pitchFamily="50" charset="-127"/>
-              </a:rPr>
-              <a:t>제목</a:t>
-            </a:r>
-          </a:p>
-        </p:txBody>
-      </p:sp>
-      <p:sp>
-        <p:nvSpPr>
-          <p:cNvPr id="65" name="TextBox 64">
-            <a:extLst>
-              <a:ext uri="{FF2B5EF4-FFF2-40B4-BE49-F238E27FC236}">
-                <a16:creationId xmlns:a16="http://schemas.microsoft.com/office/drawing/2014/main" id="{5DFC98F6-185B-45AA-8587-F37EF53C3131}"/>
-              </a:ext>
-            </a:extLst>
-          </p:cNvPr>
-          <p:cNvSpPr txBox="1"/>
-          <p:nvPr/>
-        </p:nvSpPr>
-        <p:spPr>
-          <a:xfrm>
-            <a:off x="1263536" y="687343"/>
-            <a:ext cx="1608133" cy="253916"/>
-          </a:xfrm>
-          <a:prstGeom prst="rect">
-            <a:avLst/>
-          </a:prstGeom>
-          <a:noFill/>
-        </p:spPr>
-        <p:txBody>
-          <a:bodyPr wrap="none" rtlCol="0">
-            <a:spAutoFit/>
-          </a:bodyPr>
-          <a:lstStyle/>
-          <a:p>
-            <a:r>
-              <a:rPr lang="ko-KR" altLang="en-US" sz="1050">
-                <a:latin typeface="여기어때 잘난체 2" panose="00000500000000000000" pitchFamily="50" charset="-127"/>
-                <a:ea typeface="여기어때 잘난체 2" panose="00000500000000000000" pitchFamily="50" charset="-127"/>
-              </a:rPr>
-              <a:t>해당 목차를 입력하세요</a:t>
-            </a:r>
-          </a:p>
-        </p:txBody>
-      </p:sp>
-      <p:sp>
-        <p:nvSpPr>
-          <p:cNvPr id="66" name="TextBox 65">
-            <a:extLst>
-              <a:ext uri="{FF2B5EF4-FFF2-40B4-BE49-F238E27FC236}">
-                <a16:creationId xmlns:a16="http://schemas.microsoft.com/office/drawing/2014/main" id="{B31A2815-8871-49B1-9AC9-113EF2FF190D}"/>
-              </a:ext>
-            </a:extLst>
-          </p:cNvPr>
-          <p:cNvSpPr txBox="1"/>
-          <p:nvPr/>
-        </p:nvSpPr>
-        <p:spPr>
-          <a:xfrm>
-            <a:off x="5327508" y="1995259"/>
-            <a:ext cx="369012" cy="369332"/>
-          </a:xfrm>
-          <a:prstGeom prst="rect">
-            <a:avLst/>
-          </a:prstGeom>
-          <a:noFill/>
-        </p:spPr>
-        <p:txBody>
-          <a:bodyPr wrap="none" rtlCol="0">
-            <a:spAutoFit/>
-          </a:bodyPr>
-          <a:lstStyle/>
-          <a:p>
-            <a:r>
-              <a:rPr lang="en-US" altLang="ko-KR">
-                <a:latin typeface="여기어때 잘난체 2" panose="00000500000000000000" pitchFamily="50" charset="-127"/>
-                <a:ea typeface="여기어때 잘난체 2" panose="00000500000000000000" pitchFamily="50" charset="-127"/>
-              </a:rPr>
-              <a:t>A</a:t>
-            </a:r>
-            <a:endParaRPr lang="ko-KR" altLang="en-US">
+              <a:t>콜라보를 통해 특수 임무의 </a:t>
+            </a:r>
+            <a:endParaRPr lang="en-US" altLang="ko-KR" dirty="0">
               <a:latin typeface="여기어때 잘난체 2" panose="00000500000000000000" pitchFamily="50" charset="-127"/>
               <a:ea typeface="여기어때 잘난체 2" panose="00000500000000000000" pitchFamily="50" charset="-127"/>
             </a:endParaRPr>
           </a:p>
-        </p:txBody>
-      </p:sp>
-      <p:sp>
-        <p:nvSpPr>
-          <p:cNvPr id="67" name="TextBox 66">
-            <a:extLst>
-              <a:ext uri="{FF2B5EF4-FFF2-40B4-BE49-F238E27FC236}">
-                <a16:creationId xmlns:a16="http://schemas.microsoft.com/office/drawing/2014/main" id="{BEBA3BE7-8DC3-43A3-9992-5E13EBACB45B}"/>
-              </a:ext>
-            </a:extLst>
-          </p:cNvPr>
-          <p:cNvSpPr txBox="1"/>
-          <p:nvPr/>
-        </p:nvSpPr>
-        <p:spPr>
-          <a:xfrm>
-            <a:off x="7651793" y="1995259"/>
-            <a:ext cx="351378" cy="369332"/>
-          </a:xfrm>
-          <a:prstGeom prst="rect">
-            <a:avLst/>
-          </a:prstGeom>
-          <a:noFill/>
-        </p:spPr>
-        <p:txBody>
-          <a:bodyPr wrap="none" rtlCol="0">
-            <a:spAutoFit/>
-          </a:bodyPr>
-          <a:lstStyle/>
-          <a:p>
-            <a:r>
-              <a:rPr lang="en-US" altLang="ko-KR">
+          <a:p>
+            <a:pPr>
+              <a:lnSpc>
+                <a:spcPct val="150000"/>
+              </a:lnSpc>
+            </a:pPr>
+            <a:r>
+              <a:rPr lang="ko-KR" altLang="en-US" dirty="0">
                 <a:latin typeface="여기어때 잘난체 2" panose="00000500000000000000" pitchFamily="50" charset="-127"/>
                 <a:ea typeface="여기어때 잘난체 2" panose="00000500000000000000" pitchFamily="50" charset="-127"/>
               </a:rPr>
-              <a:t>B</a:t>
-            </a:r>
-            <a:endParaRPr lang="ko-KR" altLang="en-US">
+              <a:t>보스로 출현한다</a:t>
+            </a:r>
+            <a:r>
+              <a:rPr lang="en-US" altLang="ko-KR" dirty="0">
+                <a:latin typeface="여기어때 잘난체 2" panose="00000500000000000000" pitchFamily="50" charset="-127"/>
+                <a:ea typeface="여기어때 잘난체 2" panose="00000500000000000000" pitchFamily="50" charset="-127"/>
+              </a:rPr>
+              <a:t>.</a:t>
+            </a:r>
+          </a:p>
+          <a:p>
+            <a:pPr>
+              <a:lnSpc>
+                <a:spcPct val="150000"/>
+              </a:lnSpc>
+            </a:pPr>
+            <a:r>
+              <a:rPr lang="ko-KR" altLang="en-US" dirty="0">
+                <a:latin typeface="여기어때 잘난체 2" panose="00000500000000000000" pitchFamily="50" charset="-127"/>
+                <a:ea typeface="여기어때 잘난체 2" panose="00000500000000000000" pitchFamily="50" charset="-127"/>
+              </a:rPr>
+              <a:t>타 무협 팬들의 유입을 </a:t>
+            </a:r>
+            <a:endParaRPr lang="en-US" altLang="ko-KR" dirty="0">
               <a:latin typeface="여기어때 잘난체 2" panose="00000500000000000000" pitchFamily="50" charset="-127"/>
               <a:ea typeface="여기어때 잘난체 2" panose="00000500000000000000" pitchFamily="50" charset="-127"/>
             </a:endParaRPr>
           </a:p>
-        </p:txBody>
-      </p:sp>
-      <p:sp>
-        <p:nvSpPr>
-          <p:cNvPr id="68" name="TextBox 67">
-            <a:extLst>
-              <a:ext uri="{FF2B5EF4-FFF2-40B4-BE49-F238E27FC236}">
-                <a16:creationId xmlns:a16="http://schemas.microsoft.com/office/drawing/2014/main" id="{A17FA5B7-3964-4D89-B139-D10941CE0BA8}"/>
-              </a:ext>
-            </a:extLst>
-          </p:cNvPr>
-          <p:cNvSpPr txBox="1"/>
-          <p:nvPr/>
-        </p:nvSpPr>
-        <p:spPr>
-          <a:xfrm>
-            <a:off x="10000071" y="1995259"/>
-            <a:ext cx="338554" cy="369332"/>
-          </a:xfrm>
-          <a:prstGeom prst="rect">
-            <a:avLst/>
-          </a:prstGeom>
-          <a:noFill/>
-        </p:spPr>
-        <p:txBody>
-          <a:bodyPr wrap="none" rtlCol="0">
-            <a:spAutoFit/>
-          </a:bodyPr>
-          <a:lstStyle/>
-          <a:p>
-            <a:r>
-              <a:rPr lang="en-US" altLang="ko-KR">
+          <a:p>
+            <a:pPr>
+              <a:lnSpc>
+                <a:spcPct val="150000"/>
+              </a:lnSpc>
+            </a:pPr>
+            <a:r>
+              <a:rPr lang="ko-KR" altLang="en-US" dirty="0">
                 <a:latin typeface="여기어때 잘난체 2" panose="00000500000000000000" pitchFamily="50" charset="-127"/>
                 <a:ea typeface="여기어때 잘난체 2" panose="00000500000000000000" pitchFamily="50" charset="-127"/>
               </a:rPr>
-              <a:t>C</a:t>
-            </a:r>
-            <a:endParaRPr lang="ko-KR" altLang="en-US">
+              <a:t>기대할 수 있다</a:t>
+            </a:r>
+            <a:r>
+              <a:rPr lang="en-US" altLang="ko-KR" dirty="0">
+                <a:latin typeface="여기어때 잘난체 2" panose="00000500000000000000" pitchFamily="50" charset="-127"/>
+                <a:ea typeface="여기어때 잘난체 2" panose="00000500000000000000" pitchFamily="50" charset="-127"/>
+              </a:rPr>
+              <a:t>.</a:t>
+            </a:r>
+            <a:endParaRPr lang="ko-KR" altLang="en-US" dirty="0">
               <a:latin typeface="여기어때 잘난체 2" panose="00000500000000000000" pitchFamily="50" charset="-127"/>
               <a:ea typeface="여기어때 잘난체 2" panose="00000500000000000000" pitchFamily="50" charset="-127"/>
-            </a:endParaRPr>
-          </a:p>
-        </p:txBody>
-      </p:sp>
-      <p:sp>
-        <p:nvSpPr>
-          <p:cNvPr id="21" name="직사각형 20">
-            <a:extLst>
-              <a:ext uri="{FF2B5EF4-FFF2-40B4-BE49-F238E27FC236}">
-                <a16:creationId xmlns:a16="http://schemas.microsoft.com/office/drawing/2014/main" id="{C845FCFE-B0C3-406C-9E3E-0834BDEDF3BE}"/>
-              </a:ext>
-            </a:extLst>
-          </p:cNvPr>
-          <p:cNvSpPr/>
-          <p:nvPr/>
-        </p:nvSpPr>
-        <p:spPr>
-          <a:xfrm>
-            <a:off x="5054690" y="6519548"/>
-            <a:ext cx="2082621" cy="200055"/>
-          </a:xfrm>
-          <a:prstGeom prst="rect">
-            <a:avLst/>
-          </a:prstGeom>
-        </p:spPr>
-        <p:txBody>
-          <a:bodyPr wrap="none">
-            <a:spAutoFit/>
-          </a:bodyPr>
-          <a:lstStyle/>
-          <a:p>
-            <a:r>
-              <a:rPr lang="en-US" altLang="ko-KR" sz="700">
-                <a:solidFill>
-                  <a:schemeClr val="bg2">
-                    <a:lumMod val="90000"/>
-                  </a:schemeClr>
-                </a:solidFill>
-              </a:rPr>
-              <a:t>Copyright 2020. hyeo_ongz All rights reserved</a:t>
-            </a:r>
-            <a:endParaRPr lang="ko-KR" altLang="en-US" sz="700">
-              <a:solidFill>
-                <a:schemeClr val="bg2">
-                  <a:lumMod val="90000"/>
-                </a:schemeClr>
-              </a:solidFill>
             </a:endParaRPr>
           </a:p>
         </p:txBody>
@@ -18751,7 +14437,7 @@
     </p:spTree>
     <p:extLst>
       <p:ext uri="{BB962C8B-B14F-4D97-AF65-F5344CB8AC3E}">
-        <p14:creationId xmlns:p14="http://schemas.microsoft.com/office/powerpoint/2010/main" val="2762331256"/>
+        <p14:creationId xmlns:p14="http://schemas.microsoft.com/office/powerpoint/2010/main" val="447003079"/>
       </p:ext>
     </p:extLst>
   </p:cSld>
@@ -18814,7 +14500,7 @@
         </p:blipFill>
         <p:spPr>
           <a:xfrm>
-            <a:off x="440256" y="371137"/>
+            <a:off x="5826000" y="2277991"/>
             <a:ext cx="540000" cy="540000"/>
           </a:xfrm>
           <a:prstGeom prst="rect">
@@ -18822,102 +14508,12 @@
           </a:prstGeom>
         </p:spPr>
       </p:pic>
-      <p:cxnSp>
-        <p:nvCxnSpPr>
-          <p:cNvPr id="17" name="직선 연결선 16">
-            <a:extLst>
-              <a:ext uri="{FF2B5EF4-FFF2-40B4-BE49-F238E27FC236}">
-                <a16:creationId xmlns:a16="http://schemas.microsoft.com/office/drawing/2014/main" id="{93C5BFDE-B5BA-4208-8483-84B2E600E2A8}"/>
-              </a:ext>
-            </a:extLst>
-          </p:cNvPr>
-          <p:cNvCxnSpPr>
-            <a:cxnSpLocks/>
-          </p:cNvCxnSpPr>
-          <p:nvPr/>
-        </p:nvCxnSpPr>
-        <p:spPr>
-          <a:xfrm flipH="1">
-            <a:off x="1046889" y="860464"/>
-            <a:ext cx="175082" cy="0"/>
-          </a:xfrm>
-          <a:prstGeom prst="line">
-            <a:avLst/>
-          </a:prstGeom>
-          <a:ln w="19050">
-            <a:solidFill>
-              <a:srgbClr val="317F46"/>
-            </a:solidFill>
-            <a:prstDash val="sysDot"/>
-          </a:ln>
-        </p:spPr>
-        <p:style>
-          <a:lnRef idx="1">
-            <a:schemeClr val="accent1"/>
-          </a:lnRef>
-          <a:fillRef idx="0">
-            <a:schemeClr val="accent1"/>
-          </a:fillRef>
-          <a:effectRef idx="0">
-            <a:schemeClr val="accent1"/>
-          </a:effectRef>
-          <a:fontRef idx="minor">
-            <a:schemeClr val="tx1"/>
-          </a:fontRef>
-        </p:style>
-      </p:cxnSp>
-      <p:cxnSp>
-        <p:nvCxnSpPr>
-          <p:cNvPr id="3" name="직선 연결선 2">
-            <a:extLst>
-              <a:ext uri="{FF2B5EF4-FFF2-40B4-BE49-F238E27FC236}">
-                <a16:creationId xmlns:a16="http://schemas.microsoft.com/office/drawing/2014/main" id="{CF9ECE96-BB41-4E0A-9688-ED596D9B8D6A}"/>
-              </a:ext>
-            </a:extLst>
-          </p:cNvPr>
-          <p:cNvCxnSpPr>
-            <a:cxnSpLocks/>
-          </p:cNvCxnSpPr>
-          <p:nvPr/>
-        </p:nvCxnSpPr>
-        <p:spPr>
-          <a:xfrm>
-            <a:off x="3973483" y="646315"/>
-            <a:ext cx="0" cy="5565371"/>
-          </a:xfrm>
-          <a:prstGeom prst="line">
-            <a:avLst/>
-          </a:prstGeom>
-          <a:ln w="9525">
-            <a:solidFill>
-              <a:schemeClr val="bg2">
-                <a:lumMod val="90000"/>
-              </a:schemeClr>
-            </a:solidFill>
-            <a:prstDash val="dash"/>
-          </a:ln>
-        </p:spPr>
-        <p:style>
-          <a:lnRef idx="1">
-            <a:schemeClr val="accent1"/>
-          </a:lnRef>
-          <a:fillRef idx="0">
-            <a:schemeClr val="accent1"/>
-          </a:fillRef>
-          <a:effectRef idx="0">
-            <a:schemeClr val="accent1"/>
-          </a:effectRef>
-          <a:fontRef idx="minor">
-            <a:schemeClr val="tx1"/>
-          </a:fontRef>
-        </p:style>
-      </p:cxnSp>
       <p:sp>
         <p:nvSpPr>
-          <p:cNvPr id="11" name="TextBox 10">
-            <a:extLst>
-              <a:ext uri="{FF2B5EF4-FFF2-40B4-BE49-F238E27FC236}">
-                <a16:creationId xmlns:a16="http://schemas.microsoft.com/office/drawing/2014/main" id="{8BB57C26-A1E7-4324-AF89-C47F46B8062B}"/>
+          <p:cNvPr id="8" name="TextBox 7">
+            <a:extLst>
+              <a:ext uri="{FF2B5EF4-FFF2-40B4-BE49-F238E27FC236}">
+                <a16:creationId xmlns:a16="http://schemas.microsoft.com/office/drawing/2014/main" id="{B9249204-3A16-4822-9DF9-BA1FDB31E467}"/>
               </a:ext>
             </a:extLst>
           </p:cNvPr>
@@ -18926,89 +14522,8 @@
         </p:nvSpPr>
         <p:spPr>
           <a:xfrm>
-            <a:off x="1213265" y="1687483"/>
-            <a:ext cx="1883849" cy="338554"/>
-          </a:xfrm>
-          <a:prstGeom prst="rect">
-            <a:avLst/>
-          </a:prstGeom>
-          <a:noFill/>
-        </p:spPr>
-        <p:txBody>
-          <a:bodyPr wrap="none" rtlCol="0">
-            <a:spAutoFit/>
-          </a:bodyPr>
-          <a:lstStyle/>
-          <a:p>
-            <a:r>
-              <a:rPr lang="ko-KR" altLang="en-US" sz="1600">
-                <a:latin typeface="여기어때 잘난체 2" panose="00000500000000000000" pitchFamily="50" charset="-127"/>
-                <a:ea typeface="여기어때 잘난체 2" panose="00000500000000000000" pitchFamily="50" charset="-127"/>
-              </a:rPr>
-              <a:t>내용을 입력하세요</a:t>
-            </a:r>
-          </a:p>
-        </p:txBody>
-      </p:sp>
-      <p:sp>
-        <p:nvSpPr>
-          <p:cNvPr id="12" name="TextBox 11">
-            <a:extLst>
-              <a:ext uri="{FF2B5EF4-FFF2-40B4-BE49-F238E27FC236}">
-                <a16:creationId xmlns:a16="http://schemas.microsoft.com/office/drawing/2014/main" id="{F598D1C7-8CA1-4332-824A-77A28ED800F3}"/>
-              </a:ext>
-            </a:extLst>
-          </p:cNvPr>
-          <p:cNvSpPr txBox="1"/>
-          <p:nvPr/>
-        </p:nvSpPr>
-        <p:spPr>
-          <a:xfrm>
-            <a:off x="1213265" y="2026037"/>
-            <a:ext cx="2079415" cy="307777"/>
-          </a:xfrm>
-          <a:prstGeom prst="rect">
-            <a:avLst/>
-          </a:prstGeom>
-          <a:noFill/>
-        </p:spPr>
-        <p:txBody>
-          <a:bodyPr wrap="none" rtlCol="0">
-            <a:spAutoFit/>
-          </a:bodyPr>
-          <a:lstStyle/>
-          <a:p>
-            <a:r>
-              <a:rPr lang="ko-KR" altLang="en-US" sz="1400">
-                <a:solidFill>
-                  <a:schemeClr val="bg1">
-                    <a:lumMod val="75000"/>
-                  </a:schemeClr>
-                </a:solidFill>
-                <a:latin typeface="여기어때 잘난체 2" panose="00000500000000000000" pitchFamily="50" charset="-127"/>
-                <a:ea typeface="여기어때 잘난체 2" panose="00000500000000000000" pitchFamily="50" charset="-127"/>
-              </a:rPr>
-              <a:t>보충 내용을 입력하세요</a:t>
-            </a:r>
-          </a:p>
-        </p:txBody>
-      </p:sp>
-      <p:sp>
-        <p:nvSpPr>
-          <p:cNvPr id="20" name="TextBox 19">
-            <a:extLst>
-              <a:ext uri="{FF2B5EF4-FFF2-40B4-BE49-F238E27FC236}">
-                <a16:creationId xmlns:a16="http://schemas.microsoft.com/office/drawing/2014/main" id="{0D7E9197-BF53-4BA6-9755-53430932A4AA}"/>
-              </a:ext>
-            </a:extLst>
-          </p:cNvPr>
-          <p:cNvSpPr txBox="1"/>
-          <p:nvPr/>
-        </p:nvSpPr>
-        <p:spPr>
-          <a:xfrm>
-            <a:off x="1221971" y="281527"/>
-            <a:ext cx="1238596" cy="977191"/>
+            <a:off x="4242486" y="3110416"/>
+            <a:ext cx="3707027" cy="600164"/>
           </a:xfrm>
           <a:prstGeom prst="rect">
             <a:avLst/>
@@ -19027,1384 +14542,15 @@
               </a:lnSpc>
             </a:pPr>
             <a:r>
-              <a:rPr lang="en-US" altLang="ko-KR" sz="2000">
-                <a:latin typeface="여기어때 잘난체 2" panose="00000500000000000000" pitchFamily="50" charset="-127"/>
-                <a:ea typeface="여기어때 잘난체 2" panose="00000500000000000000" pitchFamily="50" charset="-127"/>
-              </a:rPr>
-              <a:t>PPT </a:t>
-            </a:r>
-            <a:r>
-              <a:rPr lang="ko-KR" altLang="en-US" sz="2000">
-                <a:latin typeface="여기어때 잘난체 2" panose="00000500000000000000" pitchFamily="50" charset="-127"/>
-                <a:ea typeface="여기어때 잘난체 2" panose="00000500000000000000" pitchFamily="50" charset="-127"/>
-              </a:rPr>
-              <a:t>제목</a:t>
-            </a:r>
-          </a:p>
-        </p:txBody>
-      </p:sp>
-      <p:sp>
-        <p:nvSpPr>
-          <p:cNvPr id="21" name="TextBox 20">
-            <a:extLst>
-              <a:ext uri="{FF2B5EF4-FFF2-40B4-BE49-F238E27FC236}">
-                <a16:creationId xmlns:a16="http://schemas.microsoft.com/office/drawing/2014/main" id="{382936ED-788F-4092-AA58-872858B57333}"/>
-              </a:ext>
-            </a:extLst>
-          </p:cNvPr>
-          <p:cNvSpPr txBox="1"/>
-          <p:nvPr/>
-        </p:nvSpPr>
-        <p:spPr>
-          <a:xfrm>
-            <a:off x="1263536" y="687343"/>
-            <a:ext cx="1608133" cy="253916"/>
-          </a:xfrm>
-          <a:prstGeom prst="rect">
-            <a:avLst/>
-          </a:prstGeom>
-          <a:noFill/>
-        </p:spPr>
-        <p:txBody>
-          <a:bodyPr wrap="none" rtlCol="0">
-            <a:spAutoFit/>
-          </a:bodyPr>
-          <a:lstStyle/>
-          <a:p>
-            <a:r>
-              <a:rPr lang="ko-KR" altLang="en-US" sz="1050">
-                <a:latin typeface="여기어때 잘난체 2" panose="00000500000000000000" pitchFamily="50" charset="-127"/>
-                <a:ea typeface="여기어때 잘난체 2" panose="00000500000000000000" pitchFamily="50" charset="-127"/>
-              </a:rPr>
-              <a:t>해당 목차를 입력하세요</a:t>
-            </a:r>
-          </a:p>
-        </p:txBody>
-      </p:sp>
-      <p:sp>
-        <p:nvSpPr>
-          <p:cNvPr id="13" name="TextBox 12">
-            <a:extLst>
-              <a:ext uri="{FF2B5EF4-FFF2-40B4-BE49-F238E27FC236}">
-                <a16:creationId xmlns:a16="http://schemas.microsoft.com/office/drawing/2014/main" id="{6DFC0157-E689-4531-AA99-36A16E526E14}"/>
-              </a:ext>
-            </a:extLst>
-          </p:cNvPr>
-          <p:cNvSpPr txBox="1"/>
-          <p:nvPr/>
-        </p:nvSpPr>
-        <p:spPr>
-          <a:xfrm>
-            <a:off x="4405746" y="714118"/>
-            <a:ext cx="2169621" cy="307777"/>
-          </a:xfrm>
-          <a:prstGeom prst="rect">
-            <a:avLst/>
-          </a:prstGeom>
-          <a:noFill/>
-        </p:spPr>
-        <p:txBody>
-          <a:bodyPr wrap="square" rtlCol="0">
-            <a:spAutoFit/>
-          </a:bodyPr>
-          <a:lstStyle/>
-          <a:p>
-            <a:r>
-              <a:rPr lang="ko-KR" altLang="en-US" sz="1400">
-                <a:latin typeface="여기어때 잘난체 2" panose="00000500000000000000" pitchFamily="50" charset="-127"/>
-                <a:ea typeface="여기어때 잘난체 2" panose="00000500000000000000" pitchFamily="50" charset="-127"/>
-              </a:rPr>
-              <a:t>내용을 입력하세요</a:t>
-            </a:r>
-          </a:p>
-        </p:txBody>
-      </p:sp>
-      <p:grpSp>
-        <p:nvGrpSpPr>
-          <p:cNvPr id="14" name="그룹 13">
-            <a:extLst>
-              <a:ext uri="{FF2B5EF4-FFF2-40B4-BE49-F238E27FC236}">
-                <a16:creationId xmlns:a16="http://schemas.microsoft.com/office/drawing/2014/main" id="{5657B2ED-45DF-4C22-AD2F-F3291C442969}"/>
-              </a:ext>
-            </a:extLst>
-          </p:cNvPr>
-          <p:cNvGrpSpPr/>
-          <p:nvPr/>
-        </p:nvGrpSpPr>
-        <p:grpSpPr>
-          <a:xfrm>
-            <a:off x="4755725" y="2556345"/>
-            <a:ext cx="6266951" cy="2589793"/>
-            <a:chOff x="4306838" y="2544922"/>
-            <a:chExt cx="7224509" cy="2589793"/>
-          </a:xfrm>
-        </p:grpSpPr>
-        <p:graphicFrame>
-          <p:nvGraphicFramePr>
-            <p:cNvPr id="15" name="차트 14">
-              <a:extLst>
-                <a:ext uri="{FF2B5EF4-FFF2-40B4-BE49-F238E27FC236}">
-                  <a16:creationId xmlns:a16="http://schemas.microsoft.com/office/drawing/2014/main" id="{1D9100CC-6B1A-4A78-AE9F-432F2B51CFC1}"/>
-                </a:ext>
-              </a:extLst>
-            </p:cNvPr>
-            <p:cNvGraphicFramePr/>
-            <p:nvPr>
-              <p:extLst>
-                <p:ext uri="{D42A27DB-BD31-4B8C-83A1-F6EECF244321}">
-                  <p14:modId xmlns:p14="http://schemas.microsoft.com/office/powerpoint/2010/main" val="4230624609"/>
-                </p:ext>
-              </p:extLst>
-            </p:nvPr>
-          </p:nvGraphicFramePr>
-          <p:xfrm>
-            <a:off x="4306838" y="2544922"/>
-            <a:ext cx="7224509" cy="2589793"/>
-          </p:xfrm>
-          <a:graphic>
-            <a:graphicData uri="http://schemas.openxmlformats.org/drawingml/2006/chart">
-              <c:chart xmlns:c="http://schemas.openxmlformats.org/drawingml/2006/chart" xmlns:r="http://schemas.openxmlformats.org/officeDocument/2006/relationships" r:id="rId3"/>
-            </a:graphicData>
-          </a:graphic>
-        </p:graphicFrame>
-        <p:cxnSp>
-          <p:nvCxnSpPr>
-            <p:cNvPr id="16" name="직선 연결선 15">
-              <a:extLst>
-                <a:ext uri="{FF2B5EF4-FFF2-40B4-BE49-F238E27FC236}">
-                  <a16:creationId xmlns:a16="http://schemas.microsoft.com/office/drawing/2014/main" id="{780F1851-DAB1-44B9-B8AA-684BD9345730}"/>
-                </a:ext>
-              </a:extLst>
-            </p:cNvPr>
-            <p:cNvCxnSpPr/>
-            <p:nvPr/>
-          </p:nvCxnSpPr>
-          <p:spPr>
-            <a:xfrm>
-              <a:off x="4889856" y="4989529"/>
-              <a:ext cx="6058473" cy="0"/>
-            </a:xfrm>
-            <a:prstGeom prst="line">
-              <a:avLst/>
-            </a:prstGeom>
-            <a:ln>
-              <a:solidFill>
-                <a:schemeClr val="bg1">
-                  <a:lumMod val="75000"/>
-                </a:schemeClr>
-              </a:solidFill>
-            </a:ln>
-          </p:spPr>
-          <p:style>
-            <a:lnRef idx="1">
-              <a:schemeClr val="accent1"/>
-            </a:lnRef>
-            <a:fillRef idx="0">
-              <a:schemeClr val="accent1"/>
-            </a:fillRef>
-            <a:effectRef idx="0">
-              <a:schemeClr val="accent1"/>
-            </a:effectRef>
-            <a:fontRef idx="minor">
-              <a:schemeClr val="tx1"/>
-            </a:fontRef>
-          </p:style>
-        </p:cxnSp>
-      </p:grpSp>
-      <p:sp>
-        <p:nvSpPr>
-          <p:cNvPr id="19" name="직사각형 18">
-            <a:extLst>
-              <a:ext uri="{FF2B5EF4-FFF2-40B4-BE49-F238E27FC236}">
-                <a16:creationId xmlns:a16="http://schemas.microsoft.com/office/drawing/2014/main" id="{B0654B16-898B-45B0-BE43-9320398433F8}"/>
-              </a:ext>
-            </a:extLst>
-          </p:cNvPr>
-          <p:cNvSpPr/>
-          <p:nvPr/>
-        </p:nvSpPr>
-        <p:spPr>
-          <a:xfrm>
-            <a:off x="5054690" y="6519548"/>
-            <a:ext cx="2082621" cy="200055"/>
-          </a:xfrm>
-          <a:prstGeom prst="rect">
-            <a:avLst/>
-          </a:prstGeom>
-        </p:spPr>
-        <p:txBody>
-          <a:bodyPr wrap="none">
-            <a:spAutoFit/>
-          </a:bodyPr>
-          <a:lstStyle/>
-          <a:p>
-            <a:r>
-              <a:rPr lang="en-US" altLang="ko-KR" sz="700">
-                <a:solidFill>
-                  <a:schemeClr val="bg2">
-                    <a:lumMod val="90000"/>
-                  </a:schemeClr>
-                </a:solidFill>
-              </a:rPr>
-              <a:t>Copyright 2020. hyeo_ongz All rights reserved</a:t>
-            </a:r>
-            <a:endParaRPr lang="ko-KR" altLang="en-US" sz="700">
-              <a:solidFill>
-                <a:schemeClr val="bg2">
-                  <a:lumMod val="90000"/>
-                </a:schemeClr>
-              </a:solidFill>
-            </a:endParaRPr>
-          </a:p>
-        </p:txBody>
-      </p:sp>
-    </p:spTree>
-    <p:extLst>
-      <p:ext uri="{BB962C8B-B14F-4D97-AF65-F5344CB8AC3E}">
-        <p14:creationId xmlns:p14="http://schemas.microsoft.com/office/powerpoint/2010/main" val="1387531746"/>
-      </p:ext>
-    </p:extLst>
-  </p:cSld>
-  <p:clrMapOvr>
-    <a:masterClrMapping/>
-  </p:clrMapOvr>
-  <mc:AlternateContent xmlns:mc="http://schemas.openxmlformats.org/markup-compatibility/2006" xmlns:p14="http://schemas.microsoft.com/office/powerpoint/2010/main">
-    <mc:Choice Requires="p14">
-      <p:transition p14:dur="10"/>
-    </mc:Choice>
-    <mc:Fallback xmlns="">
-      <p:transition/>
-    </mc:Fallback>
-  </mc:AlternateContent>
-</p:sld>
-</file>
-
-<file path=ppt/slides/slide24.xml><?xml version="1.0" encoding="utf-8"?>
-<p:sld xmlns:a="http://schemas.openxmlformats.org/drawingml/2006/main" xmlns:r="http://schemas.openxmlformats.org/officeDocument/2006/relationships" xmlns:p="http://schemas.openxmlformats.org/presentationml/2006/main">
-  <p:cSld>
-    <p:spTree>
-      <p:nvGrpSpPr>
-        <p:cNvPr id="1" name=""/>
-        <p:cNvGrpSpPr/>
-        <p:nvPr/>
-      </p:nvGrpSpPr>
-      <p:grpSpPr>
-        <a:xfrm>
-          <a:off x="0" y="0"/>
-          <a:ext cx="0" cy="0"/>
-          <a:chOff x="0" y="0"/>
-          <a:chExt cx="0" cy="0"/>
-        </a:xfrm>
-      </p:grpSpPr>
-      <p:pic>
-        <p:nvPicPr>
-          <p:cNvPr id="7" name="그림 6">
-            <a:extLst>
-              <a:ext uri="{FF2B5EF4-FFF2-40B4-BE49-F238E27FC236}">
-                <a16:creationId xmlns:a16="http://schemas.microsoft.com/office/drawing/2014/main" id="{DB46D6BC-6483-48A9-97EC-E73B0B35BC37}"/>
-              </a:ext>
-            </a:extLst>
-          </p:cNvPr>
-          <p:cNvPicPr>
-            <a:picLocks noChangeAspect="1"/>
-          </p:cNvPicPr>
-          <p:nvPr/>
-        </p:nvPicPr>
-        <p:blipFill>
-          <a:blip r:embed="rId2">
-            <a:extLst>
-              <a:ext uri="{28A0092B-C50C-407E-A947-70E740481C1C}">
-                <a14:useLocalDpi xmlns:a14="http://schemas.microsoft.com/office/drawing/2010/main" val="0"/>
-              </a:ext>
-            </a:extLst>
-          </a:blip>
-          <a:stretch>
-            <a:fillRect/>
-          </a:stretch>
-        </p:blipFill>
-        <p:spPr>
-          <a:xfrm>
-            <a:off x="440256" y="371137"/>
-            <a:ext cx="540000" cy="540000"/>
-          </a:xfrm>
-          <a:prstGeom prst="rect">
-            <a:avLst/>
-          </a:prstGeom>
-        </p:spPr>
-      </p:pic>
-      <p:cxnSp>
-        <p:nvCxnSpPr>
-          <p:cNvPr id="17" name="직선 연결선 16">
-            <a:extLst>
-              <a:ext uri="{FF2B5EF4-FFF2-40B4-BE49-F238E27FC236}">
-                <a16:creationId xmlns:a16="http://schemas.microsoft.com/office/drawing/2014/main" id="{93C5BFDE-B5BA-4208-8483-84B2E600E2A8}"/>
-              </a:ext>
-            </a:extLst>
-          </p:cNvPr>
-          <p:cNvCxnSpPr>
-            <a:cxnSpLocks/>
-          </p:cNvCxnSpPr>
-          <p:nvPr/>
-        </p:nvCxnSpPr>
-        <p:spPr>
-          <a:xfrm flipH="1">
-            <a:off x="1046889" y="860464"/>
-            <a:ext cx="175082" cy="0"/>
-          </a:xfrm>
-          <a:prstGeom prst="line">
-            <a:avLst/>
-          </a:prstGeom>
-          <a:ln w="19050">
-            <a:solidFill>
-              <a:srgbClr val="317F46"/>
-            </a:solidFill>
-            <a:prstDash val="sysDot"/>
-          </a:ln>
-        </p:spPr>
-        <p:style>
-          <a:lnRef idx="1">
-            <a:schemeClr val="accent1"/>
-          </a:lnRef>
-          <a:fillRef idx="0">
-            <a:schemeClr val="accent1"/>
-          </a:fillRef>
-          <a:effectRef idx="0">
-            <a:schemeClr val="accent1"/>
-          </a:effectRef>
-          <a:fontRef idx="minor">
-            <a:schemeClr val="tx1"/>
-          </a:fontRef>
-        </p:style>
-      </p:cxnSp>
-      <p:grpSp>
-        <p:nvGrpSpPr>
-          <p:cNvPr id="4" name="그룹 3">
-            <a:extLst>
-              <a:ext uri="{FF2B5EF4-FFF2-40B4-BE49-F238E27FC236}">
-                <a16:creationId xmlns:a16="http://schemas.microsoft.com/office/drawing/2014/main" id="{2811D8B0-EF0B-4F1D-A727-067D279C4FFF}"/>
-              </a:ext>
-            </a:extLst>
-          </p:cNvPr>
-          <p:cNvGrpSpPr/>
-          <p:nvPr/>
-        </p:nvGrpSpPr>
-        <p:grpSpPr>
-          <a:xfrm>
-            <a:off x="1293678" y="2098962"/>
-            <a:ext cx="2513551" cy="3196247"/>
-            <a:chOff x="1293678" y="2098962"/>
-            <a:chExt cx="2513551" cy="3196247"/>
-          </a:xfrm>
-        </p:grpSpPr>
-        <p:sp>
-          <p:nvSpPr>
-            <p:cNvPr id="2" name="직사각형 1">
-              <a:extLst>
-                <a:ext uri="{FF2B5EF4-FFF2-40B4-BE49-F238E27FC236}">
-                  <a16:creationId xmlns:a16="http://schemas.microsoft.com/office/drawing/2014/main" id="{6A908FD0-ACAD-46CD-969B-E67BD3A09FE0}"/>
-                </a:ext>
-              </a:extLst>
-            </p:cNvPr>
-            <p:cNvSpPr/>
-            <p:nvPr/>
-          </p:nvSpPr>
-          <p:spPr>
-            <a:xfrm>
-              <a:off x="1293678" y="2098962"/>
-              <a:ext cx="2513551" cy="752303"/>
-            </a:xfrm>
-            <a:prstGeom prst="rect">
-              <a:avLst/>
-            </a:prstGeom>
-            <a:pattFill prst="lgGrid">
-              <a:fgClr>
-                <a:schemeClr val="bg1">
-                  <a:lumMod val="95000"/>
-                </a:schemeClr>
-              </a:fgClr>
-              <a:bgClr>
-                <a:schemeClr val="bg1"/>
-              </a:bgClr>
-            </a:pattFill>
-            <a:ln w="6350">
-              <a:solidFill>
-                <a:schemeClr val="accent3"/>
-              </a:solidFill>
-            </a:ln>
-          </p:spPr>
-          <p:style>
-            <a:lnRef idx="2">
-              <a:schemeClr val="accent1">
-                <a:shade val="50000"/>
-              </a:schemeClr>
-            </a:lnRef>
-            <a:fillRef idx="1">
-              <a:schemeClr val="accent1"/>
-            </a:fillRef>
-            <a:effectRef idx="0">
-              <a:schemeClr val="accent1"/>
-            </a:effectRef>
-            <a:fontRef idx="minor">
-              <a:schemeClr val="lt1"/>
-            </a:fontRef>
-          </p:style>
-          <p:txBody>
-            <a:bodyPr rtlCol="0" anchor="ctr"/>
-            <a:lstStyle/>
-            <a:p>
-              <a:r>
-                <a:rPr lang="en-US" altLang="ko-KR" sz="2800" b="1">
-                  <a:solidFill>
-                    <a:srgbClr val="79AB03"/>
-                  </a:solidFill>
-                  <a:latin typeface="여기어때 잘난체 2" panose="00000500000000000000" pitchFamily="50" charset="-127"/>
-                  <a:ea typeface="여기어때 잘난체 2" panose="00000500000000000000" pitchFamily="50" charset="-127"/>
-                </a:rPr>
-                <a:t> </a:t>
-              </a:r>
-              <a:r>
-                <a:rPr lang="en-US" altLang="ko-KR" sz="2800">
-                  <a:solidFill>
-                    <a:srgbClr val="79AB03"/>
-                  </a:solidFill>
-                  <a:latin typeface="여기어때 잘난체 2" panose="00000500000000000000" pitchFamily="50" charset="-127"/>
-                  <a:ea typeface="여기어때 잘난체 2" panose="00000500000000000000" pitchFamily="50" charset="-127"/>
-                </a:rPr>
-                <a:t>01</a:t>
-              </a:r>
-              <a:r>
-                <a:rPr lang="en-US" altLang="ko-KR">
-                  <a:solidFill>
-                    <a:srgbClr val="79AB03"/>
-                  </a:solidFill>
-                  <a:latin typeface="여기어때 잘난체 2" panose="00000500000000000000" pitchFamily="50" charset="-127"/>
-                  <a:ea typeface="여기어때 잘난체 2" panose="00000500000000000000" pitchFamily="50" charset="-127"/>
-                </a:rPr>
-                <a:t> </a:t>
-              </a:r>
-              <a:r>
-                <a:rPr lang="en-US" altLang="ko-KR" sz="2000">
-                  <a:solidFill>
-                    <a:schemeClr val="bg1">
-                      <a:lumMod val="50000"/>
-                    </a:schemeClr>
-                  </a:solidFill>
-                  <a:latin typeface="여기어때 잘난체 2" panose="00000500000000000000" pitchFamily="50" charset="-127"/>
-                  <a:ea typeface="여기어때 잘난체 2" panose="00000500000000000000" pitchFamily="50" charset="-127"/>
-                </a:rPr>
-                <a:t>Text</a:t>
-              </a:r>
-              <a:endParaRPr lang="ko-KR" altLang="en-US">
-                <a:solidFill>
-                  <a:schemeClr val="bg1">
-                    <a:lumMod val="50000"/>
-                  </a:schemeClr>
-                </a:solidFill>
-                <a:latin typeface="여기어때 잘난체 2" panose="00000500000000000000" pitchFamily="50" charset="-127"/>
-                <a:ea typeface="여기어때 잘난체 2" panose="00000500000000000000" pitchFamily="50" charset="-127"/>
-              </a:endParaRPr>
-            </a:p>
-          </p:txBody>
-        </p:sp>
-        <p:sp>
-          <p:nvSpPr>
-            <p:cNvPr id="15" name="직사각형 14">
-              <a:extLst>
-                <a:ext uri="{FF2B5EF4-FFF2-40B4-BE49-F238E27FC236}">
-                  <a16:creationId xmlns:a16="http://schemas.microsoft.com/office/drawing/2014/main" id="{739C21EF-0045-4849-A941-CDA46165DD48}"/>
-                </a:ext>
-              </a:extLst>
-            </p:cNvPr>
-            <p:cNvSpPr/>
-            <p:nvPr/>
-          </p:nvSpPr>
-          <p:spPr>
-            <a:xfrm>
-              <a:off x="1293678" y="2909456"/>
-              <a:ext cx="2513551" cy="2385753"/>
-            </a:xfrm>
-            <a:prstGeom prst="rect">
-              <a:avLst/>
-            </a:prstGeom>
-            <a:solidFill>
-              <a:schemeClr val="bg1">
-                <a:lumMod val="95000"/>
-              </a:schemeClr>
-            </a:solidFill>
-            <a:ln w="6350">
-              <a:solidFill>
-                <a:schemeClr val="accent3"/>
-              </a:solidFill>
-            </a:ln>
-          </p:spPr>
-          <p:style>
-            <a:lnRef idx="2">
-              <a:schemeClr val="accent1">
-                <a:shade val="50000"/>
-              </a:schemeClr>
-            </a:lnRef>
-            <a:fillRef idx="1">
-              <a:schemeClr val="accent1"/>
-            </a:fillRef>
-            <a:effectRef idx="0">
-              <a:schemeClr val="accent1"/>
-            </a:effectRef>
-            <a:fontRef idx="minor">
-              <a:schemeClr val="lt1"/>
-            </a:fontRef>
-          </p:style>
-          <p:txBody>
-            <a:bodyPr rtlCol="0" anchor="ctr"/>
-            <a:lstStyle/>
-            <a:p>
-              <a:pPr algn="ctr"/>
-              <a:r>
-                <a:rPr lang="ko-KR" altLang="en-US">
-                  <a:solidFill>
-                    <a:schemeClr val="bg1">
-                      <a:lumMod val="50000"/>
-                    </a:schemeClr>
-                  </a:solidFill>
-                  <a:latin typeface="여기어때 잘난체 2" panose="00000500000000000000" pitchFamily="50" charset="-127"/>
-                  <a:ea typeface="여기어때 잘난체 2" panose="00000500000000000000" pitchFamily="50" charset="-127"/>
-                </a:rPr>
-                <a:t>내용을 입력하세요</a:t>
-              </a:r>
-            </a:p>
-          </p:txBody>
-        </p:sp>
-      </p:grpSp>
-      <p:grpSp>
-        <p:nvGrpSpPr>
-          <p:cNvPr id="5" name="그룹 4">
-            <a:extLst>
-              <a:ext uri="{FF2B5EF4-FFF2-40B4-BE49-F238E27FC236}">
-                <a16:creationId xmlns:a16="http://schemas.microsoft.com/office/drawing/2014/main" id="{5E283BF9-7346-4B0E-9A58-0A9AE4E4067D}"/>
-              </a:ext>
-            </a:extLst>
-          </p:cNvPr>
-          <p:cNvGrpSpPr/>
-          <p:nvPr/>
-        </p:nvGrpSpPr>
-        <p:grpSpPr>
-          <a:xfrm>
-            <a:off x="4839224" y="2098962"/>
-            <a:ext cx="2513551" cy="3196247"/>
-            <a:chOff x="4839224" y="2098962"/>
-            <a:chExt cx="2513551" cy="3196247"/>
-          </a:xfrm>
-        </p:grpSpPr>
-        <p:sp>
-          <p:nvSpPr>
-            <p:cNvPr id="13" name="직사각형 12">
-              <a:extLst>
-                <a:ext uri="{FF2B5EF4-FFF2-40B4-BE49-F238E27FC236}">
-                  <a16:creationId xmlns:a16="http://schemas.microsoft.com/office/drawing/2014/main" id="{10C7AEE9-2D8A-4E29-812B-254618D40443}"/>
-                </a:ext>
-              </a:extLst>
-            </p:cNvPr>
-            <p:cNvSpPr/>
-            <p:nvPr/>
-          </p:nvSpPr>
-          <p:spPr>
-            <a:xfrm>
-              <a:off x="4839224" y="2098962"/>
-              <a:ext cx="2513551" cy="752303"/>
-            </a:xfrm>
-            <a:prstGeom prst="rect">
-              <a:avLst/>
-            </a:prstGeom>
-            <a:pattFill prst="lgGrid">
-              <a:fgClr>
-                <a:schemeClr val="bg1">
-                  <a:lumMod val="95000"/>
-                </a:schemeClr>
-              </a:fgClr>
-              <a:bgClr>
-                <a:schemeClr val="bg1"/>
-              </a:bgClr>
-            </a:pattFill>
-            <a:ln w="6350">
-              <a:solidFill>
-                <a:schemeClr val="accent3"/>
-              </a:solidFill>
-            </a:ln>
-          </p:spPr>
-          <p:style>
-            <a:lnRef idx="2">
-              <a:schemeClr val="accent1">
-                <a:shade val="50000"/>
-              </a:schemeClr>
-            </a:lnRef>
-            <a:fillRef idx="1">
-              <a:schemeClr val="accent1"/>
-            </a:fillRef>
-            <a:effectRef idx="0">
-              <a:schemeClr val="accent1"/>
-            </a:effectRef>
-            <a:fontRef idx="minor">
-              <a:schemeClr val="lt1"/>
-            </a:fontRef>
-          </p:style>
-          <p:txBody>
-            <a:bodyPr rtlCol="0" anchor="ctr"/>
-            <a:lstStyle/>
-            <a:p>
-              <a:r>
-                <a:rPr lang="en-US" altLang="ko-KR" sz="2800" b="1">
-                  <a:solidFill>
-                    <a:srgbClr val="79AB03"/>
-                  </a:solidFill>
-                  <a:latin typeface="여기어때 잘난체 2" panose="00000500000000000000" pitchFamily="50" charset="-127"/>
-                  <a:ea typeface="여기어때 잘난체 2" panose="00000500000000000000" pitchFamily="50" charset="-127"/>
-                </a:rPr>
-                <a:t> </a:t>
-              </a:r>
-              <a:r>
-                <a:rPr lang="en-US" altLang="ko-KR" sz="2800">
-                  <a:solidFill>
-                    <a:srgbClr val="79AB03"/>
-                  </a:solidFill>
-                  <a:latin typeface="여기어때 잘난체 2" panose="00000500000000000000" pitchFamily="50" charset="-127"/>
-                  <a:ea typeface="여기어때 잘난체 2" panose="00000500000000000000" pitchFamily="50" charset="-127"/>
-                </a:rPr>
-                <a:t>02</a:t>
-              </a:r>
-              <a:r>
-                <a:rPr lang="en-US" altLang="ko-KR">
-                  <a:solidFill>
-                    <a:srgbClr val="79AB03"/>
-                  </a:solidFill>
-                  <a:latin typeface="여기어때 잘난체 2" panose="00000500000000000000" pitchFamily="50" charset="-127"/>
-                  <a:ea typeface="여기어때 잘난체 2" panose="00000500000000000000" pitchFamily="50" charset="-127"/>
-                </a:rPr>
-                <a:t> </a:t>
-              </a:r>
-              <a:r>
-                <a:rPr lang="en-US" altLang="ko-KR" sz="2000">
-                  <a:solidFill>
-                    <a:schemeClr val="bg1">
-                      <a:lumMod val="50000"/>
-                    </a:schemeClr>
-                  </a:solidFill>
-                  <a:latin typeface="여기어때 잘난체 2" panose="00000500000000000000" pitchFamily="50" charset="-127"/>
-                  <a:ea typeface="여기어때 잘난체 2" panose="00000500000000000000" pitchFamily="50" charset="-127"/>
-                </a:rPr>
-                <a:t>Text</a:t>
-              </a:r>
-              <a:endParaRPr lang="ko-KR" altLang="en-US">
-                <a:solidFill>
-                  <a:schemeClr val="bg1">
-                    <a:lumMod val="50000"/>
-                  </a:schemeClr>
-                </a:solidFill>
-                <a:latin typeface="여기어때 잘난체 2" panose="00000500000000000000" pitchFamily="50" charset="-127"/>
-                <a:ea typeface="여기어때 잘난체 2" panose="00000500000000000000" pitchFamily="50" charset="-127"/>
-              </a:endParaRPr>
-            </a:p>
-          </p:txBody>
-        </p:sp>
-        <p:sp>
-          <p:nvSpPr>
-            <p:cNvPr id="16" name="직사각형 15">
-              <a:extLst>
-                <a:ext uri="{FF2B5EF4-FFF2-40B4-BE49-F238E27FC236}">
-                  <a16:creationId xmlns:a16="http://schemas.microsoft.com/office/drawing/2014/main" id="{F6CF64CA-0545-4707-AB3D-8F5B3A64A783}"/>
-                </a:ext>
-              </a:extLst>
-            </p:cNvPr>
-            <p:cNvSpPr/>
-            <p:nvPr/>
-          </p:nvSpPr>
-          <p:spPr>
-            <a:xfrm>
-              <a:off x="4839224" y="2909456"/>
-              <a:ext cx="2513551" cy="2385753"/>
-            </a:xfrm>
-            <a:prstGeom prst="rect">
-              <a:avLst/>
-            </a:prstGeom>
-            <a:solidFill>
-              <a:schemeClr val="bg1">
-                <a:lumMod val="95000"/>
-              </a:schemeClr>
-            </a:solidFill>
-            <a:ln w="6350">
-              <a:solidFill>
-                <a:schemeClr val="accent3"/>
-              </a:solidFill>
-            </a:ln>
-          </p:spPr>
-          <p:style>
-            <a:lnRef idx="2">
-              <a:schemeClr val="accent1">
-                <a:shade val="50000"/>
-              </a:schemeClr>
-            </a:lnRef>
-            <a:fillRef idx="1">
-              <a:schemeClr val="accent1"/>
-            </a:fillRef>
-            <a:effectRef idx="0">
-              <a:schemeClr val="accent1"/>
-            </a:effectRef>
-            <a:fontRef idx="minor">
-              <a:schemeClr val="lt1"/>
-            </a:fontRef>
-          </p:style>
-          <p:txBody>
-            <a:bodyPr rtlCol="0" anchor="ctr"/>
-            <a:lstStyle/>
-            <a:p>
-              <a:pPr algn="ctr"/>
-              <a:r>
-                <a:rPr lang="ko-KR" altLang="en-US">
-                  <a:solidFill>
-                    <a:schemeClr val="bg1">
-                      <a:lumMod val="50000"/>
-                    </a:schemeClr>
-                  </a:solidFill>
-                  <a:latin typeface="여기어때 잘난체 2" panose="00000500000000000000" pitchFamily="50" charset="-127"/>
-                  <a:ea typeface="여기어때 잘난체 2" panose="00000500000000000000" pitchFamily="50" charset="-127"/>
-                </a:rPr>
-                <a:t>내용을 입력하세요</a:t>
-              </a:r>
-            </a:p>
-          </p:txBody>
-        </p:sp>
-      </p:grpSp>
-      <p:grpSp>
-        <p:nvGrpSpPr>
-          <p:cNvPr id="6" name="그룹 5">
-            <a:extLst>
-              <a:ext uri="{FF2B5EF4-FFF2-40B4-BE49-F238E27FC236}">
-                <a16:creationId xmlns:a16="http://schemas.microsoft.com/office/drawing/2014/main" id="{E9C9B58C-6595-4FF6-92D1-813471C2BDEF}"/>
-              </a:ext>
-            </a:extLst>
-          </p:cNvPr>
-          <p:cNvGrpSpPr/>
-          <p:nvPr/>
-        </p:nvGrpSpPr>
-        <p:grpSpPr>
-          <a:xfrm>
-            <a:off x="8384769" y="2098962"/>
-            <a:ext cx="2513552" cy="3196247"/>
-            <a:chOff x="8384769" y="2098962"/>
-            <a:chExt cx="2513552" cy="3196247"/>
-          </a:xfrm>
-        </p:grpSpPr>
-        <p:sp>
-          <p:nvSpPr>
-            <p:cNvPr id="14" name="직사각형 13">
-              <a:extLst>
-                <a:ext uri="{FF2B5EF4-FFF2-40B4-BE49-F238E27FC236}">
-                  <a16:creationId xmlns:a16="http://schemas.microsoft.com/office/drawing/2014/main" id="{0F18F36A-B04C-40DC-AADE-063FD855E22F}"/>
-                </a:ext>
-              </a:extLst>
-            </p:cNvPr>
-            <p:cNvSpPr/>
-            <p:nvPr/>
-          </p:nvSpPr>
-          <p:spPr>
-            <a:xfrm>
-              <a:off x="8384770" y="2098962"/>
-              <a:ext cx="2513551" cy="752303"/>
-            </a:xfrm>
-            <a:prstGeom prst="rect">
-              <a:avLst/>
-            </a:prstGeom>
-            <a:pattFill prst="lgGrid">
-              <a:fgClr>
-                <a:schemeClr val="bg1">
-                  <a:lumMod val="95000"/>
-                </a:schemeClr>
-              </a:fgClr>
-              <a:bgClr>
-                <a:schemeClr val="bg1"/>
-              </a:bgClr>
-            </a:pattFill>
-            <a:ln w="6350">
-              <a:solidFill>
-                <a:schemeClr val="accent3"/>
-              </a:solidFill>
-            </a:ln>
-          </p:spPr>
-          <p:style>
-            <a:lnRef idx="2">
-              <a:schemeClr val="accent1">
-                <a:shade val="50000"/>
-              </a:schemeClr>
-            </a:lnRef>
-            <a:fillRef idx="1">
-              <a:schemeClr val="accent1"/>
-            </a:fillRef>
-            <a:effectRef idx="0">
-              <a:schemeClr val="accent1"/>
-            </a:effectRef>
-            <a:fontRef idx="minor">
-              <a:schemeClr val="lt1"/>
-            </a:fontRef>
-          </p:style>
-          <p:txBody>
-            <a:bodyPr rtlCol="0" anchor="ctr"/>
-            <a:lstStyle/>
-            <a:p>
-              <a:r>
-                <a:rPr lang="en-US" altLang="ko-KR" sz="2800" b="1">
-                  <a:solidFill>
-                    <a:srgbClr val="79AB03"/>
-                  </a:solidFill>
-                  <a:latin typeface="여기어때 잘난체 2" panose="00000500000000000000" pitchFamily="50" charset="-127"/>
-                  <a:ea typeface="여기어때 잘난체 2" panose="00000500000000000000" pitchFamily="50" charset="-127"/>
-                </a:rPr>
-                <a:t> </a:t>
-              </a:r>
-              <a:r>
-                <a:rPr lang="en-US" altLang="ko-KR" sz="2800">
-                  <a:solidFill>
-                    <a:srgbClr val="79AB03"/>
-                  </a:solidFill>
-                  <a:latin typeface="여기어때 잘난체 2" panose="00000500000000000000" pitchFamily="50" charset="-127"/>
-                  <a:ea typeface="여기어때 잘난체 2" panose="00000500000000000000" pitchFamily="50" charset="-127"/>
-                </a:rPr>
-                <a:t>03</a:t>
-              </a:r>
-              <a:r>
-                <a:rPr lang="en-US" altLang="ko-KR">
-                  <a:latin typeface="여기어때 잘난체 2" panose="00000500000000000000" pitchFamily="50" charset="-127"/>
-                  <a:ea typeface="여기어때 잘난체 2" panose="00000500000000000000" pitchFamily="50" charset="-127"/>
-                </a:rPr>
-                <a:t> </a:t>
-              </a:r>
-              <a:r>
-                <a:rPr lang="en-US" altLang="ko-KR" sz="2000">
-                  <a:solidFill>
-                    <a:schemeClr val="bg1">
-                      <a:lumMod val="50000"/>
-                    </a:schemeClr>
-                  </a:solidFill>
-                  <a:latin typeface="여기어때 잘난체 2" panose="00000500000000000000" pitchFamily="50" charset="-127"/>
-                  <a:ea typeface="여기어때 잘난체 2" panose="00000500000000000000" pitchFamily="50" charset="-127"/>
-                </a:rPr>
-                <a:t>Text</a:t>
-              </a:r>
-              <a:endParaRPr lang="ko-KR" altLang="en-US">
-                <a:solidFill>
-                  <a:schemeClr val="bg1">
-                    <a:lumMod val="50000"/>
-                  </a:schemeClr>
-                </a:solidFill>
-                <a:latin typeface="여기어때 잘난체 2" panose="00000500000000000000" pitchFamily="50" charset="-127"/>
-                <a:ea typeface="여기어때 잘난체 2" panose="00000500000000000000" pitchFamily="50" charset="-127"/>
-              </a:endParaRPr>
-            </a:p>
-          </p:txBody>
-        </p:sp>
-        <p:sp>
-          <p:nvSpPr>
-            <p:cNvPr id="18" name="직사각형 17">
-              <a:extLst>
-                <a:ext uri="{FF2B5EF4-FFF2-40B4-BE49-F238E27FC236}">
-                  <a16:creationId xmlns:a16="http://schemas.microsoft.com/office/drawing/2014/main" id="{090508A1-7ADE-4545-A005-4B07715137CE}"/>
-                </a:ext>
-              </a:extLst>
-            </p:cNvPr>
-            <p:cNvSpPr/>
-            <p:nvPr/>
-          </p:nvSpPr>
-          <p:spPr>
-            <a:xfrm>
-              <a:off x="8384769" y="2909456"/>
-              <a:ext cx="2513551" cy="2385753"/>
-            </a:xfrm>
-            <a:prstGeom prst="rect">
-              <a:avLst/>
-            </a:prstGeom>
-            <a:solidFill>
-              <a:schemeClr val="bg1">
-                <a:lumMod val="95000"/>
-              </a:schemeClr>
-            </a:solidFill>
-            <a:ln w="6350">
-              <a:solidFill>
-                <a:schemeClr val="accent3"/>
-              </a:solidFill>
-            </a:ln>
-          </p:spPr>
-          <p:style>
-            <a:lnRef idx="2">
-              <a:schemeClr val="accent1">
-                <a:shade val="50000"/>
-              </a:schemeClr>
-            </a:lnRef>
-            <a:fillRef idx="1">
-              <a:schemeClr val="accent1"/>
-            </a:fillRef>
-            <a:effectRef idx="0">
-              <a:schemeClr val="accent1"/>
-            </a:effectRef>
-            <a:fontRef idx="minor">
-              <a:schemeClr val="lt1"/>
-            </a:fontRef>
-          </p:style>
-          <p:txBody>
-            <a:bodyPr rtlCol="0" anchor="ctr"/>
-            <a:lstStyle/>
-            <a:p>
-              <a:pPr algn="ctr"/>
-              <a:r>
-                <a:rPr lang="ko-KR" altLang="en-US">
-                  <a:solidFill>
-                    <a:schemeClr val="bg1">
-                      <a:lumMod val="50000"/>
-                    </a:schemeClr>
-                  </a:solidFill>
-                  <a:latin typeface="여기어때 잘난체 2" panose="00000500000000000000" pitchFamily="50" charset="-127"/>
-                  <a:ea typeface="여기어때 잘난체 2" panose="00000500000000000000" pitchFamily="50" charset="-127"/>
-                </a:rPr>
-                <a:t>내용을 입력하세요</a:t>
-              </a:r>
-            </a:p>
-          </p:txBody>
-        </p:sp>
-      </p:grpSp>
-      <p:sp>
-        <p:nvSpPr>
-          <p:cNvPr id="22" name="TextBox 21">
-            <a:extLst>
-              <a:ext uri="{FF2B5EF4-FFF2-40B4-BE49-F238E27FC236}">
-                <a16:creationId xmlns:a16="http://schemas.microsoft.com/office/drawing/2014/main" id="{BD57AC35-1991-4CBF-A07A-A980900B2BED}"/>
-              </a:ext>
-            </a:extLst>
-          </p:cNvPr>
-          <p:cNvSpPr txBox="1"/>
-          <p:nvPr/>
-        </p:nvSpPr>
-        <p:spPr>
-          <a:xfrm>
-            <a:off x="1221971" y="281527"/>
-            <a:ext cx="1238596" cy="977191"/>
-          </a:xfrm>
-          <a:prstGeom prst="rect">
-            <a:avLst/>
-          </a:prstGeom>
-          <a:noFill/>
-        </p:spPr>
-        <p:txBody>
-          <a:bodyPr wrap="square" rtlCol="0">
-            <a:spAutoFit/>
-          </a:bodyPr>
-          <a:lstStyle/>
-          <a:p>
-            <a:pPr algn="ctr">
-              <a:lnSpc>
-                <a:spcPct val="150000"/>
-              </a:lnSpc>
-            </a:pPr>
-            <a:r>
-              <a:rPr lang="en-US" altLang="ko-KR" sz="2000">
-                <a:latin typeface="여기어때 잘난체 2" panose="00000500000000000000" pitchFamily="50" charset="-127"/>
-                <a:ea typeface="여기어때 잘난체 2" panose="00000500000000000000" pitchFamily="50" charset="-127"/>
-              </a:rPr>
-              <a:t>PPT </a:t>
-            </a:r>
-            <a:r>
-              <a:rPr lang="ko-KR" altLang="en-US" sz="2000">
-                <a:latin typeface="여기어때 잘난체 2" panose="00000500000000000000" pitchFamily="50" charset="-127"/>
-                <a:ea typeface="여기어때 잘난체 2" panose="00000500000000000000" pitchFamily="50" charset="-127"/>
-              </a:rPr>
-              <a:t>제목</a:t>
-            </a:r>
-          </a:p>
-        </p:txBody>
-      </p:sp>
-      <p:sp>
-        <p:nvSpPr>
-          <p:cNvPr id="23" name="TextBox 22">
-            <a:extLst>
-              <a:ext uri="{FF2B5EF4-FFF2-40B4-BE49-F238E27FC236}">
-                <a16:creationId xmlns:a16="http://schemas.microsoft.com/office/drawing/2014/main" id="{7C5072FC-67C0-4985-ABD0-A5EF51CC37F1}"/>
-              </a:ext>
-            </a:extLst>
-          </p:cNvPr>
-          <p:cNvSpPr txBox="1"/>
-          <p:nvPr/>
-        </p:nvSpPr>
-        <p:spPr>
-          <a:xfrm>
-            <a:off x="1263536" y="687343"/>
-            <a:ext cx="1608133" cy="253916"/>
-          </a:xfrm>
-          <a:prstGeom prst="rect">
-            <a:avLst/>
-          </a:prstGeom>
-          <a:noFill/>
-        </p:spPr>
-        <p:txBody>
-          <a:bodyPr wrap="none" rtlCol="0">
-            <a:spAutoFit/>
-          </a:bodyPr>
-          <a:lstStyle/>
-          <a:p>
-            <a:r>
-              <a:rPr lang="ko-KR" altLang="en-US" sz="1050">
-                <a:latin typeface="여기어때 잘난체 2" panose="00000500000000000000" pitchFamily="50" charset="-127"/>
-                <a:ea typeface="여기어때 잘난체 2" panose="00000500000000000000" pitchFamily="50" charset="-127"/>
-              </a:rPr>
-              <a:t>해당 목차를 입력하세요</a:t>
-            </a:r>
-          </a:p>
-        </p:txBody>
-      </p:sp>
-      <p:sp>
-        <p:nvSpPr>
-          <p:cNvPr id="20" name="직사각형 19">
-            <a:extLst>
-              <a:ext uri="{FF2B5EF4-FFF2-40B4-BE49-F238E27FC236}">
-                <a16:creationId xmlns:a16="http://schemas.microsoft.com/office/drawing/2014/main" id="{63DB9EE0-3C40-49B0-8BC4-35B99E8CE787}"/>
-              </a:ext>
-            </a:extLst>
-          </p:cNvPr>
-          <p:cNvSpPr/>
-          <p:nvPr/>
-        </p:nvSpPr>
-        <p:spPr>
-          <a:xfrm>
-            <a:off x="5054690" y="6519548"/>
-            <a:ext cx="2082621" cy="200055"/>
-          </a:xfrm>
-          <a:prstGeom prst="rect">
-            <a:avLst/>
-          </a:prstGeom>
-        </p:spPr>
-        <p:txBody>
-          <a:bodyPr wrap="none">
-            <a:spAutoFit/>
-          </a:bodyPr>
-          <a:lstStyle/>
-          <a:p>
-            <a:r>
-              <a:rPr lang="en-US" altLang="ko-KR" sz="700">
-                <a:solidFill>
-                  <a:schemeClr val="bg2">
-                    <a:lumMod val="90000"/>
-                  </a:schemeClr>
-                </a:solidFill>
-              </a:rPr>
-              <a:t>Copyright 2020. hyeo_ongz All rights reserved</a:t>
-            </a:r>
-            <a:endParaRPr lang="ko-KR" altLang="en-US" sz="700">
-              <a:solidFill>
-                <a:schemeClr val="bg2">
-                  <a:lumMod val="90000"/>
-                </a:schemeClr>
-              </a:solidFill>
-            </a:endParaRPr>
-          </a:p>
-        </p:txBody>
-      </p:sp>
-    </p:spTree>
-    <p:extLst>
-      <p:ext uri="{BB962C8B-B14F-4D97-AF65-F5344CB8AC3E}">
-        <p14:creationId xmlns:p14="http://schemas.microsoft.com/office/powerpoint/2010/main" val="827738213"/>
-      </p:ext>
-    </p:extLst>
-  </p:cSld>
-  <p:clrMapOvr>
-    <a:masterClrMapping/>
-  </p:clrMapOvr>
-  <mc:AlternateContent xmlns:mc="http://schemas.openxmlformats.org/markup-compatibility/2006" xmlns:p14="http://schemas.microsoft.com/office/powerpoint/2010/main">
-    <mc:Choice Requires="p14">
-      <p:transition p14:dur="10"/>
-    </mc:Choice>
-    <mc:Fallback xmlns="">
-      <p:transition/>
-    </mc:Fallback>
-  </mc:AlternateContent>
-</p:sld>
-</file>
-
-<file path=ppt/slides/slide25.xml><?xml version="1.0" encoding="utf-8"?>
-<p:sld xmlns:a="http://schemas.openxmlformats.org/drawingml/2006/main" xmlns:r="http://schemas.openxmlformats.org/officeDocument/2006/relationships" xmlns:p="http://schemas.openxmlformats.org/presentationml/2006/main">
-  <p:cSld>
-    <p:spTree>
-      <p:nvGrpSpPr>
-        <p:cNvPr id="1" name=""/>
-        <p:cNvGrpSpPr/>
-        <p:nvPr/>
-      </p:nvGrpSpPr>
-      <p:grpSpPr>
-        <a:xfrm>
-          <a:off x="0" y="0"/>
-          <a:ext cx="0" cy="0"/>
-          <a:chOff x="0" y="0"/>
-          <a:chExt cx="0" cy="0"/>
-        </a:xfrm>
-      </p:grpSpPr>
-      <p:pic>
-        <p:nvPicPr>
-          <p:cNvPr id="7" name="그림 6">
-            <a:extLst>
-              <a:ext uri="{FF2B5EF4-FFF2-40B4-BE49-F238E27FC236}">
-                <a16:creationId xmlns:a16="http://schemas.microsoft.com/office/drawing/2014/main" id="{DB46D6BC-6483-48A9-97EC-E73B0B35BC37}"/>
-              </a:ext>
-            </a:extLst>
-          </p:cNvPr>
-          <p:cNvPicPr>
-            <a:picLocks noChangeAspect="1"/>
-          </p:cNvPicPr>
-          <p:nvPr/>
-        </p:nvPicPr>
-        <p:blipFill>
-          <a:blip r:embed="rId2">
-            <a:extLst>
-              <a:ext uri="{28A0092B-C50C-407E-A947-70E740481C1C}">
-                <a14:useLocalDpi xmlns:a14="http://schemas.microsoft.com/office/drawing/2010/main" val="0"/>
-              </a:ext>
-            </a:extLst>
-          </a:blip>
-          <a:stretch>
-            <a:fillRect/>
-          </a:stretch>
-        </p:blipFill>
-        <p:spPr>
-          <a:xfrm>
-            <a:off x="5826000" y="2277991"/>
-            <a:ext cx="540000" cy="540000"/>
-          </a:xfrm>
-          <a:prstGeom prst="rect">
-            <a:avLst/>
-          </a:prstGeom>
-        </p:spPr>
-      </p:pic>
-      <p:sp>
-        <p:nvSpPr>
-          <p:cNvPr id="8" name="TextBox 7">
-            <a:extLst>
-              <a:ext uri="{FF2B5EF4-FFF2-40B4-BE49-F238E27FC236}">
-                <a16:creationId xmlns:a16="http://schemas.microsoft.com/office/drawing/2014/main" id="{B9249204-3A16-4822-9DF9-BA1FDB31E467}"/>
-              </a:ext>
-            </a:extLst>
-          </p:cNvPr>
-          <p:cNvSpPr txBox="1"/>
-          <p:nvPr/>
-        </p:nvSpPr>
-        <p:spPr>
-          <a:xfrm>
-            <a:off x="4242486" y="3110416"/>
-            <a:ext cx="3707027" cy="591765"/>
-          </a:xfrm>
-          <a:prstGeom prst="rect">
-            <a:avLst/>
-          </a:prstGeom>
-          <a:noFill/>
-        </p:spPr>
-        <p:txBody>
-          <a:bodyPr wrap="square" rtlCol="0">
-            <a:spAutoFit/>
-          </a:bodyPr>
-          <a:lstStyle/>
-          <a:p>
-            <a:pPr algn="ctr">
-              <a:lnSpc>
-                <a:spcPct val="150000"/>
-              </a:lnSpc>
-            </a:pPr>
-            <a:r>
-              <a:rPr lang="en-US" altLang="ko-KR" sz="2400">
-                <a:latin typeface="KoPub돋움체 Medium" panose="02020603020101020101" pitchFamily="18" charset="-127"/>
-                <a:ea typeface="KoPub돋움체 Medium" panose="02020603020101020101" pitchFamily="18" charset="-127"/>
+              <a:rPr lang="en-US" altLang="ko-KR" sz="2400" dirty="0">
+                <a:latin typeface="여기어때 잘난체 2" panose="00000500000000000000" pitchFamily="50" charset="-127"/>
+                <a:ea typeface="여기어때 잘난체 2" panose="00000500000000000000" pitchFamily="50" charset="-127"/>
               </a:rPr>
               <a:t>Thank you : )</a:t>
             </a:r>
-            <a:endParaRPr lang="ko-KR" altLang="en-US" sz="2400">
-              <a:latin typeface="KoPub돋움체 Medium" panose="02020603020101020101" pitchFamily="18" charset="-127"/>
-              <a:ea typeface="KoPub돋움체 Medium" panose="02020603020101020101" pitchFamily="18" charset="-127"/>
-            </a:endParaRPr>
-          </a:p>
-        </p:txBody>
-      </p:sp>
-      <p:sp>
-        <p:nvSpPr>
-          <p:cNvPr id="13" name="TextBox 12">
-            <a:extLst>
-              <a:ext uri="{FF2B5EF4-FFF2-40B4-BE49-F238E27FC236}">
-                <a16:creationId xmlns:a16="http://schemas.microsoft.com/office/drawing/2014/main" id="{48D15855-5B7B-450F-9847-2B5EDA387DDE}"/>
-              </a:ext>
-            </a:extLst>
-          </p:cNvPr>
-          <p:cNvSpPr txBox="1"/>
-          <p:nvPr/>
-        </p:nvSpPr>
-        <p:spPr>
-          <a:xfrm>
-            <a:off x="5696692" y="3994607"/>
-            <a:ext cx="798617" cy="246221"/>
-          </a:xfrm>
-          <a:prstGeom prst="rect">
-            <a:avLst/>
-          </a:prstGeom>
-          <a:noFill/>
-        </p:spPr>
-        <p:txBody>
-          <a:bodyPr wrap="none" rtlCol="0">
-            <a:spAutoFit/>
-          </a:bodyPr>
-          <a:lstStyle/>
-          <a:p>
-            <a:r>
-              <a:rPr lang="en-US" altLang="ko-KR" sz="1000" dirty="0" err="1">
-                <a:latin typeface="KoPub돋움체 Medium" panose="02020603020101020101" pitchFamily="18" charset="-127"/>
-                <a:ea typeface="KoPub돋움체 Medium" panose="02020603020101020101" pitchFamily="18" charset="-127"/>
-              </a:rPr>
-              <a:t>hyeo_ongz</a:t>
-            </a:r>
-            <a:endParaRPr lang="ko-KR" altLang="en-US" sz="1000" dirty="0">
-              <a:latin typeface="KoPub돋움체 Medium" panose="02020603020101020101" pitchFamily="18" charset="-127"/>
-              <a:ea typeface="KoPub돋움체 Medium" panose="02020603020101020101" pitchFamily="18" charset="-127"/>
-            </a:endParaRPr>
-          </a:p>
-        </p:txBody>
-      </p:sp>
-      <p:sp>
-        <p:nvSpPr>
-          <p:cNvPr id="14" name="TextBox 13">
-            <a:extLst>
-              <a:ext uri="{FF2B5EF4-FFF2-40B4-BE49-F238E27FC236}">
-                <a16:creationId xmlns:a16="http://schemas.microsoft.com/office/drawing/2014/main" id="{8D0F298F-2116-4AC1-946F-4594C573D641}"/>
-              </a:ext>
-            </a:extLst>
-          </p:cNvPr>
-          <p:cNvSpPr txBox="1"/>
-          <p:nvPr/>
-        </p:nvSpPr>
-        <p:spPr>
-          <a:xfrm>
-            <a:off x="5316731" y="4729127"/>
-            <a:ext cx="1558538" cy="246221"/>
-          </a:xfrm>
-          <a:prstGeom prst="rect">
-            <a:avLst/>
-          </a:prstGeom>
-          <a:noFill/>
-        </p:spPr>
-        <p:txBody>
-          <a:bodyPr wrap="square" rtlCol="0">
-            <a:spAutoFit/>
-          </a:bodyPr>
-          <a:lstStyle/>
-          <a:p>
-            <a:pPr algn="ctr"/>
-            <a:r>
-              <a:rPr lang="en-US" altLang="ko-KR" sz="1000">
-                <a:solidFill>
-                  <a:schemeClr val="bg1">
-                    <a:lumMod val="75000"/>
-                  </a:schemeClr>
-                </a:solidFill>
-                <a:latin typeface="KoPub돋움체 Medium" panose="02020603020101020101" pitchFamily="18" charset="-127"/>
-                <a:ea typeface="KoPub돋움체 Medium" panose="02020603020101020101" pitchFamily="18" charset="-127"/>
-              </a:rPr>
-              <a:t>hyeo_ongz@naver.com</a:t>
-            </a:r>
-            <a:endParaRPr lang="ko-KR" altLang="en-US" sz="1000">
-              <a:solidFill>
-                <a:schemeClr val="bg1">
-                  <a:lumMod val="75000"/>
-                </a:schemeClr>
-              </a:solidFill>
-              <a:latin typeface="KoPub돋움체 Medium" panose="02020603020101020101" pitchFamily="18" charset="-127"/>
-              <a:ea typeface="KoPub돋움체 Medium" panose="02020603020101020101" pitchFamily="18" charset="-127"/>
-            </a:endParaRPr>
-          </a:p>
-        </p:txBody>
-      </p:sp>
-      <p:cxnSp>
-        <p:nvCxnSpPr>
-          <p:cNvPr id="16" name="직선 연결선 15">
-            <a:extLst>
-              <a:ext uri="{FF2B5EF4-FFF2-40B4-BE49-F238E27FC236}">
-                <a16:creationId xmlns:a16="http://schemas.microsoft.com/office/drawing/2014/main" id="{6A632590-44FD-4A75-8145-D4E4306D1144}"/>
-              </a:ext>
-            </a:extLst>
-          </p:cNvPr>
-          <p:cNvCxnSpPr>
-            <a:cxnSpLocks/>
-          </p:cNvCxnSpPr>
-          <p:nvPr/>
-        </p:nvCxnSpPr>
-        <p:spPr>
-          <a:xfrm>
-            <a:off x="6096000" y="4422371"/>
-            <a:ext cx="0" cy="180000"/>
-          </a:xfrm>
-          <a:prstGeom prst="line">
-            <a:avLst/>
-          </a:prstGeom>
-          <a:ln w="19050">
-            <a:solidFill>
-              <a:srgbClr val="317F46"/>
-            </a:solidFill>
-            <a:prstDash val="sysDot"/>
-          </a:ln>
-        </p:spPr>
-        <p:style>
-          <a:lnRef idx="1">
-            <a:schemeClr val="accent1"/>
-          </a:lnRef>
-          <a:fillRef idx="0">
-            <a:schemeClr val="accent1"/>
-          </a:fillRef>
-          <a:effectRef idx="0">
-            <a:schemeClr val="accent1"/>
-          </a:effectRef>
-          <a:fontRef idx="minor">
-            <a:schemeClr val="tx1"/>
-          </a:fontRef>
-        </p:style>
-      </p:cxnSp>
-      <p:sp>
-        <p:nvSpPr>
-          <p:cNvPr id="10" name="직사각형 9">
-            <a:extLst>
-              <a:ext uri="{FF2B5EF4-FFF2-40B4-BE49-F238E27FC236}">
-                <a16:creationId xmlns:a16="http://schemas.microsoft.com/office/drawing/2014/main" id="{12DDFFAF-AF99-41CA-AE6E-352D813114A2}"/>
-              </a:ext>
-            </a:extLst>
-          </p:cNvPr>
-          <p:cNvSpPr/>
-          <p:nvPr/>
-        </p:nvSpPr>
-        <p:spPr>
-          <a:xfrm>
-            <a:off x="5054690" y="6519548"/>
-            <a:ext cx="2082621" cy="200055"/>
-          </a:xfrm>
-          <a:prstGeom prst="rect">
-            <a:avLst/>
-          </a:prstGeom>
-        </p:spPr>
-        <p:txBody>
-          <a:bodyPr wrap="none">
-            <a:spAutoFit/>
-          </a:bodyPr>
-          <a:lstStyle/>
-          <a:p>
-            <a:r>
-              <a:rPr lang="en-US" altLang="ko-KR" sz="700">
-                <a:solidFill>
-                  <a:schemeClr val="bg2">
-                    <a:lumMod val="90000"/>
-                  </a:schemeClr>
-                </a:solidFill>
-              </a:rPr>
-              <a:t>Copyright 2020. hyeo_ongz All rights reserved</a:t>
-            </a:r>
-            <a:endParaRPr lang="ko-KR" altLang="en-US" sz="700">
-              <a:solidFill>
-                <a:schemeClr val="bg2">
-                  <a:lumMod val="90000"/>
-                </a:schemeClr>
-              </a:solidFill>
+            <a:endParaRPr lang="ko-KR" altLang="en-US" sz="2400" dirty="0">
+              <a:latin typeface="여기어때 잘난체 2" panose="00000500000000000000" pitchFamily="50" charset="-127"/>
+              <a:ea typeface="여기어때 잘난체 2" panose="00000500000000000000" pitchFamily="50" charset="-127"/>
             </a:endParaRPr>
           </a:p>
         </p:txBody>
@@ -20848,6 +14994,42 @@
           </p:txBody>
         </p:sp>
       </p:grpSp>
+      <p:pic>
+        <p:nvPicPr>
+          <p:cNvPr id="9" name="그림 8">
+            <a:extLst>
+              <a:ext uri="{FF2B5EF4-FFF2-40B4-BE49-F238E27FC236}">
+                <a16:creationId xmlns:a16="http://schemas.microsoft.com/office/drawing/2014/main" id="{68725981-156F-4BEB-B40C-131E85879A93}"/>
+              </a:ext>
+            </a:extLst>
+          </p:cNvPr>
+          <p:cNvPicPr>
+            <a:picLocks noChangeAspect="1"/>
+          </p:cNvPicPr>
+          <p:nvPr/>
+        </p:nvPicPr>
+        <p:blipFill>
+          <a:blip r:embed="rId5">
+            <a:extLst>
+              <a:ext uri="{28A0092B-C50C-407E-A947-70E740481C1C}">
+                <a14:useLocalDpi xmlns:a14="http://schemas.microsoft.com/office/drawing/2010/main" val="0"/>
+              </a:ext>
+            </a:extLst>
+          </a:blip>
+          <a:stretch>
+            <a:fillRect/>
+          </a:stretch>
+        </p:blipFill>
+        <p:spPr>
+          <a:xfrm>
+            <a:off x="8358702" y="1010469"/>
+            <a:ext cx="2169471" cy="3081549"/>
+          </a:xfrm>
+          <a:prstGeom prst="rect">
+            <a:avLst/>
+          </a:prstGeom>
+        </p:spPr>
+      </p:pic>
     </p:spTree>
     <p:extLst>
       <p:ext uri="{BB962C8B-B14F-4D97-AF65-F5344CB8AC3E}">
@@ -21074,10 +15256,10 @@
       </p:sp>
       <p:grpSp>
         <p:nvGrpSpPr>
-          <p:cNvPr id="24" name="그룹 23">
-            <a:extLst>
-              <a:ext uri="{FF2B5EF4-FFF2-40B4-BE49-F238E27FC236}">
-                <a16:creationId xmlns:a16="http://schemas.microsoft.com/office/drawing/2014/main" id="{6B65F5C8-3CE4-45E2-99F0-77AE834D6758}"/>
+          <p:cNvPr id="2" name="그룹 1">
+            <a:extLst>
+              <a:ext uri="{FF2B5EF4-FFF2-40B4-BE49-F238E27FC236}">
+                <a16:creationId xmlns:a16="http://schemas.microsoft.com/office/drawing/2014/main" id="{A40DD5B8-DF38-46D1-BD32-F09BB4B63EAA}"/>
               </a:ext>
             </a:extLst>
           </p:cNvPr>
@@ -21086,10 +15268,10 @@
         </p:nvGrpSpPr>
         <p:grpSpPr>
           <a:xfrm>
-            <a:off x="4157649" y="3095387"/>
-            <a:ext cx="4060869" cy="2720946"/>
+            <a:off x="4157649" y="3796019"/>
+            <a:ext cx="4060869" cy="2089118"/>
             <a:chOff x="4157649" y="3095387"/>
-            <a:chExt cx="4060869" cy="2720946"/>
+            <a:chExt cx="4060869" cy="2089118"/>
           </a:xfrm>
         </p:grpSpPr>
         <p:pic>
@@ -21106,7 +15288,7 @@
             </p:cNvPicPr>
             <p:nvPr/>
           </p:nvPicPr>
-          <p:blipFill>
+          <p:blipFill rotWithShape="1">
             <a:blip r:embed="rId3">
               <a:extLst>
                 <a:ext uri="{28A0092B-C50C-407E-A947-70E740481C1C}">
@@ -21114,14 +15296,13 @@
                 </a:ext>
               </a:extLst>
             </a:blip>
-            <a:stretch>
-              <a:fillRect/>
-            </a:stretch>
+            <a:srcRect b="23221"/>
+            <a:stretch/>
           </p:blipFill>
           <p:spPr>
             <a:xfrm>
               <a:off x="4157650" y="3095387"/>
-              <a:ext cx="4060868" cy="2720946"/>
+              <a:ext cx="4060868" cy="2089118"/>
             </a:xfrm>
             <a:prstGeom prst="rect">
               <a:avLst/>
@@ -21199,7 +15380,7 @@
         </p:nvGrpSpPr>
         <p:grpSpPr>
           <a:xfrm>
-            <a:off x="4157649" y="1010469"/>
+            <a:off x="4157649" y="1144693"/>
             <a:ext cx="3990257" cy="2072081"/>
             <a:chOff x="4157649" y="1010469"/>
             <a:chExt cx="3990257" cy="2072081"/>
@@ -22365,7 +16546,7 @@
                   <a:latin typeface="여기어때 잘난체 2" panose="00000500000000000000" pitchFamily="50" charset="-127"/>
                   <a:ea typeface="여기어때 잘난체 2" panose="00000500000000000000" pitchFamily="50" charset="-127"/>
                 </a:rPr>
-                <a:t>다양한 플레이 스타일</a:t>
+                <a:t>플레이어의 선택</a:t>
               </a:r>
             </a:p>
           </p:txBody>
@@ -22881,7 +17062,7 @@
                     <a:latin typeface="여기어때 잘난체 2" panose="00000500000000000000" pitchFamily="50" charset="-127"/>
                     <a:ea typeface="여기어때 잘난체 2" panose="00000500000000000000" pitchFamily="50" charset="-127"/>
                   </a:rPr>
-                  <a:t>중원에서 가장 강해진다</a:t>
+                  <a:t>강호에서 가장 강해진다</a:t>
                 </a:r>
                 <a:r>
                   <a:rPr lang="en-US" altLang="ko-KR" sz="1500" dirty="0">

--- a/게임 기획서 남준구.pptx
+++ b/게임 기획서 남준구.pptx
@@ -8,8 +8,8 @@
     <p:sldId id="256" r:id="rId2"/>
     <p:sldId id="265" r:id="rId3"/>
     <p:sldId id="259" r:id="rId4"/>
-    <p:sldId id="266" r:id="rId5"/>
-    <p:sldId id="267" r:id="rId6"/>
+    <p:sldId id="267" r:id="rId5"/>
+    <p:sldId id="266" r:id="rId6"/>
     <p:sldId id="261" r:id="rId7"/>
     <p:sldId id="268" r:id="rId8"/>
     <p:sldId id="269" r:id="rId9"/>
@@ -4218,10 +4218,10 @@
       </p:grpSp>
       <p:grpSp>
         <p:nvGrpSpPr>
-          <p:cNvPr id="13" name="그룹 12">
-            <a:extLst>
-              <a:ext uri="{FF2B5EF4-FFF2-40B4-BE49-F238E27FC236}">
-                <a16:creationId xmlns:a16="http://schemas.microsoft.com/office/drawing/2014/main" id="{0E85E7C7-0BA3-47B0-9B47-66456DBD6602}"/>
+          <p:cNvPr id="17" name="그룹 16">
+            <a:extLst>
+              <a:ext uri="{FF2B5EF4-FFF2-40B4-BE49-F238E27FC236}">
+                <a16:creationId xmlns:a16="http://schemas.microsoft.com/office/drawing/2014/main" id="{E0BA9ED6-D374-4980-AB32-77B8FF470703}"/>
               </a:ext>
             </a:extLst>
           </p:cNvPr>
@@ -4230,54 +4230,297 @@
         </p:nvGrpSpPr>
         <p:grpSpPr>
           <a:xfrm>
-            <a:off x="4746720" y="646313"/>
+            <a:off x="8407355" y="646314"/>
             <a:ext cx="3189261" cy="3103015"/>
-            <a:chOff x="4746720" y="646314"/>
-            <a:chExt cx="2904039" cy="2859630"/>
+            <a:chOff x="4746720" y="646313"/>
+            <a:chExt cx="3189261" cy="3103015"/>
           </a:xfrm>
         </p:grpSpPr>
-        <p:pic>
-          <p:nvPicPr>
-            <p:cNvPr id="10" name="그림 9">
+        <p:grpSp>
+          <p:nvGrpSpPr>
+            <p:cNvPr id="13" name="그룹 12">
               <a:extLst>
                 <a:ext uri="{FF2B5EF4-FFF2-40B4-BE49-F238E27FC236}">
-                  <a16:creationId xmlns:a16="http://schemas.microsoft.com/office/drawing/2014/main" id="{3AEDDE8E-187F-401A-80B6-DA326D69A743}"/>
+                  <a16:creationId xmlns:a16="http://schemas.microsoft.com/office/drawing/2014/main" id="{0E85E7C7-0BA3-47B0-9B47-66456DBD6602}"/>
                 </a:ext>
               </a:extLst>
             </p:cNvPr>
-            <p:cNvPicPr>
-              <a:picLocks noChangeAspect="1"/>
-            </p:cNvPicPr>
+            <p:cNvGrpSpPr/>
             <p:nvPr/>
-          </p:nvPicPr>
-          <p:blipFill>
-            <a:blip r:embed="rId4">
+          </p:nvGrpSpPr>
+          <p:grpSpPr>
+            <a:xfrm>
+              <a:off x="4746720" y="646313"/>
+              <a:ext cx="3189261" cy="3103015"/>
+              <a:chOff x="4746720" y="646314"/>
+              <a:chExt cx="2904039" cy="2859630"/>
+            </a:xfrm>
+          </p:grpSpPr>
+          <p:pic>
+            <p:nvPicPr>
+              <p:cNvPr id="10" name="그림 9">
+                <a:extLst>
+                  <a:ext uri="{FF2B5EF4-FFF2-40B4-BE49-F238E27FC236}">
+                    <a16:creationId xmlns:a16="http://schemas.microsoft.com/office/drawing/2014/main" id="{3AEDDE8E-187F-401A-80B6-DA326D69A743}"/>
+                  </a:ext>
+                </a:extLst>
+              </p:cNvPr>
+              <p:cNvPicPr>
+                <a:picLocks noChangeAspect="1"/>
+              </p:cNvPicPr>
+              <p:nvPr/>
+            </p:nvPicPr>
+            <p:blipFill>
+              <a:blip r:embed="rId4">
+                <a:extLst>
+                  <a:ext uri="{28A0092B-C50C-407E-A947-70E740481C1C}">
+                    <a14:useLocalDpi xmlns:a14="http://schemas.microsoft.com/office/drawing/2010/main" val="0"/>
+                  </a:ext>
+                </a:extLst>
+              </a:blip>
+              <a:stretch>
+                <a:fillRect/>
+              </a:stretch>
+            </p:blipFill>
+            <p:spPr>
+              <a:xfrm>
+                <a:off x="4820822" y="646314"/>
+                <a:ext cx="2829937" cy="2707907"/>
+              </a:xfrm>
+              <a:prstGeom prst="rect">
+                <a:avLst/>
+              </a:prstGeom>
+            </p:spPr>
+          </p:pic>
+          <p:sp>
+            <p:nvSpPr>
+              <p:cNvPr id="12" name="TextBox 11">
+                <a:extLst>
+                  <a:ext uri="{FF2B5EF4-FFF2-40B4-BE49-F238E27FC236}">
+                    <a16:creationId xmlns:a16="http://schemas.microsoft.com/office/drawing/2014/main" id="{A9718636-8EF0-43FA-BFFC-9BF54B1A3EAF}"/>
+                  </a:ext>
+                </a:extLst>
+              </p:cNvPr>
+              <p:cNvSpPr txBox="1"/>
+              <p:nvPr/>
+            </p:nvSpPr>
+            <p:spPr>
+              <a:xfrm>
+                <a:off x="4746720" y="3336667"/>
+                <a:ext cx="1085554" cy="169277"/>
+              </a:xfrm>
+              <a:prstGeom prst="rect">
+                <a:avLst/>
+              </a:prstGeom>
+              <a:noFill/>
+            </p:spPr>
+            <p:txBody>
+              <a:bodyPr wrap="none" rtlCol="0">
+                <a:spAutoFit/>
+              </a:bodyPr>
+              <a:lstStyle/>
+              <a:p>
+                <a:r>
+                  <a:rPr lang="ko-KR" altLang="en-US" sz="500" dirty="0">
+                    <a:latin typeface="여기어때 잘난체 고딕" panose="00000500000000000000" pitchFamily="50" charset="-127"/>
+                    <a:ea typeface="여기어때 잘난체 고딕" panose="00000500000000000000" pitchFamily="50" charset="-127"/>
+                  </a:rPr>
+                  <a:t>출처 </a:t>
+                </a:r>
+                <a:r>
+                  <a:rPr lang="en-US" altLang="ko-KR" sz="500" dirty="0">
+                    <a:latin typeface="여기어때 잘난체 고딕" panose="00000500000000000000" pitchFamily="50" charset="-127"/>
+                    <a:ea typeface="여기어때 잘난체 고딕" panose="00000500000000000000" pitchFamily="50" charset="-127"/>
+                  </a:rPr>
+                  <a:t>: 2023</a:t>
+                </a:r>
+                <a:r>
+                  <a:rPr lang="ko-KR" altLang="en-US" sz="500" dirty="0">
+                    <a:latin typeface="여기어때 잘난체 고딕" panose="00000500000000000000" pitchFamily="50" charset="-127"/>
+                    <a:ea typeface="여기어때 잘난체 고딕" panose="00000500000000000000" pitchFamily="50" charset="-127"/>
+                  </a:rPr>
+                  <a:t> 대한민국 게임백서</a:t>
+                </a:r>
+                <a:endParaRPr lang="en-US" altLang="ko-KR" sz="500" dirty="0">
+                  <a:latin typeface="여기어때 잘난체 고딕" panose="00000500000000000000" pitchFamily="50" charset="-127"/>
+                  <a:ea typeface="여기어때 잘난체 고딕" panose="00000500000000000000" pitchFamily="50" charset="-127"/>
+                </a:endParaRPr>
+              </a:p>
+            </p:txBody>
+          </p:sp>
+        </p:grpSp>
+        <p:sp>
+          <p:nvSpPr>
+            <p:cNvPr id="14" name="직사각형 13">
               <a:extLst>
-                <a:ext uri="{28A0092B-C50C-407E-A947-70E740481C1C}">
-                  <a14:useLocalDpi xmlns:a14="http://schemas.microsoft.com/office/drawing/2010/main" val="0"/>
+                <a:ext uri="{FF2B5EF4-FFF2-40B4-BE49-F238E27FC236}">
+                  <a16:creationId xmlns:a16="http://schemas.microsoft.com/office/drawing/2014/main" id="{58FCFDA5-6D5F-415F-ABAB-D048D2083BD4}"/>
                 </a:ext>
               </a:extLst>
-            </a:blip>
-            <a:stretch>
-              <a:fillRect/>
-            </a:stretch>
-          </p:blipFill>
+            </p:cNvPr>
+            <p:cNvSpPr/>
+            <p:nvPr/>
+          </p:nvSpPr>
           <p:spPr>
             <a:xfrm>
-              <a:off x="4820822" y="646314"/>
-              <a:ext cx="2829937" cy="2707907"/>
+              <a:off x="4974672" y="1057013"/>
+              <a:ext cx="394282" cy="2441196"/>
             </a:xfrm>
             <a:prstGeom prst="rect">
               <a:avLst/>
             </a:prstGeom>
+            <a:noFill/>
+            <a:ln w="28575">
+              <a:solidFill>
+                <a:srgbClr val="FF0000"/>
+              </a:solidFill>
+            </a:ln>
           </p:spPr>
-        </p:pic>
+          <p:style>
+            <a:lnRef idx="2">
+              <a:schemeClr val="accent1">
+                <a:shade val="50000"/>
+              </a:schemeClr>
+            </a:lnRef>
+            <a:fillRef idx="1">
+              <a:schemeClr val="accent1"/>
+            </a:fillRef>
+            <a:effectRef idx="0">
+              <a:schemeClr val="accent1"/>
+            </a:effectRef>
+            <a:fontRef idx="minor">
+              <a:schemeClr val="lt1"/>
+            </a:fontRef>
+          </p:style>
+          <p:txBody>
+            <a:bodyPr rtlCol="0" anchor="ctr"/>
+            <a:lstStyle/>
+            <a:p>
+              <a:pPr algn="ctr"/>
+              <a:endParaRPr lang="ko-KR" altLang="en-US"/>
+            </a:p>
+          </p:txBody>
+        </p:sp>
+      </p:grpSp>
+      <p:grpSp>
+        <p:nvGrpSpPr>
+          <p:cNvPr id="19" name="그룹 18">
+            <a:extLst>
+              <a:ext uri="{FF2B5EF4-FFF2-40B4-BE49-F238E27FC236}">
+                <a16:creationId xmlns:a16="http://schemas.microsoft.com/office/drawing/2014/main" id="{D21A3725-181B-4C0C-8931-FB723F23F6E9}"/>
+              </a:ext>
+            </a:extLst>
+          </p:cNvPr>
+          <p:cNvGrpSpPr/>
+          <p:nvPr/>
+        </p:nvGrpSpPr>
+        <p:grpSpPr>
+          <a:xfrm>
+            <a:off x="4777378" y="1181561"/>
+            <a:ext cx="3664209" cy="1821173"/>
+            <a:chOff x="4777378" y="1181561"/>
+            <a:chExt cx="3664209" cy="1821173"/>
+          </a:xfrm>
+        </p:grpSpPr>
+        <p:grpSp>
+          <p:nvGrpSpPr>
+            <p:cNvPr id="16" name="그룹 15">
+              <a:extLst>
+                <a:ext uri="{FF2B5EF4-FFF2-40B4-BE49-F238E27FC236}">
+                  <a16:creationId xmlns:a16="http://schemas.microsoft.com/office/drawing/2014/main" id="{BF694F97-5BA2-4F00-BB0F-576F0E134D4E}"/>
+                </a:ext>
+              </a:extLst>
+            </p:cNvPr>
+            <p:cNvGrpSpPr/>
+            <p:nvPr/>
+          </p:nvGrpSpPr>
+          <p:grpSpPr>
+            <a:xfrm>
+              <a:off x="4820822" y="1181561"/>
+              <a:ext cx="3620765" cy="1587472"/>
+              <a:chOff x="8082553" y="1515450"/>
+              <a:chExt cx="3620765" cy="1587472"/>
+            </a:xfrm>
+          </p:grpSpPr>
+          <p:pic>
+            <p:nvPicPr>
+              <p:cNvPr id="5" name="그림 4">
+                <a:extLst>
+                  <a:ext uri="{FF2B5EF4-FFF2-40B4-BE49-F238E27FC236}">
+                    <a16:creationId xmlns:a16="http://schemas.microsoft.com/office/drawing/2014/main" id="{80E1B935-9ADB-4EB9-94F5-8BD6196492C0}"/>
+                  </a:ext>
+                </a:extLst>
+              </p:cNvPr>
+              <p:cNvPicPr>
+                <a:picLocks noChangeAspect="1"/>
+              </p:cNvPicPr>
+              <p:nvPr/>
+            </p:nvPicPr>
+            <p:blipFill>
+              <a:blip r:embed="rId5">
+                <a:extLst>
+                  <a:ext uri="{28A0092B-C50C-407E-A947-70E740481C1C}">
+                    <a14:useLocalDpi xmlns:a14="http://schemas.microsoft.com/office/drawing/2010/main" val="0"/>
+                  </a:ext>
+                </a:extLst>
+              </a:blip>
+              <a:stretch>
+                <a:fillRect/>
+              </a:stretch>
+            </p:blipFill>
+            <p:spPr>
+              <a:xfrm>
+                <a:off x="8082553" y="2359636"/>
+                <a:ext cx="3586533" cy="743286"/>
+              </a:xfrm>
+              <a:prstGeom prst="rect">
+                <a:avLst/>
+              </a:prstGeom>
+            </p:spPr>
+          </p:pic>
+          <p:pic>
+            <p:nvPicPr>
+              <p:cNvPr id="15" name="그림 14">
+                <a:extLst>
+                  <a:ext uri="{FF2B5EF4-FFF2-40B4-BE49-F238E27FC236}">
+                    <a16:creationId xmlns:a16="http://schemas.microsoft.com/office/drawing/2014/main" id="{DF16DAF0-D55B-446E-9C9E-D9C76C467839}"/>
+                  </a:ext>
+                </a:extLst>
+              </p:cNvPr>
+              <p:cNvPicPr>
+                <a:picLocks noChangeAspect="1"/>
+              </p:cNvPicPr>
+              <p:nvPr/>
+            </p:nvPicPr>
+            <p:blipFill>
+              <a:blip r:embed="rId6">
+                <a:extLst>
+                  <a:ext uri="{28A0092B-C50C-407E-A947-70E740481C1C}">
+                    <a14:useLocalDpi xmlns:a14="http://schemas.microsoft.com/office/drawing/2010/main" val="0"/>
+                  </a:ext>
+                </a:extLst>
+              </a:blip>
+              <a:stretch>
+                <a:fillRect/>
+              </a:stretch>
+            </p:blipFill>
+            <p:spPr>
+              <a:xfrm>
+                <a:off x="8089918" y="1515450"/>
+                <a:ext cx="3613400" cy="743286"/>
+              </a:xfrm>
+              <a:prstGeom prst="rect">
+                <a:avLst/>
+              </a:prstGeom>
+            </p:spPr>
+          </p:pic>
+        </p:grpSp>
         <p:sp>
           <p:nvSpPr>
-            <p:cNvPr id="12" name="TextBox 11">
+            <p:cNvPr id="18" name="TextBox 17">
               <a:extLst>
                 <a:ext uri="{FF2B5EF4-FFF2-40B4-BE49-F238E27FC236}">
-                  <a16:creationId xmlns:a16="http://schemas.microsoft.com/office/drawing/2014/main" id="{A9718636-8EF0-43FA-BFFC-9BF54B1A3EAF}"/>
+                  <a16:creationId xmlns:a16="http://schemas.microsoft.com/office/drawing/2014/main" id="{29E955B1-3B7B-498D-B8E8-75E4E04C55C2}"/>
                 </a:ext>
               </a:extLst>
             </p:cNvPr>
@@ -4286,8 +4529,8 @@
           </p:nvSpPr>
           <p:spPr>
             <a:xfrm>
-              <a:off x="4746720" y="3336667"/>
-              <a:ext cx="1085554" cy="169277"/>
+              <a:off x="4777378" y="2819050"/>
+              <a:ext cx="1192172" cy="183684"/>
             </a:xfrm>
             <a:prstGeom prst="rect">
               <a:avLst/>
@@ -4329,58 +4572,6 @@
           </p:txBody>
         </p:sp>
       </p:grpSp>
-      <p:sp>
-        <p:nvSpPr>
-          <p:cNvPr id="14" name="직사각형 13">
-            <a:extLst>
-              <a:ext uri="{FF2B5EF4-FFF2-40B4-BE49-F238E27FC236}">
-                <a16:creationId xmlns:a16="http://schemas.microsoft.com/office/drawing/2014/main" id="{58FCFDA5-6D5F-415F-ABAB-D048D2083BD4}"/>
-              </a:ext>
-            </a:extLst>
-          </p:cNvPr>
-          <p:cNvSpPr/>
-          <p:nvPr/>
-        </p:nvSpPr>
-        <p:spPr>
-          <a:xfrm>
-            <a:off x="4974672" y="1057013"/>
-            <a:ext cx="394282" cy="2441196"/>
-          </a:xfrm>
-          <a:prstGeom prst="rect">
-            <a:avLst/>
-          </a:prstGeom>
-          <a:noFill/>
-          <a:ln w="28575">
-            <a:solidFill>
-              <a:srgbClr val="FF0000"/>
-            </a:solidFill>
-          </a:ln>
-        </p:spPr>
-        <p:style>
-          <a:lnRef idx="2">
-            <a:schemeClr val="accent1">
-              <a:shade val="50000"/>
-            </a:schemeClr>
-          </a:lnRef>
-          <a:fillRef idx="1">
-            <a:schemeClr val="accent1"/>
-          </a:fillRef>
-          <a:effectRef idx="0">
-            <a:schemeClr val="accent1"/>
-          </a:effectRef>
-          <a:fontRef idx="minor">
-            <a:schemeClr val="lt1"/>
-          </a:fontRef>
-        </p:style>
-        <p:txBody>
-          <a:bodyPr rtlCol="0" anchor="ctr"/>
-          <a:lstStyle/>
-          <a:p>
-            <a:pPr algn="ctr"/>
-            <a:endParaRPr lang="ko-KR" altLang="en-US"/>
-          </a:p>
-        </p:txBody>
-      </p:sp>
     </p:spTree>
     <p:extLst>
       <p:ext uri="{BB962C8B-B14F-4D97-AF65-F5344CB8AC3E}">
@@ -8270,7 +8461,11 @@
           <a:bodyPr rtlCol="0" anchor="ctr"/>
           <a:lstStyle/>
           <a:p>
-            <a:pPr algn="ctr"/>
+            <a:pPr algn="ctr">
+              <a:lnSpc>
+                <a:spcPct val="200000"/>
+              </a:lnSpc>
+            </a:pPr>
             <a:r>
               <a:rPr lang="ko-KR" altLang="en-US" dirty="0">
                 <a:latin typeface="여기어때 잘난체 2" panose="00000500000000000000" pitchFamily="50" charset="-127"/>
@@ -8284,7 +8479,11 @@
             </a:endParaRPr>
           </a:p>
           <a:p>
-            <a:pPr algn="ctr"/>
+            <a:pPr algn="ctr">
+              <a:lnSpc>
+                <a:spcPct val="200000"/>
+              </a:lnSpc>
+            </a:pPr>
             <a:r>
               <a:rPr lang="en-US" altLang="ko-KR" dirty="0">
                 <a:latin typeface="여기어때 잘난체 2" panose="00000500000000000000" pitchFamily="50" charset="-127"/>
@@ -8698,7 +8897,7 @@
                   <a:latin typeface="여기어때 잘난체 2" panose="00000500000000000000" pitchFamily="50" charset="-127"/>
                   <a:ea typeface="여기어때 잘난체 2" panose="00000500000000000000" pitchFamily="50" charset="-127"/>
                 </a:rPr>
-                <a:t>활</a:t>
+                <a:t>창</a:t>
               </a:r>
             </a:p>
           </p:txBody>
@@ -8915,7 +9114,11 @@
             <a:bodyPr rtlCol="0" anchor="ctr"/>
             <a:lstStyle/>
             <a:p>
-              <a:pPr algn="ctr"/>
+              <a:pPr algn="ctr">
+                <a:lnSpc>
+                  <a:spcPct val="150000"/>
+                </a:lnSpc>
+              </a:pPr>
               <a:r>
                 <a:rPr lang="ko-KR" altLang="en-US" dirty="0">
                   <a:solidFill>
@@ -8935,7 +9138,11 @@
               </a:endParaRPr>
             </a:p>
             <a:p>
-              <a:pPr algn="ctr"/>
+              <a:pPr algn="ctr">
+                <a:lnSpc>
+                  <a:spcPct val="150000"/>
+                </a:lnSpc>
+              </a:pPr>
               <a:r>
                 <a:rPr lang="ko-KR" altLang="en-US" dirty="0">
                   <a:solidFill>
@@ -9575,6 +9782,11 @@
             <a:bodyPr rtlCol="0" anchor="ctr"/>
             <a:lstStyle/>
             <a:p>
+              <a:pPr>
+                <a:lnSpc>
+                  <a:spcPct val="150000"/>
+                </a:lnSpc>
+              </a:pPr>
               <a:endParaRPr lang="ko-KR" altLang="en-US" b="1">
                 <a:solidFill>
                   <a:srgbClr val="79AB03"/>
@@ -9632,7 +9844,11 @@
             <a:bodyPr rtlCol="0" anchor="ctr"/>
             <a:lstStyle/>
             <a:p>
-              <a:pPr algn="ctr"/>
+              <a:pPr algn="ctr">
+                <a:lnSpc>
+                  <a:spcPct val="150000"/>
+                </a:lnSpc>
+              </a:pPr>
               <a:r>
                 <a:rPr lang="ko-KR" altLang="en-US" dirty="0">
                   <a:solidFill>
@@ -9675,7 +9891,11 @@
               </a:r>
             </a:p>
             <a:p>
-              <a:pPr algn="ctr"/>
+              <a:pPr algn="ctr">
+                <a:lnSpc>
+                  <a:spcPct val="150000"/>
+                </a:lnSpc>
+              </a:pPr>
               <a:r>
                 <a:rPr lang="ko-KR" altLang="en-US" dirty="0">
                   <a:solidFill>
@@ -9718,7 +9938,11 @@
               </a:r>
             </a:p>
             <a:p>
-              <a:pPr algn="ctr"/>
+              <a:pPr algn="ctr">
+                <a:lnSpc>
+                  <a:spcPct val="150000"/>
+                </a:lnSpc>
+              </a:pPr>
               <a:r>
                 <a:rPr lang="ko-KR" altLang="en-US" dirty="0">
                   <a:solidFill>
@@ -9924,6 +10148,11 @@
             <a:bodyPr rtlCol="0" anchor="ctr"/>
             <a:lstStyle/>
             <a:p>
+              <a:pPr>
+                <a:lnSpc>
+                  <a:spcPct val="150000"/>
+                </a:lnSpc>
+              </a:pPr>
               <a:endParaRPr lang="ko-KR" altLang="en-US" b="1">
                 <a:solidFill>
                   <a:srgbClr val="79AB03"/>
@@ -9981,7 +10210,11 @@
             <a:bodyPr rtlCol="0" anchor="ctr"/>
             <a:lstStyle/>
             <a:p>
-              <a:pPr algn="ctr"/>
+              <a:pPr algn="ctr">
+                <a:lnSpc>
+                  <a:spcPct val="150000"/>
+                </a:lnSpc>
+              </a:pPr>
               <a:r>
                 <a:rPr lang="ko-KR" altLang="en-US" dirty="0" err="1">
                   <a:solidFill>
@@ -10021,7 +10254,11 @@
               </a:endParaRPr>
             </a:p>
             <a:p>
-              <a:pPr algn="ctr"/>
+              <a:pPr algn="ctr">
+                <a:lnSpc>
+                  <a:spcPct val="150000"/>
+                </a:lnSpc>
+              </a:pPr>
               <a:r>
                 <a:rPr lang="ko-KR" altLang="en-US" dirty="0">
                   <a:solidFill>
@@ -10190,6 +10427,11 @@
             <a:bodyPr rtlCol="0" anchor="ctr"/>
             <a:lstStyle/>
             <a:p>
+              <a:pPr>
+                <a:lnSpc>
+                  <a:spcPct val="150000"/>
+                </a:lnSpc>
+              </a:pPr>
               <a:endParaRPr lang="ko-KR" altLang="en-US" b="1">
                 <a:solidFill>
                   <a:srgbClr val="79AB03"/>
@@ -10247,7 +10489,11 @@
             <a:bodyPr rtlCol="0" anchor="ctr"/>
             <a:lstStyle/>
             <a:p>
-              <a:pPr algn="ctr"/>
+              <a:pPr algn="ctr">
+                <a:lnSpc>
+                  <a:spcPct val="150000"/>
+                </a:lnSpc>
+              </a:pPr>
               <a:r>
                 <a:rPr lang="ko-KR" altLang="en-US" dirty="0">
                   <a:solidFill>
@@ -10267,7 +10513,11 @@
               </a:endParaRPr>
             </a:p>
             <a:p>
-              <a:pPr algn="ctr"/>
+              <a:pPr algn="ctr">
+                <a:lnSpc>
+                  <a:spcPct val="150000"/>
+                </a:lnSpc>
+              </a:pPr>
               <a:r>
                 <a:rPr lang="ko-KR" altLang="en-US" dirty="0">
                   <a:solidFill>
@@ -10287,7 +10537,11 @@
               </a:endParaRPr>
             </a:p>
             <a:p>
-              <a:pPr algn="ctr"/>
+              <a:pPr algn="ctr">
+                <a:lnSpc>
+                  <a:spcPct val="150000"/>
+                </a:lnSpc>
+              </a:pPr>
               <a:r>
                 <a:rPr lang="ko-KR" altLang="en-US" dirty="0">
                   <a:solidFill>
@@ -10307,7 +10561,11 @@
               </a:endParaRPr>
             </a:p>
             <a:p>
-              <a:pPr algn="ctr"/>
+              <a:pPr algn="ctr">
+                <a:lnSpc>
+                  <a:spcPct val="150000"/>
+                </a:lnSpc>
+              </a:pPr>
               <a:endParaRPr lang="ko-KR" altLang="en-US" dirty="0">
                 <a:solidFill>
                   <a:schemeClr val="tx1"/>
@@ -10476,7 +10734,7 @@
         </p:blipFill>
         <p:spPr bwMode="auto">
           <a:xfrm>
-            <a:off x="10012808" y="3858936"/>
+            <a:off x="10012808" y="3707934"/>
             <a:ext cx="382636" cy="286608"/>
           </a:xfrm>
           <a:prstGeom prst="rect">
@@ -10523,7 +10781,7 @@
         </p:blipFill>
         <p:spPr bwMode="auto">
           <a:xfrm>
-            <a:off x="10054778" y="4153933"/>
+            <a:off x="10054778" y="4111988"/>
             <a:ext cx="286608" cy="286608"/>
           </a:xfrm>
           <a:prstGeom prst="rect">
@@ -11390,8 +11648,8 @@
         </p:nvSpPr>
         <p:spPr>
           <a:xfrm>
-            <a:off x="4839223" y="3979111"/>
-            <a:ext cx="2513552" cy="1200329"/>
+            <a:off x="4839224" y="3669716"/>
+            <a:ext cx="2513552" cy="1719702"/>
           </a:xfrm>
           <a:prstGeom prst="rect">
             <a:avLst/>
@@ -11403,7 +11661,11 @@
           </a:bodyPr>
           <a:lstStyle/>
           <a:p>
-            <a:pPr algn="ctr"/>
+            <a:pPr algn="ctr">
+              <a:lnSpc>
+                <a:spcPct val="150000"/>
+              </a:lnSpc>
+            </a:pPr>
             <a:r>
               <a:rPr lang="ko-KR" altLang="en-US" dirty="0">
                 <a:latin typeface="여기어때 잘난체 2" panose="00000500000000000000" pitchFamily="50" charset="-127"/>
@@ -11417,7 +11679,11 @@
             </a:endParaRPr>
           </a:p>
           <a:p>
-            <a:pPr algn="ctr"/>
+            <a:pPr algn="ctr">
+              <a:lnSpc>
+                <a:spcPct val="150000"/>
+              </a:lnSpc>
+            </a:pPr>
             <a:r>
               <a:rPr lang="ko-KR" altLang="en-US" dirty="0">
                 <a:latin typeface="여기어때 잘난체 2" panose="00000500000000000000" pitchFamily="50" charset="-127"/>
@@ -11431,7 +11697,11 @@
             </a:endParaRPr>
           </a:p>
           <a:p>
-            <a:pPr algn="ctr"/>
+            <a:pPr algn="ctr">
+              <a:lnSpc>
+                <a:spcPct val="150000"/>
+              </a:lnSpc>
+            </a:pPr>
             <a:r>
               <a:rPr lang="ko-KR" altLang="en-US" dirty="0">
                 <a:latin typeface="여기어때 잘난체 2" panose="00000500000000000000" pitchFamily="50" charset="-127"/>
@@ -11445,7 +11715,11 @@
             </a:endParaRPr>
           </a:p>
           <a:p>
-            <a:pPr algn="ctr"/>
+            <a:pPr algn="ctr">
+              <a:lnSpc>
+                <a:spcPct val="150000"/>
+              </a:lnSpc>
+            </a:pPr>
             <a:endParaRPr lang="en-US" altLang="ko-KR" dirty="0">
               <a:latin typeface="여기어때 잘난체 2" panose="00000500000000000000" pitchFamily="50" charset="-127"/>
               <a:ea typeface="여기어때 잘난체 2" panose="00000500000000000000" pitchFamily="50" charset="-127"/>
@@ -11467,8 +11741,8 @@
         </p:nvSpPr>
         <p:spPr>
           <a:xfrm>
-            <a:off x="8232369" y="3979111"/>
-            <a:ext cx="2513552" cy="1200329"/>
+            <a:off x="8232370" y="3669716"/>
+            <a:ext cx="2513552" cy="1719702"/>
           </a:xfrm>
           <a:prstGeom prst="rect">
             <a:avLst/>
@@ -11480,7 +11754,11 @@
           </a:bodyPr>
           <a:lstStyle/>
           <a:p>
-            <a:pPr algn="ctr"/>
+            <a:pPr algn="ctr">
+              <a:lnSpc>
+                <a:spcPct val="150000"/>
+              </a:lnSpc>
+            </a:pPr>
             <a:r>
               <a:rPr lang="ko-KR" altLang="en-US" dirty="0" err="1">
                 <a:latin typeface="여기어때 잘난체 2" panose="00000500000000000000" pitchFamily="50" charset="-127"/>
@@ -11501,7 +11779,11 @@
             </a:endParaRPr>
           </a:p>
           <a:p>
-            <a:pPr algn="ctr"/>
+            <a:pPr algn="ctr">
+              <a:lnSpc>
+                <a:spcPct val="150000"/>
+              </a:lnSpc>
+            </a:pPr>
             <a:r>
               <a:rPr lang="ko-KR" altLang="en-US" dirty="0">
                 <a:latin typeface="여기어때 잘난체 2" panose="00000500000000000000" pitchFamily="50" charset="-127"/>
@@ -11515,7 +11797,11 @@
             </a:endParaRPr>
           </a:p>
           <a:p>
-            <a:pPr algn="ctr"/>
+            <a:pPr algn="ctr">
+              <a:lnSpc>
+                <a:spcPct val="150000"/>
+              </a:lnSpc>
+            </a:pPr>
             <a:r>
               <a:rPr lang="ko-KR" altLang="en-US" dirty="0">
                 <a:latin typeface="여기어때 잘난체 2" panose="00000500000000000000" pitchFamily="50" charset="-127"/>
@@ -11529,7 +11815,11 @@
             </a:endParaRPr>
           </a:p>
           <a:p>
-            <a:pPr algn="ctr"/>
+            <a:pPr algn="ctr">
+              <a:lnSpc>
+                <a:spcPct val="150000"/>
+              </a:lnSpc>
+            </a:pPr>
             <a:r>
               <a:rPr lang="ko-KR" altLang="en-US" dirty="0">
                 <a:latin typeface="여기어때 잘난체 2" panose="00000500000000000000" pitchFamily="50" charset="-127"/>
@@ -11790,9 +12080,13 @@
             <a:bodyPr rtlCol="0" anchor="ctr"/>
             <a:lstStyle/>
             <a:p>
-              <a:pPr algn="ctr"/>
+              <a:pPr algn="ctr">
+                <a:lnSpc>
+                  <a:spcPct val="150000"/>
+                </a:lnSpc>
+              </a:pPr>
               <a:r>
-                <a:rPr lang="ko-KR" altLang="en-US" dirty="0">
+                <a:rPr lang="ko-KR" altLang="en-US" sz="1600" dirty="0">
                   <a:solidFill>
                     <a:schemeClr val="tx1"/>
                   </a:solidFill>
@@ -11801,7 +12095,7 @@
                 </a:rPr>
                 <a:t>낮은 확률로 등장</a:t>
               </a:r>
-              <a:endParaRPr lang="en-US" altLang="ko-KR" dirty="0">
+              <a:endParaRPr lang="en-US" altLang="ko-KR" sz="1600" dirty="0">
                 <a:solidFill>
                   <a:schemeClr val="tx1"/>
                 </a:solidFill>
@@ -11810,18 +12104,22 @@
               </a:endParaRPr>
             </a:p>
             <a:p>
-              <a:pPr algn="ctr"/>
+              <a:pPr algn="ctr">
+                <a:lnSpc>
+                  <a:spcPct val="150000"/>
+                </a:lnSpc>
+              </a:pPr>
               <a:r>
-                <a:rPr lang="ko-KR" altLang="en-US" dirty="0">
+                <a:rPr lang="ko-KR" altLang="en-US" sz="1600" dirty="0">
                   <a:solidFill>
                     <a:schemeClr val="tx1"/>
                   </a:solidFill>
                   <a:latin typeface="여기어때 잘난체 2" panose="00000500000000000000" pitchFamily="50" charset="-127"/>
                   <a:ea typeface="여기어때 잘난체 2" panose="00000500000000000000" pitchFamily="50" charset="-127"/>
                 </a:rPr>
-                <a:t>상점에서 특수 보스와 전투 진행</a:t>
+                <a:t>상점에서 특수 보스와 </a:t>
               </a:r>
-              <a:endParaRPr lang="en-US" altLang="ko-KR" dirty="0">
+              <a:endParaRPr lang="en-US" altLang="ko-KR" sz="1600" dirty="0">
                 <a:solidFill>
                   <a:schemeClr val="tx1"/>
                 </a:solidFill>
@@ -11830,9 +12128,37 @@
               </a:endParaRPr>
             </a:p>
             <a:p>
-              <a:pPr algn="ctr"/>
+              <a:pPr algn="ctr">
+                <a:lnSpc>
+                  <a:spcPct val="150000"/>
+                </a:lnSpc>
+              </a:pPr>
               <a:r>
-                <a:rPr lang="ko-KR" altLang="en-US" dirty="0">
+                <a:rPr lang="ko-KR" altLang="en-US" sz="1600" dirty="0">
+                  <a:solidFill>
+                    <a:schemeClr val="tx1"/>
+                  </a:solidFill>
+                  <a:latin typeface="여기어때 잘난체 2" panose="00000500000000000000" pitchFamily="50" charset="-127"/>
+                  <a:ea typeface="여기어때 잘난체 2" panose="00000500000000000000" pitchFamily="50" charset="-127"/>
+                </a:rPr>
+                <a:t>전투 진행</a:t>
+              </a:r>
+              <a:endParaRPr lang="en-US" altLang="ko-KR" sz="1600" dirty="0">
+                <a:solidFill>
+                  <a:schemeClr val="tx1"/>
+                </a:solidFill>
+                <a:latin typeface="여기어때 잘난체 2" panose="00000500000000000000" pitchFamily="50" charset="-127"/>
+                <a:ea typeface="여기어때 잘난체 2" panose="00000500000000000000" pitchFamily="50" charset="-127"/>
+              </a:endParaRPr>
+            </a:p>
+            <a:p>
+              <a:pPr algn="ctr">
+                <a:lnSpc>
+                  <a:spcPct val="150000"/>
+                </a:lnSpc>
+              </a:pPr>
+              <a:r>
+                <a:rPr lang="ko-KR" altLang="en-US" sz="1600" dirty="0">
                   <a:solidFill>
                     <a:schemeClr val="tx1"/>
                   </a:solidFill>
@@ -11841,7 +12167,7 @@
                 </a:rPr>
                 <a:t>승리 시 영물 및 재화</a:t>
               </a:r>
-              <a:endParaRPr lang="en-US" altLang="ko-KR" dirty="0">
+              <a:endParaRPr lang="en-US" altLang="ko-KR" sz="1600" dirty="0">
                 <a:solidFill>
                   <a:schemeClr val="tx1"/>
                 </a:solidFill>
@@ -11850,9 +12176,13 @@
               </a:endParaRPr>
             </a:p>
             <a:p>
-              <a:pPr algn="ctr"/>
+              <a:pPr algn="ctr">
+                <a:lnSpc>
+                  <a:spcPct val="150000"/>
+                </a:lnSpc>
+              </a:pPr>
               <a:r>
-                <a:rPr lang="ko-KR" altLang="en-US" dirty="0">
+                <a:rPr lang="ko-KR" altLang="en-US" sz="1600" dirty="0">
                   <a:solidFill>
                     <a:schemeClr val="tx1"/>
                   </a:solidFill>
@@ -12426,8 +12756,8 @@
         </p:nvSpPr>
         <p:spPr>
           <a:xfrm>
-            <a:off x="4839223" y="3979111"/>
-            <a:ext cx="2513552" cy="923330"/>
+            <a:off x="4839222" y="3494864"/>
+            <a:ext cx="2513552" cy="1719702"/>
           </a:xfrm>
           <a:prstGeom prst="rect">
             <a:avLst/>
@@ -12439,13 +12769,17 @@
           </a:bodyPr>
           <a:lstStyle/>
           <a:p>
-            <a:pPr algn="ctr"/>
+            <a:pPr algn="ctr">
+              <a:lnSpc>
+                <a:spcPct val="150000"/>
+              </a:lnSpc>
+            </a:pPr>
             <a:r>
               <a:rPr lang="ko-KR" altLang="en-US" dirty="0">
                 <a:latin typeface="여기어때 잘난체 2" panose="00000500000000000000" pitchFamily="50" charset="-127"/>
                 <a:ea typeface="여기어때 잘난체 2" panose="00000500000000000000" pitchFamily="50" charset="-127"/>
               </a:rPr>
-              <a:t>스토리만 진행하고</a:t>
+              <a:t>난이도가 너무 높거나</a:t>
             </a:r>
             <a:endParaRPr lang="en-US" altLang="ko-KR" dirty="0">
               <a:latin typeface="여기어때 잘난체 2" panose="00000500000000000000" pitchFamily="50" charset="-127"/>
@@ -12453,13 +12787,17 @@
             </a:endParaRPr>
           </a:p>
           <a:p>
-            <a:pPr algn="ctr"/>
+            <a:pPr algn="ctr">
+              <a:lnSpc>
+                <a:spcPct val="150000"/>
+              </a:lnSpc>
+            </a:pPr>
             <a:r>
               <a:rPr lang="ko-KR" altLang="en-US" dirty="0">
                 <a:latin typeface="여기어때 잘난체 2" panose="00000500000000000000" pitchFamily="50" charset="-127"/>
                 <a:ea typeface="여기어때 잘난체 2" panose="00000500000000000000" pitchFamily="50" charset="-127"/>
               </a:rPr>
-              <a:t>싶은 유저들을 위한</a:t>
+              <a:t>스토리만 진행하고</a:t>
             </a:r>
             <a:endParaRPr lang="en-US" altLang="ko-KR" dirty="0">
               <a:latin typeface="여기어때 잘난체 2" panose="00000500000000000000" pitchFamily="50" charset="-127"/>
@@ -12467,7 +12805,29 @@
             </a:endParaRPr>
           </a:p>
           <a:p>
-            <a:pPr algn="ctr"/>
+            <a:pPr algn="ctr">
+              <a:lnSpc>
+                <a:spcPct val="150000"/>
+              </a:lnSpc>
+            </a:pPr>
+            <a:r>
+              <a:rPr lang="ko-KR" altLang="en-US" dirty="0">
+                <a:latin typeface="여기어때 잘난체 2" panose="00000500000000000000" pitchFamily="50" charset="-127"/>
+                <a:ea typeface="여기어때 잘난체 2" panose="00000500000000000000" pitchFamily="50" charset="-127"/>
+              </a:rPr>
+              <a:t>싶은 유저들을 위한</a:t>
+            </a:r>
+            <a:endParaRPr lang="en-US" altLang="ko-KR" dirty="0">
+              <a:latin typeface="여기어때 잘난체 2" panose="00000500000000000000" pitchFamily="50" charset="-127"/>
+              <a:ea typeface="여기어때 잘난체 2" panose="00000500000000000000" pitchFamily="50" charset="-127"/>
+            </a:endParaRPr>
+          </a:p>
+          <a:p>
+            <a:pPr algn="ctr">
+              <a:lnSpc>
+                <a:spcPct val="150000"/>
+              </a:lnSpc>
+            </a:pPr>
             <a:r>
               <a:rPr lang="en-US" altLang="ko-KR" dirty="0">
                 <a:latin typeface="여기어때 잘난체 2" panose="00000500000000000000" pitchFamily="50" charset="-127"/>
@@ -12584,8 +12944,8 @@
         </p:nvSpPr>
         <p:spPr>
           <a:xfrm>
-            <a:off x="8232369" y="3979111"/>
-            <a:ext cx="2513552" cy="923330"/>
+            <a:off x="8232367" y="3492135"/>
+            <a:ext cx="2513552" cy="1304203"/>
           </a:xfrm>
           <a:prstGeom prst="rect">
             <a:avLst/>
@@ -12597,7 +12957,11 @@
           </a:bodyPr>
           <a:lstStyle/>
           <a:p>
-            <a:pPr algn="ctr"/>
+            <a:pPr algn="ctr">
+              <a:lnSpc>
+                <a:spcPct val="150000"/>
+              </a:lnSpc>
+            </a:pPr>
             <a:r>
               <a:rPr lang="ko-KR" altLang="en-US" dirty="0" err="1">
                 <a:latin typeface="여기어때 잘난체 2" panose="00000500000000000000" pitchFamily="50" charset="-127"/>
@@ -12618,7 +12982,11 @@
             </a:endParaRPr>
           </a:p>
           <a:p>
-            <a:pPr algn="ctr"/>
+            <a:pPr algn="ctr">
+              <a:lnSpc>
+                <a:spcPct val="150000"/>
+              </a:lnSpc>
+            </a:pPr>
             <a:r>
               <a:rPr lang="ko-KR" altLang="en-US" dirty="0">
                 <a:latin typeface="여기어때 잘난체 2" panose="00000500000000000000" pitchFamily="50" charset="-127"/>
@@ -12632,7 +13000,11 @@
             </a:endParaRPr>
           </a:p>
           <a:p>
-            <a:pPr algn="ctr"/>
+            <a:pPr algn="ctr">
+              <a:lnSpc>
+                <a:spcPct val="150000"/>
+              </a:lnSpc>
+            </a:pPr>
             <a:r>
               <a:rPr lang="ko-KR" altLang="en-US" dirty="0">
                 <a:latin typeface="여기어때 잘난체 2" panose="00000500000000000000" pitchFamily="50" charset="-127"/>
@@ -12782,7 +13154,7 @@
         <p:spPr>
           <a:xfrm>
             <a:off x="440256" y="2951946"/>
-            <a:ext cx="2888932" cy="954107"/>
+            <a:ext cx="2888932" cy="1331134"/>
           </a:xfrm>
           <a:prstGeom prst="rect">
             <a:avLst/>
@@ -12795,6 +13167,11 @@
           </a:bodyPr>
           <a:lstStyle/>
           <a:p>
+            <a:pPr>
+              <a:lnSpc>
+                <a:spcPct val="150000"/>
+              </a:lnSpc>
+            </a:pPr>
             <a:r>
               <a:rPr lang="en-US" altLang="ko-KR" sz="2800" dirty="0">
                 <a:latin typeface="여기어때 잘난체 2" panose="00000500000000000000" pitchFamily="50" charset="-127"/>
@@ -12815,6 +13192,11 @@
             </a:endParaRPr>
           </a:p>
           <a:p>
+            <a:pPr>
+              <a:lnSpc>
+                <a:spcPct val="150000"/>
+              </a:lnSpc>
+            </a:pPr>
             <a:r>
               <a:rPr lang="ko-KR" altLang="en-US" sz="2800" dirty="0">
                 <a:latin typeface="여기어때 잘난체 2" panose="00000500000000000000" pitchFamily="50" charset="-127"/>
@@ -13323,7 +13705,7 @@
         <p:spPr>
           <a:xfrm>
             <a:off x="440256" y="2951946"/>
-            <a:ext cx="2888932" cy="954107"/>
+            <a:ext cx="2888932" cy="1331134"/>
           </a:xfrm>
           <a:prstGeom prst="rect">
             <a:avLst/>
@@ -13336,6 +13718,11 @@
           </a:bodyPr>
           <a:lstStyle/>
           <a:p>
+            <a:pPr>
+              <a:lnSpc>
+                <a:spcPct val="150000"/>
+              </a:lnSpc>
+            </a:pPr>
             <a:r>
               <a:rPr lang="en-US" altLang="ko-KR" sz="2800" dirty="0">
                 <a:latin typeface="여기어때 잘난체 2" panose="00000500000000000000" pitchFamily="50" charset="-127"/>
@@ -13356,6 +13743,11 @@
             </a:endParaRPr>
           </a:p>
           <a:p>
+            <a:pPr>
+              <a:lnSpc>
+                <a:spcPct val="150000"/>
+              </a:lnSpc>
+            </a:pPr>
             <a:r>
               <a:rPr lang="ko-KR" altLang="en-US" sz="2800" dirty="0">
                 <a:latin typeface="여기어때 잘난체 2" panose="00000500000000000000" pitchFamily="50" charset="-127"/>
@@ -13782,7 +14174,7 @@
         <p:spPr>
           <a:xfrm>
             <a:off x="440256" y="2951946"/>
-            <a:ext cx="2888932" cy="954107"/>
+            <a:ext cx="2888932" cy="1331134"/>
           </a:xfrm>
           <a:prstGeom prst="rect">
             <a:avLst/>
@@ -13795,6 +14187,11 @@
           </a:bodyPr>
           <a:lstStyle/>
           <a:p>
+            <a:pPr>
+              <a:lnSpc>
+                <a:spcPct val="150000"/>
+              </a:lnSpc>
+            </a:pPr>
             <a:r>
               <a:rPr lang="en-US" altLang="ko-KR" sz="2800" dirty="0">
                 <a:latin typeface="여기어때 잘난체 2" panose="00000500000000000000" pitchFamily="50" charset="-127"/>
@@ -13815,6 +14212,11 @@
             </a:endParaRPr>
           </a:p>
           <a:p>
+            <a:pPr>
+              <a:lnSpc>
+                <a:spcPct val="150000"/>
+              </a:lnSpc>
+            </a:pPr>
             <a:r>
               <a:rPr lang="ko-KR" altLang="en-US" sz="2800" dirty="0">
                 <a:latin typeface="여기어때 잘난체 2" panose="00000500000000000000" pitchFamily="50" charset="-127"/>
@@ -14147,7 +14549,7 @@
         <p:spPr>
           <a:xfrm>
             <a:off x="440256" y="2951946"/>
-            <a:ext cx="2888932" cy="954107"/>
+            <a:ext cx="2888932" cy="1331134"/>
           </a:xfrm>
           <a:prstGeom prst="rect">
             <a:avLst/>
@@ -14160,6 +14562,11 @@
           </a:bodyPr>
           <a:lstStyle/>
           <a:p>
+            <a:pPr>
+              <a:lnSpc>
+                <a:spcPct val="150000"/>
+              </a:lnSpc>
+            </a:pPr>
             <a:r>
               <a:rPr lang="en-US" altLang="ko-KR" sz="2800" dirty="0">
                 <a:latin typeface="여기어때 잘난체 2" panose="00000500000000000000" pitchFamily="50" charset="-127"/>
@@ -14180,6 +14587,11 @@
             </a:endParaRPr>
           </a:p>
           <a:p>
+            <a:pPr>
+              <a:lnSpc>
+                <a:spcPct val="150000"/>
+              </a:lnSpc>
+            </a:pPr>
             <a:r>
               <a:rPr lang="ko-KR" altLang="en-US" sz="2800" dirty="0">
                 <a:latin typeface="여기어때 잘난체 2" panose="00000500000000000000" pitchFamily="50" charset="-127"/>
@@ -15210,7 +15622,7 @@
         <p:spPr>
           <a:xfrm>
             <a:off x="4157649" y="641137"/>
-            <a:ext cx="3029997" cy="369332"/>
+            <a:ext cx="2347117" cy="369332"/>
           </a:xfrm>
           <a:prstGeom prst="rect">
             <a:avLst/>
@@ -15229,6 +15641,309 @@
                 <a:ea typeface="여기어때 잘난체 2" panose="00000500000000000000" pitchFamily="50" charset="-127"/>
               </a:rPr>
               <a:t>2. </a:t>
+            </a:r>
+            <a:r>
+              <a:rPr lang="ko-KR" altLang="en-US" dirty="0" err="1">
+                <a:latin typeface="여기어때 잘난체 2" panose="00000500000000000000" pitchFamily="50" charset="-127"/>
+                <a:ea typeface="여기어때 잘난체 2" panose="00000500000000000000" pitchFamily="50" charset="-127"/>
+              </a:rPr>
+              <a:t>로그라이크</a:t>
+            </a:r>
+            <a:r>
+              <a:rPr lang="ko-KR" altLang="en-US" dirty="0">
+                <a:latin typeface="여기어때 잘난체 2" panose="00000500000000000000" pitchFamily="50" charset="-127"/>
+                <a:ea typeface="여기어때 잘난체 2" panose="00000500000000000000" pitchFamily="50" charset="-127"/>
+              </a:rPr>
+              <a:t> </a:t>
+            </a:r>
+            <a:r>
+              <a:rPr lang="en-US" altLang="ko-KR" dirty="0">
+                <a:latin typeface="여기어때 잘난체 2" panose="00000500000000000000" pitchFamily="50" charset="-127"/>
+                <a:ea typeface="여기어때 잘난체 2" panose="00000500000000000000" pitchFamily="50" charset="-127"/>
+              </a:rPr>
+              <a:t>+ </a:t>
+            </a:r>
+            <a:r>
+              <a:rPr lang="ko-KR" altLang="en-US" dirty="0">
+                <a:latin typeface="여기어때 잘난체 2" panose="00000500000000000000" pitchFamily="50" charset="-127"/>
+                <a:ea typeface="여기어때 잘난체 2" panose="00000500000000000000" pitchFamily="50" charset="-127"/>
+              </a:rPr>
+              <a:t>회귀</a:t>
+            </a:r>
+          </a:p>
+        </p:txBody>
+      </p:sp>
+      <p:pic>
+        <p:nvPicPr>
+          <p:cNvPr id="4" name="그림 3">
+            <a:extLst>
+              <a:ext uri="{FF2B5EF4-FFF2-40B4-BE49-F238E27FC236}">
+                <a16:creationId xmlns:a16="http://schemas.microsoft.com/office/drawing/2014/main" id="{615AFB93-AE56-49BC-A0DE-A52511F34CED}"/>
+              </a:ext>
+            </a:extLst>
+          </p:cNvPr>
+          <p:cNvPicPr>
+            <a:picLocks noChangeAspect="1"/>
+          </p:cNvPicPr>
+          <p:nvPr/>
+        </p:nvPicPr>
+        <p:blipFill>
+          <a:blip r:embed="rId3">
+            <a:extLst>
+              <a:ext uri="{28A0092B-C50C-407E-A947-70E740481C1C}">
+                <a14:useLocalDpi xmlns:a14="http://schemas.microsoft.com/office/drawing/2010/main" val="0"/>
+              </a:ext>
+            </a:extLst>
+          </a:blip>
+          <a:stretch>
+            <a:fillRect/>
+          </a:stretch>
+        </p:blipFill>
+        <p:spPr>
+          <a:xfrm>
+            <a:off x="4157649" y="1770991"/>
+            <a:ext cx="3316018" cy="3316018"/>
+          </a:xfrm>
+          <a:prstGeom prst="rect">
+            <a:avLst/>
+          </a:prstGeom>
+        </p:spPr>
+      </p:pic>
+      <p:pic>
+        <p:nvPicPr>
+          <p:cNvPr id="8" name="그림 7">
+            <a:extLst>
+              <a:ext uri="{FF2B5EF4-FFF2-40B4-BE49-F238E27FC236}">
+                <a16:creationId xmlns:a16="http://schemas.microsoft.com/office/drawing/2014/main" id="{C790450A-CD5C-4780-A953-04EE736EABBE}"/>
+              </a:ext>
+            </a:extLst>
+          </p:cNvPr>
+          <p:cNvPicPr>
+            <a:picLocks noChangeAspect="1"/>
+          </p:cNvPicPr>
+          <p:nvPr/>
+        </p:nvPicPr>
+        <p:blipFill>
+          <a:blip r:embed="rId4">
+            <a:extLst>
+              <a:ext uri="{28A0092B-C50C-407E-A947-70E740481C1C}">
+                <a14:useLocalDpi xmlns:a14="http://schemas.microsoft.com/office/drawing/2010/main" val="0"/>
+              </a:ext>
+            </a:extLst>
+          </a:blip>
+          <a:stretch>
+            <a:fillRect/>
+          </a:stretch>
+        </p:blipFill>
+        <p:spPr>
+          <a:xfrm>
+            <a:off x="7657832" y="1770991"/>
+            <a:ext cx="4145023" cy="3316018"/>
+          </a:xfrm>
+          <a:prstGeom prst="rect">
+            <a:avLst/>
+          </a:prstGeom>
+        </p:spPr>
+      </p:pic>
+    </p:spTree>
+    <p:extLst>
+      <p:ext uri="{BB962C8B-B14F-4D97-AF65-F5344CB8AC3E}">
+        <p14:creationId xmlns:p14="http://schemas.microsoft.com/office/powerpoint/2010/main" val="4133306499"/>
+      </p:ext>
+    </p:extLst>
+  </p:cSld>
+  <p:clrMapOvr>
+    <a:masterClrMapping/>
+  </p:clrMapOvr>
+  <mc:AlternateContent xmlns:mc="http://schemas.openxmlformats.org/markup-compatibility/2006" xmlns:p14="http://schemas.microsoft.com/office/powerpoint/2010/main">
+    <mc:Choice Requires="p14">
+      <p:transition p14:dur="10"/>
+    </mc:Choice>
+    <mc:Fallback xmlns="">
+      <p:transition/>
+    </mc:Fallback>
+  </mc:AlternateContent>
+</p:sld>
+</file>
+
+<file path=ppt/slides/slide5.xml><?xml version="1.0" encoding="utf-8"?>
+<p:sld xmlns:a="http://schemas.openxmlformats.org/drawingml/2006/main" xmlns:r="http://schemas.openxmlformats.org/officeDocument/2006/relationships" xmlns:p="http://schemas.openxmlformats.org/presentationml/2006/main">
+  <p:cSld>
+    <p:spTree>
+      <p:nvGrpSpPr>
+        <p:cNvPr id="1" name=""/>
+        <p:cNvGrpSpPr/>
+        <p:nvPr/>
+      </p:nvGrpSpPr>
+      <p:grpSpPr>
+        <a:xfrm>
+          <a:off x="0" y="0"/>
+          <a:ext cx="0" cy="0"/>
+          <a:chOff x="0" y="0"/>
+          <a:chExt cx="0" cy="0"/>
+        </a:xfrm>
+      </p:grpSpPr>
+      <p:pic>
+        <p:nvPicPr>
+          <p:cNvPr id="7" name="그림 6">
+            <a:extLst>
+              <a:ext uri="{FF2B5EF4-FFF2-40B4-BE49-F238E27FC236}">
+                <a16:creationId xmlns:a16="http://schemas.microsoft.com/office/drawing/2014/main" id="{DB46D6BC-6483-48A9-97EC-E73B0B35BC37}"/>
+              </a:ext>
+            </a:extLst>
+          </p:cNvPr>
+          <p:cNvPicPr>
+            <a:picLocks noChangeAspect="1"/>
+          </p:cNvPicPr>
+          <p:nvPr/>
+        </p:nvPicPr>
+        <p:blipFill>
+          <a:blip r:embed="rId2">
+            <a:extLst>
+              <a:ext uri="{28A0092B-C50C-407E-A947-70E740481C1C}">
+                <a14:useLocalDpi xmlns:a14="http://schemas.microsoft.com/office/drawing/2010/main" val="0"/>
+              </a:ext>
+            </a:extLst>
+          </a:blip>
+          <a:stretch>
+            <a:fillRect/>
+          </a:stretch>
+        </p:blipFill>
+        <p:spPr>
+          <a:xfrm>
+            <a:off x="440256" y="371137"/>
+            <a:ext cx="540000" cy="540000"/>
+          </a:xfrm>
+          <a:prstGeom prst="rect">
+            <a:avLst/>
+          </a:prstGeom>
+        </p:spPr>
+      </p:pic>
+      <p:cxnSp>
+        <p:nvCxnSpPr>
+          <p:cNvPr id="3" name="직선 연결선 2">
+            <a:extLst>
+              <a:ext uri="{FF2B5EF4-FFF2-40B4-BE49-F238E27FC236}">
+                <a16:creationId xmlns:a16="http://schemas.microsoft.com/office/drawing/2014/main" id="{CF9ECE96-BB41-4E0A-9688-ED596D9B8D6A}"/>
+              </a:ext>
+            </a:extLst>
+          </p:cNvPr>
+          <p:cNvCxnSpPr>
+            <a:cxnSpLocks/>
+          </p:cNvCxnSpPr>
+          <p:nvPr/>
+        </p:nvCxnSpPr>
+        <p:spPr>
+          <a:xfrm>
+            <a:off x="3973483" y="646315"/>
+            <a:ext cx="0" cy="5565371"/>
+          </a:xfrm>
+          <a:prstGeom prst="line">
+            <a:avLst/>
+          </a:prstGeom>
+          <a:ln w="9525">
+            <a:solidFill>
+              <a:schemeClr val="bg2">
+                <a:lumMod val="90000"/>
+              </a:schemeClr>
+            </a:solidFill>
+            <a:prstDash val="dash"/>
+          </a:ln>
+        </p:spPr>
+        <p:style>
+          <a:lnRef idx="1">
+            <a:schemeClr val="accent1"/>
+          </a:lnRef>
+          <a:fillRef idx="0">
+            <a:schemeClr val="accent1"/>
+          </a:fillRef>
+          <a:effectRef idx="0">
+            <a:schemeClr val="accent1"/>
+          </a:effectRef>
+          <a:fontRef idx="minor">
+            <a:schemeClr val="tx1"/>
+          </a:fontRef>
+        </p:style>
+      </p:cxnSp>
+      <p:sp>
+        <p:nvSpPr>
+          <p:cNvPr id="11" name="TextBox 10">
+            <a:extLst>
+              <a:ext uri="{FF2B5EF4-FFF2-40B4-BE49-F238E27FC236}">
+                <a16:creationId xmlns:a16="http://schemas.microsoft.com/office/drawing/2014/main" id="{8BB57C26-A1E7-4324-AF89-C47F46B8062B}"/>
+              </a:ext>
+            </a:extLst>
+          </p:cNvPr>
+          <p:cNvSpPr txBox="1"/>
+          <p:nvPr/>
+        </p:nvSpPr>
+        <p:spPr>
+          <a:xfrm>
+            <a:off x="1213265" y="1687483"/>
+            <a:ext cx="2513830" cy="646331"/>
+          </a:xfrm>
+          <a:prstGeom prst="rect">
+            <a:avLst/>
+          </a:prstGeom>
+          <a:noFill/>
+        </p:spPr>
+        <p:txBody>
+          <a:bodyPr wrap="none" rtlCol="0">
+            <a:spAutoFit/>
+          </a:bodyPr>
+          <a:lstStyle/>
+          <a:p>
+            <a:r>
+              <a:rPr lang="en-US" altLang="ko-KR" sz="3600" dirty="0">
+                <a:latin typeface="여기어때 잘난체 2" panose="00000500000000000000" pitchFamily="50" charset="-127"/>
+                <a:ea typeface="여기어때 잘난체 2" panose="00000500000000000000" pitchFamily="50" charset="-127"/>
+              </a:rPr>
+              <a:t>1. </a:t>
+            </a:r>
+            <a:r>
+              <a:rPr lang="ko-KR" altLang="en-US" sz="3600" dirty="0">
+                <a:latin typeface="여기어때 잘난체 2" panose="00000500000000000000" pitchFamily="50" charset="-127"/>
+                <a:ea typeface="여기어때 잘난체 2" panose="00000500000000000000" pitchFamily="50" charset="-127"/>
+              </a:rPr>
+              <a:t>기획의도</a:t>
+            </a:r>
+          </a:p>
+        </p:txBody>
+      </p:sp>
+      <p:sp>
+        <p:nvSpPr>
+          <p:cNvPr id="5" name="TextBox 4">
+            <a:extLst>
+              <a:ext uri="{FF2B5EF4-FFF2-40B4-BE49-F238E27FC236}">
+                <a16:creationId xmlns:a16="http://schemas.microsoft.com/office/drawing/2014/main" id="{07E8AF90-062C-4375-958E-6C85818F0091}"/>
+              </a:ext>
+            </a:extLst>
+          </p:cNvPr>
+          <p:cNvSpPr txBox="1"/>
+          <p:nvPr/>
+        </p:nvSpPr>
+        <p:spPr>
+          <a:xfrm>
+            <a:off x="4157649" y="641137"/>
+            <a:ext cx="3029997" cy="369332"/>
+          </a:xfrm>
+          <a:prstGeom prst="rect">
+            <a:avLst/>
+          </a:prstGeom>
+          <a:noFill/>
+        </p:spPr>
+        <p:txBody>
+          <a:bodyPr wrap="none" rtlCol="0">
+            <a:spAutoFit/>
+          </a:bodyPr>
+          <a:lstStyle/>
+          <a:p>
+            <a:r>
+              <a:rPr lang="en-US" altLang="ko-KR" dirty="0">
+                <a:latin typeface="여기어때 잘난체 2" panose="00000500000000000000" pitchFamily="50" charset="-127"/>
+                <a:ea typeface="여기어때 잘난체 2" panose="00000500000000000000" pitchFamily="50" charset="-127"/>
+              </a:rPr>
+              <a:t>3. </a:t>
             </a:r>
             <a:r>
               <a:rPr lang="ko-KR" altLang="en-US" dirty="0">
@@ -15500,309 +16215,6 @@
 </p:sld>
 </file>
 
-<file path=ppt/slides/slide5.xml><?xml version="1.0" encoding="utf-8"?>
-<p:sld xmlns:a="http://schemas.openxmlformats.org/drawingml/2006/main" xmlns:r="http://schemas.openxmlformats.org/officeDocument/2006/relationships" xmlns:p="http://schemas.openxmlformats.org/presentationml/2006/main">
-  <p:cSld>
-    <p:spTree>
-      <p:nvGrpSpPr>
-        <p:cNvPr id="1" name=""/>
-        <p:cNvGrpSpPr/>
-        <p:nvPr/>
-      </p:nvGrpSpPr>
-      <p:grpSpPr>
-        <a:xfrm>
-          <a:off x="0" y="0"/>
-          <a:ext cx="0" cy="0"/>
-          <a:chOff x="0" y="0"/>
-          <a:chExt cx="0" cy="0"/>
-        </a:xfrm>
-      </p:grpSpPr>
-      <p:pic>
-        <p:nvPicPr>
-          <p:cNvPr id="7" name="그림 6">
-            <a:extLst>
-              <a:ext uri="{FF2B5EF4-FFF2-40B4-BE49-F238E27FC236}">
-                <a16:creationId xmlns:a16="http://schemas.microsoft.com/office/drawing/2014/main" id="{DB46D6BC-6483-48A9-97EC-E73B0B35BC37}"/>
-              </a:ext>
-            </a:extLst>
-          </p:cNvPr>
-          <p:cNvPicPr>
-            <a:picLocks noChangeAspect="1"/>
-          </p:cNvPicPr>
-          <p:nvPr/>
-        </p:nvPicPr>
-        <p:blipFill>
-          <a:blip r:embed="rId2">
-            <a:extLst>
-              <a:ext uri="{28A0092B-C50C-407E-A947-70E740481C1C}">
-                <a14:useLocalDpi xmlns:a14="http://schemas.microsoft.com/office/drawing/2010/main" val="0"/>
-              </a:ext>
-            </a:extLst>
-          </a:blip>
-          <a:stretch>
-            <a:fillRect/>
-          </a:stretch>
-        </p:blipFill>
-        <p:spPr>
-          <a:xfrm>
-            <a:off x="440256" y="371137"/>
-            <a:ext cx="540000" cy="540000"/>
-          </a:xfrm>
-          <a:prstGeom prst="rect">
-            <a:avLst/>
-          </a:prstGeom>
-        </p:spPr>
-      </p:pic>
-      <p:cxnSp>
-        <p:nvCxnSpPr>
-          <p:cNvPr id="3" name="직선 연결선 2">
-            <a:extLst>
-              <a:ext uri="{FF2B5EF4-FFF2-40B4-BE49-F238E27FC236}">
-                <a16:creationId xmlns:a16="http://schemas.microsoft.com/office/drawing/2014/main" id="{CF9ECE96-BB41-4E0A-9688-ED596D9B8D6A}"/>
-              </a:ext>
-            </a:extLst>
-          </p:cNvPr>
-          <p:cNvCxnSpPr>
-            <a:cxnSpLocks/>
-          </p:cNvCxnSpPr>
-          <p:nvPr/>
-        </p:nvCxnSpPr>
-        <p:spPr>
-          <a:xfrm>
-            <a:off x="3973483" y="646315"/>
-            <a:ext cx="0" cy="5565371"/>
-          </a:xfrm>
-          <a:prstGeom prst="line">
-            <a:avLst/>
-          </a:prstGeom>
-          <a:ln w="9525">
-            <a:solidFill>
-              <a:schemeClr val="bg2">
-                <a:lumMod val="90000"/>
-              </a:schemeClr>
-            </a:solidFill>
-            <a:prstDash val="dash"/>
-          </a:ln>
-        </p:spPr>
-        <p:style>
-          <a:lnRef idx="1">
-            <a:schemeClr val="accent1"/>
-          </a:lnRef>
-          <a:fillRef idx="0">
-            <a:schemeClr val="accent1"/>
-          </a:fillRef>
-          <a:effectRef idx="0">
-            <a:schemeClr val="accent1"/>
-          </a:effectRef>
-          <a:fontRef idx="minor">
-            <a:schemeClr val="tx1"/>
-          </a:fontRef>
-        </p:style>
-      </p:cxnSp>
-      <p:sp>
-        <p:nvSpPr>
-          <p:cNvPr id="11" name="TextBox 10">
-            <a:extLst>
-              <a:ext uri="{FF2B5EF4-FFF2-40B4-BE49-F238E27FC236}">
-                <a16:creationId xmlns:a16="http://schemas.microsoft.com/office/drawing/2014/main" id="{8BB57C26-A1E7-4324-AF89-C47F46B8062B}"/>
-              </a:ext>
-            </a:extLst>
-          </p:cNvPr>
-          <p:cNvSpPr txBox="1"/>
-          <p:nvPr/>
-        </p:nvSpPr>
-        <p:spPr>
-          <a:xfrm>
-            <a:off x="1213265" y="1687483"/>
-            <a:ext cx="2513830" cy="646331"/>
-          </a:xfrm>
-          <a:prstGeom prst="rect">
-            <a:avLst/>
-          </a:prstGeom>
-          <a:noFill/>
-        </p:spPr>
-        <p:txBody>
-          <a:bodyPr wrap="none" rtlCol="0">
-            <a:spAutoFit/>
-          </a:bodyPr>
-          <a:lstStyle/>
-          <a:p>
-            <a:r>
-              <a:rPr lang="en-US" altLang="ko-KR" sz="3600" dirty="0">
-                <a:latin typeface="여기어때 잘난체 2" panose="00000500000000000000" pitchFamily="50" charset="-127"/>
-                <a:ea typeface="여기어때 잘난체 2" panose="00000500000000000000" pitchFamily="50" charset="-127"/>
-              </a:rPr>
-              <a:t>1. </a:t>
-            </a:r>
-            <a:r>
-              <a:rPr lang="ko-KR" altLang="en-US" sz="3600" dirty="0">
-                <a:latin typeface="여기어때 잘난체 2" panose="00000500000000000000" pitchFamily="50" charset="-127"/>
-                <a:ea typeface="여기어때 잘난체 2" panose="00000500000000000000" pitchFamily="50" charset="-127"/>
-              </a:rPr>
-              <a:t>기획의도</a:t>
-            </a:r>
-          </a:p>
-        </p:txBody>
-      </p:sp>
-      <p:sp>
-        <p:nvSpPr>
-          <p:cNvPr id="5" name="TextBox 4">
-            <a:extLst>
-              <a:ext uri="{FF2B5EF4-FFF2-40B4-BE49-F238E27FC236}">
-                <a16:creationId xmlns:a16="http://schemas.microsoft.com/office/drawing/2014/main" id="{07E8AF90-062C-4375-958E-6C85818F0091}"/>
-              </a:ext>
-            </a:extLst>
-          </p:cNvPr>
-          <p:cNvSpPr txBox="1"/>
-          <p:nvPr/>
-        </p:nvSpPr>
-        <p:spPr>
-          <a:xfrm>
-            <a:off x="4157649" y="641137"/>
-            <a:ext cx="2347117" cy="369332"/>
-          </a:xfrm>
-          <a:prstGeom prst="rect">
-            <a:avLst/>
-          </a:prstGeom>
-          <a:noFill/>
-        </p:spPr>
-        <p:txBody>
-          <a:bodyPr wrap="none" rtlCol="0">
-            <a:spAutoFit/>
-          </a:bodyPr>
-          <a:lstStyle/>
-          <a:p>
-            <a:r>
-              <a:rPr lang="en-US" altLang="ko-KR" dirty="0">
-                <a:latin typeface="여기어때 잘난체 2" panose="00000500000000000000" pitchFamily="50" charset="-127"/>
-                <a:ea typeface="여기어때 잘난체 2" panose="00000500000000000000" pitchFamily="50" charset="-127"/>
-              </a:rPr>
-              <a:t>3. </a:t>
-            </a:r>
-            <a:r>
-              <a:rPr lang="ko-KR" altLang="en-US" dirty="0" err="1">
-                <a:latin typeface="여기어때 잘난체 2" panose="00000500000000000000" pitchFamily="50" charset="-127"/>
-                <a:ea typeface="여기어때 잘난체 2" panose="00000500000000000000" pitchFamily="50" charset="-127"/>
-              </a:rPr>
-              <a:t>로그라이크</a:t>
-            </a:r>
-            <a:r>
-              <a:rPr lang="ko-KR" altLang="en-US" dirty="0">
-                <a:latin typeface="여기어때 잘난체 2" panose="00000500000000000000" pitchFamily="50" charset="-127"/>
-                <a:ea typeface="여기어때 잘난체 2" panose="00000500000000000000" pitchFamily="50" charset="-127"/>
-              </a:rPr>
-              <a:t> </a:t>
-            </a:r>
-            <a:r>
-              <a:rPr lang="en-US" altLang="ko-KR" dirty="0">
-                <a:latin typeface="여기어때 잘난체 2" panose="00000500000000000000" pitchFamily="50" charset="-127"/>
-                <a:ea typeface="여기어때 잘난체 2" panose="00000500000000000000" pitchFamily="50" charset="-127"/>
-              </a:rPr>
-              <a:t>+ </a:t>
-            </a:r>
-            <a:r>
-              <a:rPr lang="ko-KR" altLang="en-US" dirty="0">
-                <a:latin typeface="여기어때 잘난체 2" panose="00000500000000000000" pitchFamily="50" charset="-127"/>
-                <a:ea typeface="여기어때 잘난체 2" panose="00000500000000000000" pitchFamily="50" charset="-127"/>
-              </a:rPr>
-              <a:t>회귀</a:t>
-            </a:r>
-          </a:p>
-        </p:txBody>
-      </p:sp>
-      <p:pic>
-        <p:nvPicPr>
-          <p:cNvPr id="4" name="그림 3">
-            <a:extLst>
-              <a:ext uri="{FF2B5EF4-FFF2-40B4-BE49-F238E27FC236}">
-                <a16:creationId xmlns:a16="http://schemas.microsoft.com/office/drawing/2014/main" id="{615AFB93-AE56-49BC-A0DE-A52511F34CED}"/>
-              </a:ext>
-            </a:extLst>
-          </p:cNvPr>
-          <p:cNvPicPr>
-            <a:picLocks noChangeAspect="1"/>
-          </p:cNvPicPr>
-          <p:nvPr/>
-        </p:nvPicPr>
-        <p:blipFill>
-          <a:blip r:embed="rId3">
-            <a:extLst>
-              <a:ext uri="{28A0092B-C50C-407E-A947-70E740481C1C}">
-                <a14:useLocalDpi xmlns:a14="http://schemas.microsoft.com/office/drawing/2010/main" val="0"/>
-              </a:ext>
-            </a:extLst>
-          </a:blip>
-          <a:stretch>
-            <a:fillRect/>
-          </a:stretch>
-        </p:blipFill>
-        <p:spPr>
-          <a:xfrm>
-            <a:off x="4157649" y="1770991"/>
-            <a:ext cx="3316018" cy="3316018"/>
-          </a:xfrm>
-          <a:prstGeom prst="rect">
-            <a:avLst/>
-          </a:prstGeom>
-        </p:spPr>
-      </p:pic>
-      <p:pic>
-        <p:nvPicPr>
-          <p:cNvPr id="8" name="그림 7">
-            <a:extLst>
-              <a:ext uri="{FF2B5EF4-FFF2-40B4-BE49-F238E27FC236}">
-                <a16:creationId xmlns:a16="http://schemas.microsoft.com/office/drawing/2014/main" id="{C790450A-CD5C-4780-A953-04EE736EABBE}"/>
-              </a:ext>
-            </a:extLst>
-          </p:cNvPr>
-          <p:cNvPicPr>
-            <a:picLocks noChangeAspect="1"/>
-          </p:cNvPicPr>
-          <p:nvPr/>
-        </p:nvPicPr>
-        <p:blipFill>
-          <a:blip r:embed="rId4">
-            <a:extLst>
-              <a:ext uri="{28A0092B-C50C-407E-A947-70E740481C1C}">
-                <a14:useLocalDpi xmlns:a14="http://schemas.microsoft.com/office/drawing/2010/main" val="0"/>
-              </a:ext>
-            </a:extLst>
-          </a:blip>
-          <a:stretch>
-            <a:fillRect/>
-          </a:stretch>
-        </p:blipFill>
-        <p:spPr>
-          <a:xfrm>
-            <a:off x="7657832" y="1770991"/>
-            <a:ext cx="4145023" cy="3316018"/>
-          </a:xfrm>
-          <a:prstGeom prst="rect">
-            <a:avLst/>
-          </a:prstGeom>
-        </p:spPr>
-      </p:pic>
-    </p:spTree>
-    <p:extLst>
-      <p:ext uri="{BB962C8B-B14F-4D97-AF65-F5344CB8AC3E}">
-        <p14:creationId xmlns:p14="http://schemas.microsoft.com/office/powerpoint/2010/main" val="4133306499"/>
-      </p:ext>
-    </p:extLst>
-  </p:cSld>
-  <p:clrMapOvr>
-    <a:masterClrMapping/>
-  </p:clrMapOvr>
-  <mc:AlternateContent xmlns:mc="http://schemas.openxmlformats.org/markup-compatibility/2006" xmlns:p14="http://schemas.microsoft.com/office/powerpoint/2010/main">
-    <mc:Choice Requires="p14">
-      <p:transition p14:dur="10"/>
-    </mc:Choice>
-    <mc:Fallback xmlns="">
-      <p:transition/>
-    </mc:Fallback>
-  </mc:AlternateContent>
-</p:sld>
-</file>
-
 <file path=ppt/slides/slide6.xml><?xml version="1.0" encoding="utf-8"?>
 <p:sld xmlns:a="http://schemas.openxmlformats.org/drawingml/2006/main" xmlns:r="http://schemas.openxmlformats.org/officeDocument/2006/relationships" xmlns:p="http://schemas.openxmlformats.org/presentationml/2006/main">
   <p:cSld>
@@ -16028,7 +16440,11 @@
             <a:bodyPr rtlCol="0" anchor="ctr"/>
             <a:lstStyle/>
             <a:p>
-              <a:pPr algn="ctr"/>
+              <a:pPr algn="ctr">
+                <a:lnSpc>
+                  <a:spcPct val="150000"/>
+                </a:lnSpc>
+              </a:pPr>
               <a:r>
                 <a:rPr lang="ko-KR" altLang="en-US" dirty="0">
                   <a:solidFill>
@@ -16048,7 +16464,11 @@
               </a:endParaRPr>
             </a:p>
             <a:p>
-              <a:pPr algn="ctr"/>
+              <a:pPr algn="ctr">
+                <a:lnSpc>
+                  <a:spcPct val="150000"/>
+                </a:lnSpc>
+              </a:pPr>
               <a:r>
                 <a:rPr lang="ko-KR" altLang="en-US" dirty="0">
                   <a:solidFill>
@@ -16950,7 +17370,11 @@
               <a:bodyPr rtlCol="0" anchor="ctr"/>
               <a:lstStyle/>
               <a:p>
-                <a:pPr algn="ctr"/>
+                <a:pPr algn="ctr">
+                  <a:lnSpc>
+                    <a:spcPct val="150000"/>
+                  </a:lnSpc>
+                </a:pPr>
                 <a:r>
                   <a:rPr lang="en-US" altLang="ko-KR" sz="1500" dirty="0">
                     <a:solidFill>
@@ -17000,17 +17424,11 @@
                 </a:endParaRPr>
               </a:p>
               <a:p>
-                <a:pPr algn="ctr"/>
-                <a:endParaRPr lang="en-US" altLang="ko-KR" sz="1500" dirty="0">
-                  <a:solidFill>
-                    <a:schemeClr val="tx1"/>
-                  </a:solidFill>
-                  <a:latin typeface="여기어때 잘난체 2" panose="00000500000000000000" pitchFamily="50" charset="-127"/>
-                  <a:ea typeface="여기어때 잘난체 2" panose="00000500000000000000" pitchFamily="50" charset="-127"/>
-                </a:endParaRPr>
-              </a:p>
-              <a:p>
-                <a:pPr algn="ctr"/>
+                <a:pPr algn="ctr">
+                  <a:lnSpc>
+                    <a:spcPct val="150000"/>
+                  </a:lnSpc>
+                </a:pPr>
                 <a:r>
                   <a:rPr lang="en-US" altLang="ko-KR" sz="1500" dirty="0">
                     <a:solidFill>
@@ -17043,7 +17461,11 @@
                 </a:r>
               </a:p>
               <a:p>
-                <a:pPr algn="ctr"/>
+                <a:pPr algn="ctr">
+                  <a:lnSpc>
+                    <a:spcPct val="150000"/>
+                  </a:lnSpc>
+                </a:pPr>
                 <a:r>
                   <a:rPr lang="en-US" altLang="ko-KR" sz="1500" dirty="0">
                     <a:solidFill>
@@ -17076,7 +17498,11 @@
                 </a:r>
               </a:p>
               <a:p>
-                <a:pPr algn="ctr"/>
+                <a:pPr algn="ctr">
+                  <a:lnSpc>
+                    <a:spcPct val="150000"/>
+                  </a:lnSpc>
+                </a:pPr>
                 <a:r>
                   <a:rPr lang="en-US" altLang="ko-KR" sz="1500" dirty="0">
                     <a:solidFill>
@@ -17106,7 +17532,11 @@
                 </a:endParaRPr>
               </a:p>
               <a:p>
-                <a:pPr algn="ctr"/>
+                <a:pPr algn="ctr">
+                  <a:lnSpc>
+                    <a:spcPct val="150000"/>
+                  </a:lnSpc>
+                </a:pPr>
                 <a:r>
                   <a:rPr lang="ko-KR" altLang="en-US" sz="1500" dirty="0" err="1">
                     <a:solidFill>
@@ -18174,7 +18604,21 @@
                 <a:latin typeface="여기어때 잘난체 2" panose="00000500000000000000" pitchFamily="50" charset="-127"/>
                 <a:ea typeface="여기어때 잘난체 2" panose="00000500000000000000" pitchFamily="50" charset="-127"/>
               </a:rPr>
-              <a:t>PC </a:t>
+              <a:t>PC / </a:t>
+            </a:r>
+            <a:r>
+              <a:rPr lang="ko-KR" altLang="en-US" sz="2000" dirty="0">
+                <a:latin typeface="여기어때 잘난체 2" panose="00000500000000000000" pitchFamily="50" charset="-127"/>
+                <a:ea typeface="여기어때 잘난체 2" panose="00000500000000000000" pitchFamily="50" charset="-127"/>
+              </a:rPr>
+              <a:t>콘솔</a:t>
+            </a:r>
+            <a:r>
+              <a:rPr lang="en-US" altLang="ko-KR" sz="2000" dirty="0">
+                <a:latin typeface="여기어때 잘난체 2" panose="00000500000000000000" pitchFamily="50" charset="-127"/>
+                <a:ea typeface="여기어때 잘난체 2" panose="00000500000000000000" pitchFamily="50" charset="-127"/>
+              </a:rPr>
+              <a:t> </a:t>
             </a:r>
             <a:r>
               <a:rPr lang="ko-KR" altLang="en-US" sz="2000" dirty="0">

--- a/게임 기획서 남준구.pptx
+++ b/게임 기획서 남준구.pptx
@@ -4363,8 +4363,8 @@
           </p:nvSpPr>
           <p:spPr>
             <a:xfrm>
-              <a:off x="4974672" y="1057013"/>
-              <a:ext cx="394282" cy="2441196"/>
+              <a:off x="4999839" y="1057013"/>
+              <a:ext cx="394282" cy="1459683"/>
             </a:xfrm>
             <a:prstGeom prst="rect">
               <a:avLst/>
@@ -9151,7 +9151,31 @@
                   <a:latin typeface="여기어때 잘난체 2" panose="00000500000000000000" pitchFamily="50" charset="-127"/>
                   <a:ea typeface="여기어때 잘난체 2" panose="00000500000000000000" pitchFamily="50" charset="-127"/>
                 </a:rPr>
-                <a:t>재화를 통해 플레이어를 영구 성장</a:t>
+                <a:t>재화를 사용하여</a:t>
+              </a:r>
+              <a:endParaRPr lang="en-US" altLang="ko-KR" dirty="0">
+                <a:solidFill>
+                  <a:schemeClr val="tx1"/>
+                </a:solidFill>
+                <a:latin typeface="여기어때 잘난체 2" panose="00000500000000000000" pitchFamily="50" charset="-127"/>
+                <a:ea typeface="여기어때 잘난체 2" panose="00000500000000000000" pitchFamily="50" charset="-127"/>
+              </a:endParaRPr>
+            </a:p>
+            <a:p>
+              <a:pPr algn="ctr">
+                <a:lnSpc>
+                  <a:spcPct val="150000"/>
+                </a:lnSpc>
+              </a:pPr>
+              <a:r>
+                <a:rPr lang="ko-KR" altLang="en-US" dirty="0">
+                  <a:solidFill>
+                    <a:schemeClr val="tx1"/>
+                  </a:solidFill>
+                  <a:latin typeface="여기어때 잘난체 2" panose="00000500000000000000" pitchFamily="50" charset="-127"/>
+                  <a:ea typeface="여기어때 잘난체 2" panose="00000500000000000000" pitchFamily="50" charset="-127"/>
+                </a:rPr>
+                <a:t> 플레이어를 영구 성장</a:t>
               </a:r>
             </a:p>
           </p:txBody>
@@ -10233,7 +10257,7 @@
                   <a:latin typeface="여기어때 잘난체 2" panose="00000500000000000000" pitchFamily="50" charset="-127"/>
                   <a:ea typeface="여기어때 잘난체 2" panose="00000500000000000000" pitchFamily="50" charset="-127"/>
                 </a:rPr>
-                <a:t> → 중원 → </a:t>
+                <a:t> → 강호 → </a:t>
               </a:r>
               <a:r>
                 <a:rPr lang="ko-KR" altLang="en-US" dirty="0" err="1">
@@ -10370,10 +10394,10 @@
         </p:nvGrpSpPr>
         <p:grpSpPr>
           <a:xfrm>
-            <a:off x="8232371" y="2251362"/>
-            <a:ext cx="2513551" cy="3138056"/>
-            <a:chOff x="1293678" y="2098962"/>
-            <a:chExt cx="2513551" cy="3138056"/>
+            <a:off x="8232369" y="2251362"/>
+            <a:ext cx="2513553" cy="3138055"/>
+            <a:chOff x="1293676" y="2098962"/>
+            <a:chExt cx="2513553" cy="3138055"/>
           </a:xfrm>
         </p:grpSpPr>
         <p:sp>
@@ -10456,7 +10480,7 @@
           </p:nvSpPr>
           <p:spPr>
             <a:xfrm>
-              <a:off x="1293678" y="3339735"/>
+              <a:off x="1293676" y="3339734"/>
               <a:ext cx="2513551" cy="1897283"/>
             </a:xfrm>
             <a:prstGeom prst="rect">
@@ -10560,20 +10584,6 @@
                 <a:ea typeface="여기어때 잘난체 2" panose="00000500000000000000" pitchFamily="50" charset="-127"/>
               </a:endParaRPr>
             </a:p>
-            <a:p>
-              <a:pPr algn="ctr">
-                <a:lnSpc>
-                  <a:spcPct val="150000"/>
-                </a:lnSpc>
-              </a:pPr>
-              <a:endParaRPr lang="ko-KR" altLang="en-US" dirty="0">
-                <a:solidFill>
-                  <a:schemeClr val="tx1"/>
-                </a:solidFill>
-                <a:latin typeface="여기어때 잘난체 2" panose="00000500000000000000" pitchFamily="50" charset="-127"/>
-                <a:ea typeface="여기어때 잘난체 2" panose="00000500000000000000" pitchFamily="50" charset="-127"/>
-              </a:endParaRPr>
-            </a:p>
           </p:txBody>
         </p:sp>
       </p:grpSp>
@@ -10734,7 +10744,7 @@
         </p:blipFill>
         <p:spPr bwMode="auto">
           <a:xfrm>
-            <a:off x="10012808" y="3707934"/>
+            <a:off x="10012808" y="3917659"/>
             <a:ext cx="382636" cy="286608"/>
           </a:xfrm>
           <a:prstGeom prst="rect">
@@ -10781,7 +10791,7 @@
         </p:blipFill>
         <p:spPr bwMode="auto">
           <a:xfrm>
-            <a:off x="10054778" y="4111988"/>
+            <a:off x="10054778" y="4321713"/>
             <a:ext cx="286608" cy="286608"/>
           </a:xfrm>
           <a:prstGeom prst="rect">
@@ -11741,8 +11751,8 @@
         </p:nvSpPr>
         <p:spPr>
           <a:xfrm>
-            <a:off x="8232370" y="3669716"/>
-            <a:ext cx="2513552" cy="1719702"/>
+            <a:off x="8232371" y="3751932"/>
+            <a:ext cx="2513552" cy="1304203"/>
           </a:xfrm>
           <a:prstGeom prst="rect">
             <a:avLst/>
@@ -11760,18 +11770,11 @@
               </a:lnSpc>
             </a:pPr>
             <a:r>
-              <a:rPr lang="ko-KR" altLang="en-US" dirty="0" err="1">
+              <a:rPr lang="ko-KR" altLang="en-US" dirty="0">
                 <a:latin typeface="여기어때 잘난체 2" panose="00000500000000000000" pitchFamily="50" charset="-127"/>
                 <a:ea typeface="여기어때 잘난체 2" panose="00000500000000000000" pitchFamily="50" charset="-127"/>
               </a:rPr>
-              <a:t>다회차</a:t>
-            </a:r>
-            <a:r>
-              <a:rPr lang="ko-KR" altLang="en-US" dirty="0">
-                <a:latin typeface="여기어때 잘난체 2" panose="00000500000000000000" pitchFamily="50" charset="-127"/>
-                <a:ea typeface="여기어때 잘난체 2" panose="00000500000000000000" pitchFamily="50" charset="-127"/>
-              </a:rPr>
-              <a:t> 플레이 및</a:t>
+              <a:t>타 게임의 퀘스트 </a:t>
             </a:r>
             <a:endParaRPr lang="en-US" altLang="ko-KR" dirty="0">
               <a:latin typeface="여기어때 잘난체 2" panose="00000500000000000000" pitchFamily="50" charset="-127"/>
@@ -11789,7 +11792,7 @@
                 <a:latin typeface="여기어때 잘난체 2" panose="00000500000000000000" pitchFamily="50" charset="-127"/>
                 <a:ea typeface="여기어때 잘난체 2" panose="00000500000000000000" pitchFamily="50" charset="-127"/>
               </a:rPr>
-              <a:t>고난이도 유저를 위한</a:t>
+              <a:t>시스템과 유사</a:t>
             </a:r>
             <a:endParaRPr lang="en-US" altLang="ko-KR" dirty="0">
               <a:latin typeface="여기어때 잘난체 2" panose="00000500000000000000" pitchFamily="50" charset="-127"/>
@@ -11807,25 +11810,7 @@
                 <a:latin typeface="여기어때 잘난체 2" panose="00000500000000000000" pitchFamily="50" charset="-127"/>
                 <a:ea typeface="여기어때 잘난체 2" panose="00000500000000000000" pitchFamily="50" charset="-127"/>
               </a:rPr>
-              <a:t>시스템</a:t>
-            </a:r>
-            <a:endParaRPr lang="en-US" altLang="ko-KR" dirty="0">
-              <a:latin typeface="여기어때 잘난체 2" panose="00000500000000000000" pitchFamily="50" charset="-127"/>
-              <a:ea typeface="여기어때 잘난체 2" panose="00000500000000000000" pitchFamily="50" charset="-127"/>
-            </a:endParaRPr>
-          </a:p>
-          <a:p>
-            <a:pPr algn="ctr">
-              <a:lnSpc>
-                <a:spcPct val="150000"/>
-              </a:lnSpc>
-            </a:pPr>
-            <a:r>
-              <a:rPr lang="ko-KR" altLang="en-US" dirty="0">
-                <a:latin typeface="여기어때 잘난체 2" panose="00000500000000000000" pitchFamily="50" charset="-127"/>
-                <a:ea typeface="여기어때 잘난체 2" panose="00000500000000000000" pitchFamily="50" charset="-127"/>
-              </a:rPr>
-              <a:t>완료 시 영물 획득</a:t>
+              <a:t>완료 시 재화를 획득</a:t>
             </a:r>
             <a:endParaRPr lang="en-US" altLang="ko-KR" dirty="0">
               <a:latin typeface="여기어때 잘난체 2" panose="00000500000000000000" pitchFamily="50" charset="-127"/>
@@ -12093,7 +12078,7 @@
                   <a:latin typeface="여기어때 잘난체 2" panose="00000500000000000000" pitchFamily="50" charset="-127"/>
                   <a:ea typeface="여기어때 잘난체 2" panose="00000500000000000000" pitchFamily="50" charset="-127"/>
                 </a:rPr>
-                <a:t>낮은 확률로 등장</a:t>
+                <a:t>낮은 확률로</a:t>
               </a:r>
               <a:endParaRPr lang="en-US" altLang="ko-KR" sz="1600" dirty="0">
                 <a:solidFill>
@@ -12117,7 +12102,7 @@
                   <a:latin typeface="여기어때 잘난체 2" panose="00000500000000000000" pitchFamily="50" charset="-127"/>
                   <a:ea typeface="여기어때 잘난체 2" panose="00000500000000000000" pitchFamily="50" charset="-127"/>
                 </a:rPr>
-                <a:t>상점에서 특수 보스와 </a:t>
+                <a:t>상점에서 등장</a:t>
               </a:r>
               <a:endParaRPr lang="en-US" altLang="ko-KR" sz="1600" dirty="0">
                 <a:solidFill>
@@ -12141,7 +12126,7 @@
                   <a:latin typeface="여기어때 잘난체 2" panose="00000500000000000000" pitchFamily="50" charset="-127"/>
                   <a:ea typeface="여기어때 잘난체 2" panose="00000500000000000000" pitchFamily="50" charset="-127"/>
                 </a:rPr>
-                <a:t>전투 진행</a:t>
+                <a:t> 특수 보스와 전투 진행</a:t>
               </a:r>
               <a:endParaRPr lang="en-US" altLang="ko-KR" sz="1600" dirty="0">
                 <a:solidFill>
@@ -12944,7 +12929,7 @@
         </p:nvSpPr>
         <p:spPr>
           <a:xfrm>
-            <a:off x="8232367" y="3492135"/>
+            <a:off x="8232367" y="3702613"/>
             <a:ext cx="2513552" cy="1304203"/>
           </a:xfrm>
           <a:prstGeom prst="rect">
